--- a/Common_Data/Tournaments_Data/2025_02_JapanOpen/PresentationSheet/presentation.pptx
+++ b/Common_Data/Tournaments_Data/2025_02_JapanOpen/PresentationSheet/presentation.pptx
@@ -210,7 +210,7 @@
           <a:p>
             <a:fld id="{AC879552-4542-402D-98E1-AFA8340169A0}" type="datetimeFigureOut">
               <a:rPr kumimoji="1" lang="ja-JP" altLang="en-US" smtClean="0"/>
-              <a:t>2025/2/11</a:t>
+              <a:t>2025/2/14</a:t>
             </a:fld>
             <a:endParaRPr kumimoji="1" lang="ja-JP" altLang="en-US"/>
           </a:p>
@@ -724,7 +724,7 @@
           <a:p>
             <a:fld id="{5857F6DD-A663-424A-91CD-4A5CB938D056}" type="datetimeFigureOut">
               <a:rPr kumimoji="1" lang="ja-JP" altLang="en-US" smtClean="0"/>
-              <a:t>2025/2/11</a:t>
+              <a:t>2025/2/14</a:t>
             </a:fld>
             <a:endParaRPr kumimoji="1" lang="ja-JP" altLang="en-US"/>
           </a:p>
@@ -926,7 +926,7 @@
           <a:p>
             <a:fld id="{5857F6DD-A663-424A-91CD-4A5CB938D056}" type="datetimeFigureOut">
               <a:rPr kumimoji="1" lang="ja-JP" altLang="en-US" smtClean="0"/>
-              <a:t>2025/2/11</a:t>
+              <a:t>2025/2/14</a:t>
             </a:fld>
             <a:endParaRPr kumimoji="1" lang="ja-JP" altLang="en-US"/>
           </a:p>
@@ -1138,7 +1138,7 @@
           <a:p>
             <a:fld id="{5857F6DD-A663-424A-91CD-4A5CB938D056}" type="datetimeFigureOut">
               <a:rPr kumimoji="1" lang="ja-JP" altLang="en-US" smtClean="0"/>
-              <a:t>2025/2/11</a:t>
+              <a:t>2025/2/14</a:t>
             </a:fld>
             <a:endParaRPr kumimoji="1" lang="ja-JP" altLang="en-US"/>
           </a:p>
@@ -1340,7 +1340,7 @@
           <a:p>
             <a:fld id="{5857F6DD-A663-424A-91CD-4A5CB938D056}" type="datetimeFigureOut">
               <a:rPr kumimoji="1" lang="ja-JP" altLang="en-US" smtClean="0"/>
-              <a:t>2025/2/11</a:t>
+              <a:t>2025/2/14</a:t>
             </a:fld>
             <a:endParaRPr kumimoji="1" lang="ja-JP" altLang="en-US"/>
           </a:p>
@@ -1584,7 +1584,7 @@
           <a:p>
             <a:fld id="{5857F6DD-A663-424A-91CD-4A5CB938D056}" type="datetimeFigureOut">
               <a:rPr kumimoji="1" lang="ja-JP" altLang="en-US" smtClean="0"/>
-              <a:t>2025/2/11</a:t>
+              <a:t>2025/2/14</a:t>
             </a:fld>
             <a:endParaRPr kumimoji="1" lang="ja-JP" altLang="en-US"/>
           </a:p>
@@ -1880,7 +1880,7 @@
           <a:p>
             <a:fld id="{5857F6DD-A663-424A-91CD-4A5CB938D056}" type="datetimeFigureOut">
               <a:rPr kumimoji="1" lang="ja-JP" altLang="en-US" smtClean="0"/>
-              <a:t>2025/2/11</a:t>
+              <a:t>2025/2/14</a:t>
             </a:fld>
             <a:endParaRPr kumimoji="1" lang="ja-JP" altLang="en-US"/>
           </a:p>
@@ -2311,7 +2311,7 @@
           <a:p>
             <a:fld id="{5857F6DD-A663-424A-91CD-4A5CB938D056}" type="datetimeFigureOut">
               <a:rPr kumimoji="1" lang="ja-JP" altLang="en-US" smtClean="0"/>
-              <a:t>2025/2/11</a:t>
+              <a:t>2025/2/14</a:t>
             </a:fld>
             <a:endParaRPr kumimoji="1" lang="ja-JP" altLang="en-US"/>
           </a:p>
@@ -2429,7 +2429,7 @@
           <a:p>
             <a:fld id="{5857F6DD-A663-424A-91CD-4A5CB938D056}" type="datetimeFigureOut">
               <a:rPr kumimoji="1" lang="ja-JP" altLang="en-US" smtClean="0"/>
-              <a:t>2025/2/11</a:t>
+              <a:t>2025/2/14</a:t>
             </a:fld>
             <a:endParaRPr kumimoji="1" lang="ja-JP" altLang="en-US"/>
           </a:p>
@@ -2524,7 +2524,7 @@
           <a:p>
             <a:fld id="{5857F6DD-A663-424A-91CD-4A5CB938D056}" type="datetimeFigureOut">
               <a:rPr kumimoji="1" lang="ja-JP" altLang="en-US" smtClean="0"/>
-              <a:t>2025/2/11</a:t>
+              <a:t>2025/2/14</a:t>
             </a:fld>
             <a:endParaRPr kumimoji="1" lang="ja-JP" altLang="en-US"/>
           </a:p>
@@ -2833,7 +2833,7 @@
           <a:p>
             <a:fld id="{5857F6DD-A663-424A-91CD-4A5CB938D056}" type="datetimeFigureOut">
               <a:rPr kumimoji="1" lang="ja-JP" altLang="en-US" smtClean="0"/>
-              <a:t>2025/2/11</a:t>
+              <a:t>2025/2/14</a:t>
             </a:fld>
             <a:endParaRPr kumimoji="1" lang="ja-JP" altLang="en-US"/>
           </a:p>
@@ -3090,7 +3090,7 @@
           <a:p>
             <a:fld id="{5857F6DD-A663-424A-91CD-4A5CB938D056}" type="datetimeFigureOut">
               <a:rPr kumimoji="1" lang="ja-JP" altLang="en-US" smtClean="0"/>
-              <a:t>2025/2/11</a:t>
+              <a:t>2025/2/14</a:t>
             </a:fld>
             <a:endParaRPr kumimoji="1" lang="ja-JP" altLang="en-US"/>
           </a:p>
@@ -3335,7 +3335,7 @@
           <a:p>
             <a:fld id="{5857F6DD-A663-424A-91CD-4A5CB938D056}" type="datetimeFigureOut">
               <a:rPr kumimoji="1" lang="ja-JP" altLang="en-US" smtClean="0"/>
-              <a:t>2025/2/11</a:t>
+              <a:t>2025/2/14</a:t>
             </a:fld>
             <a:endParaRPr kumimoji="1" lang="ja-JP" altLang="en-US"/>
           </a:p>
@@ -3740,12 +3740,67 @@
           <a:chExt cx="0" cy="0"/>
         </a:xfrm>
       </p:grpSpPr>
+      <p:sp>
+        <p:nvSpPr>
+          <p:cNvPr id="12" name="正方形/長方形 11">
+            <a:extLst>
+              <a:ext uri="{FF2B5EF4-FFF2-40B4-BE49-F238E27FC236}">
+                <a16:creationId xmlns:a16="http://schemas.microsoft.com/office/drawing/2014/main" id="{8F36AD19-8D6E-5854-8280-65A3AAD45D5F}"/>
+              </a:ext>
+            </a:extLst>
+          </p:cNvPr>
+          <p:cNvSpPr/>
+          <p:nvPr/>
+        </p:nvSpPr>
+        <p:spPr>
+          <a:xfrm>
+            <a:off x="-71439" y="-14514"/>
+            <a:ext cx="15273339" cy="903288"/>
+          </a:xfrm>
+          <a:prstGeom prst="rect">
+            <a:avLst/>
+          </a:prstGeom>
+          <a:solidFill>
+            <a:schemeClr val="tx1">
+              <a:lumMod val="85000"/>
+              <a:lumOff val="15000"/>
+            </a:schemeClr>
+          </a:solidFill>
+          <a:ln>
+            <a:noFill/>
+          </a:ln>
+        </p:spPr>
+        <p:style>
+          <a:lnRef idx="2">
+            <a:schemeClr val="accent1">
+              <a:shade val="15000"/>
+            </a:schemeClr>
+          </a:lnRef>
+          <a:fillRef idx="1">
+            <a:schemeClr val="accent1"/>
+          </a:fillRef>
+          <a:effectRef idx="0">
+            <a:schemeClr val="accent1"/>
+          </a:effectRef>
+          <a:fontRef idx="minor">
+            <a:schemeClr val="lt1"/>
+          </a:fontRef>
+        </p:style>
+        <p:txBody>
+          <a:bodyPr rtlCol="0" anchor="ctr"/>
+          <a:lstStyle/>
+          <a:p>
+            <a:pPr algn="ctr"/>
+            <a:endParaRPr kumimoji="1" lang="ja-JP" altLang="en-US"/>
+          </a:p>
+        </p:txBody>
+      </p:sp>
       <p:pic>
         <p:nvPicPr>
-          <p:cNvPr id="1374" name="図 1373" descr="ロゴ&#10;&#10;AI によって生成されたコンテンツは間違っている可能性があります。">
+          <p:cNvPr id="14" name="図 13" descr="テキスト, ロゴ&#10;&#10;AI によって生成されたコンテンツは間違っている可能性があります。">
             <a:extLst>
               <a:ext uri="{FF2B5EF4-FFF2-40B4-BE49-F238E27FC236}">
-                <a16:creationId xmlns:a16="http://schemas.microsoft.com/office/drawing/2014/main" id="{1EFD1409-07F1-B8D2-AA2C-9CAFFE17C05E}"/>
+                <a16:creationId xmlns:a16="http://schemas.microsoft.com/office/drawing/2014/main" id="{3A6CF49B-1053-49DE-674C-83A3348A69D9}"/>
               </a:ext>
             </a:extLst>
           </p:cNvPr>
@@ -3762,20 +3817,663 @@
               </a:ext>
             </a:extLst>
           </a:blip>
-          <a:stretch>
-            <a:fillRect/>
-          </a:stretch>
+          <a:srcRect l="15013" t="39886" r="3308" b="34205"/>
+          <a:stretch/>
         </p:blipFill>
         <p:spPr>
           <a:xfrm>
-            <a:off x="57150" y="-309898"/>
-            <a:ext cx="3390900" cy="2397758"/>
+            <a:off x="142875" y="66955"/>
+            <a:ext cx="2755900" cy="618147"/>
           </a:xfrm>
           <a:prstGeom prst="rect">
             <a:avLst/>
           </a:prstGeom>
         </p:spPr>
       </p:pic>
+      <p:sp>
+        <p:nvSpPr>
+          <p:cNvPr id="15" name="テキスト ボックス 14">
+            <a:extLst>
+              <a:ext uri="{FF2B5EF4-FFF2-40B4-BE49-F238E27FC236}">
+                <a16:creationId xmlns:a16="http://schemas.microsoft.com/office/drawing/2014/main" id="{60E5D673-EC72-C736-3D56-DAE29B1BF0B0}"/>
+              </a:ext>
+            </a:extLst>
+          </p:cNvPr>
+          <p:cNvSpPr txBox="1"/>
+          <p:nvPr/>
+        </p:nvSpPr>
+        <p:spPr>
+          <a:xfrm>
+            <a:off x="758825" y="623431"/>
+            <a:ext cx="2171700" cy="246221"/>
+          </a:xfrm>
+          <a:prstGeom prst="rect">
+            <a:avLst/>
+          </a:prstGeom>
+          <a:noFill/>
+        </p:spPr>
+        <p:txBody>
+          <a:bodyPr wrap="square" rtlCol="0">
+            <a:spAutoFit/>
+          </a:bodyPr>
+          <a:lstStyle/>
+          <a:p>
+            <a:pPr algn="r"/>
+            <a:r>
+              <a:rPr kumimoji="1" lang="ja-JP" altLang="en-US" sz="1000" dirty="0">
+                <a:solidFill>
+                  <a:schemeClr val="bg1"/>
+                </a:solidFill>
+                <a:latin typeface="Noto Sans JP" panose="020B0200000000000000" pitchFamily="50" charset="-128"/>
+                <a:ea typeface="Noto Sans JP" panose="020B0200000000000000" pitchFamily="50" charset="-128"/>
+              </a:rPr>
+              <a:t>福岡県立宗像高等学校</a:t>
+            </a:r>
+          </a:p>
+        </p:txBody>
+      </p:sp>
+      <p:sp>
+        <p:nvSpPr>
+          <p:cNvPr id="16" name="テキスト ボックス 15">
+            <a:extLst>
+              <a:ext uri="{FF2B5EF4-FFF2-40B4-BE49-F238E27FC236}">
+                <a16:creationId xmlns:a16="http://schemas.microsoft.com/office/drawing/2014/main" id="{D9398001-9C37-4FF8-C491-AE8496A17C26}"/>
+              </a:ext>
+            </a:extLst>
+          </p:cNvPr>
+          <p:cNvSpPr txBox="1"/>
+          <p:nvPr/>
+        </p:nvSpPr>
+        <p:spPr>
+          <a:xfrm>
+            <a:off x="2997993" y="116532"/>
+            <a:ext cx="4048920" cy="646331"/>
+          </a:xfrm>
+          <a:prstGeom prst="rect">
+            <a:avLst/>
+          </a:prstGeom>
+          <a:noFill/>
+        </p:spPr>
+        <p:txBody>
+          <a:bodyPr wrap="square" rtlCol="0">
+            <a:spAutoFit/>
+          </a:bodyPr>
+          <a:lstStyle/>
+          <a:p>
+            <a:r>
+              <a:rPr kumimoji="1" lang="ja-JP" altLang="en-US" b="1" dirty="0">
+                <a:solidFill>
+                  <a:schemeClr val="bg1"/>
+                </a:solidFill>
+                <a:latin typeface="Noto Sans JP" panose="020B0200000000000000" pitchFamily="50" charset="-128"/>
+                <a:ea typeface="Noto Sans JP" panose="020B0200000000000000" pitchFamily="50" charset="-128"/>
+              </a:rPr>
+              <a:t>チームメンバー</a:t>
+            </a:r>
+            <a:endParaRPr kumimoji="1" lang="en-US" altLang="ja-JP" b="1" dirty="0">
+              <a:solidFill>
+                <a:schemeClr val="bg1"/>
+              </a:solidFill>
+              <a:latin typeface="Noto Sans JP" panose="020B0200000000000000" pitchFamily="50" charset="-128"/>
+              <a:ea typeface="Noto Sans JP" panose="020B0200000000000000" pitchFamily="50" charset="-128"/>
+            </a:endParaRPr>
+          </a:p>
+          <a:p>
+            <a:endParaRPr kumimoji="1" lang="en-US" altLang="ja-JP" sz="600" dirty="0">
+              <a:solidFill>
+                <a:schemeClr val="bg1"/>
+              </a:solidFill>
+              <a:latin typeface="Noto Sans JP" panose="020B0200000000000000" pitchFamily="50" charset="-128"/>
+              <a:ea typeface="Noto Sans JP" panose="020B0200000000000000" pitchFamily="50" charset="-128"/>
+            </a:endParaRPr>
+          </a:p>
+          <a:p>
+            <a:r>
+              <a:rPr kumimoji="1" lang="ja-JP" altLang="en-US" sz="1200" dirty="0">
+                <a:solidFill>
+                  <a:schemeClr val="bg1"/>
+                </a:solidFill>
+                <a:latin typeface="Noto Sans JP" panose="020B0200000000000000" pitchFamily="50" charset="-128"/>
+                <a:ea typeface="Noto Sans JP" panose="020B0200000000000000" pitchFamily="50" charset="-128"/>
+              </a:rPr>
+              <a:t>  松田 魁琉 </a:t>
+            </a:r>
+            <a:r>
+              <a:rPr kumimoji="1" lang="en-US" altLang="ja-JP" sz="1200" dirty="0">
+                <a:solidFill>
+                  <a:schemeClr val="bg1"/>
+                </a:solidFill>
+                <a:latin typeface="Noto Sans JP" panose="020B0200000000000000" pitchFamily="50" charset="-128"/>
+                <a:ea typeface="Noto Sans JP" panose="020B0200000000000000" pitchFamily="50" charset="-128"/>
+              </a:rPr>
+              <a:t>/ </a:t>
+            </a:r>
+            <a:r>
+              <a:rPr kumimoji="1" lang="ja-JP" altLang="en-US" sz="1200" dirty="0">
+                <a:solidFill>
+                  <a:schemeClr val="bg1"/>
+                </a:solidFill>
+                <a:latin typeface="Noto Sans JP" panose="020B0200000000000000" pitchFamily="50" charset="-128"/>
+                <a:ea typeface="Noto Sans JP" panose="020B0200000000000000" pitchFamily="50" charset="-128"/>
+              </a:rPr>
+              <a:t>目野 優輝 </a:t>
+            </a:r>
+            <a:r>
+              <a:rPr kumimoji="1" lang="en-US" altLang="ja-JP" sz="1200" dirty="0">
+                <a:solidFill>
+                  <a:schemeClr val="bg1"/>
+                </a:solidFill>
+                <a:latin typeface="Noto Sans JP" panose="020B0200000000000000" pitchFamily="50" charset="-128"/>
+                <a:ea typeface="Noto Sans JP" panose="020B0200000000000000" pitchFamily="50" charset="-128"/>
+              </a:rPr>
+              <a:t>/ </a:t>
+            </a:r>
+            <a:r>
+              <a:rPr kumimoji="1" lang="ja-JP" altLang="en-US" sz="1200" dirty="0">
+                <a:solidFill>
+                  <a:schemeClr val="bg1"/>
+                </a:solidFill>
+                <a:latin typeface="Noto Sans JP" panose="020B0200000000000000" pitchFamily="50" charset="-128"/>
+                <a:ea typeface="Noto Sans JP" panose="020B0200000000000000" pitchFamily="50" charset="-128"/>
+              </a:rPr>
+              <a:t>石原 廉太郎 </a:t>
+            </a:r>
+            <a:r>
+              <a:rPr kumimoji="1" lang="en-US" altLang="ja-JP" sz="1200" dirty="0">
+                <a:solidFill>
+                  <a:schemeClr val="bg1"/>
+                </a:solidFill>
+                <a:latin typeface="Noto Sans JP" panose="020B0200000000000000" pitchFamily="50" charset="-128"/>
+                <a:ea typeface="Noto Sans JP" panose="020B0200000000000000" pitchFamily="50" charset="-128"/>
+              </a:rPr>
+              <a:t>/ </a:t>
+            </a:r>
+            <a:r>
+              <a:rPr kumimoji="1" lang="ja-JP" altLang="en-US" sz="1200" dirty="0">
+                <a:solidFill>
+                  <a:schemeClr val="bg1"/>
+                </a:solidFill>
+                <a:latin typeface="Noto Sans JP" panose="020B0200000000000000" pitchFamily="50" charset="-128"/>
+                <a:ea typeface="Noto Sans JP" panose="020B0200000000000000" pitchFamily="50" charset="-128"/>
+              </a:rPr>
+              <a:t>熊抱 崚太</a:t>
+            </a:r>
+          </a:p>
+        </p:txBody>
+      </p:sp>
+      <p:sp>
+        <p:nvSpPr>
+          <p:cNvPr id="17" name="テキスト ボックス 16">
+            <a:extLst>
+              <a:ext uri="{FF2B5EF4-FFF2-40B4-BE49-F238E27FC236}">
+                <a16:creationId xmlns:a16="http://schemas.microsoft.com/office/drawing/2014/main" id="{A698032B-EFDB-E99D-3ECE-695797EA05D1}"/>
+              </a:ext>
+            </a:extLst>
+          </p:cNvPr>
+          <p:cNvSpPr txBox="1"/>
+          <p:nvPr/>
+        </p:nvSpPr>
+        <p:spPr>
+          <a:xfrm>
+            <a:off x="6332469" y="116532"/>
+            <a:ext cx="4048920" cy="646331"/>
+          </a:xfrm>
+          <a:prstGeom prst="rect">
+            <a:avLst/>
+          </a:prstGeom>
+          <a:noFill/>
+        </p:spPr>
+        <p:txBody>
+          <a:bodyPr wrap="square" rtlCol="0">
+            <a:spAutoFit/>
+          </a:bodyPr>
+          <a:lstStyle/>
+          <a:p>
+            <a:r>
+              <a:rPr kumimoji="1" lang="ja-JP" altLang="en-US" b="1" dirty="0">
+                <a:solidFill>
+                  <a:schemeClr val="bg1"/>
+                </a:solidFill>
+                <a:latin typeface="Noto Sans JP" panose="020B0200000000000000" pitchFamily="50" charset="-128"/>
+                <a:ea typeface="Noto Sans JP" panose="020B0200000000000000" pitchFamily="50" charset="-128"/>
+              </a:rPr>
+              <a:t>所属</a:t>
+            </a:r>
+            <a:endParaRPr kumimoji="1" lang="en-US" altLang="ja-JP" b="1" dirty="0">
+              <a:solidFill>
+                <a:schemeClr val="bg1"/>
+              </a:solidFill>
+              <a:latin typeface="Noto Sans JP" panose="020B0200000000000000" pitchFamily="50" charset="-128"/>
+              <a:ea typeface="Noto Sans JP" panose="020B0200000000000000" pitchFamily="50" charset="-128"/>
+            </a:endParaRPr>
+          </a:p>
+          <a:p>
+            <a:endParaRPr kumimoji="1" lang="en-US" altLang="ja-JP" sz="600" dirty="0">
+              <a:solidFill>
+                <a:schemeClr val="bg1"/>
+              </a:solidFill>
+              <a:latin typeface="Noto Sans JP" panose="020B0200000000000000" pitchFamily="50" charset="-128"/>
+              <a:ea typeface="Noto Sans JP" panose="020B0200000000000000" pitchFamily="50" charset="-128"/>
+            </a:endParaRPr>
+          </a:p>
+          <a:p>
+            <a:r>
+              <a:rPr kumimoji="1" lang="ja-JP" altLang="en-US" sz="1200" dirty="0">
+                <a:solidFill>
+                  <a:schemeClr val="bg1"/>
+                </a:solidFill>
+                <a:latin typeface="Noto Sans JP" panose="020B0200000000000000" pitchFamily="50" charset="-128"/>
+                <a:ea typeface="Noto Sans JP" panose="020B0200000000000000" pitchFamily="50" charset="-128"/>
+              </a:rPr>
+              <a:t>  九州ブロック 福岡ノード</a:t>
+            </a:r>
+          </a:p>
+        </p:txBody>
+      </p:sp>
+      <p:pic>
+        <p:nvPicPr>
+          <p:cNvPr id="1026" name="Picture 2">
+            <a:extLst>
+              <a:ext uri="{FF2B5EF4-FFF2-40B4-BE49-F238E27FC236}">
+                <a16:creationId xmlns:a16="http://schemas.microsoft.com/office/drawing/2014/main" id="{8FCF2CA4-E94E-77F5-0DAB-C569CB6744C6}"/>
+              </a:ext>
+            </a:extLst>
+          </p:cNvPr>
+          <p:cNvPicPr>
+            <a:picLocks noChangeAspect="1" noChangeArrowheads="1"/>
+          </p:cNvPicPr>
+          <p:nvPr/>
+        </p:nvPicPr>
+        <p:blipFill rotWithShape="1">
+          <a:blip r:embed="rId4">
+            <a:extLst>
+              <a:ext uri="{28A0092B-C50C-407E-A947-70E740481C1C}">
+                <a14:useLocalDpi xmlns:a14="http://schemas.microsoft.com/office/drawing/2010/main" val="0"/>
+              </a:ext>
+            </a:extLst>
+          </a:blip>
+          <a:srcRect l="19839" t="4511" r="16444" b="4697"/>
+          <a:stretch/>
+        </p:blipFill>
+        <p:spPr bwMode="auto">
+          <a:xfrm>
+            <a:off x="1723970" y="3119169"/>
+            <a:ext cx="2349610" cy="2992157"/>
+          </a:xfrm>
+          <a:prstGeom prst="rect">
+            <a:avLst/>
+          </a:prstGeom>
+          <a:noFill/>
+          <a:extLst>
+            <a:ext uri="{909E8E84-426E-40DD-AFC4-6F175D3DCCD1}">
+              <a14:hiddenFill xmlns:a14="http://schemas.microsoft.com/office/drawing/2010/main">
+                <a:solidFill>
+                  <a:srgbClr val="FFFFFF"/>
+                </a:solidFill>
+              </a14:hiddenFill>
+            </a:ext>
+          </a:extLst>
+        </p:spPr>
+      </p:pic>
+      <p:sp>
+        <p:nvSpPr>
+          <p:cNvPr id="25" name="テキスト ボックス 24">
+            <a:extLst>
+              <a:ext uri="{FF2B5EF4-FFF2-40B4-BE49-F238E27FC236}">
+                <a16:creationId xmlns:a16="http://schemas.microsoft.com/office/drawing/2014/main" id="{A1CB8740-8FC8-E24C-7821-E37ADB88BD41}"/>
+              </a:ext>
+            </a:extLst>
+          </p:cNvPr>
+          <p:cNvSpPr txBox="1"/>
+          <p:nvPr/>
+        </p:nvSpPr>
+        <p:spPr>
+          <a:xfrm>
+            <a:off x="6147129" y="1092884"/>
+            <a:ext cx="2209800" cy="338554"/>
+          </a:xfrm>
+          <a:prstGeom prst="rect">
+            <a:avLst/>
+          </a:prstGeom>
+          <a:noFill/>
+        </p:spPr>
+        <p:txBody>
+          <a:bodyPr wrap="square" rtlCol="0">
+            <a:spAutoFit/>
+          </a:bodyPr>
+          <a:lstStyle/>
+          <a:p>
+            <a:r>
+              <a:rPr kumimoji="1" lang="ja-JP" altLang="en-US" sz="1200" dirty="0">
+                <a:latin typeface="Noto Sans JP" panose="020B0200000000000000" pitchFamily="50" charset="-128"/>
+                <a:ea typeface="Noto Sans JP" panose="020B0200000000000000" pitchFamily="50" charset="-128"/>
+              </a:rPr>
+              <a:t>圧倒的</a:t>
+            </a:r>
+            <a:r>
+              <a:rPr kumimoji="1" lang="ja-JP" altLang="en-US" sz="1050" dirty="0">
+                <a:latin typeface="Noto Sans JP" panose="020B0200000000000000" pitchFamily="50" charset="-128"/>
+                <a:ea typeface="Noto Sans JP" panose="020B0200000000000000" pitchFamily="50" charset="-128"/>
+              </a:rPr>
+              <a:t>な</a:t>
+            </a:r>
+            <a:r>
+              <a:rPr kumimoji="1" lang="ja-JP" altLang="en-US" sz="1200" dirty="0">
+                <a:latin typeface="Noto Sans JP" panose="020B0200000000000000" pitchFamily="50" charset="-128"/>
+                <a:ea typeface="Noto Sans JP" panose="020B0200000000000000" pitchFamily="50" charset="-128"/>
+              </a:rPr>
+              <a:t>安定性</a:t>
+            </a:r>
+            <a:r>
+              <a:rPr kumimoji="1" lang="ja-JP" altLang="en-US" sz="1050" dirty="0">
+                <a:latin typeface="Noto Sans JP" panose="020B0200000000000000" pitchFamily="50" charset="-128"/>
+                <a:ea typeface="Noto Sans JP" panose="020B0200000000000000" pitchFamily="50" charset="-128"/>
+              </a:rPr>
+              <a:t>の</a:t>
+            </a:r>
+            <a:r>
+              <a:rPr kumimoji="1" lang="ja-JP" altLang="en-US" sz="1600" b="1" dirty="0">
+                <a:latin typeface="Noto Sans JP" panose="020B0200000000000000" pitchFamily="50" charset="-128"/>
+                <a:ea typeface="Noto Sans JP" panose="020B0200000000000000" pitchFamily="50" charset="-128"/>
+              </a:rPr>
+              <a:t>電源基板</a:t>
+            </a:r>
+            <a:endParaRPr kumimoji="1" lang="ja-JP" altLang="en-US" sz="1100" dirty="0">
+              <a:latin typeface="Noto Sans JP" panose="020B0200000000000000" pitchFamily="50" charset="-128"/>
+              <a:ea typeface="Noto Sans JP" panose="020B0200000000000000" pitchFamily="50" charset="-128"/>
+            </a:endParaRPr>
+          </a:p>
+        </p:txBody>
+      </p:sp>
+      <p:sp>
+        <p:nvSpPr>
+          <p:cNvPr id="26" name="テキスト ボックス 25">
+            <a:extLst>
+              <a:ext uri="{FF2B5EF4-FFF2-40B4-BE49-F238E27FC236}">
+                <a16:creationId xmlns:a16="http://schemas.microsoft.com/office/drawing/2014/main" id="{CB2D7723-A901-3A42-2366-52E82887457D}"/>
+              </a:ext>
+            </a:extLst>
+          </p:cNvPr>
+          <p:cNvSpPr txBox="1"/>
+          <p:nvPr/>
+        </p:nvSpPr>
+        <p:spPr>
+          <a:xfrm>
+            <a:off x="6147129" y="1431438"/>
+            <a:ext cx="7181850" cy="246221"/>
+          </a:xfrm>
+          <a:prstGeom prst="rect">
+            <a:avLst/>
+          </a:prstGeom>
+          <a:noFill/>
+        </p:spPr>
+        <p:txBody>
+          <a:bodyPr wrap="square" rtlCol="0">
+            <a:spAutoFit/>
+          </a:bodyPr>
+          <a:lstStyle/>
+          <a:p>
+            <a:r>
+              <a:rPr kumimoji="1" lang="ja-JP" altLang="en-US" sz="1000" dirty="0">
+                <a:latin typeface="Noto Sans JP" panose="020B0200000000000000" pitchFamily="50" charset="-128"/>
+                <a:ea typeface="Noto Sans JP" panose="020B0200000000000000" pitchFamily="50" charset="-128"/>
+              </a:rPr>
+              <a:t>　私たちのロボットには、電源を安定化・安全化するために様々な工夫がなされています。</a:t>
+            </a:r>
+          </a:p>
+        </p:txBody>
+      </p:sp>
+      <p:sp>
+        <p:nvSpPr>
+          <p:cNvPr id="27" name="テキスト ボックス 26">
+            <a:extLst>
+              <a:ext uri="{FF2B5EF4-FFF2-40B4-BE49-F238E27FC236}">
+                <a16:creationId xmlns:a16="http://schemas.microsoft.com/office/drawing/2014/main" id="{6FF8E03C-4594-336B-F7BC-FEE12A4B8D9A}"/>
+              </a:ext>
+            </a:extLst>
+          </p:cNvPr>
+          <p:cNvSpPr txBox="1"/>
+          <p:nvPr/>
+        </p:nvSpPr>
+        <p:spPr>
+          <a:xfrm>
+            <a:off x="6147129" y="4135218"/>
+            <a:ext cx="4360863" cy="338554"/>
+          </a:xfrm>
+          <a:prstGeom prst="rect">
+            <a:avLst/>
+          </a:prstGeom>
+          <a:noFill/>
+        </p:spPr>
+        <p:txBody>
+          <a:bodyPr wrap="square" rtlCol="0">
+            <a:spAutoFit/>
+          </a:bodyPr>
+          <a:lstStyle/>
+          <a:p>
+            <a:r>
+              <a:rPr kumimoji="1" lang="ja-JP" altLang="en-US" sz="1200" dirty="0">
+                <a:latin typeface="Noto Sans JP" panose="020B0200000000000000" pitchFamily="50" charset="-128"/>
+                <a:ea typeface="Noto Sans JP" panose="020B0200000000000000" pitchFamily="50" charset="-128"/>
+              </a:rPr>
+              <a:t>前後ドリブラー・キッカー搭載</a:t>
+            </a:r>
+            <a:r>
+              <a:rPr kumimoji="1" lang="ja-JP" altLang="en-US" sz="1050" dirty="0">
+                <a:latin typeface="Noto Sans JP" panose="020B0200000000000000" pitchFamily="50" charset="-128"/>
+                <a:ea typeface="Noto Sans JP" panose="020B0200000000000000" pitchFamily="50" charset="-128"/>
+              </a:rPr>
+              <a:t>で</a:t>
+            </a:r>
+            <a:r>
+              <a:rPr kumimoji="1" lang="ja-JP" altLang="en-US" sz="1600" b="1" dirty="0">
+                <a:latin typeface="Noto Sans JP" panose="020B0200000000000000" pitchFamily="50" charset="-128"/>
+                <a:ea typeface="Noto Sans JP" panose="020B0200000000000000" pitchFamily="50" charset="-128"/>
+              </a:rPr>
+              <a:t>圧倒的な得点率を</a:t>
+            </a:r>
+            <a:endParaRPr kumimoji="1" lang="ja-JP" altLang="en-US" sz="1100" b="1" dirty="0">
+              <a:latin typeface="Noto Sans JP" panose="020B0200000000000000" pitchFamily="50" charset="-128"/>
+              <a:ea typeface="Noto Sans JP" panose="020B0200000000000000" pitchFamily="50" charset="-128"/>
+            </a:endParaRPr>
+          </a:p>
+        </p:txBody>
+      </p:sp>
+      <p:sp>
+        <p:nvSpPr>
+          <p:cNvPr id="28" name="テキスト ボックス 27">
+            <a:extLst>
+              <a:ext uri="{FF2B5EF4-FFF2-40B4-BE49-F238E27FC236}">
+                <a16:creationId xmlns:a16="http://schemas.microsoft.com/office/drawing/2014/main" id="{8EAD2490-28A8-4D69-CEF5-35081088DA88}"/>
+              </a:ext>
+            </a:extLst>
+          </p:cNvPr>
+          <p:cNvSpPr txBox="1"/>
+          <p:nvPr/>
+        </p:nvSpPr>
+        <p:spPr>
+          <a:xfrm>
+            <a:off x="6147129" y="4492138"/>
+            <a:ext cx="7181850" cy="246221"/>
+          </a:xfrm>
+          <a:prstGeom prst="rect">
+            <a:avLst/>
+          </a:prstGeom>
+          <a:noFill/>
+        </p:spPr>
+        <p:txBody>
+          <a:bodyPr wrap="square" rtlCol="0">
+            <a:spAutoFit/>
+          </a:bodyPr>
+          <a:lstStyle/>
+          <a:p>
+            <a:r>
+              <a:rPr kumimoji="1" lang="ja-JP" altLang="en-US" sz="1000" dirty="0">
+                <a:latin typeface="Noto Sans JP" panose="020B0200000000000000" pitchFamily="50" charset="-128"/>
+                <a:ea typeface="Noto Sans JP" panose="020B0200000000000000" pitchFamily="50" charset="-128"/>
+              </a:rPr>
+              <a:t>　私たちのロボットには、前と後ろの両方にドリブラー・キッカーを搭載しています。</a:t>
+            </a:r>
+          </a:p>
+        </p:txBody>
+      </p:sp>
+      <p:sp>
+        <p:nvSpPr>
+          <p:cNvPr id="29" name="テキスト ボックス 28">
+            <a:extLst>
+              <a:ext uri="{FF2B5EF4-FFF2-40B4-BE49-F238E27FC236}">
+                <a16:creationId xmlns:a16="http://schemas.microsoft.com/office/drawing/2014/main" id="{5293253D-376E-DFF0-A902-502E72136256}"/>
+              </a:ext>
+            </a:extLst>
+          </p:cNvPr>
+          <p:cNvSpPr txBox="1"/>
+          <p:nvPr/>
+        </p:nvSpPr>
+        <p:spPr>
+          <a:xfrm>
+            <a:off x="6147129" y="6762054"/>
+            <a:ext cx="4360863" cy="338554"/>
+          </a:xfrm>
+          <a:prstGeom prst="rect">
+            <a:avLst/>
+          </a:prstGeom>
+          <a:noFill/>
+        </p:spPr>
+        <p:txBody>
+          <a:bodyPr wrap="square" rtlCol="0">
+            <a:spAutoFit/>
+          </a:bodyPr>
+          <a:lstStyle/>
+          <a:p>
+            <a:r>
+              <a:rPr kumimoji="1" lang="ja-JP" altLang="en-US" sz="1600" b="1" dirty="0">
+                <a:latin typeface="Noto Sans JP" panose="020B0200000000000000" pitchFamily="50" charset="-128"/>
+                <a:ea typeface="Noto Sans JP" panose="020B0200000000000000" pitchFamily="50" charset="-128"/>
+              </a:rPr>
+              <a:t>最強のキーパー</a:t>
+            </a:r>
+            <a:r>
+              <a:rPr kumimoji="1" lang="ja-JP" altLang="en-US" sz="1100" dirty="0">
+                <a:latin typeface="Noto Sans JP" panose="020B0200000000000000" pitchFamily="50" charset="-128"/>
+                <a:ea typeface="Noto Sans JP" panose="020B0200000000000000" pitchFamily="50" charset="-128"/>
+              </a:rPr>
+              <a:t>を</a:t>
+            </a:r>
+            <a:r>
+              <a:rPr kumimoji="1" lang="ja-JP" altLang="en-US" sz="1200" dirty="0">
+                <a:latin typeface="Noto Sans JP" panose="020B0200000000000000" pitchFamily="50" charset="-128"/>
+                <a:ea typeface="Noto Sans JP" panose="020B0200000000000000" pitchFamily="50" charset="-128"/>
+              </a:rPr>
+              <a:t>作</a:t>
+            </a:r>
+            <a:r>
+              <a:rPr kumimoji="1" lang="ja-JP" altLang="en-US" sz="1100" dirty="0">
+                <a:latin typeface="Noto Sans JP" panose="020B0200000000000000" pitchFamily="50" charset="-128"/>
+                <a:ea typeface="Noto Sans JP" panose="020B0200000000000000" pitchFamily="50" charset="-128"/>
+              </a:rPr>
+              <a:t>るために</a:t>
+            </a:r>
+            <a:endParaRPr kumimoji="1" lang="ja-JP" altLang="en-US" sz="1100" b="1" dirty="0">
+              <a:latin typeface="Noto Sans JP" panose="020B0200000000000000" pitchFamily="50" charset="-128"/>
+              <a:ea typeface="Noto Sans JP" panose="020B0200000000000000" pitchFamily="50" charset="-128"/>
+            </a:endParaRPr>
+          </a:p>
+        </p:txBody>
+      </p:sp>
+      <p:sp>
+        <p:nvSpPr>
+          <p:cNvPr id="30" name="テキスト ボックス 29">
+            <a:extLst>
+              <a:ext uri="{FF2B5EF4-FFF2-40B4-BE49-F238E27FC236}">
+                <a16:creationId xmlns:a16="http://schemas.microsoft.com/office/drawing/2014/main" id="{F91EE720-0EEC-0112-4C42-BB704EBDD77C}"/>
+              </a:ext>
+            </a:extLst>
+          </p:cNvPr>
+          <p:cNvSpPr txBox="1"/>
+          <p:nvPr/>
+        </p:nvSpPr>
+        <p:spPr>
+          <a:xfrm>
+            <a:off x="6147129" y="7118974"/>
+            <a:ext cx="7181850" cy="246221"/>
+          </a:xfrm>
+          <a:prstGeom prst="rect">
+            <a:avLst/>
+          </a:prstGeom>
+          <a:noFill/>
+        </p:spPr>
+        <p:txBody>
+          <a:bodyPr wrap="square" rtlCol="0">
+            <a:spAutoFit/>
+          </a:bodyPr>
+          <a:lstStyle/>
+          <a:p>
+            <a:r>
+              <a:rPr kumimoji="1" lang="ja-JP" altLang="en-US" sz="1000" dirty="0">
+                <a:latin typeface="Noto Sans JP" panose="020B0200000000000000" pitchFamily="50" charset="-128"/>
+                <a:ea typeface="Noto Sans JP" panose="020B0200000000000000" pitchFamily="50" charset="-128"/>
+              </a:rPr>
+              <a:t>　私たちのロボットは、</a:t>
+            </a:r>
+            <a:r>
+              <a:rPr kumimoji="1" lang="en-US" altLang="ja-JP" sz="1000" dirty="0">
+                <a:latin typeface="Noto Sans JP" panose="020B0200000000000000" pitchFamily="50" charset="-128"/>
+                <a:ea typeface="Noto Sans JP" panose="020B0200000000000000" pitchFamily="50" charset="-128"/>
+              </a:rPr>
+              <a:t>2</a:t>
+            </a:r>
+            <a:r>
+              <a:rPr kumimoji="1" lang="ja-JP" altLang="en-US" sz="1000" dirty="0">
+                <a:latin typeface="Noto Sans JP" panose="020B0200000000000000" pitchFamily="50" charset="-128"/>
+                <a:ea typeface="Noto Sans JP" panose="020B0200000000000000" pitchFamily="50" charset="-128"/>
+              </a:rPr>
+              <a:t>台それぞれにアタッカーとキーパーという役割を与えています。</a:t>
+            </a:r>
+          </a:p>
+        </p:txBody>
+      </p:sp>
+      <p:sp>
+        <p:nvSpPr>
+          <p:cNvPr id="34" name="テキスト ボックス 33">
+            <a:extLst>
+              <a:ext uri="{FF2B5EF4-FFF2-40B4-BE49-F238E27FC236}">
+                <a16:creationId xmlns:a16="http://schemas.microsoft.com/office/drawing/2014/main" id="{C63C2205-CE53-04C8-80F7-268C685EF077}"/>
+              </a:ext>
+            </a:extLst>
+          </p:cNvPr>
+          <p:cNvSpPr txBox="1"/>
+          <p:nvPr/>
+        </p:nvSpPr>
+        <p:spPr>
+          <a:xfrm>
+            <a:off x="142875" y="1092884"/>
+            <a:ext cx="2209800" cy="338554"/>
+          </a:xfrm>
+          <a:prstGeom prst="rect">
+            <a:avLst/>
+          </a:prstGeom>
+          <a:noFill/>
+        </p:spPr>
+        <p:txBody>
+          <a:bodyPr wrap="square" rtlCol="0">
+            <a:spAutoFit/>
+          </a:bodyPr>
+          <a:lstStyle/>
+          <a:p>
+            <a:r>
+              <a:rPr kumimoji="1" lang="ja-JP" altLang="en-US" sz="1600" b="1" dirty="0">
+                <a:latin typeface="Noto Sans JP" panose="020B0200000000000000" pitchFamily="50" charset="-128"/>
+                <a:ea typeface="Noto Sans JP" panose="020B0200000000000000" pitchFamily="50" charset="-128"/>
+              </a:rPr>
+              <a:t>ロボットの概要</a:t>
+            </a:r>
+            <a:endParaRPr kumimoji="1" lang="ja-JP" altLang="en-US" sz="1100" dirty="0">
+              <a:latin typeface="Noto Sans JP" panose="020B0200000000000000" pitchFamily="50" charset="-128"/>
+              <a:ea typeface="Noto Sans JP" panose="020B0200000000000000" pitchFamily="50" charset="-128"/>
+            </a:endParaRPr>
+          </a:p>
+        </p:txBody>
+      </p:sp>
     </p:spTree>
     <p:extLst>
       <p:ext uri="{BB962C8B-B14F-4D97-AF65-F5344CB8AC3E}">

--- a/Common_Data/Tournaments_Data/2025_02_JapanOpen/PresentationSheet/presentation.pptx
+++ b/Common_Data/Tournaments_Data/2025_02_JapanOpen/PresentationSheet/presentation.pptx
@@ -210,7 +210,7 @@
           <a:p>
             <a:fld id="{AC879552-4542-402D-98E1-AFA8340169A0}" type="datetimeFigureOut">
               <a:rPr kumimoji="1" lang="ja-JP" altLang="en-US" smtClean="0"/>
-              <a:t>2025/2/14</a:t>
+              <a:t>2025/2/17</a:t>
             </a:fld>
             <a:endParaRPr kumimoji="1" lang="ja-JP" altLang="en-US"/>
           </a:p>
@@ -724,7 +724,7 @@
           <a:p>
             <a:fld id="{5857F6DD-A663-424A-91CD-4A5CB938D056}" type="datetimeFigureOut">
               <a:rPr kumimoji="1" lang="ja-JP" altLang="en-US" smtClean="0"/>
-              <a:t>2025/2/14</a:t>
+              <a:t>2025/2/17</a:t>
             </a:fld>
             <a:endParaRPr kumimoji="1" lang="ja-JP" altLang="en-US"/>
           </a:p>
@@ -926,7 +926,7 @@
           <a:p>
             <a:fld id="{5857F6DD-A663-424A-91CD-4A5CB938D056}" type="datetimeFigureOut">
               <a:rPr kumimoji="1" lang="ja-JP" altLang="en-US" smtClean="0"/>
-              <a:t>2025/2/14</a:t>
+              <a:t>2025/2/17</a:t>
             </a:fld>
             <a:endParaRPr kumimoji="1" lang="ja-JP" altLang="en-US"/>
           </a:p>
@@ -1138,7 +1138,7 @@
           <a:p>
             <a:fld id="{5857F6DD-A663-424A-91CD-4A5CB938D056}" type="datetimeFigureOut">
               <a:rPr kumimoji="1" lang="ja-JP" altLang="en-US" smtClean="0"/>
-              <a:t>2025/2/14</a:t>
+              <a:t>2025/2/17</a:t>
             </a:fld>
             <a:endParaRPr kumimoji="1" lang="ja-JP" altLang="en-US"/>
           </a:p>
@@ -1340,7 +1340,7 @@
           <a:p>
             <a:fld id="{5857F6DD-A663-424A-91CD-4A5CB938D056}" type="datetimeFigureOut">
               <a:rPr kumimoji="1" lang="ja-JP" altLang="en-US" smtClean="0"/>
-              <a:t>2025/2/14</a:t>
+              <a:t>2025/2/17</a:t>
             </a:fld>
             <a:endParaRPr kumimoji="1" lang="ja-JP" altLang="en-US"/>
           </a:p>
@@ -1584,7 +1584,7 @@
           <a:p>
             <a:fld id="{5857F6DD-A663-424A-91CD-4A5CB938D056}" type="datetimeFigureOut">
               <a:rPr kumimoji="1" lang="ja-JP" altLang="en-US" smtClean="0"/>
-              <a:t>2025/2/14</a:t>
+              <a:t>2025/2/17</a:t>
             </a:fld>
             <a:endParaRPr kumimoji="1" lang="ja-JP" altLang="en-US"/>
           </a:p>
@@ -1880,7 +1880,7 @@
           <a:p>
             <a:fld id="{5857F6DD-A663-424A-91CD-4A5CB938D056}" type="datetimeFigureOut">
               <a:rPr kumimoji="1" lang="ja-JP" altLang="en-US" smtClean="0"/>
-              <a:t>2025/2/14</a:t>
+              <a:t>2025/2/17</a:t>
             </a:fld>
             <a:endParaRPr kumimoji="1" lang="ja-JP" altLang="en-US"/>
           </a:p>
@@ -2311,7 +2311,7 @@
           <a:p>
             <a:fld id="{5857F6DD-A663-424A-91CD-4A5CB938D056}" type="datetimeFigureOut">
               <a:rPr kumimoji="1" lang="ja-JP" altLang="en-US" smtClean="0"/>
-              <a:t>2025/2/14</a:t>
+              <a:t>2025/2/17</a:t>
             </a:fld>
             <a:endParaRPr kumimoji="1" lang="ja-JP" altLang="en-US"/>
           </a:p>
@@ -2429,7 +2429,7 @@
           <a:p>
             <a:fld id="{5857F6DD-A663-424A-91CD-4A5CB938D056}" type="datetimeFigureOut">
               <a:rPr kumimoji="1" lang="ja-JP" altLang="en-US" smtClean="0"/>
-              <a:t>2025/2/14</a:t>
+              <a:t>2025/2/17</a:t>
             </a:fld>
             <a:endParaRPr kumimoji="1" lang="ja-JP" altLang="en-US"/>
           </a:p>
@@ -2524,7 +2524,7 @@
           <a:p>
             <a:fld id="{5857F6DD-A663-424A-91CD-4A5CB938D056}" type="datetimeFigureOut">
               <a:rPr kumimoji="1" lang="ja-JP" altLang="en-US" smtClean="0"/>
-              <a:t>2025/2/14</a:t>
+              <a:t>2025/2/17</a:t>
             </a:fld>
             <a:endParaRPr kumimoji="1" lang="ja-JP" altLang="en-US"/>
           </a:p>
@@ -2833,7 +2833,7 @@
           <a:p>
             <a:fld id="{5857F6DD-A663-424A-91CD-4A5CB938D056}" type="datetimeFigureOut">
               <a:rPr kumimoji="1" lang="ja-JP" altLang="en-US" smtClean="0"/>
-              <a:t>2025/2/14</a:t>
+              <a:t>2025/2/17</a:t>
             </a:fld>
             <a:endParaRPr kumimoji="1" lang="ja-JP" altLang="en-US"/>
           </a:p>
@@ -3090,7 +3090,7 @@
           <a:p>
             <a:fld id="{5857F6DD-A663-424A-91CD-4A5CB938D056}" type="datetimeFigureOut">
               <a:rPr kumimoji="1" lang="ja-JP" altLang="en-US" smtClean="0"/>
-              <a:t>2025/2/14</a:t>
+              <a:t>2025/2/17</a:t>
             </a:fld>
             <a:endParaRPr kumimoji="1" lang="ja-JP" altLang="en-US"/>
           </a:p>
@@ -3335,7 +3335,7 @@
           <a:p>
             <a:fld id="{5857F6DD-A663-424A-91CD-4A5CB938D056}" type="datetimeFigureOut">
               <a:rPr kumimoji="1" lang="ja-JP" altLang="en-US" smtClean="0"/>
-              <a:t>2025/2/14</a:t>
+              <a:t>2025/2/17</a:t>
             </a:fld>
             <a:endParaRPr kumimoji="1" lang="ja-JP" altLang="en-US"/>
           </a:p>
@@ -4096,9 +4096,9 @@
           <a:stretch/>
         </p:blipFill>
         <p:spPr bwMode="auto">
-          <a:xfrm>
-            <a:off x="1723970" y="3119169"/>
-            <a:ext cx="2349610" cy="2992157"/>
+          <a:xfrm flipH="1">
+            <a:off x="2464550" y="5662226"/>
+            <a:ext cx="2057766" cy="2620505"/>
           </a:xfrm>
           <a:prstGeom prst="rect">
             <a:avLst/>
@@ -4129,7 +4129,7 @@
         </p:nvSpPr>
         <p:spPr>
           <a:xfrm>
-            <a:off x="6147129" y="1092884"/>
+            <a:off x="7100888" y="1538124"/>
             <a:ext cx="2209800" cy="338554"/>
           </a:xfrm>
           <a:prstGeom prst="rect">
@@ -4162,7 +4162,7 @@
                 <a:latin typeface="Noto Sans JP" panose="020B0200000000000000" pitchFamily="50" charset="-128"/>
                 <a:ea typeface="Noto Sans JP" panose="020B0200000000000000" pitchFamily="50" charset="-128"/>
               </a:rPr>
-              <a:t>安定性</a:t>
+              <a:t>安全性</a:t>
             </a:r>
             <a:r>
               <a:rPr kumimoji="1" lang="ja-JP" altLang="en-US" sz="1050" dirty="0">
@@ -4199,8 +4199,8 @@
         </p:nvSpPr>
         <p:spPr>
           <a:xfrm>
-            <a:off x="6147129" y="1431438"/>
-            <a:ext cx="7181850" cy="246221"/>
+            <a:off x="7148512" y="1852459"/>
+            <a:ext cx="3845674" cy="1312475"/>
           </a:xfrm>
           <a:prstGeom prst="rect">
             <a:avLst/>
@@ -4208,18 +4208,155 @@
           <a:noFill/>
         </p:spPr>
         <p:txBody>
-          <a:bodyPr wrap="square" rtlCol="0">
+          <a:bodyPr wrap="square" numCol="1" rtlCol="0">
             <a:spAutoFit/>
           </a:bodyPr>
           <a:lstStyle/>
           <a:p>
-            <a:r>
-              <a:rPr kumimoji="1" lang="ja-JP" altLang="en-US" sz="1000" dirty="0">
-                <a:latin typeface="Noto Sans JP" panose="020B0200000000000000" pitchFamily="50" charset="-128"/>
-                <a:ea typeface="Noto Sans JP" panose="020B0200000000000000" pitchFamily="50" charset="-128"/>
-              </a:rPr>
-              <a:t>　私たちのロボットには、電源を安定化・安全化するために様々な工夫がなされています。</a:t>
-            </a:r>
+            <a:pPr>
+              <a:lnSpc>
+                <a:spcPts val="1200"/>
+              </a:lnSpc>
+            </a:pPr>
+            <a:r>
+              <a:rPr kumimoji="1" lang="ja-JP" altLang="en-US" sz="900" dirty="0">
+                <a:latin typeface="Noto Sans JP" panose="020B0200000000000000" pitchFamily="50" charset="-128"/>
+                <a:ea typeface="Noto Sans JP" panose="020B0200000000000000" pitchFamily="50" charset="-128"/>
+              </a:rPr>
+              <a:t>　従来の電源回路はバッテリーの保護回路と電源スイッチのみが搭載</a:t>
+            </a:r>
+            <a:endParaRPr kumimoji="1" lang="en-US" altLang="ja-JP" sz="900" dirty="0">
+              <a:latin typeface="Noto Sans JP" panose="020B0200000000000000" pitchFamily="50" charset="-128"/>
+              <a:ea typeface="Noto Sans JP" panose="020B0200000000000000" pitchFamily="50" charset="-128"/>
+            </a:endParaRPr>
+          </a:p>
+          <a:p>
+            <a:pPr>
+              <a:lnSpc>
+                <a:spcPts val="1200"/>
+              </a:lnSpc>
+            </a:pPr>
+            <a:r>
+              <a:rPr kumimoji="1" lang="ja-JP" altLang="en-US" sz="900" dirty="0">
+                <a:latin typeface="Noto Sans JP" panose="020B0200000000000000" pitchFamily="50" charset="-128"/>
+                <a:ea typeface="Noto Sans JP" panose="020B0200000000000000" pitchFamily="50" charset="-128"/>
+              </a:rPr>
+              <a:t>されたシンプルもので、マイコンによる電圧監視を行っていなかった</a:t>
+            </a:r>
+            <a:endParaRPr kumimoji="1" lang="en-US" altLang="ja-JP" sz="900" dirty="0">
+              <a:latin typeface="Noto Sans JP" panose="020B0200000000000000" pitchFamily="50" charset="-128"/>
+              <a:ea typeface="Noto Sans JP" panose="020B0200000000000000" pitchFamily="50" charset="-128"/>
+            </a:endParaRPr>
+          </a:p>
+          <a:p>
+            <a:pPr>
+              <a:lnSpc>
+                <a:spcPts val="1200"/>
+              </a:lnSpc>
+            </a:pPr>
+            <a:r>
+              <a:rPr kumimoji="1" lang="ja-JP" altLang="en-US" sz="900" dirty="0">
+                <a:latin typeface="Noto Sans JP" panose="020B0200000000000000" pitchFamily="50" charset="-128"/>
+                <a:ea typeface="Noto Sans JP" panose="020B0200000000000000" pitchFamily="50" charset="-128"/>
+              </a:rPr>
+              <a:t>ため、目視による電圧監視を怠った場合、バッテリー事故が起こりかねない状態でした。</a:t>
+            </a:r>
+          </a:p>
+          <a:p>
+            <a:pPr>
+              <a:lnSpc>
+                <a:spcPts val="1200"/>
+              </a:lnSpc>
+            </a:pPr>
+            <a:r>
+              <a:rPr kumimoji="1" lang="ja-JP" altLang="en-US" sz="900" dirty="0">
+                <a:latin typeface="Noto Sans JP" panose="020B0200000000000000" pitchFamily="50" charset="-128"/>
+                <a:ea typeface="Noto Sans JP" panose="020B0200000000000000" pitchFamily="50" charset="-128"/>
+              </a:rPr>
+              <a:t>　そこで今回、私たちはマイコンが内蔵されたより安全性、信頼性の</a:t>
+            </a:r>
+            <a:endParaRPr kumimoji="1" lang="en-US" altLang="ja-JP" sz="900" dirty="0">
+              <a:latin typeface="Noto Sans JP" panose="020B0200000000000000" pitchFamily="50" charset="-128"/>
+              <a:ea typeface="Noto Sans JP" panose="020B0200000000000000" pitchFamily="50" charset="-128"/>
+            </a:endParaRPr>
+          </a:p>
+          <a:p>
+            <a:pPr>
+              <a:lnSpc>
+                <a:spcPts val="1200"/>
+              </a:lnSpc>
+            </a:pPr>
+            <a:r>
+              <a:rPr kumimoji="1" lang="ja-JP" altLang="en-US" sz="900" dirty="0">
+                <a:latin typeface="Noto Sans JP" panose="020B0200000000000000" pitchFamily="50" charset="-128"/>
+                <a:ea typeface="Noto Sans JP" panose="020B0200000000000000" pitchFamily="50" charset="-128"/>
+              </a:rPr>
+              <a:t>高い電源回路を開発しました。大きな特徴として、</a:t>
+            </a:r>
+            <a:r>
+              <a:rPr kumimoji="1" lang="en-US" altLang="ja-JP" sz="900" dirty="0">
+                <a:latin typeface="Noto Sans JP" panose="020B0200000000000000" pitchFamily="50" charset="-128"/>
+                <a:ea typeface="Noto Sans JP" panose="020B0200000000000000" pitchFamily="50" charset="-128"/>
+              </a:rPr>
+              <a:t>FET</a:t>
+            </a:r>
+            <a:r>
+              <a:rPr kumimoji="1" lang="ja-JP" altLang="en-US" sz="900" dirty="0">
+                <a:latin typeface="Noto Sans JP" panose="020B0200000000000000" pitchFamily="50" charset="-128"/>
+                <a:ea typeface="Noto Sans JP" panose="020B0200000000000000" pitchFamily="50" charset="-128"/>
+              </a:rPr>
+              <a:t>スイッチと</a:t>
+            </a:r>
+            <a:endParaRPr kumimoji="1" lang="en-US" altLang="ja-JP" sz="900" dirty="0">
+              <a:latin typeface="Noto Sans JP" panose="020B0200000000000000" pitchFamily="50" charset="-128"/>
+              <a:ea typeface="Noto Sans JP" panose="020B0200000000000000" pitchFamily="50" charset="-128"/>
+            </a:endParaRPr>
+          </a:p>
+          <a:p>
+            <a:pPr>
+              <a:lnSpc>
+                <a:spcPts val="1200"/>
+              </a:lnSpc>
+            </a:pPr>
+            <a:r>
+              <a:rPr kumimoji="1" lang="ja-JP" altLang="en-US" sz="900" dirty="0">
+                <a:latin typeface="Noto Sans JP" panose="020B0200000000000000" pitchFamily="50" charset="-128"/>
+                <a:ea typeface="Noto Sans JP" panose="020B0200000000000000" pitchFamily="50" charset="-128"/>
+              </a:rPr>
+              <a:t>物理スイッチを用いた</a:t>
+            </a:r>
+            <a:r>
+              <a:rPr kumimoji="1" lang="en-US" altLang="ja-JP" sz="900" dirty="0">
+                <a:latin typeface="Noto Sans JP" panose="020B0200000000000000" pitchFamily="50" charset="-128"/>
+                <a:ea typeface="Noto Sans JP" panose="020B0200000000000000" pitchFamily="50" charset="-128"/>
+              </a:rPr>
+              <a:t>2</a:t>
+            </a:r>
+            <a:r>
+              <a:rPr kumimoji="1" lang="ja-JP" altLang="en-US" sz="900" dirty="0">
+                <a:latin typeface="Noto Sans JP" panose="020B0200000000000000" pitchFamily="50" charset="-128"/>
+                <a:ea typeface="Noto Sans JP" panose="020B0200000000000000" pitchFamily="50" charset="-128"/>
+              </a:rPr>
+              <a:t>段階スイッチ機能を搭載しています。また、</a:t>
+            </a:r>
+            <a:r>
+              <a:rPr kumimoji="1" lang="en-US" altLang="ja-JP" sz="900" dirty="0">
+                <a:latin typeface="Noto Sans JP" panose="020B0200000000000000" pitchFamily="50" charset="-128"/>
+                <a:ea typeface="Noto Sans JP" panose="020B0200000000000000" pitchFamily="50" charset="-128"/>
+              </a:rPr>
+              <a:t>UI</a:t>
+            </a:r>
+            <a:r>
+              <a:rPr kumimoji="1" lang="ja-JP" altLang="en-US" sz="900" dirty="0">
+                <a:latin typeface="Noto Sans JP" panose="020B0200000000000000" pitchFamily="50" charset="-128"/>
+                <a:ea typeface="Noto Sans JP" panose="020B0200000000000000" pitchFamily="50" charset="-128"/>
+              </a:rPr>
+              <a:t>やブザーを用いて感覚的に電圧低下を感知することもできます。</a:t>
+            </a:r>
+            <a:endParaRPr kumimoji="1" lang="en-US" altLang="ja-JP" sz="900" dirty="0">
+              <a:latin typeface="Noto Sans JP" panose="020B0200000000000000" pitchFamily="50" charset="-128"/>
+              <a:ea typeface="Noto Sans JP" panose="020B0200000000000000" pitchFamily="50" charset="-128"/>
+            </a:endParaRPr>
           </a:p>
         </p:txBody>
       </p:sp>
@@ -4237,7 +4374,7 @@
         </p:nvSpPr>
         <p:spPr>
           <a:xfrm>
-            <a:off x="6147129" y="4135218"/>
+            <a:off x="7148511" y="4374847"/>
             <a:ext cx="4360863" cy="338554"/>
           </a:xfrm>
           <a:prstGeom prst="rect">
@@ -4293,8 +4430,8 @@
         </p:nvSpPr>
         <p:spPr>
           <a:xfrm>
-            <a:off x="6147129" y="4492138"/>
-            <a:ext cx="7181850" cy="246221"/>
+            <a:off x="7231061" y="4731767"/>
+            <a:ext cx="7181850" cy="923330"/>
           </a:xfrm>
           <a:prstGeom prst="rect">
             <a:avLst/>
@@ -4308,12 +4445,49 @@
           <a:lstStyle/>
           <a:p>
             <a:r>
-              <a:rPr kumimoji="1" lang="ja-JP" altLang="en-US" sz="1000" dirty="0">
+              <a:rPr kumimoji="1" lang="ja-JP" altLang="en-US" sz="900" dirty="0">
                 <a:latin typeface="Noto Sans JP" panose="020B0200000000000000" pitchFamily="50" charset="-128"/>
                 <a:ea typeface="Noto Sans JP" panose="020B0200000000000000" pitchFamily="50" charset="-128"/>
               </a:rPr>
               <a:t>　私たちのロボットには、前と後ろの両方にドリブラー・キッカーを搭載しています。</a:t>
             </a:r>
+            <a:endParaRPr kumimoji="1" lang="en-US" altLang="ja-JP" sz="900" dirty="0">
+              <a:latin typeface="Noto Sans JP" panose="020B0200000000000000" pitchFamily="50" charset="-128"/>
+              <a:ea typeface="Noto Sans JP" panose="020B0200000000000000" pitchFamily="50" charset="-128"/>
+            </a:endParaRPr>
+          </a:p>
+          <a:p>
+            <a:r>
+              <a:rPr kumimoji="1" lang="ja-JP" altLang="en-US" sz="900" dirty="0">
+                <a:latin typeface="Noto Sans JP" panose="020B0200000000000000" pitchFamily="50" charset="-128"/>
+                <a:ea typeface="Noto Sans JP" panose="020B0200000000000000" pitchFamily="50" charset="-128"/>
+              </a:rPr>
+              <a:t>前方にあるドリブラー・キッカーは、「ゴール方向に素早く・正確にシュートする」役割を担います。</a:t>
+            </a:r>
+          </a:p>
+          <a:p>
+            <a:r>
+              <a:rPr kumimoji="1" lang="ja-JP" altLang="en-US" sz="900" dirty="0">
+                <a:latin typeface="Noto Sans JP" panose="020B0200000000000000" pitchFamily="50" charset="-128"/>
+                <a:ea typeface="Noto Sans JP" panose="020B0200000000000000" pitchFamily="50" charset="-128"/>
+              </a:rPr>
+              <a:t>ドリブラーでボールを補足した後、相手ゴールまで近づき、キッカーを用いて空いているゴールの方向へとシュートを放ちます。</a:t>
+            </a:r>
+          </a:p>
+          <a:p>
+            <a:r>
+              <a:rPr kumimoji="1" lang="ja-JP" altLang="en-US" sz="900" dirty="0">
+                <a:latin typeface="Noto Sans JP" panose="020B0200000000000000" pitchFamily="50" charset="-128"/>
+                <a:ea typeface="Noto Sans JP" panose="020B0200000000000000" pitchFamily="50" charset="-128"/>
+              </a:rPr>
+              <a:t>また、ドリブラーを用いることで、図〇のように、ゴールの横にあり、そのままではゴールに入れることができないボールも保持したまま後ろに運ぶことで、ゴールに向かってシュートを放つことが可能になります。</a:t>
+            </a:r>
+          </a:p>
+          <a:p>
+            <a:endParaRPr kumimoji="1" lang="ja-JP" altLang="en-US" sz="900" dirty="0">
+              <a:latin typeface="Noto Sans JP" panose="020B0200000000000000" pitchFamily="50" charset="-128"/>
+              <a:ea typeface="Noto Sans JP" panose="020B0200000000000000" pitchFamily="50" charset="-128"/>
+            </a:endParaRPr>
           </a:p>
         </p:txBody>
       </p:sp>
@@ -4331,7 +4505,7 @@
         </p:nvSpPr>
         <p:spPr>
           <a:xfrm>
-            <a:off x="6147129" y="6762054"/>
+            <a:off x="7231061" y="5931961"/>
             <a:ext cx="4360863" cy="338554"/>
           </a:xfrm>
           <a:prstGeom prst="rect">
@@ -4394,7 +4568,7 @@
         </p:nvSpPr>
         <p:spPr>
           <a:xfrm>
-            <a:off x="6147129" y="7118974"/>
+            <a:off x="7231061" y="6288881"/>
             <a:ext cx="7181850" cy="246221"/>
           </a:xfrm>
           <a:prstGeom prst="rect">
@@ -4446,8 +4620,8 @@
         </p:nvSpPr>
         <p:spPr>
           <a:xfrm>
-            <a:off x="142875" y="1092884"/>
-            <a:ext cx="2209800" cy="338554"/>
+            <a:off x="53974" y="2833708"/>
+            <a:ext cx="5997575" cy="461665"/>
           </a:xfrm>
           <a:prstGeom prst="rect">
             <a:avLst/>
@@ -4461,13 +4635,1099 @@
           <a:lstStyle/>
           <a:p>
             <a:r>
+              <a:rPr kumimoji="1" lang="ja-JP" altLang="en-US" sz="2400" b="1" dirty="0">
+                <a:latin typeface="Noto Sans JP" panose="020B0200000000000000" pitchFamily="50" charset="-128"/>
+                <a:ea typeface="Noto Sans JP" panose="020B0200000000000000" pitchFamily="50" charset="-128"/>
+              </a:rPr>
+              <a:t>ロボットの概要</a:t>
+            </a:r>
+            <a:r>
               <a:rPr kumimoji="1" lang="ja-JP" altLang="en-US" sz="1600" b="1" dirty="0">
                 <a:latin typeface="Noto Sans JP" panose="020B0200000000000000" pitchFamily="50" charset="-128"/>
                 <a:ea typeface="Noto Sans JP" panose="020B0200000000000000" pitchFamily="50" charset="-128"/>
               </a:rPr>
-              <a:t>ロボットの概要</a:t>
+              <a:t> </a:t>
+            </a:r>
+            <a:r>
+              <a:rPr kumimoji="1" lang="en-US" altLang="ja-JP" sz="1600" b="1" dirty="0">
+                <a:latin typeface="Noto Sans JP" panose="020B0200000000000000" pitchFamily="50" charset="-128"/>
+                <a:ea typeface="Noto Sans JP" panose="020B0200000000000000" pitchFamily="50" charset="-128"/>
+              </a:rPr>
+              <a:t>– robot’s overview</a:t>
+            </a:r>
+            <a:endParaRPr kumimoji="1" lang="ja-JP" altLang="en-US" sz="1600" dirty="0">
+              <a:latin typeface="Noto Sans JP" panose="020B0200000000000000" pitchFamily="50" charset="-128"/>
+              <a:ea typeface="Noto Sans JP" panose="020B0200000000000000" pitchFamily="50" charset="-128"/>
+            </a:endParaRPr>
+          </a:p>
+        </p:txBody>
+      </p:sp>
+      <p:sp>
+        <p:nvSpPr>
+          <p:cNvPr id="3" name="テキスト ボックス 2">
+            <a:extLst>
+              <a:ext uri="{FF2B5EF4-FFF2-40B4-BE49-F238E27FC236}">
+                <a16:creationId xmlns:a16="http://schemas.microsoft.com/office/drawing/2014/main" id="{FA8586AB-D005-3AF2-EA54-C88038C3C90E}"/>
+              </a:ext>
+            </a:extLst>
+          </p:cNvPr>
+          <p:cNvSpPr txBox="1"/>
+          <p:nvPr/>
+        </p:nvSpPr>
+        <p:spPr>
+          <a:xfrm>
+            <a:off x="47625" y="974692"/>
+            <a:ext cx="5997575" cy="461665"/>
+          </a:xfrm>
+          <a:prstGeom prst="rect">
+            <a:avLst/>
+          </a:prstGeom>
+          <a:noFill/>
+        </p:spPr>
+        <p:txBody>
+          <a:bodyPr wrap="square" rtlCol="0">
+            <a:spAutoFit/>
+          </a:bodyPr>
+          <a:lstStyle/>
+          <a:p>
+            <a:r>
+              <a:rPr kumimoji="1" lang="ja-JP" altLang="en-US" sz="2400" b="1" dirty="0">
+                <a:latin typeface="Noto Sans JP" panose="020B0200000000000000" pitchFamily="50" charset="-128"/>
+                <a:ea typeface="Noto Sans JP" panose="020B0200000000000000" pitchFamily="50" charset="-128"/>
+              </a:rPr>
+              <a:t>チーム概要</a:t>
+            </a:r>
+            <a:r>
+              <a:rPr kumimoji="1" lang="ja-JP" altLang="en-US" sz="1600" b="1" dirty="0">
+                <a:latin typeface="Noto Sans JP" panose="020B0200000000000000" pitchFamily="50" charset="-128"/>
+                <a:ea typeface="Noto Sans JP" panose="020B0200000000000000" pitchFamily="50" charset="-128"/>
+              </a:rPr>
+              <a:t> </a:t>
+            </a:r>
+            <a:r>
+              <a:rPr kumimoji="1" lang="en-US" altLang="ja-JP" sz="1600" b="1" dirty="0">
+                <a:latin typeface="Noto Sans JP" panose="020B0200000000000000" pitchFamily="50" charset="-128"/>
+                <a:ea typeface="Noto Sans JP" panose="020B0200000000000000" pitchFamily="50" charset="-128"/>
+              </a:rPr>
+              <a:t>– Munako Artemis</a:t>
+            </a:r>
+            <a:endParaRPr kumimoji="1" lang="ja-JP" altLang="en-US" sz="1600" dirty="0">
+              <a:latin typeface="Noto Sans JP" panose="020B0200000000000000" pitchFamily="50" charset="-128"/>
+              <a:ea typeface="Noto Sans JP" panose="020B0200000000000000" pitchFamily="50" charset="-128"/>
+            </a:endParaRPr>
+          </a:p>
+        </p:txBody>
+      </p:sp>
+      <p:sp>
+        <p:nvSpPr>
+          <p:cNvPr id="5" name="テキスト ボックス 4">
+            <a:extLst>
+              <a:ext uri="{FF2B5EF4-FFF2-40B4-BE49-F238E27FC236}">
+                <a16:creationId xmlns:a16="http://schemas.microsoft.com/office/drawing/2014/main" id="{630CF08D-4027-6B53-6F1D-CC6F89A0DF42}"/>
+              </a:ext>
+            </a:extLst>
+          </p:cNvPr>
+          <p:cNvSpPr txBox="1"/>
+          <p:nvPr/>
+        </p:nvSpPr>
+        <p:spPr>
+          <a:xfrm>
+            <a:off x="7046913" y="1019820"/>
+            <a:ext cx="5997575" cy="461665"/>
+          </a:xfrm>
+          <a:prstGeom prst="rect">
+            <a:avLst/>
+          </a:prstGeom>
+          <a:noFill/>
+        </p:spPr>
+        <p:txBody>
+          <a:bodyPr wrap="square" rtlCol="0">
+            <a:spAutoFit/>
+          </a:bodyPr>
+          <a:lstStyle/>
+          <a:p>
+            <a:r>
+              <a:rPr kumimoji="1" lang="ja-JP" altLang="en-US" sz="2400" b="1" dirty="0">
+                <a:latin typeface="Noto Sans JP" panose="020B0200000000000000" pitchFamily="50" charset="-128"/>
+                <a:ea typeface="Noto Sans JP" panose="020B0200000000000000" pitchFamily="50" charset="-128"/>
+              </a:rPr>
+              <a:t>ロボットの特徴 </a:t>
+            </a:r>
+            <a:r>
+              <a:rPr kumimoji="1" lang="en-US" altLang="ja-JP" sz="1600" b="1" dirty="0">
+                <a:latin typeface="Noto Sans JP" panose="020B0200000000000000" pitchFamily="50" charset="-128"/>
+                <a:ea typeface="Noto Sans JP" panose="020B0200000000000000" pitchFamily="50" charset="-128"/>
+              </a:rPr>
+              <a:t>– robot’s features</a:t>
+            </a:r>
+            <a:endParaRPr kumimoji="1" lang="ja-JP" altLang="en-US" sz="1600" dirty="0">
+              <a:latin typeface="Noto Sans JP" panose="020B0200000000000000" pitchFamily="50" charset="-128"/>
+              <a:ea typeface="Noto Sans JP" panose="020B0200000000000000" pitchFamily="50" charset="-128"/>
+            </a:endParaRPr>
+          </a:p>
+        </p:txBody>
+      </p:sp>
+      <p:cxnSp>
+        <p:nvCxnSpPr>
+          <p:cNvPr id="7" name="直線コネクタ 6">
+            <a:extLst>
+              <a:ext uri="{FF2B5EF4-FFF2-40B4-BE49-F238E27FC236}">
+                <a16:creationId xmlns:a16="http://schemas.microsoft.com/office/drawing/2014/main" id="{6362FA04-684A-C97F-9B52-82A05ED636C2}"/>
+              </a:ext>
+            </a:extLst>
+          </p:cNvPr>
+          <p:cNvCxnSpPr>
+            <a:cxnSpLocks/>
+          </p:cNvCxnSpPr>
+          <p:nvPr/>
+        </p:nvCxnSpPr>
+        <p:spPr>
+          <a:xfrm>
+            <a:off x="3575050" y="1186772"/>
+            <a:ext cx="3357469" cy="0"/>
+          </a:xfrm>
+          <a:prstGeom prst="line">
+            <a:avLst/>
+          </a:prstGeom>
+          <a:ln w="19050">
+            <a:solidFill>
+              <a:schemeClr val="tx1"/>
+            </a:solidFill>
+          </a:ln>
+        </p:spPr>
+        <p:style>
+          <a:lnRef idx="1">
+            <a:schemeClr val="accent1"/>
+          </a:lnRef>
+          <a:fillRef idx="0">
+            <a:schemeClr val="accent1"/>
+          </a:fillRef>
+          <a:effectRef idx="0">
+            <a:schemeClr val="accent1"/>
+          </a:effectRef>
+          <a:fontRef idx="minor">
+            <a:schemeClr val="tx1"/>
+          </a:fontRef>
+        </p:style>
+      </p:cxnSp>
+      <p:cxnSp>
+        <p:nvCxnSpPr>
+          <p:cNvPr id="8" name="直線コネクタ 7">
+            <a:extLst>
+              <a:ext uri="{FF2B5EF4-FFF2-40B4-BE49-F238E27FC236}">
+                <a16:creationId xmlns:a16="http://schemas.microsoft.com/office/drawing/2014/main" id="{58B2D02A-8CF2-8AA2-2813-D4087451FF55}"/>
+              </a:ext>
+            </a:extLst>
+          </p:cNvPr>
+          <p:cNvCxnSpPr>
+            <a:cxnSpLocks/>
+          </p:cNvCxnSpPr>
+          <p:nvPr/>
+        </p:nvCxnSpPr>
+        <p:spPr>
+          <a:xfrm>
+            <a:off x="4241799" y="3079280"/>
+            <a:ext cx="2697069" cy="0"/>
+          </a:xfrm>
+          <a:prstGeom prst="line">
+            <a:avLst/>
+          </a:prstGeom>
+          <a:ln w="19050">
+            <a:solidFill>
+              <a:schemeClr val="tx1"/>
+            </a:solidFill>
+          </a:ln>
+        </p:spPr>
+        <p:style>
+          <a:lnRef idx="1">
+            <a:schemeClr val="accent1"/>
+          </a:lnRef>
+          <a:fillRef idx="0">
+            <a:schemeClr val="accent1"/>
+          </a:fillRef>
+          <a:effectRef idx="0">
+            <a:schemeClr val="accent1"/>
+          </a:effectRef>
+          <a:fontRef idx="minor">
+            <a:schemeClr val="tx1"/>
+          </a:fontRef>
+        </p:style>
+      </p:cxnSp>
+      <p:cxnSp>
+        <p:nvCxnSpPr>
+          <p:cNvPr id="20" name="直線コネクタ 19">
+            <a:extLst>
+              <a:ext uri="{FF2B5EF4-FFF2-40B4-BE49-F238E27FC236}">
+                <a16:creationId xmlns:a16="http://schemas.microsoft.com/office/drawing/2014/main" id="{27605D28-3ABD-7BA1-D490-D5E03AC97FE2}"/>
+              </a:ext>
+            </a:extLst>
+          </p:cNvPr>
+          <p:cNvCxnSpPr>
+            <a:cxnSpLocks/>
+          </p:cNvCxnSpPr>
+          <p:nvPr/>
+        </p:nvCxnSpPr>
+        <p:spPr>
+          <a:xfrm>
+            <a:off x="11255188" y="1231900"/>
+            <a:ext cx="3727637" cy="0"/>
+          </a:xfrm>
+          <a:prstGeom prst="line">
+            <a:avLst/>
+          </a:prstGeom>
+          <a:ln w="19050">
+            <a:solidFill>
+              <a:schemeClr val="tx1"/>
+            </a:solidFill>
+          </a:ln>
+        </p:spPr>
+        <p:style>
+          <a:lnRef idx="1">
+            <a:schemeClr val="accent1"/>
+          </a:lnRef>
+          <a:fillRef idx="0">
+            <a:schemeClr val="accent1"/>
+          </a:fillRef>
+          <a:effectRef idx="0">
+            <a:schemeClr val="accent1"/>
+          </a:effectRef>
+          <a:fontRef idx="minor">
+            <a:schemeClr val="tx1"/>
+          </a:fontRef>
+        </p:style>
+      </p:cxnSp>
+      <p:sp>
+        <p:nvSpPr>
+          <p:cNvPr id="39" name="正方形/長方形 38">
+            <a:extLst>
+              <a:ext uri="{FF2B5EF4-FFF2-40B4-BE49-F238E27FC236}">
+                <a16:creationId xmlns:a16="http://schemas.microsoft.com/office/drawing/2014/main" id="{471378A8-4C55-903D-57DD-BA41C5181982}"/>
+              </a:ext>
+            </a:extLst>
+          </p:cNvPr>
+          <p:cNvSpPr/>
+          <p:nvPr/>
+        </p:nvSpPr>
+        <p:spPr>
+          <a:xfrm>
+            <a:off x="142875" y="8405813"/>
+            <a:ext cx="3316566" cy="2107448"/>
+          </a:xfrm>
+          <a:prstGeom prst="rect">
+            <a:avLst/>
+          </a:prstGeom>
+        </p:spPr>
+        <p:style>
+          <a:lnRef idx="2">
+            <a:schemeClr val="accent1">
+              <a:shade val="15000"/>
+            </a:schemeClr>
+          </a:lnRef>
+          <a:fillRef idx="1">
+            <a:schemeClr val="accent1"/>
+          </a:fillRef>
+          <a:effectRef idx="0">
+            <a:schemeClr val="accent1"/>
+          </a:effectRef>
+          <a:fontRef idx="minor">
+            <a:schemeClr val="lt1"/>
+          </a:fontRef>
+        </p:style>
+        <p:txBody>
+          <a:bodyPr rtlCol="0" anchor="ctr"/>
+          <a:lstStyle/>
+          <a:p>
+            <a:pPr algn="ctr"/>
+            <a:r>
+              <a:rPr kumimoji="1" lang="ja-JP" altLang="en-US" dirty="0"/>
+              <a:t>モーター関連</a:t>
+            </a:r>
+            <a:endParaRPr kumimoji="1" lang="en-US" altLang="ja-JP" dirty="0"/>
+          </a:p>
+          <a:p>
+            <a:pPr algn="ctr"/>
+            <a:r>
+              <a:rPr kumimoji="1" lang="ja-JP" altLang="en-US" dirty="0"/>
+              <a:t>・使用モーター</a:t>
+            </a:r>
+            <a:endParaRPr kumimoji="1" lang="en-US" altLang="ja-JP" dirty="0"/>
+          </a:p>
+          <a:p>
+            <a:pPr algn="ctr"/>
+            <a:r>
+              <a:rPr kumimoji="1" lang="ja-JP" altLang="en-US" dirty="0"/>
+              <a:t>・モータードライバ</a:t>
+            </a:r>
+            <a:endParaRPr kumimoji="1" lang="en-US" altLang="ja-JP" dirty="0"/>
+          </a:p>
+          <a:p>
+            <a:pPr algn="ctr"/>
+            <a:r>
+              <a:rPr kumimoji="1" lang="ja-JP" altLang="en-US" dirty="0"/>
+              <a:t>・使用マイコン</a:t>
+            </a:r>
+            <a:endParaRPr kumimoji="1" lang="en-US" altLang="ja-JP" dirty="0"/>
+          </a:p>
+        </p:txBody>
+      </p:sp>
+      <p:sp>
+        <p:nvSpPr>
+          <p:cNvPr id="40" name="正方形/長方形 39">
+            <a:extLst>
+              <a:ext uri="{FF2B5EF4-FFF2-40B4-BE49-F238E27FC236}">
+                <a16:creationId xmlns:a16="http://schemas.microsoft.com/office/drawing/2014/main" id="{91B0FB86-37FD-713A-13D3-4A242FAA3569}"/>
+              </a:ext>
+            </a:extLst>
+          </p:cNvPr>
+          <p:cNvSpPr/>
+          <p:nvPr/>
+        </p:nvSpPr>
+        <p:spPr>
+          <a:xfrm>
+            <a:off x="142874" y="6984431"/>
+            <a:ext cx="2229216" cy="1359469"/>
+          </a:xfrm>
+          <a:prstGeom prst="rect">
+            <a:avLst/>
+          </a:prstGeom>
+        </p:spPr>
+        <p:style>
+          <a:lnRef idx="2">
+            <a:schemeClr val="accent1">
+              <a:shade val="15000"/>
+            </a:schemeClr>
+          </a:lnRef>
+          <a:fillRef idx="1">
+            <a:schemeClr val="accent1"/>
+          </a:fillRef>
+          <a:effectRef idx="0">
+            <a:schemeClr val="accent1"/>
+          </a:effectRef>
+          <a:fontRef idx="minor">
+            <a:schemeClr val="lt1"/>
+          </a:fontRef>
+        </p:style>
+        <p:txBody>
+          <a:bodyPr rtlCol="0" anchor="ctr"/>
+          <a:lstStyle/>
+          <a:p>
+            <a:pPr algn="ctr"/>
+            <a:r>
+              <a:rPr kumimoji="1" lang="ja-JP" altLang="en-US" dirty="0"/>
+              <a:t>電源ユニット</a:t>
+            </a:r>
+            <a:endParaRPr kumimoji="1" lang="en-US" altLang="ja-JP" dirty="0"/>
+          </a:p>
+          <a:p>
+            <a:pPr algn="ctr"/>
+            <a:r>
+              <a:rPr kumimoji="1" lang="ja-JP" altLang="en-US" dirty="0"/>
+              <a:t>・右側にあるよ</a:t>
+            </a:r>
+            <a:endParaRPr kumimoji="1" lang="en-US" altLang="ja-JP" dirty="0"/>
+          </a:p>
+        </p:txBody>
+      </p:sp>
+      <p:sp>
+        <p:nvSpPr>
+          <p:cNvPr id="41" name="正方形/長方形 40">
+            <a:extLst>
+              <a:ext uri="{FF2B5EF4-FFF2-40B4-BE49-F238E27FC236}">
+                <a16:creationId xmlns:a16="http://schemas.microsoft.com/office/drawing/2014/main" id="{B862CCAF-8B2D-2B06-F102-5D9DC04A3F2D}"/>
+              </a:ext>
+            </a:extLst>
+          </p:cNvPr>
+          <p:cNvSpPr/>
+          <p:nvPr/>
+        </p:nvSpPr>
+        <p:spPr>
+          <a:xfrm>
+            <a:off x="135591" y="3402501"/>
+            <a:ext cx="3316567" cy="2107448"/>
+          </a:xfrm>
+          <a:prstGeom prst="rect">
+            <a:avLst/>
+          </a:prstGeom>
+        </p:spPr>
+        <p:style>
+          <a:lnRef idx="2">
+            <a:schemeClr val="accent1">
+              <a:shade val="15000"/>
+            </a:schemeClr>
+          </a:lnRef>
+          <a:fillRef idx="1">
+            <a:schemeClr val="accent1"/>
+          </a:fillRef>
+          <a:effectRef idx="0">
+            <a:schemeClr val="accent1"/>
+          </a:effectRef>
+          <a:fontRef idx="minor">
+            <a:schemeClr val="lt1"/>
+          </a:fontRef>
+        </p:style>
+        <p:txBody>
+          <a:bodyPr rtlCol="0" anchor="ctr"/>
+          <a:lstStyle/>
+          <a:p>
+            <a:pPr algn="ctr"/>
+            <a:r>
+              <a:rPr kumimoji="1" lang="ja-JP" altLang="en-US" dirty="0"/>
+              <a:t>メイン基板</a:t>
+            </a:r>
+            <a:endParaRPr kumimoji="1" lang="en-US" altLang="ja-JP" dirty="0"/>
+          </a:p>
+          <a:p>
+            <a:pPr algn="ctr"/>
+            <a:r>
+              <a:rPr kumimoji="1" lang="ja-JP" altLang="en-US" dirty="0"/>
+              <a:t>・使用マイコン</a:t>
+            </a:r>
+            <a:endParaRPr kumimoji="1" lang="en-US" altLang="ja-JP" dirty="0"/>
+          </a:p>
+          <a:p>
+            <a:pPr algn="ctr"/>
+            <a:r>
+              <a:rPr kumimoji="1" lang="ja-JP" altLang="en-US" dirty="0"/>
+              <a:t>・ジャイロ、</a:t>
+            </a:r>
+            <a:r>
+              <a:rPr kumimoji="1" lang="en-US" altLang="ja-JP" dirty="0"/>
+              <a:t>TOF</a:t>
+            </a:r>
+            <a:endParaRPr kumimoji="1" lang="ja-JP" altLang="en-US" dirty="0"/>
+          </a:p>
+        </p:txBody>
+      </p:sp>
+      <p:sp>
+        <p:nvSpPr>
+          <p:cNvPr id="42" name="正方形/長方形 41">
+            <a:extLst>
+              <a:ext uri="{FF2B5EF4-FFF2-40B4-BE49-F238E27FC236}">
+                <a16:creationId xmlns:a16="http://schemas.microsoft.com/office/drawing/2014/main" id="{C3CD7B23-53B8-125C-928E-6D4C0AA2AE79}"/>
+              </a:ext>
+            </a:extLst>
+          </p:cNvPr>
+          <p:cNvSpPr/>
+          <p:nvPr/>
+        </p:nvSpPr>
+        <p:spPr>
+          <a:xfrm>
+            <a:off x="3527425" y="8405813"/>
+            <a:ext cx="3316567" cy="2107448"/>
+          </a:xfrm>
+          <a:prstGeom prst="rect">
+            <a:avLst/>
+          </a:prstGeom>
+        </p:spPr>
+        <p:style>
+          <a:lnRef idx="2">
+            <a:schemeClr val="accent1">
+              <a:shade val="15000"/>
+            </a:schemeClr>
+          </a:lnRef>
+          <a:fillRef idx="1">
+            <a:schemeClr val="accent1"/>
+          </a:fillRef>
+          <a:effectRef idx="0">
+            <a:schemeClr val="accent1"/>
+          </a:effectRef>
+          <a:fontRef idx="minor">
+            <a:schemeClr val="lt1"/>
+          </a:fontRef>
+        </p:style>
+        <p:txBody>
+          <a:bodyPr rtlCol="0" anchor="ctr"/>
+          <a:lstStyle/>
+          <a:p>
+            <a:pPr algn="ctr"/>
+            <a:r>
+              <a:rPr kumimoji="1" lang="ja-JP" altLang="en-US" dirty="0"/>
+              <a:t>キッカー・ドリブラー</a:t>
+            </a:r>
+            <a:endParaRPr kumimoji="1" lang="en-US" altLang="ja-JP" dirty="0"/>
+          </a:p>
+          <a:p>
+            <a:pPr algn="ctr"/>
+            <a:r>
+              <a:rPr kumimoji="1" lang="ja-JP" altLang="en-US" dirty="0"/>
+              <a:t>・使用モーター</a:t>
+            </a:r>
+            <a:endParaRPr kumimoji="1" lang="en-US" altLang="ja-JP" dirty="0"/>
+          </a:p>
+          <a:p>
+            <a:pPr algn="ctr"/>
+            <a:r>
+              <a:rPr kumimoji="1" lang="ja-JP" altLang="en-US" dirty="0"/>
+              <a:t>・使用ソレノイド</a:t>
+            </a:r>
+            <a:endParaRPr kumimoji="1" lang="en-US" altLang="ja-JP" dirty="0"/>
+          </a:p>
+          <a:p>
+            <a:pPr algn="ctr"/>
+            <a:r>
+              <a:rPr kumimoji="1" lang="ja-JP" altLang="en-US" dirty="0"/>
+              <a:t>・使用</a:t>
+            </a:r>
+            <a:r>
+              <a:rPr kumimoji="1" lang="en-US" altLang="ja-JP" dirty="0"/>
+              <a:t>ESC</a:t>
+            </a:r>
+          </a:p>
+          <a:p>
+            <a:pPr algn="ctr"/>
+            <a:r>
+              <a:rPr kumimoji="1" lang="ja-JP" altLang="en-US" dirty="0"/>
+              <a:t>・ワンタッチで外せる</a:t>
+            </a:r>
+          </a:p>
+        </p:txBody>
+      </p:sp>
+      <p:sp>
+        <p:nvSpPr>
+          <p:cNvPr id="43" name="正方形/長方形 42">
+            <a:extLst>
+              <a:ext uri="{FF2B5EF4-FFF2-40B4-BE49-F238E27FC236}">
+                <a16:creationId xmlns:a16="http://schemas.microsoft.com/office/drawing/2014/main" id="{26887198-BD14-CFAE-D04A-BFAC57BEC663}"/>
+              </a:ext>
+            </a:extLst>
+          </p:cNvPr>
+          <p:cNvSpPr/>
+          <p:nvPr/>
+        </p:nvSpPr>
+        <p:spPr>
+          <a:xfrm>
+            <a:off x="142875" y="5575658"/>
+            <a:ext cx="2229216" cy="1355673"/>
+          </a:xfrm>
+          <a:prstGeom prst="rect">
+            <a:avLst/>
+          </a:prstGeom>
+        </p:spPr>
+        <p:style>
+          <a:lnRef idx="2">
+            <a:schemeClr val="accent1">
+              <a:shade val="15000"/>
+            </a:schemeClr>
+          </a:lnRef>
+          <a:fillRef idx="1">
+            <a:schemeClr val="accent1"/>
+          </a:fillRef>
+          <a:effectRef idx="0">
+            <a:schemeClr val="accent1"/>
+          </a:effectRef>
+          <a:fontRef idx="minor">
+            <a:schemeClr val="lt1"/>
+          </a:fontRef>
+        </p:style>
+        <p:txBody>
+          <a:bodyPr rtlCol="0" anchor="ctr"/>
+          <a:lstStyle/>
+          <a:p>
+            <a:pPr algn="ctr"/>
+            <a:r>
+              <a:rPr kumimoji="1" lang="ja-JP" altLang="en-US" dirty="0"/>
+              <a:t>カメラユニット</a:t>
+            </a:r>
+            <a:endParaRPr kumimoji="1" lang="en-US" altLang="ja-JP" dirty="0"/>
+          </a:p>
+          <a:p>
+            <a:pPr algn="ctr"/>
+            <a:r>
+              <a:rPr kumimoji="1" lang="ja-JP" altLang="en-US" dirty="0"/>
+              <a:t>・</a:t>
+            </a:r>
+            <a:r>
+              <a:rPr kumimoji="1" lang="en-US" altLang="ja-JP" dirty="0"/>
+              <a:t>6</a:t>
+            </a:r>
+            <a:r>
+              <a:rPr kumimoji="1" lang="ja-JP" altLang="en-US" dirty="0"/>
+              <a:t>カメを推す</a:t>
+            </a:r>
+          </a:p>
+        </p:txBody>
+      </p:sp>
+      <p:sp>
+        <p:nvSpPr>
+          <p:cNvPr id="47" name="正方形/長方形 46">
+            <a:extLst>
+              <a:ext uri="{FF2B5EF4-FFF2-40B4-BE49-F238E27FC236}">
+                <a16:creationId xmlns:a16="http://schemas.microsoft.com/office/drawing/2014/main" id="{C2796A96-9373-C145-830E-0A6A75F61AA9}"/>
+              </a:ext>
+            </a:extLst>
+          </p:cNvPr>
+          <p:cNvSpPr/>
+          <p:nvPr/>
+        </p:nvSpPr>
+        <p:spPr>
+          <a:xfrm>
+            <a:off x="3527426" y="3398858"/>
+            <a:ext cx="3316566" cy="2107448"/>
+          </a:xfrm>
+          <a:prstGeom prst="rect">
+            <a:avLst/>
+          </a:prstGeom>
+        </p:spPr>
+        <p:style>
+          <a:lnRef idx="2">
+            <a:schemeClr val="accent1">
+              <a:shade val="15000"/>
+            </a:schemeClr>
+          </a:lnRef>
+          <a:fillRef idx="1">
+            <a:schemeClr val="accent1"/>
+          </a:fillRef>
+          <a:effectRef idx="0">
+            <a:schemeClr val="accent1"/>
+          </a:effectRef>
+          <a:fontRef idx="minor">
+            <a:schemeClr val="lt1"/>
+          </a:fontRef>
+        </p:style>
+        <p:txBody>
+          <a:bodyPr rtlCol="0" anchor="ctr"/>
+          <a:lstStyle/>
+          <a:p>
+            <a:pPr algn="ctr"/>
+            <a:r>
+              <a:rPr kumimoji="1" lang="en-US" altLang="ja-JP" dirty="0"/>
+              <a:t>UI</a:t>
+            </a:r>
+          </a:p>
+          <a:p>
+            <a:pPr algn="ctr"/>
+            <a:r>
+              <a:rPr kumimoji="1" lang="ja-JP" altLang="en-US" dirty="0"/>
+              <a:t>・ネオピクセル</a:t>
+            </a:r>
+            <a:endParaRPr kumimoji="1" lang="en-US" altLang="ja-JP" dirty="0"/>
+          </a:p>
+          <a:p>
+            <a:pPr algn="ctr"/>
+            <a:r>
+              <a:rPr kumimoji="1" lang="ja-JP" altLang="en-US" dirty="0"/>
+              <a:t>・ディスプレイ</a:t>
+            </a:r>
+            <a:endParaRPr kumimoji="1" lang="en-US" altLang="ja-JP" dirty="0"/>
+          </a:p>
+          <a:p>
+            <a:pPr algn="ctr"/>
+            <a:r>
+              <a:rPr kumimoji="1" lang="ja-JP" altLang="en-US" dirty="0"/>
+              <a:t>・圧電ブザー</a:t>
+            </a:r>
+          </a:p>
+          <a:p>
+            <a:pPr algn="ctr"/>
+            <a:endParaRPr kumimoji="1" lang="en-US" altLang="ja-JP" dirty="0"/>
+          </a:p>
+        </p:txBody>
+      </p:sp>
+      <p:sp>
+        <p:nvSpPr>
+          <p:cNvPr id="48" name="正方形/長方形 47">
+            <a:extLst>
+              <a:ext uri="{FF2B5EF4-FFF2-40B4-BE49-F238E27FC236}">
+                <a16:creationId xmlns:a16="http://schemas.microsoft.com/office/drawing/2014/main" id="{45996B6C-A328-84FA-B771-5AA66F2FBCC8}"/>
+              </a:ext>
+            </a:extLst>
+          </p:cNvPr>
+          <p:cNvSpPr/>
+          <p:nvPr/>
+        </p:nvSpPr>
+        <p:spPr>
+          <a:xfrm>
+            <a:off x="4614776" y="5575658"/>
+            <a:ext cx="2229216" cy="2777965"/>
+          </a:xfrm>
+          <a:prstGeom prst="rect">
+            <a:avLst/>
+          </a:prstGeom>
+        </p:spPr>
+        <p:style>
+          <a:lnRef idx="2">
+            <a:schemeClr val="accent1">
+              <a:shade val="15000"/>
+            </a:schemeClr>
+          </a:lnRef>
+          <a:fillRef idx="1">
+            <a:schemeClr val="accent1"/>
+          </a:fillRef>
+          <a:effectRef idx="0">
+            <a:schemeClr val="accent1"/>
+          </a:effectRef>
+          <a:fontRef idx="minor">
+            <a:schemeClr val="lt1"/>
+          </a:fontRef>
+        </p:style>
+        <p:txBody>
+          <a:bodyPr rtlCol="0" anchor="ctr"/>
+          <a:lstStyle/>
+          <a:p>
+            <a:pPr algn="ctr"/>
+            <a:r>
+              <a:rPr kumimoji="1" lang="ja-JP" altLang="en-US" dirty="0"/>
+              <a:t>ラインセンサ</a:t>
+            </a:r>
+            <a:endParaRPr kumimoji="1" lang="en-US" altLang="ja-JP" dirty="0"/>
+          </a:p>
+          <a:p>
+            <a:pPr algn="ctr"/>
+            <a:r>
+              <a:rPr kumimoji="1" lang="ja-JP" altLang="en-US" dirty="0"/>
+              <a:t>・使用センサ</a:t>
+            </a:r>
+            <a:endParaRPr kumimoji="1" lang="en-US" altLang="ja-JP" dirty="0"/>
+          </a:p>
+          <a:p>
+            <a:pPr algn="ctr"/>
+            <a:r>
+              <a:rPr kumimoji="1" lang="ja-JP" altLang="en-US" dirty="0"/>
+              <a:t>・使用マイコン</a:t>
+            </a:r>
+            <a:endParaRPr kumimoji="1" lang="en-US" altLang="ja-JP" dirty="0"/>
+          </a:p>
+          <a:p>
+            <a:pPr algn="ctr"/>
+            <a:r>
+              <a:rPr kumimoji="1" lang="ja-JP" altLang="en-US" dirty="0"/>
+              <a:t>・形状の理由</a:t>
+            </a:r>
+          </a:p>
+        </p:txBody>
+      </p:sp>
+      <p:sp>
+        <p:nvSpPr>
+          <p:cNvPr id="49" name="テキスト ボックス 48">
+            <a:extLst>
+              <a:ext uri="{FF2B5EF4-FFF2-40B4-BE49-F238E27FC236}">
+                <a16:creationId xmlns:a16="http://schemas.microsoft.com/office/drawing/2014/main" id="{A07E7696-E5BD-234C-1978-10527487C7B8}"/>
+              </a:ext>
+            </a:extLst>
+          </p:cNvPr>
+          <p:cNvSpPr txBox="1"/>
+          <p:nvPr/>
+        </p:nvSpPr>
+        <p:spPr>
+          <a:xfrm>
+            <a:off x="7231061" y="8405813"/>
+            <a:ext cx="4360863" cy="338554"/>
+          </a:xfrm>
+          <a:prstGeom prst="rect">
+            <a:avLst/>
+          </a:prstGeom>
+          <a:noFill/>
+        </p:spPr>
+        <p:txBody>
+          <a:bodyPr wrap="square" rtlCol="0">
+            <a:spAutoFit/>
+          </a:bodyPr>
+          <a:lstStyle/>
+          <a:p>
+            <a:r>
+              <a:rPr lang="ja-JP" altLang="en-US" sz="1600" b="1" dirty="0">
+                <a:latin typeface="Noto Sans JP" panose="020B0200000000000000" pitchFamily="50" charset="-128"/>
+                <a:ea typeface="Noto Sans JP" panose="020B0200000000000000" pitchFamily="50" charset="-128"/>
+              </a:rPr>
+              <a:t>情報共有</a:t>
+            </a:r>
+            <a:r>
+              <a:rPr lang="ja-JP" altLang="en-US" sz="1100" dirty="0">
+                <a:latin typeface="Noto Sans JP" panose="020B0200000000000000" pitchFamily="50" charset="-128"/>
+                <a:ea typeface="Noto Sans JP" panose="020B0200000000000000" pitchFamily="50" charset="-128"/>
+              </a:rPr>
+              <a:t>が</a:t>
+            </a:r>
+            <a:r>
+              <a:rPr lang="ja-JP" altLang="en-US" sz="1200" dirty="0">
+                <a:latin typeface="Noto Sans JP" panose="020B0200000000000000" pitchFamily="50" charset="-128"/>
+                <a:ea typeface="Noto Sans JP" panose="020B0200000000000000" pitchFamily="50" charset="-128"/>
+              </a:rPr>
+              <a:t>生</a:t>
+            </a:r>
+            <a:r>
+              <a:rPr lang="ja-JP" altLang="en-US" sz="1100" dirty="0">
+                <a:latin typeface="Noto Sans JP" panose="020B0200000000000000" pitchFamily="50" charset="-128"/>
+                <a:ea typeface="Noto Sans JP" panose="020B0200000000000000" pitchFamily="50" charset="-128"/>
+              </a:rPr>
+              <a:t>む、より</a:t>
+            </a:r>
+            <a:r>
+              <a:rPr lang="ja-JP" altLang="en-US" sz="1200" dirty="0">
+                <a:latin typeface="Noto Sans JP" panose="020B0200000000000000" pitchFamily="50" charset="-128"/>
+                <a:ea typeface="Noto Sans JP" panose="020B0200000000000000" pitchFamily="50" charset="-128"/>
+              </a:rPr>
+              <a:t>強</a:t>
+            </a:r>
+            <a:r>
+              <a:rPr lang="ja-JP" altLang="en-US" sz="1100" dirty="0">
+                <a:latin typeface="Noto Sans JP" panose="020B0200000000000000" pitchFamily="50" charset="-128"/>
+                <a:ea typeface="Noto Sans JP" panose="020B0200000000000000" pitchFamily="50" charset="-128"/>
+              </a:rPr>
+              <a:t>いチームワーク</a:t>
+            </a:r>
+            <a:endParaRPr kumimoji="1" lang="ja-JP" altLang="en-US" sz="1100" b="1" dirty="0">
+              <a:latin typeface="Noto Sans JP" panose="020B0200000000000000" pitchFamily="50" charset="-128"/>
+              <a:ea typeface="Noto Sans JP" panose="020B0200000000000000" pitchFamily="50" charset="-128"/>
+            </a:endParaRPr>
+          </a:p>
+        </p:txBody>
+      </p:sp>
+      <p:sp>
+        <p:nvSpPr>
+          <p:cNvPr id="50" name="テキスト ボックス 49">
+            <a:extLst>
+              <a:ext uri="{FF2B5EF4-FFF2-40B4-BE49-F238E27FC236}">
+                <a16:creationId xmlns:a16="http://schemas.microsoft.com/office/drawing/2014/main" id="{A56C1C3D-1DFB-415B-0CB2-D8D06A3C1D56}"/>
+              </a:ext>
+            </a:extLst>
+          </p:cNvPr>
+          <p:cNvSpPr txBox="1"/>
+          <p:nvPr/>
+        </p:nvSpPr>
+        <p:spPr>
+          <a:xfrm>
+            <a:off x="7231061" y="8762733"/>
+            <a:ext cx="7181850" cy="246221"/>
+          </a:xfrm>
+          <a:prstGeom prst="rect">
+            <a:avLst/>
+          </a:prstGeom>
+          <a:noFill/>
+        </p:spPr>
+        <p:txBody>
+          <a:bodyPr wrap="square" rtlCol="0">
+            <a:spAutoFit/>
+          </a:bodyPr>
+          <a:lstStyle/>
+          <a:p>
+            <a:r>
+              <a:rPr kumimoji="1" lang="ja-JP" altLang="en-US" sz="1000" dirty="0">
+                <a:latin typeface="Noto Sans JP" panose="020B0200000000000000" pitchFamily="50" charset="-128"/>
+                <a:ea typeface="Noto Sans JP" panose="020B0200000000000000" pitchFamily="50" charset="-128"/>
+              </a:rPr>
+              <a:t>　私たちのロボットは、</a:t>
+            </a:r>
+            <a:r>
+              <a:rPr kumimoji="1" lang="en-US" altLang="ja-JP" sz="1000" dirty="0">
+                <a:latin typeface="Noto Sans JP" panose="020B0200000000000000" pitchFamily="50" charset="-128"/>
+                <a:ea typeface="Noto Sans JP" panose="020B0200000000000000" pitchFamily="50" charset="-128"/>
+              </a:rPr>
+              <a:t>2</a:t>
+            </a:r>
+            <a:r>
+              <a:rPr kumimoji="1" lang="ja-JP" altLang="en-US" sz="1000" dirty="0">
+                <a:latin typeface="Noto Sans JP" panose="020B0200000000000000" pitchFamily="50" charset="-128"/>
+                <a:ea typeface="Noto Sans JP" panose="020B0200000000000000" pitchFamily="50" charset="-128"/>
+              </a:rPr>
+              <a:t>台それぞれにアタッカーとキーパーという役割を与えています。</a:t>
+            </a:r>
+          </a:p>
+        </p:txBody>
+      </p:sp>
+      <p:sp>
+        <p:nvSpPr>
+          <p:cNvPr id="53" name="テキスト ボックス 52">
+            <a:extLst>
+              <a:ext uri="{FF2B5EF4-FFF2-40B4-BE49-F238E27FC236}">
+                <a16:creationId xmlns:a16="http://schemas.microsoft.com/office/drawing/2014/main" id="{D40D17BF-617C-ADE3-AFAE-9FD83B242A47}"/>
+              </a:ext>
+            </a:extLst>
+          </p:cNvPr>
+          <p:cNvSpPr txBox="1"/>
+          <p:nvPr/>
+        </p:nvSpPr>
+        <p:spPr>
+          <a:xfrm>
+            <a:off x="10949099" y="1538124"/>
+            <a:ext cx="3055825" cy="338554"/>
+          </a:xfrm>
+          <a:prstGeom prst="rect">
+            <a:avLst/>
+          </a:prstGeom>
+          <a:noFill/>
+        </p:spPr>
+        <p:txBody>
+          <a:bodyPr wrap="square" rtlCol="0">
+            <a:spAutoFit/>
+          </a:bodyPr>
+          <a:lstStyle/>
+          <a:p>
+            <a:r>
+              <a:rPr kumimoji="1" lang="ja-JP" altLang="en-US" sz="1200" dirty="0">
+                <a:latin typeface="Noto Sans JP" panose="020B0200000000000000" pitchFamily="50" charset="-128"/>
+                <a:ea typeface="Noto Sans JP" panose="020B0200000000000000" pitchFamily="50" charset="-128"/>
+              </a:rPr>
+              <a:t>圧倒的</a:t>
+            </a:r>
+            <a:r>
+              <a:rPr kumimoji="1" lang="ja-JP" altLang="en-US" sz="1050" dirty="0">
+                <a:latin typeface="Noto Sans JP" panose="020B0200000000000000" pitchFamily="50" charset="-128"/>
+                <a:ea typeface="Noto Sans JP" panose="020B0200000000000000" pitchFamily="50" charset="-128"/>
+              </a:rPr>
+              <a:t>な</a:t>
+            </a:r>
+            <a:r>
+              <a:rPr kumimoji="1" lang="ja-JP" altLang="en-US" sz="1200" dirty="0">
+                <a:latin typeface="Noto Sans JP" panose="020B0200000000000000" pitchFamily="50" charset="-128"/>
+                <a:ea typeface="Noto Sans JP" panose="020B0200000000000000" pitchFamily="50" charset="-128"/>
+              </a:rPr>
+              <a:t>安定性</a:t>
+            </a:r>
+            <a:r>
+              <a:rPr kumimoji="1" lang="ja-JP" altLang="en-US" sz="1050" dirty="0">
+                <a:latin typeface="Noto Sans JP" panose="020B0200000000000000" pitchFamily="50" charset="-128"/>
+                <a:ea typeface="Noto Sans JP" panose="020B0200000000000000" pitchFamily="50" charset="-128"/>
+              </a:rPr>
+              <a:t>の</a:t>
+            </a:r>
+            <a:r>
+              <a:rPr kumimoji="1" lang="ja-JP" altLang="en-US" sz="1600" b="1" dirty="0">
+                <a:latin typeface="Noto Sans JP" panose="020B0200000000000000" pitchFamily="50" charset="-128"/>
+                <a:ea typeface="Noto Sans JP" panose="020B0200000000000000" pitchFamily="50" charset="-128"/>
+              </a:rPr>
+              <a:t>ビジョンシステム</a:t>
             </a:r>
             <a:endParaRPr kumimoji="1" lang="ja-JP" altLang="en-US" sz="1100" dirty="0">
+              <a:latin typeface="Noto Sans JP" panose="020B0200000000000000" pitchFamily="50" charset="-128"/>
+              <a:ea typeface="Noto Sans JP" panose="020B0200000000000000" pitchFamily="50" charset="-128"/>
+            </a:endParaRPr>
+          </a:p>
+        </p:txBody>
+      </p:sp>
+      <p:sp>
+        <p:nvSpPr>
+          <p:cNvPr id="54" name="テキスト ボックス 53">
+            <a:extLst>
+              <a:ext uri="{FF2B5EF4-FFF2-40B4-BE49-F238E27FC236}">
+                <a16:creationId xmlns:a16="http://schemas.microsoft.com/office/drawing/2014/main" id="{B8A05EC4-53F0-9AEE-BA9C-1990E051D059}"/>
+              </a:ext>
+            </a:extLst>
+          </p:cNvPr>
+          <p:cNvSpPr txBox="1"/>
+          <p:nvPr/>
+        </p:nvSpPr>
+        <p:spPr>
+          <a:xfrm>
+            <a:off x="11012599" y="1852459"/>
+            <a:ext cx="4106751" cy="1312475"/>
+          </a:xfrm>
+          <a:prstGeom prst="rect">
+            <a:avLst/>
+          </a:prstGeom>
+          <a:noFill/>
+        </p:spPr>
+        <p:txBody>
+          <a:bodyPr wrap="square" numCol="1" rtlCol="0">
+            <a:spAutoFit/>
+          </a:bodyPr>
+          <a:lstStyle/>
+          <a:p>
+            <a:pPr>
+              <a:lnSpc>
+                <a:spcPts val="1200"/>
+              </a:lnSpc>
+            </a:pPr>
+            <a:r>
+              <a:rPr kumimoji="1" lang="ja-JP" altLang="en-US" sz="900" dirty="0">
+                <a:latin typeface="Noto Sans JP" panose="020B0200000000000000" pitchFamily="50" charset="-128"/>
+                <a:ea typeface="Noto Sans JP" panose="020B0200000000000000" pitchFamily="50" charset="-128"/>
+              </a:rPr>
+              <a:t>　私たちのロボットには、</a:t>
+            </a:r>
+            <a:r>
+              <a:rPr kumimoji="1" lang="en-US" altLang="ja-JP" sz="900" dirty="0">
+                <a:latin typeface="Noto Sans JP" panose="020B0200000000000000" pitchFamily="50" charset="-128"/>
+                <a:ea typeface="Noto Sans JP" panose="020B0200000000000000" pitchFamily="50" charset="-128"/>
+              </a:rPr>
+              <a:t>UnitV Ai Camera</a:t>
+            </a:r>
+            <a:r>
+              <a:rPr kumimoji="1" lang="ja-JP" altLang="en-US" sz="900" dirty="0">
+                <a:latin typeface="Noto Sans JP" panose="020B0200000000000000" pitchFamily="50" charset="-128"/>
+                <a:ea typeface="Noto Sans JP" panose="020B0200000000000000" pitchFamily="50" charset="-128"/>
+              </a:rPr>
+              <a:t>を</a:t>
+            </a:r>
+            <a:r>
+              <a:rPr kumimoji="1" lang="en-US" altLang="ja-JP" sz="900" dirty="0">
+                <a:latin typeface="Noto Sans JP" panose="020B0200000000000000" pitchFamily="50" charset="-128"/>
+                <a:ea typeface="Noto Sans JP" panose="020B0200000000000000" pitchFamily="50" charset="-128"/>
+              </a:rPr>
+              <a:t>6</a:t>
+            </a:r>
+            <a:r>
+              <a:rPr kumimoji="1" lang="ja-JP" altLang="en-US" sz="900" dirty="0">
+                <a:latin typeface="Noto Sans JP" panose="020B0200000000000000" pitchFamily="50" charset="-128"/>
+                <a:ea typeface="Noto Sans JP" panose="020B0200000000000000" pitchFamily="50" charset="-128"/>
+              </a:rPr>
+              <a:t>個搭載しています。</a:t>
+            </a:r>
+            <a:endParaRPr kumimoji="1" lang="en-US" altLang="ja-JP" sz="900" dirty="0">
+              <a:latin typeface="Noto Sans JP" panose="020B0200000000000000" pitchFamily="50" charset="-128"/>
+              <a:ea typeface="Noto Sans JP" panose="020B0200000000000000" pitchFamily="50" charset="-128"/>
+            </a:endParaRPr>
+          </a:p>
+          <a:p>
+            <a:pPr>
+              <a:lnSpc>
+                <a:spcPts val="1200"/>
+              </a:lnSpc>
+            </a:pPr>
+            <a:r>
+              <a:rPr kumimoji="1" lang="ja-JP" altLang="en-US" sz="900" dirty="0">
+                <a:latin typeface="Noto Sans JP" panose="020B0200000000000000" pitchFamily="50" charset="-128"/>
+                <a:ea typeface="Noto Sans JP" panose="020B0200000000000000" pitchFamily="50" charset="-128"/>
+              </a:rPr>
+              <a:t>以前は全方位ミラーを用いて</a:t>
+            </a:r>
+            <a:r>
+              <a:rPr kumimoji="1" lang="en-US" altLang="ja-JP" sz="900" dirty="0">
+                <a:latin typeface="Noto Sans JP" panose="020B0200000000000000" pitchFamily="50" charset="-128"/>
+                <a:ea typeface="Noto Sans JP" panose="020B0200000000000000" pitchFamily="50" charset="-128"/>
+              </a:rPr>
+              <a:t>1</a:t>
+            </a:r>
+            <a:r>
+              <a:rPr kumimoji="1" lang="ja-JP" altLang="en-US" sz="900" dirty="0">
+                <a:latin typeface="Noto Sans JP" panose="020B0200000000000000" pitchFamily="50" charset="-128"/>
+                <a:ea typeface="Noto Sans JP" panose="020B0200000000000000" pitchFamily="50" charset="-128"/>
+              </a:rPr>
+              <a:t>つのカメラで全方向を監視していましたが、ゴルフボールという小さい物体をどの距離からでも認識できるようにするのは大変でした。また、ロボット自身がカメラに映りこむことで、至近距離にあるボールがロボットに隠れて認識できないという問題もありました。</a:t>
+            </a:r>
+            <a:endParaRPr kumimoji="1" lang="en-US" altLang="ja-JP" sz="900" dirty="0">
+              <a:latin typeface="Noto Sans JP" panose="020B0200000000000000" pitchFamily="50" charset="-128"/>
+              <a:ea typeface="Noto Sans JP" panose="020B0200000000000000" pitchFamily="50" charset="-128"/>
+            </a:endParaRPr>
+          </a:p>
+          <a:p>
+            <a:pPr>
+              <a:lnSpc>
+                <a:spcPts val="1200"/>
+              </a:lnSpc>
+            </a:pPr>
+            <a:r>
+              <a:rPr kumimoji="1" lang="ja-JP" altLang="en-US" sz="900" dirty="0">
+                <a:latin typeface="Noto Sans JP" panose="020B0200000000000000" pitchFamily="50" charset="-128"/>
+                <a:ea typeface="Noto Sans JP" panose="020B0200000000000000" pitchFamily="50" charset="-128"/>
+              </a:rPr>
+              <a:t>　これらの問題を解決するため、カメラを</a:t>
+            </a:r>
+            <a:r>
+              <a:rPr kumimoji="1" lang="en-US" altLang="ja-JP" sz="900" dirty="0">
+                <a:latin typeface="Noto Sans JP" panose="020B0200000000000000" pitchFamily="50" charset="-128"/>
+                <a:ea typeface="Noto Sans JP" panose="020B0200000000000000" pitchFamily="50" charset="-128"/>
+              </a:rPr>
+              <a:t>6</a:t>
+            </a:r>
+            <a:r>
+              <a:rPr kumimoji="1" lang="ja-JP" altLang="en-US" sz="900" dirty="0">
+                <a:latin typeface="Noto Sans JP" panose="020B0200000000000000" pitchFamily="50" charset="-128"/>
+                <a:ea typeface="Noto Sans JP" panose="020B0200000000000000" pitchFamily="50" charset="-128"/>
+              </a:rPr>
+              <a:t>個搭載することで、全方位ミラーの「全方向が見える」という要件を担保しつつ、遠距離の視野の確保や至近距離でのボールの認識を容易に行うことができるようになりました。</a:t>
+            </a:r>
+            <a:endParaRPr kumimoji="1" lang="en-US" altLang="ja-JP" sz="900" dirty="0">
               <a:latin typeface="Noto Sans JP" panose="020B0200000000000000" pitchFamily="50" charset="-128"/>
               <a:ea typeface="Noto Sans JP" panose="020B0200000000000000" pitchFamily="50" charset="-128"/>
             </a:endParaRPr>

--- a/Common_Data/Tournaments_Data/2025_02_JapanOpen/PresentationSheet/presentation.pptx
+++ b/Common_Data/Tournaments_Data/2025_02_JapanOpen/PresentationSheet/presentation.pptx
@@ -210,7 +210,7 @@
           <a:p>
             <a:fld id="{AC879552-4542-402D-98E1-AFA8340169A0}" type="datetimeFigureOut">
               <a:rPr kumimoji="1" lang="ja-JP" altLang="en-US" smtClean="0"/>
-              <a:t>2025/2/17</a:t>
+              <a:t>2025/2/18</a:t>
             </a:fld>
             <a:endParaRPr kumimoji="1" lang="ja-JP" altLang="en-US"/>
           </a:p>
@@ -724,7 +724,7 @@
           <a:p>
             <a:fld id="{5857F6DD-A663-424A-91CD-4A5CB938D056}" type="datetimeFigureOut">
               <a:rPr kumimoji="1" lang="ja-JP" altLang="en-US" smtClean="0"/>
-              <a:t>2025/2/17</a:t>
+              <a:t>2025/2/18</a:t>
             </a:fld>
             <a:endParaRPr kumimoji="1" lang="ja-JP" altLang="en-US"/>
           </a:p>
@@ -926,7 +926,7 @@
           <a:p>
             <a:fld id="{5857F6DD-A663-424A-91CD-4A5CB938D056}" type="datetimeFigureOut">
               <a:rPr kumimoji="1" lang="ja-JP" altLang="en-US" smtClean="0"/>
-              <a:t>2025/2/17</a:t>
+              <a:t>2025/2/18</a:t>
             </a:fld>
             <a:endParaRPr kumimoji="1" lang="ja-JP" altLang="en-US"/>
           </a:p>
@@ -1138,7 +1138,7 @@
           <a:p>
             <a:fld id="{5857F6DD-A663-424A-91CD-4A5CB938D056}" type="datetimeFigureOut">
               <a:rPr kumimoji="1" lang="ja-JP" altLang="en-US" smtClean="0"/>
-              <a:t>2025/2/17</a:t>
+              <a:t>2025/2/18</a:t>
             </a:fld>
             <a:endParaRPr kumimoji="1" lang="ja-JP" altLang="en-US"/>
           </a:p>
@@ -1340,7 +1340,7 @@
           <a:p>
             <a:fld id="{5857F6DD-A663-424A-91CD-4A5CB938D056}" type="datetimeFigureOut">
               <a:rPr kumimoji="1" lang="ja-JP" altLang="en-US" smtClean="0"/>
-              <a:t>2025/2/17</a:t>
+              <a:t>2025/2/18</a:t>
             </a:fld>
             <a:endParaRPr kumimoji="1" lang="ja-JP" altLang="en-US"/>
           </a:p>
@@ -1584,7 +1584,7 @@
           <a:p>
             <a:fld id="{5857F6DD-A663-424A-91CD-4A5CB938D056}" type="datetimeFigureOut">
               <a:rPr kumimoji="1" lang="ja-JP" altLang="en-US" smtClean="0"/>
-              <a:t>2025/2/17</a:t>
+              <a:t>2025/2/18</a:t>
             </a:fld>
             <a:endParaRPr kumimoji="1" lang="ja-JP" altLang="en-US"/>
           </a:p>
@@ -1880,7 +1880,7 @@
           <a:p>
             <a:fld id="{5857F6DD-A663-424A-91CD-4A5CB938D056}" type="datetimeFigureOut">
               <a:rPr kumimoji="1" lang="ja-JP" altLang="en-US" smtClean="0"/>
-              <a:t>2025/2/17</a:t>
+              <a:t>2025/2/18</a:t>
             </a:fld>
             <a:endParaRPr kumimoji="1" lang="ja-JP" altLang="en-US"/>
           </a:p>
@@ -2311,7 +2311,7 @@
           <a:p>
             <a:fld id="{5857F6DD-A663-424A-91CD-4A5CB938D056}" type="datetimeFigureOut">
               <a:rPr kumimoji="1" lang="ja-JP" altLang="en-US" smtClean="0"/>
-              <a:t>2025/2/17</a:t>
+              <a:t>2025/2/18</a:t>
             </a:fld>
             <a:endParaRPr kumimoji="1" lang="ja-JP" altLang="en-US"/>
           </a:p>
@@ -2429,7 +2429,7 @@
           <a:p>
             <a:fld id="{5857F6DD-A663-424A-91CD-4A5CB938D056}" type="datetimeFigureOut">
               <a:rPr kumimoji="1" lang="ja-JP" altLang="en-US" smtClean="0"/>
-              <a:t>2025/2/17</a:t>
+              <a:t>2025/2/18</a:t>
             </a:fld>
             <a:endParaRPr kumimoji="1" lang="ja-JP" altLang="en-US"/>
           </a:p>
@@ -2524,7 +2524,7 @@
           <a:p>
             <a:fld id="{5857F6DD-A663-424A-91CD-4A5CB938D056}" type="datetimeFigureOut">
               <a:rPr kumimoji="1" lang="ja-JP" altLang="en-US" smtClean="0"/>
-              <a:t>2025/2/17</a:t>
+              <a:t>2025/2/18</a:t>
             </a:fld>
             <a:endParaRPr kumimoji="1" lang="ja-JP" altLang="en-US"/>
           </a:p>
@@ -2833,7 +2833,7 @@
           <a:p>
             <a:fld id="{5857F6DD-A663-424A-91CD-4A5CB938D056}" type="datetimeFigureOut">
               <a:rPr kumimoji="1" lang="ja-JP" altLang="en-US" smtClean="0"/>
-              <a:t>2025/2/17</a:t>
+              <a:t>2025/2/18</a:t>
             </a:fld>
             <a:endParaRPr kumimoji="1" lang="ja-JP" altLang="en-US"/>
           </a:p>
@@ -3090,7 +3090,7 @@
           <a:p>
             <a:fld id="{5857F6DD-A663-424A-91CD-4A5CB938D056}" type="datetimeFigureOut">
               <a:rPr kumimoji="1" lang="ja-JP" altLang="en-US" smtClean="0"/>
-              <a:t>2025/2/17</a:t>
+              <a:t>2025/2/18</a:t>
             </a:fld>
             <a:endParaRPr kumimoji="1" lang="ja-JP" altLang="en-US"/>
           </a:p>
@@ -3335,7 +3335,7 @@
           <a:p>
             <a:fld id="{5857F6DD-A663-424A-91CD-4A5CB938D056}" type="datetimeFigureOut">
               <a:rPr kumimoji="1" lang="ja-JP" altLang="en-US" smtClean="0"/>
-              <a:t>2025/2/17</a:t>
+              <a:t>2025/2/18</a:t>
             </a:fld>
             <a:endParaRPr kumimoji="1" lang="ja-JP" altLang="en-US"/>
           </a:p>
@@ -3754,21 +3754,25 @@
         </p:nvSpPr>
         <p:spPr>
           <a:xfrm>
-            <a:off x="-71439" y="-14514"/>
-            <a:ext cx="15273339" cy="903288"/>
+            <a:off x="-71439" y="-14513"/>
+            <a:ext cx="15273339" cy="842122"/>
           </a:xfrm>
           <a:prstGeom prst="rect">
             <a:avLst/>
           </a:prstGeom>
           <a:solidFill>
-            <a:schemeClr val="tx1">
-              <a:lumMod val="85000"/>
-              <a:lumOff val="15000"/>
-            </a:schemeClr>
+            <a:srgbClr val="04202A"/>
           </a:solidFill>
           <a:ln>
             <a:noFill/>
           </a:ln>
+          <a:effectLst>
+            <a:outerShdw blurRad="50800" dist="38100" dir="5400000" algn="t" rotWithShape="0">
+              <a:prstClr val="black">
+                <a:alpha val="40000"/>
+              </a:prstClr>
+            </a:outerShdw>
+          </a:effectLst>
         </p:spPr>
         <p:style>
           <a:lnRef idx="2">
@@ -3822,7 +3826,7 @@
         </p:blipFill>
         <p:spPr>
           <a:xfrm>
-            <a:off x="142875" y="66955"/>
+            <a:off x="90941" y="38381"/>
             <a:ext cx="2755900" cy="618147"/>
           </a:xfrm>
           <a:prstGeom prst="rect">
@@ -3844,7 +3848,7 @@
         </p:nvSpPr>
         <p:spPr>
           <a:xfrm>
-            <a:off x="758825" y="623431"/>
+            <a:off x="706891" y="594857"/>
             <a:ext cx="2171700" cy="246221"/>
           </a:xfrm>
           <a:prstGeom prst="rect">
@@ -3886,7 +3890,7 @@
         </p:nvSpPr>
         <p:spPr>
           <a:xfrm>
-            <a:off x="2997993" y="116532"/>
+            <a:off x="2997993" y="78432"/>
             <a:ext cx="4048920" cy="646331"/>
           </a:xfrm>
           <a:prstGeom prst="rect">
@@ -4015,8 +4019,8 @@
         </p:nvSpPr>
         <p:spPr>
           <a:xfrm>
-            <a:off x="6332469" y="116532"/>
-            <a:ext cx="4048920" cy="646331"/>
+            <a:off x="6332469" y="78432"/>
+            <a:ext cx="1980951" cy="646331"/>
           </a:xfrm>
           <a:prstGeom prst="rect">
             <a:avLst/>
@@ -4097,7 +4101,7 @@
         </p:blipFill>
         <p:spPr bwMode="auto">
           <a:xfrm flipH="1">
-            <a:off x="2464550" y="5662226"/>
+            <a:off x="2523912" y="5513154"/>
             <a:ext cx="2057766" cy="2620505"/>
           </a:xfrm>
           <a:prstGeom prst="rect">
@@ -4129,7 +4133,7 @@
         </p:nvSpPr>
         <p:spPr>
           <a:xfrm>
-            <a:off x="7100888" y="1538124"/>
+            <a:off x="7100888" y="1362091"/>
             <a:ext cx="2209800" cy="338554"/>
           </a:xfrm>
           <a:prstGeom prst="rect">
@@ -4145,6 +4149,12 @@
           <a:p>
             <a:r>
               <a:rPr kumimoji="1" lang="ja-JP" altLang="en-US" sz="1200" dirty="0">
+                <a:solidFill>
+                  <a:schemeClr val="tx1">
+                    <a:lumMod val="85000"/>
+                    <a:lumOff val="15000"/>
+                  </a:schemeClr>
+                </a:solidFill>
                 <a:latin typeface="Noto Sans JP" panose="020B0200000000000000" pitchFamily="50" charset="-128"/>
                 <a:ea typeface="Noto Sans JP" panose="020B0200000000000000" pitchFamily="50" charset="-128"/>
               </a:rPr>
@@ -4152,6 +4162,12 @@
             </a:r>
             <a:r>
               <a:rPr kumimoji="1" lang="ja-JP" altLang="en-US" sz="1050" dirty="0">
+                <a:solidFill>
+                  <a:schemeClr val="tx1">
+                    <a:lumMod val="85000"/>
+                    <a:lumOff val="15000"/>
+                  </a:schemeClr>
+                </a:solidFill>
                 <a:latin typeface="Noto Sans JP" panose="020B0200000000000000" pitchFamily="50" charset="-128"/>
                 <a:ea typeface="Noto Sans JP" panose="020B0200000000000000" pitchFamily="50" charset="-128"/>
               </a:rPr>
@@ -4159,6 +4175,12 @@
             </a:r>
             <a:r>
               <a:rPr kumimoji="1" lang="ja-JP" altLang="en-US" sz="1200" dirty="0">
+                <a:solidFill>
+                  <a:schemeClr val="tx1">
+                    <a:lumMod val="85000"/>
+                    <a:lumOff val="15000"/>
+                  </a:schemeClr>
+                </a:solidFill>
                 <a:latin typeface="Noto Sans JP" panose="020B0200000000000000" pitchFamily="50" charset="-128"/>
                 <a:ea typeface="Noto Sans JP" panose="020B0200000000000000" pitchFamily="50" charset="-128"/>
               </a:rPr>
@@ -4166,6 +4188,12 @@
             </a:r>
             <a:r>
               <a:rPr kumimoji="1" lang="ja-JP" altLang="en-US" sz="1050" dirty="0">
+                <a:solidFill>
+                  <a:schemeClr val="tx1">
+                    <a:lumMod val="85000"/>
+                    <a:lumOff val="15000"/>
+                  </a:schemeClr>
+                </a:solidFill>
                 <a:latin typeface="Noto Sans JP" panose="020B0200000000000000" pitchFamily="50" charset="-128"/>
                 <a:ea typeface="Noto Sans JP" panose="020B0200000000000000" pitchFamily="50" charset="-128"/>
               </a:rPr>
@@ -4173,12 +4201,18 @@
             </a:r>
             <a:r>
               <a:rPr kumimoji="1" lang="ja-JP" altLang="en-US" sz="1600" b="1" dirty="0">
+                <a:solidFill>
+                  <a:srgbClr val="073849"/>
+                </a:solidFill>
                 <a:latin typeface="Noto Sans JP" panose="020B0200000000000000" pitchFamily="50" charset="-128"/>
                 <a:ea typeface="Noto Sans JP" panose="020B0200000000000000" pitchFamily="50" charset="-128"/>
               </a:rPr>
               <a:t>電源基板</a:t>
             </a:r>
             <a:endParaRPr kumimoji="1" lang="ja-JP" altLang="en-US" sz="1100" dirty="0">
+              <a:solidFill>
+                <a:srgbClr val="073849"/>
+              </a:solidFill>
               <a:latin typeface="Noto Sans JP" panose="020B0200000000000000" pitchFamily="50" charset="-128"/>
               <a:ea typeface="Noto Sans JP" panose="020B0200000000000000" pitchFamily="50" charset="-128"/>
             </a:endParaRPr>
@@ -4199,7 +4233,7 @@
         </p:nvSpPr>
         <p:spPr>
           <a:xfrm>
-            <a:off x="7148512" y="1852459"/>
+            <a:off x="7148512" y="1676426"/>
             <a:ext cx="3845674" cy="1312475"/>
           </a:xfrm>
           <a:prstGeom prst="rect">
@@ -4220,12 +4254,24 @@
             </a:pPr>
             <a:r>
               <a:rPr kumimoji="1" lang="ja-JP" altLang="en-US" sz="900" dirty="0">
+                <a:solidFill>
+                  <a:schemeClr val="tx1">
+                    <a:lumMod val="85000"/>
+                    <a:lumOff val="15000"/>
+                  </a:schemeClr>
+                </a:solidFill>
                 <a:latin typeface="Noto Sans JP" panose="020B0200000000000000" pitchFamily="50" charset="-128"/>
                 <a:ea typeface="Noto Sans JP" panose="020B0200000000000000" pitchFamily="50" charset="-128"/>
               </a:rPr>
               <a:t>　従来の電源回路はバッテリーの保護回路と電源スイッチのみが搭載</a:t>
             </a:r>
             <a:endParaRPr kumimoji="1" lang="en-US" altLang="ja-JP" sz="900" dirty="0">
+              <a:solidFill>
+                <a:schemeClr val="tx1">
+                  <a:lumMod val="85000"/>
+                  <a:lumOff val="15000"/>
+                </a:schemeClr>
+              </a:solidFill>
               <a:latin typeface="Noto Sans JP" panose="020B0200000000000000" pitchFamily="50" charset="-128"/>
               <a:ea typeface="Noto Sans JP" panose="020B0200000000000000" pitchFamily="50" charset="-128"/>
             </a:endParaRPr>
@@ -4238,12 +4284,24 @@
             </a:pPr>
             <a:r>
               <a:rPr kumimoji="1" lang="ja-JP" altLang="en-US" sz="900" dirty="0">
+                <a:solidFill>
+                  <a:schemeClr val="tx1">
+                    <a:lumMod val="85000"/>
+                    <a:lumOff val="15000"/>
+                  </a:schemeClr>
+                </a:solidFill>
                 <a:latin typeface="Noto Sans JP" panose="020B0200000000000000" pitchFamily="50" charset="-128"/>
                 <a:ea typeface="Noto Sans JP" panose="020B0200000000000000" pitchFamily="50" charset="-128"/>
               </a:rPr>
               <a:t>されたシンプルもので、マイコンによる電圧監視を行っていなかった</a:t>
             </a:r>
             <a:endParaRPr kumimoji="1" lang="en-US" altLang="ja-JP" sz="900" dirty="0">
+              <a:solidFill>
+                <a:schemeClr val="tx1">
+                  <a:lumMod val="85000"/>
+                  <a:lumOff val="15000"/>
+                </a:schemeClr>
+              </a:solidFill>
               <a:latin typeface="Noto Sans JP" panose="020B0200000000000000" pitchFamily="50" charset="-128"/>
               <a:ea typeface="Noto Sans JP" panose="020B0200000000000000" pitchFamily="50" charset="-128"/>
             </a:endParaRPr>
@@ -4256,6 +4314,12 @@
             </a:pPr>
             <a:r>
               <a:rPr kumimoji="1" lang="ja-JP" altLang="en-US" sz="900" dirty="0">
+                <a:solidFill>
+                  <a:schemeClr val="tx1">
+                    <a:lumMod val="85000"/>
+                    <a:lumOff val="15000"/>
+                  </a:schemeClr>
+                </a:solidFill>
                 <a:latin typeface="Noto Sans JP" panose="020B0200000000000000" pitchFamily="50" charset="-128"/>
                 <a:ea typeface="Noto Sans JP" panose="020B0200000000000000" pitchFamily="50" charset="-128"/>
               </a:rPr>
@@ -4270,12 +4334,31 @@
             </a:pPr>
             <a:r>
               <a:rPr kumimoji="1" lang="ja-JP" altLang="en-US" sz="900" dirty="0">
-                <a:latin typeface="Noto Sans JP" panose="020B0200000000000000" pitchFamily="50" charset="-128"/>
-                <a:ea typeface="Noto Sans JP" panose="020B0200000000000000" pitchFamily="50" charset="-128"/>
-              </a:rPr>
-              <a:t>　そこで今回、私たちはマイコンが内蔵されたより安全性、信頼性の</a:t>
-            </a:r>
-            <a:endParaRPr kumimoji="1" lang="en-US" altLang="ja-JP" sz="900" dirty="0">
+                <a:solidFill>
+                  <a:schemeClr val="tx1">
+                    <a:lumMod val="85000"/>
+                    <a:lumOff val="15000"/>
+                  </a:schemeClr>
+                </a:solidFill>
+                <a:latin typeface="Noto Sans JP" panose="020B0200000000000000" pitchFamily="50" charset="-128"/>
+                <a:ea typeface="Noto Sans JP" panose="020B0200000000000000" pitchFamily="50" charset="-128"/>
+              </a:rPr>
+              <a:t>　そこで今回、私たちは</a:t>
+            </a:r>
+            <a:r>
+              <a:rPr kumimoji="1" lang="ja-JP" altLang="en-US" sz="900" b="1" dirty="0">
+                <a:solidFill>
+                  <a:srgbClr val="073849"/>
+                </a:solidFill>
+                <a:latin typeface="Noto Sans JP" panose="020B0200000000000000" pitchFamily="50" charset="-128"/>
+                <a:ea typeface="Noto Sans JP" panose="020B0200000000000000" pitchFamily="50" charset="-128"/>
+              </a:rPr>
+              <a:t>マイコンが内蔵されたより安全性、信頼性の</a:t>
+            </a:r>
+            <a:endParaRPr kumimoji="1" lang="en-US" altLang="ja-JP" sz="900" b="1" dirty="0">
+              <a:solidFill>
+                <a:srgbClr val="073849"/>
+              </a:solidFill>
               <a:latin typeface="Noto Sans JP" panose="020B0200000000000000" pitchFamily="50" charset="-128"/>
               <a:ea typeface="Noto Sans JP" panose="020B0200000000000000" pitchFamily="50" charset="-128"/>
             </a:endParaRPr>
@@ -4287,14 +4370,36 @@
               </a:lnSpc>
             </a:pPr>
             <a:r>
+              <a:rPr kumimoji="1" lang="ja-JP" altLang="en-US" sz="900" b="1" dirty="0">
+                <a:solidFill>
+                  <a:srgbClr val="073849"/>
+                </a:solidFill>
+                <a:latin typeface="Noto Sans JP" panose="020B0200000000000000" pitchFamily="50" charset="-128"/>
+                <a:ea typeface="Noto Sans JP" panose="020B0200000000000000" pitchFamily="50" charset="-128"/>
+              </a:rPr>
+              <a:t>高い電源回路を開発しました</a:t>
+            </a:r>
+            <a:r>
               <a:rPr kumimoji="1" lang="ja-JP" altLang="en-US" sz="900" dirty="0">
-                <a:latin typeface="Noto Sans JP" panose="020B0200000000000000" pitchFamily="50" charset="-128"/>
-                <a:ea typeface="Noto Sans JP" panose="020B0200000000000000" pitchFamily="50" charset="-128"/>
-              </a:rPr>
-              <a:t>高い電源回路を開発しました。大きな特徴として、</a:t>
+                <a:solidFill>
+                  <a:schemeClr val="tx1">
+                    <a:lumMod val="85000"/>
+                    <a:lumOff val="15000"/>
+                  </a:schemeClr>
+                </a:solidFill>
+                <a:latin typeface="Noto Sans JP" panose="020B0200000000000000" pitchFamily="50" charset="-128"/>
+                <a:ea typeface="Noto Sans JP" panose="020B0200000000000000" pitchFamily="50" charset="-128"/>
+              </a:rPr>
+              <a:t>。大きな特徴として、</a:t>
             </a:r>
             <a:r>
               <a:rPr kumimoji="1" lang="en-US" altLang="ja-JP" sz="900" dirty="0">
+                <a:solidFill>
+                  <a:schemeClr val="tx1">
+                    <a:lumMod val="85000"/>
+                    <a:lumOff val="15000"/>
+                  </a:schemeClr>
+                </a:solidFill>
                 <a:latin typeface="Noto Sans JP" panose="020B0200000000000000" pitchFamily="50" charset="-128"/>
                 <a:ea typeface="Noto Sans JP" panose="020B0200000000000000" pitchFamily="50" charset="-128"/>
               </a:rPr>
@@ -4302,12 +4407,24 @@
             </a:r>
             <a:r>
               <a:rPr kumimoji="1" lang="ja-JP" altLang="en-US" sz="900" dirty="0">
+                <a:solidFill>
+                  <a:schemeClr val="tx1">
+                    <a:lumMod val="85000"/>
+                    <a:lumOff val="15000"/>
+                  </a:schemeClr>
+                </a:solidFill>
                 <a:latin typeface="Noto Sans JP" panose="020B0200000000000000" pitchFamily="50" charset="-128"/>
                 <a:ea typeface="Noto Sans JP" panose="020B0200000000000000" pitchFamily="50" charset="-128"/>
               </a:rPr>
               <a:t>スイッチと</a:t>
             </a:r>
             <a:endParaRPr kumimoji="1" lang="en-US" altLang="ja-JP" sz="900" dirty="0">
+              <a:solidFill>
+                <a:schemeClr val="tx1">
+                  <a:lumMod val="85000"/>
+                  <a:lumOff val="15000"/>
+                </a:schemeClr>
+              </a:solidFill>
               <a:latin typeface="Noto Sans JP" panose="020B0200000000000000" pitchFamily="50" charset="-128"/>
               <a:ea typeface="Noto Sans JP" panose="020B0200000000000000" pitchFamily="50" charset="-128"/>
             </a:endParaRPr>
@@ -4320,40 +4437,106 @@
             </a:pPr>
             <a:r>
               <a:rPr kumimoji="1" lang="ja-JP" altLang="en-US" sz="900" dirty="0">
+                <a:solidFill>
+                  <a:schemeClr val="tx1">
+                    <a:lumMod val="85000"/>
+                    <a:lumOff val="15000"/>
+                  </a:schemeClr>
+                </a:solidFill>
                 <a:latin typeface="Noto Sans JP" panose="020B0200000000000000" pitchFamily="50" charset="-128"/>
                 <a:ea typeface="Noto Sans JP" panose="020B0200000000000000" pitchFamily="50" charset="-128"/>
               </a:rPr>
               <a:t>物理スイッチを用いた</a:t>
             </a:r>
             <a:r>
+              <a:rPr kumimoji="1" lang="en-US" altLang="ja-JP" sz="900" b="1" dirty="0">
+                <a:solidFill>
+                  <a:srgbClr val="073849"/>
+                </a:solidFill>
+                <a:latin typeface="Noto Sans JP" panose="020B0200000000000000" pitchFamily="50" charset="-128"/>
+                <a:ea typeface="Noto Sans JP" panose="020B0200000000000000" pitchFamily="50" charset="-128"/>
+              </a:rPr>
+              <a:t>2</a:t>
+            </a:r>
+            <a:r>
+              <a:rPr kumimoji="1" lang="ja-JP" altLang="en-US" sz="900" b="1" dirty="0">
+                <a:solidFill>
+                  <a:srgbClr val="073849"/>
+                </a:solidFill>
+                <a:latin typeface="Noto Sans JP" panose="020B0200000000000000" pitchFamily="50" charset="-128"/>
+                <a:ea typeface="Noto Sans JP" panose="020B0200000000000000" pitchFamily="50" charset="-128"/>
+              </a:rPr>
+              <a:t>段階スイッチ機能</a:t>
+            </a:r>
+            <a:r>
+              <a:rPr kumimoji="1" lang="ja-JP" altLang="en-US" sz="900" dirty="0">
+                <a:solidFill>
+                  <a:schemeClr val="tx1">
+                    <a:lumMod val="85000"/>
+                    <a:lumOff val="15000"/>
+                  </a:schemeClr>
+                </a:solidFill>
+                <a:latin typeface="Noto Sans JP" panose="020B0200000000000000" pitchFamily="50" charset="-128"/>
+                <a:ea typeface="Noto Sans JP" panose="020B0200000000000000" pitchFamily="50" charset="-128"/>
+              </a:rPr>
+              <a:t>を搭載しています。また、</a:t>
+            </a:r>
+            <a:r>
               <a:rPr kumimoji="1" lang="en-US" altLang="ja-JP" sz="900" dirty="0">
-                <a:latin typeface="Noto Sans JP" panose="020B0200000000000000" pitchFamily="50" charset="-128"/>
-                <a:ea typeface="Noto Sans JP" panose="020B0200000000000000" pitchFamily="50" charset="-128"/>
-              </a:rPr>
-              <a:t>2</a:t>
+                <a:solidFill>
+                  <a:schemeClr val="tx1">
+                    <a:lumMod val="85000"/>
+                    <a:lumOff val="15000"/>
+                  </a:schemeClr>
+                </a:solidFill>
+                <a:latin typeface="Noto Sans JP" panose="020B0200000000000000" pitchFamily="50" charset="-128"/>
+                <a:ea typeface="Noto Sans JP" panose="020B0200000000000000" pitchFamily="50" charset="-128"/>
+              </a:rPr>
+              <a:t>UI</a:t>
             </a:r>
             <a:r>
               <a:rPr kumimoji="1" lang="ja-JP" altLang="en-US" sz="900" dirty="0">
-                <a:latin typeface="Noto Sans JP" panose="020B0200000000000000" pitchFamily="50" charset="-128"/>
-                <a:ea typeface="Noto Sans JP" panose="020B0200000000000000" pitchFamily="50" charset="-128"/>
-              </a:rPr>
-              <a:t>段階スイッチ機能を搭載しています。また、</a:t>
-            </a:r>
-            <a:r>
-              <a:rPr kumimoji="1" lang="en-US" altLang="ja-JP" sz="900" dirty="0">
-                <a:latin typeface="Noto Sans JP" panose="020B0200000000000000" pitchFamily="50" charset="-128"/>
-                <a:ea typeface="Noto Sans JP" panose="020B0200000000000000" pitchFamily="50" charset="-128"/>
-              </a:rPr>
-              <a:t>UI</a:t>
+                <a:solidFill>
+                  <a:schemeClr val="tx1">
+                    <a:lumMod val="85000"/>
+                    <a:lumOff val="15000"/>
+                  </a:schemeClr>
+                </a:solidFill>
+                <a:latin typeface="Noto Sans JP" panose="020B0200000000000000" pitchFamily="50" charset="-128"/>
+                <a:ea typeface="Noto Sans JP" panose="020B0200000000000000" pitchFamily="50" charset="-128"/>
+              </a:rPr>
+              <a:t>やブザーを用いて</a:t>
+            </a:r>
+            <a:r>
+              <a:rPr kumimoji="1" lang="ja-JP" altLang="en-US" sz="900" b="1" dirty="0">
+                <a:solidFill>
+                  <a:srgbClr val="073849"/>
+                </a:solidFill>
+                <a:latin typeface="Noto Sans JP" panose="020B0200000000000000" pitchFamily="50" charset="-128"/>
+                <a:ea typeface="Noto Sans JP" panose="020B0200000000000000" pitchFamily="50" charset="-128"/>
+              </a:rPr>
+              <a:t>感覚的に電圧低下を認識</a:t>
             </a:r>
             <a:r>
               <a:rPr kumimoji="1" lang="ja-JP" altLang="en-US" sz="900" dirty="0">
-                <a:latin typeface="Noto Sans JP" panose="020B0200000000000000" pitchFamily="50" charset="-128"/>
-                <a:ea typeface="Noto Sans JP" panose="020B0200000000000000" pitchFamily="50" charset="-128"/>
-              </a:rPr>
-              <a:t>やブザーを用いて感覚的に電圧低下を感知することもできます。</a:t>
+                <a:solidFill>
+                  <a:schemeClr val="tx1">
+                    <a:lumMod val="85000"/>
+                    <a:lumOff val="15000"/>
+                  </a:schemeClr>
+                </a:solidFill>
+                <a:latin typeface="Noto Sans JP" panose="020B0200000000000000" pitchFamily="50" charset="-128"/>
+                <a:ea typeface="Noto Sans JP" panose="020B0200000000000000" pitchFamily="50" charset="-128"/>
+              </a:rPr>
+              <a:t>することもできます。</a:t>
             </a:r>
             <a:endParaRPr kumimoji="1" lang="en-US" altLang="ja-JP" sz="900" dirty="0">
+              <a:solidFill>
+                <a:schemeClr val="tx1">
+                  <a:lumMod val="85000"/>
+                  <a:lumOff val="15000"/>
+                </a:schemeClr>
+              </a:solidFill>
               <a:latin typeface="Noto Sans JP" panose="020B0200000000000000" pitchFamily="50" charset="-128"/>
               <a:ea typeface="Noto Sans JP" panose="020B0200000000000000" pitchFamily="50" charset="-128"/>
             </a:endParaRPr>
@@ -4374,7 +4557,7 @@
         </p:nvSpPr>
         <p:spPr>
           <a:xfrm>
-            <a:off x="7148511" y="4374847"/>
+            <a:off x="7148512" y="4316129"/>
             <a:ext cx="4360863" cy="338554"/>
           </a:xfrm>
           <a:prstGeom prst="rect">
@@ -4390,6 +4573,12 @@
           <a:p>
             <a:r>
               <a:rPr kumimoji="1" lang="ja-JP" altLang="en-US" sz="1200" dirty="0">
+                <a:solidFill>
+                  <a:schemeClr val="tx1">
+                    <a:lumMod val="85000"/>
+                    <a:lumOff val="15000"/>
+                  </a:schemeClr>
+                </a:solidFill>
                 <a:latin typeface="Noto Sans JP" panose="020B0200000000000000" pitchFamily="50" charset="-128"/>
                 <a:ea typeface="Noto Sans JP" panose="020B0200000000000000" pitchFamily="50" charset="-128"/>
               </a:rPr>
@@ -4397,6 +4586,12 @@
             </a:r>
             <a:r>
               <a:rPr kumimoji="1" lang="ja-JP" altLang="en-US" sz="1050" dirty="0">
+                <a:solidFill>
+                  <a:schemeClr val="tx1">
+                    <a:lumMod val="85000"/>
+                    <a:lumOff val="15000"/>
+                  </a:schemeClr>
+                </a:solidFill>
                 <a:latin typeface="Noto Sans JP" panose="020B0200000000000000" pitchFamily="50" charset="-128"/>
                 <a:ea typeface="Noto Sans JP" panose="020B0200000000000000" pitchFamily="50" charset="-128"/>
               </a:rPr>
@@ -4404,12 +4599,18 @@
             </a:r>
             <a:r>
               <a:rPr kumimoji="1" lang="ja-JP" altLang="en-US" sz="1600" b="1" dirty="0">
+                <a:solidFill>
+                  <a:srgbClr val="073849"/>
+                </a:solidFill>
                 <a:latin typeface="Noto Sans JP" panose="020B0200000000000000" pitchFamily="50" charset="-128"/>
                 <a:ea typeface="Noto Sans JP" panose="020B0200000000000000" pitchFamily="50" charset="-128"/>
               </a:rPr>
               <a:t>圧倒的な得点率を</a:t>
             </a:r>
             <a:endParaRPr kumimoji="1" lang="ja-JP" altLang="en-US" sz="1100" b="1" dirty="0">
+              <a:solidFill>
+                <a:srgbClr val="073849"/>
+              </a:solidFill>
               <a:latin typeface="Noto Sans JP" panose="020B0200000000000000" pitchFamily="50" charset="-128"/>
               <a:ea typeface="Noto Sans JP" panose="020B0200000000000000" pitchFamily="50" charset="-128"/>
             </a:endParaRPr>
@@ -4430,8 +4631,8 @@
         </p:nvSpPr>
         <p:spPr>
           <a:xfrm>
-            <a:off x="7231061" y="4731767"/>
-            <a:ext cx="7181850" cy="923330"/>
+            <a:off x="7231061" y="4673049"/>
+            <a:ext cx="7181850" cy="1338828"/>
           </a:xfrm>
           <a:prstGeom prst="rect">
             <a:avLst/>
@@ -4449,7 +4650,7 @@
                 <a:latin typeface="Noto Sans JP" panose="020B0200000000000000" pitchFamily="50" charset="-128"/>
                 <a:ea typeface="Noto Sans JP" panose="020B0200000000000000" pitchFamily="50" charset="-128"/>
               </a:rPr>
-              <a:t>　私たちのロボットには、前と後ろの両方にドリブラー・キッカーを搭載しています。</a:t>
+              <a:t>　私たちのロボットには、前後にドリブラー・キッカーを搭載しています。</a:t>
             </a:r>
             <a:endParaRPr kumimoji="1" lang="en-US" altLang="ja-JP" sz="900" dirty="0">
               <a:latin typeface="Noto Sans JP" panose="020B0200000000000000" pitchFamily="50" charset="-128"/>
@@ -4462,17 +4663,39 @@
                 <a:latin typeface="Noto Sans JP" panose="020B0200000000000000" pitchFamily="50" charset="-128"/>
                 <a:ea typeface="Noto Sans JP" panose="020B0200000000000000" pitchFamily="50" charset="-128"/>
               </a:rPr>
-              <a:t>前方にあるドリブラー・キッカーは、「ゴール方向に素早く・正確にシュートする」役割を担います。</a:t>
-            </a:r>
-          </a:p>
-          <a:p>
+              <a:t>　前方にあるドリブラー・キッカーは、</a:t>
+            </a:r>
+            <a:r>
+              <a:rPr kumimoji="1" lang="ja-JP" altLang="en-US" sz="900" b="1" dirty="0">
+                <a:latin typeface="Noto Sans JP" panose="020B0200000000000000" pitchFamily="50" charset="-128"/>
+                <a:ea typeface="Noto Sans JP" panose="020B0200000000000000" pitchFamily="50" charset="-128"/>
+              </a:rPr>
+              <a:t>「ゴール方向に素早く正確に</a:t>
+            </a:r>
+            <a:endParaRPr kumimoji="1" lang="en-US" altLang="ja-JP" sz="900" b="1" dirty="0">
+              <a:latin typeface="Noto Sans JP" panose="020B0200000000000000" pitchFamily="50" charset="-128"/>
+              <a:ea typeface="Noto Sans JP" panose="020B0200000000000000" pitchFamily="50" charset="-128"/>
+            </a:endParaRPr>
+          </a:p>
+          <a:p>
+            <a:r>
+              <a:rPr kumimoji="1" lang="ja-JP" altLang="en-US" sz="900" b="1" dirty="0">
+                <a:latin typeface="Noto Sans JP" panose="020B0200000000000000" pitchFamily="50" charset="-128"/>
+                <a:ea typeface="Noto Sans JP" panose="020B0200000000000000" pitchFamily="50" charset="-128"/>
+              </a:rPr>
+              <a:t>シュートする」</a:t>
+            </a:r>
             <a:r>
               <a:rPr kumimoji="1" lang="ja-JP" altLang="en-US" sz="900" dirty="0">
                 <a:latin typeface="Noto Sans JP" panose="020B0200000000000000" pitchFamily="50" charset="-128"/>
                 <a:ea typeface="Noto Sans JP" panose="020B0200000000000000" pitchFamily="50" charset="-128"/>
               </a:rPr>
-              <a:t>ドリブラーでボールを補足した後、相手ゴールまで近づき、キッカーを用いて空いているゴールの方向へとシュートを放ちます。</a:t>
-            </a:r>
+              <a:t>役割を担います。ドリブラーでボールを補足した後、</a:t>
+            </a:r>
+            <a:endParaRPr kumimoji="1" lang="en-US" altLang="ja-JP" sz="900" dirty="0">
+              <a:latin typeface="Noto Sans JP" panose="020B0200000000000000" pitchFamily="50" charset="-128"/>
+              <a:ea typeface="Noto Sans JP" panose="020B0200000000000000" pitchFamily="50" charset="-128"/>
+            </a:endParaRPr>
           </a:p>
           <a:p>
             <a:r>
@@ -4480,7 +4703,59 @@
                 <a:latin typeface="Noto Sans JP" panose="020B0200000000000000" pitchFamily="50" charset="-128"/>
                 <a:ea typeface="Noto Sans JP" panose="020B0200000000000000" pitchFamily="50" charset="-128"/>
               </a:rPr>
-              <a:t>また、ドリブラーを用いることで、図〇のように、ゴールの横にあり、そのままではゴールに入れることができないボールも保持したまま後ろに運ぶことで、ゴールに向かってシュートを放つことが可能になります。</a:t>
+              <a:t>相手ゴールまで近づき、キッカーを用いて空いているゴールの方向へと</a:t>
+            </a:r>
+            <a:endParaRPr kumimoji="1" lang="en-US" altLang="ja-JP" sz="900" dirty="0">
+              <a:latin typeface="Noto Sans JP" panose="020B0200000000000000" pitchFamily="50" charset="-128"/>
+              <a:ea typeface="Noto Sans JP" panose="020B0200000000000000" pitchFamily="50" charset="-128"/>
+            </a:endParaRPr>
+          </a:p>
+          <a:p>
+            <a:r>
+              <a:rPr kumimoji="1" lang="ja-JP" altLang="en-US" sz="900" dirty="0">
+                <a:latin typeface="Noto Sans JP" panose="020B0200000000000000" pitchFamily="50" charset="-128"/>
+                <a:ea typeface="Noto Sans JP" panose="020B0200000000000000" pitchFamily="50" charset="-128"/>
+              </a:rPr>
+              <a:t>シュートを放ちます。また、ドリブラーを用いることで、図〇のように、</a:t>
+            </a:r>
+            <a:endParaRPr kumimoji="1" lang="en-US" altLang="ja-JP" sz="900" dirty="0">
+              <a:latin typeface="Noto Sans JP" panose="020B0200000000000000" pitchFamily="50" charset="-128"/>
+              <a:ea typeface="Noto Sans JP" panose="020B0200000000000000" pitchFamily="50" charset="-128"/>
+            </a:endParaRPr>
+          </a:p>
+          <a:p>
+            <a:r>
+              <a:rPr kumimoji="1" lang="ja-JP" altLang="en-US" sz="900" dirty="0">
+                <a:latin typeface="Noto Sans JP" panose="020B0200000000000000" pitchFamily="50" charset="-128"/>
+                <a:ea typeface="Noto Sans JP" panose="020B0200000000000000" pitchFamily="50" charset="-128"/>
+              </a:rPr>
+              <a:t>ゴールの横にあり、そのままではゴールに入れることができないボールも</a:t>
+            </a:r>
+            <a:endParaRPr kumimoji="1" lang="en-US" altLang="ja-JP" sz="900" dirty="0">
+              <a:latin typeface="Noto Sans JP" panose="020B0200000000000000" pitchFamily="50" charset="-128"/>
+              <a:ea typeface="Noto Sans JP" panose="020B0200000000000000" pitchFamily="50" charset="-128"/>
+            </a:endParaRPr>
+          </a:p>
+          <a:p>
+            <a:r>
+              <a:rPr kumimoji="1" lang="ja-JP" altLang="en-US" sz="900" dirty="0">
+                <a:latin typeface="Noto Sans JP" panose="020B0200000000000000" pitchFamily="50" charset="-128"/>
+                <a:ea typeface="Noto Sans JP" panose="020B0200000000000000" pitchFamily="50" charset="-128"/>
+              </a:rPr>
+              <a:t>保持したまま後ろに運ぶことで、ゴールに向かってシュートを放つことが</a:t>
+            </a:r>
+            <a:endParaRPr kumimoji="1" lang="en-US" altLang="ja-JP" sz="900" dirty="0">
+              <a:latin typeface="Noto Sans JP" panose="020B0200000000000000" pitchFamily="50" charset="-128"/>
+              <a:ea typeface="Noto Sans JP" panose="020B0200000000000000" pitchFamily="50" charset="-128"/>
+            </a:endParaRPr>
+          </a:p>
+          <a:p>
+            <a:r>
+              <a:rPr kumimoji="1" lang="ja-JP" altLang="en-US" sz="900" dirty="0">
+                <a:latin typeface="Noto Sans JP" panose="020B0200000000000000" pitchFamily="50" charset="-128"/>
+                <a:ea typeface="Noto Sans JP" panose="020B0200000000000000" pitchFamily="50" charset="-128"/>
+              </a:rPr>
+              <a:t>可能になります。</a:t>
             </a:r>
           </a:p>
           <a:p>
@@ -4505,7 +4780,7 @@
         </p:nvSpPr>
         <p:spPr>
           <a:xfrm>
-            <a:off x="7231061" y="5931961"/>
+            <a:off x="7231061" y="7067693"/>
             <a:ext cx="4360863" cy="338554"/>
           </a:xfrm>
           <a:prstGeom prst="rect">
@@ -4521,6 +4796,9 @@
           <a:p>
             <a:r>
               <a:rPr kumimoji="1" lang="ja-JP" altLang="en-US" sz="1600" b="1" dirty="0">
+                <a:solidFill>
+                  <a:srgbClr val="073849"/>
+                </a:solidFill>
                 <a:latin typeface="Noto Sans JP" panose="020B0200000000000000" pitchFamily="50" charset="-128"/>
                 <a:ea typeface="Noto Sans JP" panose="020B0200000000000000" pitchFamily="50" charset="-128"/>
               </a:rPr>
@@ -4528,6 +4806,12 @@
             </a:r>
             <a:r>
               <a:rPr kumimoji="1" lang="ja-JP" altLang="en-US" sz="1100" dirty="0">
+                <a:solidFill>
+                  <a:schemeClr val="tx1">
+                    <a:lumMod val="85000"/>
+                    <a:lumOff val="15000"/>
+                  </a:schemeClr>
+                </a:solidFill>
                 <a:latin typeface="Noto Sans JP" panose="020B0200000000000000" pitchFamily="50" charset="-128"/>
                 <a:ea typeface="Noto Sans JP" panose="020B0200000000000000" pitchFamily="50" charset="-128"/>
               </a:rPr>
@@ -4535,6 +4819,12 @@
             </a:r>
             <a:r>
               <a:rPr kumimoji="1" lang="ja-JP" altLang="en-US" sz="1200" dirty="0">
+                <a:solidFill>
+                  <a:schemeClr val="tx1">
+                    <a:lumMod val="85000"/>
+                    <a:lumOff val="15000"/>
+                  </a:schemeClr>
+                </a:solidFill>
                 <a:latin typeface="Noto Sans JP" panose="020B0200000000000000" pitchFamily="50" charset="-128"/>
                 <a:ea typeface="Noto Sans JP" panose="020B0200000000000000" pitchFamily="50" charset="-128"/>
               </a:rPr>
@@ -4542,12 +4832,24 @@
             </a:r>
             <a:r>
               <a:rPr kumimoji="1" lang="ja-JP" altLang="en-US" sz="1100" dirty="0">
+                <a:solidFill>
+                  <a:schemeClr val="tx1">
+                    <a:lumMod val="85000"/>
+                    <a:lumOff val="15000"/>
+                  </a:schemeClr>
+                </a:solidFill>
                 <a:latin typeface="Noto Sans JP" panose="020B0200000000000000" pitchFamily="50" charset="-128"/>
                 <a:ea typeface="Noto Sans JP" panose="020B0200000000000000" pitchFamily="50" charset="-128"/>
               </a:rPr>
               <a:t>るために</a:t>
             </a:r>
             <a:endParaRPr kumimoji="1" lang="ja-JP" altLang="en-US" sz="1100" b="1" dirty="0">
+              <a:solidFill>
+                <a:schemeClr val="tx1">
+                  <a:lumMod val="85000"/>
+                  <a:lumOff val="15000"/>
+                </a:schemeClr>
+              </a:solidFill>
               <a:latin typeface="Noto Sans JP" panose="020B0200000000000000" pitchFamily="50" charset="-128"/>
               <a:ea typeface="Noto Sans JP" panose="020B0200000000000000" pitchFamily="50" charset="-128"/>
             </a:endParaRPr>
@@ -4568,7 +4870,7 @@
         </p:nvSpPr>
         <p:spPr>
           <a:xfrm>
-            <a:off x="7231061" y="6288881"/>
+            <a:off x="7231061" y="7399213"/>
             <a:ext cx="7181850" cy="246221"/>
           </a:xfrm>
           <a:prstGeom prst="rect">
@@ -4627,6 +4929,9 @@
             <a:avLst/>
           </a:prstGeom>
           <a:noFill/>
+          <a:ln>
+            <a:noFill/>
+          </a:ln>
         </p:spPr>
         <p:txBody>
           <a:bodyPr wrap="square" rtlCol="0">
@@ -4636,6 +4941,9 @@
           <a:p>
             <a:r>
               <a:rPr kumimoji="1" lang="ja-JP" altLang="en-US" sz="2400" b="1" dirty="0">
+                <a:solidFill>
+                  <a:srgbClr val="073849"/>
+                </a:solidFill>
                 <a:latin typeface="Noto Sans JP" panose="020B0200000000000000" pitchFamily="50" charset="-128"/>
                 <a:ea typeface="Noto Sans JP" panose="020B0200000000000000" pitchFamily="50" charset="-128"/>
               </a:rPr>
@@ -4643,6 +4951,9 @@
             </a:r>
             <a:r>
               <a:rPr kumimoji="1" lang="ja-JP" altLang="en-US" sz="1600" b="1" dirty="0">
+                <a:solidFill>
+                  <a:srgbClr val="073849"/>
+                </a:solidFill>
                 <a:latin typeface="Noto Sans JP" panose="020B0200000000000000" pitchFamily="50" charset="-128"/>
                 <a:ea typeface="Noto Sans JP" panose="020B0200000000000000" pitchFamily="50" charset="-128"/>
               </a:rPr>
@@ -4650,12 +4961,18 @@
             </a:r>
             <a:r>
               <a:rPr kumimoji="1" lang="en-US" altLang="ja-JP" sz="1600" b="1" dirty="0">
+                <a:solidFill>
+                  <a:srgbClr val="073849"/>
+                </a:solidFill>
                 <a:latin typeface="Noto Sans JP" panose="020B0200000000000000" pitchFamily="50" charset="-128"/>
                 <a:ea typeface="Noto Sans JP" panose="020B0200000000000000" pitchFamily="50" charset="-128"/>
               </a:rPr>
               <a:t>– robot’s overview</a:t>
             </a:r>
             <a:endParaRPr kumimoji="1" lang="ja-JP" altLang="en-US" sz="1600" dirty="0">
+              <a:solidFill>
+                <a:srgbClr val="073849"/>
+              </a:solidFill>
               <a:latin typeface="Noto Sans JP" panose="020B0200000000000000" pitchFamily="50" charset="-128"/>
               <a:ea typeface="Noto Sans JP" panose="020B0200000000000000" pitchFamily="50" charset="-128"/>
             </a:endParaRPr>
@@ -4676,13 +4993,16 @@
         </p:nvSpPr>
         <p:spPr>
           <a:xfrm>
-            <a:off x="47625" y="974692"/>
+            <a:off x="47625" y="898492"/>
             <a:ext cx="5997575" cy="461665"/>
           </a:xfrm>
           <a:prstGeom prst="rect">
             <a:avLst/>
           </a:prstGeom>
           <a:noFill/>
+          <a:ln>
+            <a:noFill/>
+          </a:ln>
         </p:spPr>
         <p:txBody>
           <a:bodyPr wrap="square" rtlCol="0">
@@ -4692,6 +5012,9 @@
           <a:p>
             <a:r>
               <a:rPr kumimoji="1" lang="ja-JP" altLang="en-US" sz="2400" b="1" dirty="0">
+                <a:solidFill>
+                  <a:srgbClr val="073849"/>
+                </a:solidFill>
                 <a:latin typeface="Noto Sans JP" panose="020B0200000000000000" pitchFamily="50" charset="-128"/>
                 <a:ea typeface="Noto Sans JP" panose="020B0200000000000000" pitchFamily="50" charset="-128"/>
               </a:rPr>
@@ -4699,6 +5022,9 @@
             </a:r>
             <a:r>
               <a:rPr kumimoji="1" lang="ja-JP" altLang="en-US" sz="1600" b="1" dirty="0">
+                <a:solidFill>
+                  <a:srgbClr val="073849"/>
+                </a:solidFill>
                 <a:latin typeface="Noto Sans JP" panose="020B0200000000000000" pitchFamily="50" charset="-128"/>
                 <a:ea typeface="Noto Sans JP" panose="020B0200000000000000" pitchFamily="50" charset="-128"/>
               </a:rPr>
@@ -4706,12 +5032,18 @@
             </a:r>
             <a:r>
               <a:rPr kumimoji="1" lang="en-US" altLang="ja-JP" sz="1600" b="1" dirty="0">
+                <a:solidFill>
+                  <a:srgbClr val="073849"/>
+                </a:solidFill>
                 <a:latin typeface="Noto Sans JP" panose="020B0200000000000000" pitchFamily="50" charset="-128"/>
                 <a:ea typeface="Noto Sans JP" panose="020B0200000000000000" pitchFamily="50" charset="-128"/>
               </a:rPr>
               <a:t>– Munako Artemis</a:t>
             </a:r>
             <a:endParaRPr kumimoji="1" lang="ja-JP" altLang="en-US" sz="1600" dirty="0">
+              <a:solidFill>
+                <a:srgbClr val="073849"/>
+              </a:solidFill>
               <a:latin typeface="Noto Sans JP" panose="020B0200000000000000" pitchFamily="50" charset="-128"/>
               <a:ea typeface="Noto Sans JP" panose="020B0200000000000000" pitchFamily="50" charset="-128"/>
             </a:endParaRPr>
@@ -4732,13 +5064,16 @@
         </p:nvSpPr>
         <p:spPr>
           <a:xfrm>
-            <a:off x="7046913" y="1019820"/>
+            <a:off x="7046913" y="943620"/>
             <a:ext cx="5997575" cy="461665"/>
           </a:xfrm>
           <a:prstGeom prst="rect">
             <a:avLst/>
           </a:prstGeom>
           <a:noFill/>
+          <a:ln>
+            <a:noFill/>
+          </a:ln>
         </p:spPr>
         <p:txBody>
           <a:bodyPr wrap="square" rtlCol="0">
@@ -4748,6 +5083,9 @@
           <a:p>
             <a:r>
               <a:rPr kumimoji="1" lang="ja-JP" altLang="en-US" sz="2400" b="1" dirty="0">
+                <a:solidFill>
+                  <a:srgbClr val="073849"/>
+                </a:solidFill>
                 <a:latin typeface="Noto Sans JP" panose="020B0200000000000000" pitchFamily="50" charset="-128"/>
                 <a:ea typeface="Noto Sans JP" panose="020B0200000000000000" pitchFamily="50" charset="-128"/>
               </a:rPr>
@@ -4755,12 +5093,18 @@
             </a:r>
             <a:r>
               <a:rPr kumimoji="1" lang="en-US" altLang="ja-JP" sz="1600" b="1" dirty="0">
+                <a:solidFill>
+                  <a:srgbClr val="073849"/>
+                </a:solidFill>
                 <a:latin typeface="Noto Sans JP" panose="020B0200000000000000" pitchFamily="50" charset="-128"/>
                 <a:ea typeface="Noto Sans JP" panose="020B0200000000000000" pitchFamily="50" charset="-128"/>
               </a:rPr>
               <a:t>– robot’s features</a:t>
             </a:r>
             <a:endParaRPr kumimoji="1" lang="ja-JP" altLang="en-US" sz="1600" dirty="0">
+              <a:solidFill>
+                <a:srgbClr val="073849"/>
+              </a:solidFill>
               <a:latin typeface="Noto Sans JP" panose="020B0200000000000000" pitchFamily="50" charset="-128"/>
               <a:ea typeface="Noto Sans JP" panose="020B0200000000000000" pitchFamily="50" charset="-128"/>
             </a:endParaRPr>
@@ -4783,15 +5127,15 @@
         </p:nvCxnSpPr>
         <p:spPr>
           <a:xfrm>
-            <a:off x="3575050" y="1186772"/>
-            <a:ext cx="3357469" cy="0"/>
+            <a:off x="3575050" y="1110572"/>
+            <a:ext cx="3422650" cy="0"/>
           </a:xfrm>
           <a:prstGeom prst="line">
             <a:avLst/>
           </a:prstGeom>
           <a:ln w="19050">
             <a:solidFill>
-              <a:schemeClr val="tx1"/>
+              <a:srgbClr val="073849"/>
             </a:solidFill>
           </a:ln>
         </p:spPr>
@@ -4827,14 +5171,14 @@
         <p:spPr>
           <a:xfrm>
             <a:off x="4241799" y="3079280"/>
-            <a:ext cx="2697069" cy="0"/>
+            <a:ext cx="2755901" cy="0"/>
           </a:xfrm>
           <a:prstGeom prst="line">
             <a:avLst/>
           </a:prstGeom>
           <a:ln w="19050">
             <a:solidFill>
-              <a:schemeClr val="tx1"/>
+              <a:srgbClr val="073849"/>
             </a:solidFill>
           </a:ln>
         </p:spPr>
@@ -4869,7 +5213,7 @@
         </p:nvCxnSpPr>
         <p:spPr>
           <a:xfrm>
-            <a:off x="11255188" y="1231900"/>
+            <a:off x="11255188" y="1155700"/>
             <a:ext cx="3727637" cy="0"/>
           </a:xfrm>
           <a:prstGeom prst="line">
@@ -4877,7 +5221,7 @@
           </a:prstGeom>
           <a:ln w="19050">
             <a:solidFill>
-              <a:schemeClr val="tx1"/>
+              <a:srgbClr val="073849"/>
             </a:solidFill>
           </a:ln>
         </p:spPr>
@@ -4898,10 +5242,10 @@
       </p:cxnSp>
       <p:sp>
         <p:nvSpPr>
-          <p:cNvPr id="39" name="正方形/長方形 38">
+          <p:cNvPr id="48" name="正方形/長方形 47">
             <a:extLst>
               <a:ext uri="{FF2B5EF4-FFF2-40B4-BE49-F238E27FC236}">
-                <a16:creationId xmlns:a16="http://schemas.microsoft.com/office/drawing/2014/main" id="{471378A8-4C55-903D-57DD-BA41C5181982}"/>
+                <a16:creationId xmlns:a16="http://schemas.microsoft.com/office/drawing/2014/main" id="{45996B6C-A328-84FA-B771-5AA66F2FBCC8}"/>
               </a:ext>
             </a:extLst>
           </p:cNvPr>
@@ -4910,8 +5254,8 @@
         </p:nvSpPr>
         <p:spPr>
           <a:xfrm>
-            <a:off x="142875" y="8405813"/>
-            <a:ext cx="3316566" cy="2107448"/>
+            <a:off x="4675726" y="5575658"/>
+            <a:ext cx="2321974" cy="2558001"/>
           </a:xfrm>
           <a:prstGeom prst="rect">
             <a:avLst/>
@@ -4940,7 +5284,7 @@
             <a:pPr algn="ctr"/>
             <a:r>
               <a:rPr kumimoji="1" lang="ja-JP" altLang="en-US" dirty="0"/>
-              <a:t>モーター関連</a:t>
+              <a:t>ラインセンサ</a:t>
             </a:r>
             <a:endParaRPr kumimoji="1" lang="en-US" altLang="ja-JP" dirty="0"/>
           </a:p>
@@ -4948,15 +5292,7 @@
             <a:pPr algn="ctr"/>
             <a:r>
               <a:rPr kumimoji="1" lang="ja-JP" altLang="en-US" dirty="0"/>
-              <a:t>・使用モーター</a:t>
-            </a:r>
-            <a:endParaRPr kumimoji="1" lang="en-US" altLang="ja-JP" dirty="0"/>
-          </a:p>
-          <a:p>
-            <a:pPr algn="ctr"/>
-            <a:r>
-              <a:rPr kumimoji="1" lang="ja-JP" altLang="en-US" dirty="0"/>
-              <a:t>・モータードライバ</a:t>
+              <a:t>・使用センサ</a:t>
             </a:r>
             <a:endParaRPr kumimoji="1" lang="en-US" altLang="ja-JP" dirty="0"/>
           </a:p>
@@ -4968,14 +5304,2872 @@
             </a:r>
             <a:endParaRPr kumimoji="1" lang="en-US" altLang="ja-JP" dirty="0"/>
           </a:p>
-        </p:txBody>
-      </p:sp>
-      <p:sp>
-        <p:nvSpPr>
-          <p:cNvPr id="40" name="正方形/長方形 39">
+          <a:p>
+            <a:pPr algn="ctr"/>
+            <a:r>
+              <a:rPr kumimoji="1" lang="ja-JP" altLang="en-US" dirty="0"/>
+              <a:t>・形状の理由</a:t>
+            </a:r>
+          </a:p>
+        </p:txBody>
+      </p:sp>
+      <p:sp>
+        <p:nvSpPr>
+          <p:cNvPr id="49" name="テキスト ボックス 48">
             <a:extLst>
               <a:ext uri="{FF2B5EF4-FFF2-40B4-BE49-F238E27FC236}">
-                <a16:creationId xmlns:a16="http://schemas.microsoft.com/office/drawing/2014/main" id="{91B0FB86-37FD-713A-13D3-4A242FAA3569}"/>
+                <a16:creationId xmlns:a16="http://schemas.microsoft.com/office/drawing/2014/main" id="{A07E7696-E5BD-234C-1978-10527487C7B8}"/>
+              </a:ext>
+            </a:extLst>
+          </p:cNvPr>
+          <p:cNvSpPr txBox="1"/>
+          <p:nvPr/>
+        </p:nvSpPr>
+        <p:spPr>
+          <a:xfrm>
+            <a:off x="7231061" y="8984412"/>
+            <a:ext cx="2979079" cy="338554"/>
+          </a:xfrm>
+          <a:prstGeom prst="rect">
+            <a:avLst/>
+          </a:prstGeom>
+          <a:noFill/>
+        </p:spPr>
+        <p:txBody>
+          <a:bodyPr wrap="square" rtlCol="0">
+            <a:spAutoFit/>
+          </a:bodyPr>
+          <a:lstStyle/>
+          <a:p>
+            <a:r>
+              <a:rPr lang="ja-JP" altLang="en-US" sz="1600" b="1" dirty="0">
+                <a:solidFill>
+                  <a:srgbClr val="073849"/>
+                </a:solidFill>
+                <a:latin typeface="Noto Sans JP" panose="020B0200000000000000" pitchFamily="50" charset="-128"/>
+                <a:ea typeface="Noto Sans JP" panose="020B0200000000000000" pitchFamily="50" charset="-128"/>
+              </a:rPr>
+              <a:t>情報共有</a:t>
+            </a:r>
+            <a:r>
+              <a:rPr lang="ja-JP" altLang="en-US" sz="1100" dirty="0">
+                <a:latin typeface="Noto Sans JP" panose="020B0200000000000000" pitchFamily="50" charset="-128"/>
+                <a:ea typeface="Noto Sans JP" panose="020B0200000000000000" pitchFamily="50" charset="-128"/>
+              </a:rPr>
+              <a:t>が</a:t>
+            </a:r>
+            <a:r>
+              <a:rPr lang="ja-JP" altLang="en-US" sz="1200" dirty="0">
+                <a:latin typeface="Noto Sans JP" panose="020B0200000000000000" pitchFamily="50" charset="-128"/>
+                <a:ea typeface="Noto Sans JP" panose="020B0200000000000000" pitchFamily="50" charset="-128"/>
+              </a:rPr>
+              <a:t>生</a:t>
+            </a:r>
+            <a:r>
+              <a:rPr lang="ja-JP" altLang="en-US" sz="1100" dirty="0">
+                <a:latin typeface="Noto Sans JP" panose="020B0200000000000000" pitchFamily="50" charset="-128"/>
+                <a:ea typeface="Noto Sans JP" panose="020B0200000000000000" pitchFamily="50" charset="-128"/>
+              </a:rPr>
+              <a:t>む、より</a:t>
+            </a:r>
+            <a:r>
+              <a:rPr lang="ja-JP" altLang="en-US" sz="1200" dirty="0">
+                <a:latin typeface="Noto Sans JP" panose="020B0200000000000000" pitchFamily="50" charset="-128"/>
+                <a:ea typeface="Noto Sans JP" panose="020B0200000000000000" pitchFamily="50" charset="-128"/>
+              </a:rPr>
+              <a:t>強</a:t>
+            </a:r>
+            <a:r>
+              <a:rPr lang="ja-JP" altLang="en-US" sz="1100" dirty="0">
+                <a:latin typeface="Noto Sans JP" panose="020B0200000000000000" pitchFamily="50" charset="-128"/>
+                <a:ea typeface="Noto Sans JP" panose="020B0200000000000000" pitchFamily="50" charset="-128"/>
+              </a:rPr>
+              <a:t>いチームワーク</a:t>
+            </a:r>
+            <a:endParaRPr kumimoji="1" lang="ja-JP" altLang="en-US" sz="1100" b="1" dirty="0">
+              <a:latin typeface="Noto Sans JP" panose="020B0200000000000000" pitchFamily="50" charset="-128"/>
+              <a:ea typeface="Noto Sans JP" panose="020B0200000000000000" pitchFamily="50" charset="-128"/>
+            </a:endParaRPr>
+          </a:p>
+        </p:txBody>
+      </p:sp>
+      <p:sp>
+        <p:nvSpPr>
+          <p:cNvPr id="50" name="テキスト ボックス 49">
+            <a:extLst>
+              <a:ext uri="{FF2B5EF4-FFF2-40B4-BE49-F238E27FC236}">
+                <a16:creationId xmlns:a16="http://schemas.microsoft.com/office/drawing/2014/main" id="{A56C1C3D-1DFB-415B-0CB2-D8D06A3C1D56}"/>
+              </a:ext>
+            </a:extLst>
+          </p:cNvPr>
+          <p:cNvSpPr txBox="1"/>
+          <p:nvPr/>
+        </p:nvSpPr>
+        <p:spPr>
+          <a:xfrm>
+            <a:off x="7231061" y="9341332"/>
+            <a:ext cx="7181850" cy="246221"/>
+          </a:xfrm>
+          <a:prstGeom prst="rect">
+            <a:avLst/>
+          </a:prstGeom>
+          <a:noFill/>
+        </p:spPr>
+        <p:txBody>
+          <a:bodyPr wrap="square" rtlCol="0">
+            <a:spAutoFit/>
+          </a:bodyPr>
+          <a:lstStyle/>
+          <a:p>
+            <a:r>
+              <a:rPr kumimoji="1" lang="ja-JP" altLang="en-US" sz="1000" dirty="0">
+                <a:latin typeface="Noto Sans JP" panose="020B0200000000000000" pitchFamily="50" charset="-128"/>
+                <a:ea typeface="Noto Sans JP" panose="020B0200000000000000" pitchFamily="50" charset="-128"/>
+              </a:rPr>
+              <a:t>　私たちのロボットは、</a:t>
+            </a:r>
+            <a:r>
+              <a:rPr kumimoji="1" lang="en-US" altLang="ja-JP" sz="1000" dirty="0">
+                <a:latin typeface="Noto Sans JP" panose="020B0200000000000000" pitchFamily="50" charset="-128"/>
+                <a:ea typeface="Noto Sans JP" panose="020B0200000000000000" pitchFamily="50" charset="-128"/>
+              </a:rPr>
+              <a:t>2</a:t>
+            </a:r>
+            <a:r>
+              <a:rPr kumimoji="1" lang="ja-JP" altLang="en-US" sz="1000" dirty="0">
+                <a:latin typeface="Noto Sans JP" panose="020B0200000000000000" pitchFamily="50" charset="-128"/>
+                <a:ea typeface="Noto Sans JP" panose="020B0200000000000000" pitchFamily="50" charset="-128"/>
+              </a:rPr>
+              <a:t>台それぞれにアタッカーとキーパーという役割を与えています。</a:t>
+            </a:r>
+          </a:p>
+        </p:txBody>
+      </p:sp>
+      <p:sp>
+        <p:nvSpPr>
+          <p:cNvPr id="53" name="テキスト ボックス 52">
+            <a:extLst>
+              <a:ext uri="{FF2B5EF4-FFF2-40B4-BE49-F238E27FC236}">
+                <a16:creationId xmlns:a16="http://schemas.microsoft.com/office/drawing/2014/main" id="{D40D17BF-617C-ADE3-AFAE-9FD83B242A47}"/>
+              </a:ext>
+            </a:extLst>
+          </p:cNvPr>
+          <p:cNvSpPr txBox="1"/>
+          <p:nvPr/>
+        </p:nvSpPr>
+        <p:spPr>
+          <a:xfrm>
+            <a:off x="10926991" y="1362091"/>
+            <a:ext cx="3055825" cy="338554"/>
+          </a:xfrm>
+          <a:prstGeom prst="rect">
+            <a:avLst/>
+          </a:prstGeom>
+          <a:noFill/>
+        </p:spPr>
+        <p:txBody>
+          <a:bodyPr wrap="square" rtlCol="0">
+            <a:spAutoFit/>
+          </a:bodyPr>
+          <a:lstStyle/>
+          <a:p>
+            <a:r>
+              <a:rPr kumimoji="1" lang="ja-JP" altLang="en-US" sz="1200" dirty="0">
+                <a:solidFill>
+                  <a:schemeClr val="tx1">
+                    <a:lumMod val="85000"/>
+                    <a:lumOff val="15000"/>
+                  </a:schemeClr>
+                </a:solidFill>
+                <a:latin typeface="Noto Sans JP" panose="020B0200000000000000" pitchFamily="50" charset="-128"/>
+                <a:ea typeface="Noto Sans JP" panose="020B0200000000000000" pitchFamily="50" charset="-128"/>
+              </a:rPr>
+              <a:t>圧倒的</a:t>
+            </a:r>
+            <a:r>
+              <a:rPr kumimoji="1" lang="ja-JP" altLang="en-US" sz="1050" dirty="0">
+                <a:solidFill>
+                  <a:schemeClr val="tx1">
+                    <a:lumMod val="85000"/>
+                    <a:lumOff val="15000"/>
+                  </a:schemeClr>
+                </a:solidFill>
+                <a:latin typeface="Noto Sans JP" panose="020B0200000000000000" pitchFamily="50" charset="-128"/>
+                <a:ea typeface="Noto Sans JP" panose="020B0200000000000000" pitchFamily="50" charset="-128"/>
+              </a:rPr>
+              <a:t>な</a:t>
+            </a:r>
+            <a:r>
+              <a:rPr kumimoji="1" lang="ja-JP" altLang="en-US" sz="1200" dirty="0">
+                <a:solidFill>
+                  <a:schemeClr val="tx1">
+                    <a:lumMod val="85000"/>
+                    <a:lumOff val="15000"/>
+                  </a:schemeClr>
+                </a:solidFill>
+                <a:latin typeface="Noto Sans JP" panose="020B0200000000000000" pitchFamily="50" charset="-128"/>
+                <a:ea typeface="Noto Sans JP" panose="020B0200000000000000" pitchFamily="50" charset="-128"/>
+              </a:rPr>
+              <a:t>安定性</a:t>
+            </a:r>
+            <a:r>
+              <a:rPr kumimoji="1" lang="ja-JP" altLang="en-US" sz="1050" dirty="0">
+                <a:solidFill>
+                  <a:schemeClr val="tx1">
+                    <a:lumMod val="85000"/>
+                    <a:lumOff val="15000"/>
+                  </a:schemeClr>
+                </a:solidFill>
+                <a:latin typeface="Noto Sans JP" panose="020B0200000000000000" pitchFamily="50" charset="-128"/>
+                <a:ea typeface="Noto Sans JP" panose="020B0200000000000000" pitchFamily="50" charset="-128"/>
+              </a:rPr>
+              <a:t>の</a:t>
+            </a:r>
+            <a:r>
+              <a:rPr kumimoji="1" lang="ja-JP" altLang="en-US" sz="1600" b="1" dirty="0">
+                <a:solidFill>
+                  <a:srgbClr val="073849"/>
+                </a:solidFill>
+                <a:latin typeface="Noto Sans JP" panose="020B0200000000000000" pitchFamily="50" charset="-128"/>
+                <a:ea typeface="Noto Sans JP" panose="020B0200000000000000" pitchFamily="50" charset="-128"/>
+              </a:rPr>
+              <a:t>ビジョンシステム</a:t>
+            </a:r>
+            <a:endParaRPr kumimoji="1" lang="ja-JP" altLang="en-US" sz="1100" dirty="0">
+              <a:solidFill>
+                <a:srgbClr val="073849"/>
+              </a:solidFill>
+              <a:latin typeface="Noto Sans JP" panose="020B0200000000000000" pitchFamily="50" charset="-128"/>
+              <a:ea typeface="Noto Sans JP" panose="020B0200000000000000" pitchFamily="50" charset="-128"/>
+            </a:endParaRPr>
+          </a:p>
+        </p:txBody>
+      </p:sp>
+      <p:sp>
+        <p:nvSpPr>
+          <p:cNvPr id="54" name="テキスト ボックス 53">
+            <a:extLst>
+              <a:ext uri="{FF2B5EF4-FFF2-40B4-BE49-F238E27FC236}">
+                <a16:creationId xmlns:a16="http://schemas.microsoft.com/office/drawing/2014/main" id="{B8A05EC4-53F0-9AEE-BA9C-1990E051D059}"/>
+              </a:ext>
+            </a:extLst>
+          </p:cNvPr>
+          <p:cNvSpPr txBox="1"/>
+          <p:nvPr/>
+        </p:nvSpPr>
+        <p:spPr>
+          <a:xfrm>
+            <a:off x="10990491" y="1676426"/>
+            <a:ext cx="4135326" cy="1312475"/>
+          </a:xfrm>
+          <a:prstGeom prst="rect">
+            <a:avLst/>
+          </a:prstGeom>
+          <a:noFill/>
+        </p:spPr>
+        <p:txBody>
+          <a:bodyPr wrap="square" numCol="1" rtlCol="0">
+            <a:spAutoFit/>
+          </a:bodyPr>
+          <a:lstStyle/>
+          <a:p>
+            <a:pPr>
+              <a:lnSpc>
+                <a:spcPts val="1200"/>
+              </a:lnSpc>
+            </a:pPr>
+            <a:r>
+              <a:rPr kumimoji="1" lang="ja-JP" altLang="en-US" sz="900" dirty="0">
+                <a:solidFill>
+                  <a:schemeClr val="tx1">
+                    <a:lumMod val="85000"/>
+                    <a:lumOff val="15000"/>
+                  </a:schemeClr>
+                </a:solidFill>
+                <a:latin typeface="Noto Sans JP" panose="020B0200000000000000" pitchFamily="50" charset="-128"/>
+                <a:ea typeface="Noto Sans JP" panose="020B0200000000000000" pitchFamily="50" charset="-128"/>
+              </a:rPr>
+              <a:t>　私たちのロボットには、</a:t>
+            </a:r>
+            <a:r>
+              <a:rPr kumimoji="1" lang="en-US" altLang="ja-JP" sz="900" dirty="0">
+                <a:solidFill>
+                  <a:schemeClr val="tx1">
+                    <a:lumMod val="85000"/>
+                    <a:lumOff val="15000"/>
+                  </a:schemeClr>
+                </a:solidFill>
+                <a:latin typeface="Noto Sans JP" panose="020B0200000000000000" pitchFamily="50" charset="-128"/>
+                <a:ea typeface="Noto Sans JP" panose="020B0200000000000000" pitchFamily="50" charset="-128"/>
+              </a:rPr>
+              <a:t>UnitV Ai Camera</a:t>
+            </a:r>
+            <a:r>
+              <a:rPr kumimoji="1" lang="ja-JP" altLang="en-US" sz="900" dirty="0">
+                <a:solidFill>
+                  <a:schemeClr val="tx1">
+                    <a:lumMod val="85000"/>
+                    <a:lumOff val="15000"/>
+                  </a:schemeClr>
+                </a:solidFill>
+                <a:latin typeface="Noto Sans JP" panose="020B0200000000000000" pitchFamily="50" charset="-128"/>
+                <a:ea typeface="Noto Sans JP" panose="020B0200000000000000" pitchFamily="50" charset="-128"/>
+              </a:rPr>
+              <a:t>を</a:t>
+            </a:r>
+            <a:r>
+              <a:rPr kumimoji="1" lang="en-US" altLang="ja-JP" sz="900" dirty="0">
+                <a:solidFill>
+                  <a:schemeClr val="tx1">
+                    <a:lumMod val="85000"/>
+                    <a:lumOff val="15000"/>
+                  </a:schemeClr>
+                </a:solidFill>
+                <a:latin typeface="Noto Sans JP" panose="020B0200000000000000" pitchFamily="50" charset="-128"/>
+                <a:ea typeface="Noto Sans JP" panose="020B0200000000000000" pitchFamily="50" charset="-128"/>
+              </a:rPr>
+              <a:t>6</a:t>
+            </a:r>
+            <a:r>
+              <a:rPr kumimoji="1" lang="ja-JP" altLang="en-US" sz="900" dirty="0">
+                <a:solidFill>
+                  <a:schemeClr val="tx1">
+                    <a:lumMod val="85000"/>
+                    <a:lumOff val="15000"/>
+                  </a:schemeClr>
+                </a:solidFill>
+                <a:latin typeface="Noto Sans JP" panose="020B0200000000000000" pitchFamily="50" charset="-128"/>
+                <a:ea typeface="Noto Sans JP" panose="020B0200000000000000" pitchFamily="50" charset="-128"/>
+              </a:rPr>
+              <a:t>個搭載しています。</a:t>
+            </a:r>
+            <a:endParaRPr kumimoji="1" lang="en-US" altLang="ja-JP" sz="900" dirty="0">
+              <a:solidFill>
+                <a:schemeClr val="tx1">
+                  <a:lumMod val="85000"/>
+                  <a:lumOff val="15000"/>
+                </a:schemeClr>
+              </a:solidFill>
+              <a:latin typeface="Noto Sans JP" panose="020B0200000000000000" pitchFamily="50" charset="-128"/>
+              <a:ea typeface="Noto Sans JP" panose="020B0200000000000000" pitchFamily="50" charset="-128"/>
+            </a:endParaRPr>
+          </a:p>
+          <a:p>
+            <a:pPr>
+              <a:lnSpc>
+                <a:spcPts val="1200"/>
+              </a:lnSpc>
+            </a:pPr>
+            <a:r>
+              <a:rPr kumimoji="1" lang="ja-JP" altLang="en-US" sz="900" dirty="0">
+                <a:solidFill>
+                  <a:schemeClr val="tx1">
+                    <a:lumMod val="85000"/>
+                    <a:lumOff val="15000"/>
+                  </a:schemeClr>
+                </a:solidFill>
+                <a:latin typeface="Noto Sans JP" panose="020B0200000000000000" pitchFamily="50" charset="-128"/>
+                <a:ea typeface="Noto Sans JP" panose="020B0200000000000000" pitchFamily="50" charset="-128"/>
+              </a:rPr>
+              <a:t>以前は全方位ミラーを用いて</a:t>
+            </a:r>
+            <a:r>
+              <a:rPr kumimoji="1" lang="en-US" altLang="ja-JP" sz="900" dirty="0">
+                <a:solidFill>
+                  <a:schemeClr val="tx1">
+                    <a:lumMod val="85000"/>
+                    <a:lumOff val="15000"/>
+                  </a:schemeClr>
+                </a:solidFill>
+                <a:latin typeface="Noto Sans JP" panose="020B0200000000000000" pitchFamily="50" charset="-128"/>
+                <a:ea typeface="Noto Sans JP" panose="020B0200000000000000" pitchFamily="50" charset="-128"/>
+              </a:rPr>
+              <a:t>1</a:t>
+            </a:r>
+            <a:r>
+              <a:rPr kumimoji="1" lang="ja-JP" altLang="en-US" sz="900" dirty="0">
+                <a:solidFill>
+                  <a:schemeClr val="tx1">
+                    <a:lumMod val="85000"/>
+                    <a:lumOff val="15000"/>
+                  </a:schemeClr>
+                </a:solidFill>
+                <a:latin typeface="Noto Sans JP" panose="020B0200000000000000" pitchFamily="50" charset="-128"/>
+                <a:ea typeface="Noto Sans JP" panose="020B0200000000000000" pitchFamily="50" charset="-128"/>
+              </a:rPr>
+              <a:t>つのカメラで全方向を監視していましたが、</a:t>
+            </a:r>
+            <a:endParaRPr kumimoji="1" lang="en-US" altLang="ja-JP" sz="900" dirty="0">
+              <a:solidFill>
+                <a:schemeClr val="tx1">
+                  <a:lumMod val="85000"/>
+                  <a:lumOff val="15000"/>
+                </a:schemeClr>
+              </a:solidFill>
+              <a:latin typeface="Noto Sans JP" panose="020B0200000000000000" pitchFamily="50" charset="-128"/>
+              <a:ea typeface="Noto Sans JP" panose="020B0200000000000000" pitchFamily="50" charset="-128"/>
+            </a:endParaRPr>
+          </a:p>
+          <a:p>
+            <a:pPr>
+              <a:lnSpc>
+                <a:spcPts val="1200"/>
+              </a:lnSpc>
+            </a:pPr>
+            <a:r>
+              <a:rPr kumimoji="1" lang="ja-JP" altLang="en-US" sz="900" dirty="0">
+                <a:solidFill>
+                  <a:schemeClr val="tx1">
+                    <a:lumMod val="85000"/>
+                    <a:lumOff val="15000"/>
+                  </a:schemeClr>
+                </a:solidFill>
+                <a:latin typeface="Noto Sans JP" panose="020B0200000000000000" pitchFamily="50" charset="-128"/>
+                <a:ea typeface="Noto Sans JP" panose="020B0200000000000000" pitchFamily="50" charset="-128"/>
+              </a:rPr>
+              <a:t>ゴルフボールという小さい物体をどの距離からでも認識できるようにするのは大変でした</a:t>
+            </a:r>
+            <a:r>
+              <a:rPr kumimoji="1" lang="en-US" altLang="ja-JP" sz="900" dirty="0">
+                <a:solidFill>
+                  <a:schemeClr val="tx1">
+                    <a:lumMod val="85000"/>
+                    <a:lumOff val="15000"/>
+                  </a:schemeClr>
+                </a:solidFill>
+                <a:latin typeface="Noto Sans JP" panose="020B0200000000000000" pitchFamily="50" charset="-128"/>
+                <a:ea typeface="Noto Sans JP" panose="020B0200000000000000" pitchFamily="50" charset="-128"/>
+              </a:rPr>
+              <a:t>(</a:t>
+            </a:r>
+            <a:r>
+              <a:rPr kumimoji="1" lang="ja-JP" altLang="en-US" sz="900" dirty="0">
+                <a:solidFill>
+                  <a:schemeClr val="tx1">
+                    <a:lumMod val="85000"/>
+                    <a:lumOff val="15000"/>
+                  </a:schemeClr>
+                </a:solidFill>
+                <a:latin typeface="Noto Sans JP" panose="020B0200000000000000" pitchFamily="50" charset="-128"/>
+                <a:ea typeface="Noto Sans JP" panose="020B0200000000000000" pitchFamily="50" charset="-128"/>
+              </a:rPr>
+              <a:t>図</a:t>
+            </a:r>
+            <a:r>
+              <a:rPr kumimoji="1" lang="en-US" altLang="ja-JP" sz="900" dirty="0">
+                <a:solidFill>
+                  <a:schemeClr val="tx1">
+                    <a:lumMod val="85000"/>
+                    <a:lumOff val="15000"/>
+                  </a:schemeClr>
+                </a:solidFill>
+                <a:latin typeface="Noto Sans JP" panose="020B0200000000000000" pitchFamily="50" charset="-128"/>
+                <a:ea typeface="Noto Sans JP" panose="020B0200000000000000" pitchFamily="50" charset="-128"/>
+              </a:rPr>
+              <a:t>1)</a:t>
+            </a:r>
+            <a:r>
+              <a:rPr kumimoji="1" lang="ja-JP" altLang="en-US" sz="900" dirty="0">
+                <a:solidFill>
+                  <a:schemeClr val="tx1">
+                    <a:lumMod val="85000"/>
+                    <a:lumOff val="15000"/>
+                  </a:schemeClr>
+                </a:solidFill>
+                <a:latin typeface="Noto Sans JP" panose="020B0200000000000000" pitchFamily="50" charset="-128"/>
+                <a:ea typeface="Noto Sans JP" panose="020B0200000000000000" pitchFamily="50" charset="-128"/>
+              </a:rPr>
+              <a:t>。また、ロボット自身がカメラに映りこむことで、至近距離にあるボールがロボットに隠れて認識できないという問題もありました。</a:t>
+            </a:r>
+            <a:endParaRPr kumimoji="1" lang="en-US" altLang="ja-JP" sz="900" dirty="0">
+              <a:solidFill>
+                <a:schemeClr val="tx1">
+                  <a:lumMod val="85000"/>
+                  <a:lumOff val="15000"/>
+                </a:schemeClr>
+              </a:solidFill>
+              <a:latin typeface="Noto Sans JP" panose="020B0200000000000000" pitchFamily="50" charset="-128"/>
+              <a:ea typeface="Noto Sans JP" panose="020B0200000000000000" pitchFamily="50" charset="-128"/>
+            </a:endParaRPr>
+          </a:p>
+          <a:p>
+            <a:pPr>
+              <a:lnSpc>
+                <a:spcPts val="1200"/>
+              </a:lnSpc>
+            </a:pPr>
+            <a:r>
+              <a:rPr kumimoji="1" lang="ja-JP" altLang="en-US" sz="900" dirty="0">
+                <a:solidFill>
+                  <a:schemeClr val="tx1">
+                    <a:lumMod val="85000"/>
+                    <a:lumOff val="15000"/>
+                  </a:schemeClr>
+                </a:solidFill>
+                <a:latin typeface="Noto Sans JP" panose="020B0200000000000000" pitchFamily="50" charset="-128"/>
+                <a:ea typeface="Noto Sans JP" panose="020B0200000000000000" pitchFamily="50" charset="-128"/>
+              </a:rPr>
+              <a:t>　これらの問題を解決するため、カメラを</a:t>
+            </a:r>
+            <a:r>
+              <a:rPr kumimoji="1" lang="en-US" altLang="ja-JP" sz="900" dirty="0">
+                <a:solidFill>
+                  <a:schemeClr val="tx1">
+                    <a:lumMod val="85000"/>
+                    <a:lumOff val="15000"/>
+                  </a:schemeClr>
+                </a:solidFill>
+                <a:latin typeface="Noto Sans JP" panose="020B0200000000000000" pitchFamily="50" charset="-128"/>
+                <a:ea typeface="Noto Sans JP" panose="020B0200000000000000" pitchFamily="50" charset="-128"/>
+              </a:rPr>
+              <a:t>6</a:t>
+            </a:r>
+            <a:r>
+              <a:rPr kumimoji="1" lang="ja-JP" altLang="en-US" sz="900" dirty="0">
+                <a:solidFill>
+                  <a:schemeClr val="tx1">
+                    <a:lumMod val="85000"/>
+                    <a:lumOff val="15000"/>
+                  </a:schemeClr>
+                </a:solidFill>
+                <a:latin typeface="Noto Sans JP" panose="020B0200000000000000" pitchFamily="50" charset="-128"/>
+                <a:ea typeface="Noto Sans JP" panose="020B0200000000000000" pitchFamily="50" charset="-128"/>
+              </a:rPr>
+              <a:t>個搭載することで、全方位ミラーの「全方向が見える」という要件を担保しつつ、</a:t>
+            </a:r>
+            <a:r>
+              <a:rPr kumimoji="1" lang="ja-JP" altLang="en-US" sz="900" b="1" dirty="0">
+                <a:solidFill>
+                  <a:srgbClr val="073849"/>
+                </a:solidFill>
+                <a:latin typeface="Noto Sans JP" panose="020B0200000000000000" pitchFamily="50" charset="-128"/>
+                <a:ea typeface="Noto Sans JP" panose="020B0200000000000000" pitchFamily="50" charset="-128"/>
+              </a:rPr>
+              <a:t>遠距離の視野の確保</a:t>
+            </a:r>
+            <a:r>
+              <a:rPr kumimoji="1" lang="ja-JP" altLang="en-US" sz="900" dirty="0">
+                <a:solidFill>
+                  <a:schemeClr val="tx1">
+                    <a:lumMod val="85000"/>
+                    <a:lumOff val="15000"/>
+                  </a:schemeClr>
+                </a:solidFill>
+                <a:latin typeface="Noto Sans JP" panose="020B0200000000000000" pitchFamily="50" charset="-128"/>
+                <a:ea typeface="Noto Sans JP" panose="020B0200000000000000" pitchFamily="50" charset="-128"/>
+              </a:rPr>
+              <a:t>や</a:t>
+            </a:r>
+            <a:r>
+              <a:rPr kumimoji="1" lang="ja-JP" altLang="en-US" sz="900" b="1" dirty="0">
+                <a:solidFill>
+                  <a:srgbClr val="073849"/>
+                </a:solidFill>
+                <a:latin typeface="Noto Sans JP" panose="020B0200000000000000" pitchFamily="50" charset="-128"/>
+                <a:ea typeface="Noto Sans JP" panose="020B0200000000000000" pitchFamily="50" charset="-128"/>
+              </a:rPr>
+              <a:t>至近距離でのボールの認識</a:t>
+            </a:r>
+            <a:r>
+              <a:rPr kumimoji="1" lang="ja-JP" altLang="en-US" sz="900" dirty="0">
+                <a:solidFill>
+                  <a:schemeClr val="tx1">
+                    <a:lumMod val="85000"/>
+                    <a:lumOff val="15000"/>
+                  </a:schemeClr>
+                </a:solidFill>
+                <a:latin typeface="Noto Sans JP" panose="020B0200000000000000" pitchFamily="50" charset="-128"/>
+                <a:ea typeface="Noto Sans JP" panose="020B0200000000000000" pitchFamily="50" charset="-128"/>
+              </a:rPr>
+              <a:t>を容易に行うことができるようになりました。</a:t>
+            </a:r>
+            <a:endParaRPr kumimoji="1" lang="en-US" altLang="ja-JP" sz="900" dirty="0">
+              <a:solidFill>
+                <a:schemeClr val="tx1">
+                  <a:lumMod val="85000"/>
+                  <a:lumOff val="15000"/>
+                </a:schemeClr>
+              </a:solidFill>
+              <a:latin typeface="Noto Sans JP" panose="020B0200000000000000" pitchFamily="50" charset="-128"/>
+              <a:ea typeface="Noto Sans JP" panose="020B0200000000000000" pitchFamily="50" charset="-128"/>
+            </a:endParaRPr>
+          </a:p>
+        </p:txBody>
+      </p:sp>
+      <p:sp>
+        <p:nvSpPr>
+          <p:cNvPr id="2" name="テキスト ボックス 1">
+            <a:extLst>
+              <a:ext uri="{FF2B5EF4-FFF2-40B4-BE49-F238E27FC236}">
+                <a16:creationId xmlns:a16="http://schemas.microsoft.com/office/drawing/2014/main" id="{E7441E8B-D077-2FDC-1670-9AF65171BF93}"/>
+              </a:ext>
+            </a:extLst>
+          </p:cNvPr>
+          <p:cNvSpPr txBox="1"/>
+          <p:nvPr/>
+        </p:nvSpPr>
+        <p:spPr>
+          <a:xfrm>
+            <a:off x="106380" y="1378762"/>
+            <a:ext cx="3509309" cy="1466363"/>
+          </a:xfrm>
+          <a:prstGeom prst="rect">
+            <a:avLst/>
+          </a:prstGeom>
+          <a:noFill/>
+        </p:spPr>
+        <p:txBody>
+          <a:bodyPr wrap="square" numCol="1" rtlCol="0">
+            <a:spAutoFit/>
+          </a:bodyPr>
+          <a:lstStyle/>
+          <a:p>
+            <a:pPr>
+              <a:lnSpc>
+                <a:spcPts val="1200"/>
+              </a:lnSpc>
+            </a:pPr>
+            <a:r>
+              <a:rPr kumimoji="1" lang="ja-JP" altLang="en-US" sz="900" dirty="0">
+                <a:solidFill>
+                  <a:schemeClr val="tx1">
+                    <a:lumMod val="85000"/>
+                    <a:lumOff val="15000"/>
+                  </a:schemeClr>
+                </a:solidFill>
+                <a:latin typeface="Noto Sans JP" panose="020B0200000000000000" pitchFamily="50" charset="-128"/>
+                <a:ea typeface="Noto Sans JP" panose="020B0200000000000000" pitchFamily="50" charset="-128"/>
+              </a:rPr>
+              <a:t>　私たちは</a:t>
+            </a:r>
+            <a:r>
+              <a:rPr kumimoji="1" lang="en-US" altLang="ja-JP" sz="900" dirty="0">
+                <a:solidFill>
+                  <a:schemeClr val="tx1">
+                    <a:lumMod val="85000"/>
+                    <a:lumOff val="15000"/>
+                  </a:schemeClr>
+                </a:solidFill>
+                <a:latin typeface="Noto Sans JP" panose="020B0200000000000000" pitchFamily="50" charset="-128"/>
+                <a:ea typeface="Noto Sans JP" panose="020B0200000000000000" pitchFamily="50" charset="-128"/>
+              </a:rPr>
+              <a:t>2024</a:t>
+            </a:r>
+            <a:r>
+              <a:rPr kumimoji="1" lang="ja-JP" altLang="en-US" sz="900" dirty="0">
+                <a:solidFill>
+                  <a:schemeClr val="tx1">
+                    <a:lumMod val="85000"/>
+                    <a:lumOff val="15000"/>
+                  </a:schemeClr>
+                </a:solidFill>
+                <a:latin typeface="Noto Sans JP" panose="020B0200000000000000" pitchFamily="50" charset="-128"/>
+                <a:ea typeface="Noto Sans JP" panose="020B0200000000000000" pitchFamily="50" charset="-128"/>
+              </a:rPr>
+              <a:t>シーズンにライトウェイトリーグで世界大会に出場し、世界大会で活躍するオープンリーグのロボットを生で</a:t>
+            </a:r>
+            <a:endParaRPr kumimoji="1" lang="en-US" altLang="ja-JP" sz="900" dirty="0">
+              <a:solidFill>
+                <a:schemeClr val="tx1">
+                  <a:lumMod val="85000"/>
+                  <a:lumOff val="15000"/>
+                </a:schemeClr>
+              </a:solidFill>
+              <a:latin typeface="Noto Sans JP" panose="020B0200000000000000" pitchFamily="50" charset="-128"/>
+              <a:ea typeface="Noto Sans JP" panose="020B0200000000000000" pitchFamily="50" charset="-128"/>
+            </a:endParaRPr>
+          </a:p>
+          <a:p>
+            <a:pPr>
+              <a:lnSpc>
+                <a:spcPts val="1200"/>
+              </a:lnSpc>
+            </a:pPr>
+            <a:r>
+              <a:rPr kumimoji="1" lang="ja-JP" altLang="en-US" sz="900" dirty="0">
+                <a:solidFill>
+                  <a:schemeClr val="tx1">
+                    <a:lumMod val="85000"/>
+                    <a:lumOff val="15000"/>
+                  </a:schemeClr>
+                </a:solidFill>
+                <a:latin typeface="Noto Sans JP" panose="020B0200000000000000" pitchFamily="50" charset="-128"/>
+                <a:ea typeface="Noto Sans JP" panose="020B0200000000000000" pitchFamily="50" charset="-128"/>
+              </a:rPr>
+              <a:t>見てきました。その経験から、オープンリーグにおいてロボットが「</a:t>
+            </a:r>
+            <a:r>
+              <a:rPr kumimoji="1" lang="ja-JP" altLang="en-US" sz="900" b="1" dirty="0">
+                <a:solidFill>
+                  <a:schemeClr val="tx1">
+                    <a:lumMod val="85000"/>
+                    <a:lumOff val="15000"/>
+                  </a:schemeClr>
+                </a:solidFill>
+                <a:latin typeface="Noto Sans JP" panose="020B0200000000000000" pitchFamily="50" charset="-128"/>
+                <a:ea typeface="Noto Sans JP" panose="020B0200000000000000" pitchFamily="50" charset="-128"/>
+              </a:rPr>
+              <a:t>圧倒的</a:t>
+            </a:r>
+            <a:r>
+              <a:rPr kumimoji="1" lang="ja-JP" altLang="en-US" sz="900" dirty="0">
+                <a:solidFill>
+                  <a:schemeClr val="tx1">
+                    <a:lumMod val="85000"/>
+                    <a:lumOff val="15000"/>
+                  </a:schemeClr>
+                </a:solidFill>
+                <a:latin typeface="Noto Sans JP" panose="020B0200000000000000" pitchFamily="50" charset="-128"/>
+                <a:ea typeface="Noto Sans JP" panose="020B0200000000000000" pitchFamily="50" charset="-128"/>
+              </a:rPr>
+              <a:t>」であるために必要な要素を考え、今シーズンの</a:t>
+            </a:r>
+            <a:endParaRPr kumimoji="1" lang="en-US" altLang="ja-JP" sz="900" dirty="0">
+              <a:solidFill>
+                <a:schemeClr val="tx1">
+                  <a:lumMod val="85000"/>
+                  <a:lumOff val="15000"/>
+                </a:schemeClr>
+              </a:solidFill>
+              <a:latin typeface="Noto Sans JP" panose="020B0200000000000000" pitchFamily="50" charset="-128"/>
+              <a:ea typeface="Noto Sans JP" panose="020B0200000000000000" pitchFamily="50" charset="-128"/>
+            </a:endParaRPr>
+          </a:p>
+          <a:p>
+            <a:pPr>
+              <a:lnSpc>
+                <a:spcPts val="1200"/>
+              </a:lnSpc>
+            </a:pPr>
+            <a:r>
+              <a:rPr kumimoji="1" lang="ja-JP" altLang="en-US" sz="900" dirty="0">
+                <a:solidFill>
+                  <a:schemeClr val="tx1">
+                    <a:lumMod val="85000"/>
+                    <a:lumOff val="15000"/>
+                  </a:schemeClr>
+                </a:solidFill>
+                <a:latin typeface="Noto Sans JP" panose="020B0200000000000000" pitchFamily="50" charset="-128"/>
+                <a:ea typeface="Noto Sans JP" panose="020B0200000000000000" pitchFamily="50" charset="-128"/>
+              </a:rPr>
+              <a:t>ロボットに反映させました。例えば、</a:t>
+            </a:r>
+            <a:r>
+              <a:rPr kumimoji="1" lang="ja-JP" altLang="en-US" sz="900" b="1" dirty="0">
+                <a:solidFill>
+                  <a:schemeClr val="tx1">
+                    <a:lumMod val="85000"/>
+                    <a:lumOff val="15000"/>
+                  </a:schemeClr>
+                </a:solidFill>
+                <a:latin typeface="Noto Sans JP" panose="020B0200000000000000" pitchFamily="50" charset="-128"/>
+                <a:ea typeface="Noto Sans JP" panose="020B0200000000000000" pitchFamily="50" charset="-128"/>
+              </a:rPr>
+              <a:t>電源基板の改良</a:t>
+            </a:r>
+            <a:r>
+              <a:rPr kumimoji="1" lang="ja-JP" altLang="en-US" sz="900" dirty="0">
+                <a:solidFill>
+                  <a:schemeClr val="tx1">
+                    <a:lumMod val="85000"/>
+                    <a:lumOff val="15000"/>
+                  </a:schemeClr>
+                </a:solidFill>
+                <a:latin typeface="Noto Sans JP" panose="020B0200000000000000" pitchFamily="50" charset="-128"/>
+                <a:ea typeface="Noto Sans JP" panose="020B0200000000000000" pitchFamily="50" charset="-128"/>
+              </a:rPr>
+              <a:t>や</a:t>
+            </a:r>
+            <a:r>
+              <a:rPr kumimoji="1" lang="en-US" altLang="ja-JP" sz="900" b="1" dirty="0">
+                <a:solidFill>
+                  <a:schemeClr val="tx1">
+                    <a:lumMod val="85000"/>
+                    <a:lumOff val="15000"/>
+                  </a:schemeClr>
+                </a:solidFill>
+                <a:latin typeface="Noto Sans JP" panose="020B0200000000000000" pitchFamily="50" charset="-128"/>
+                <a:ea typeface="Noto Sans JP" panose="020B0200000000000000" pitchFamily="50" charset="-128"/>
+              </a:rPr>
+              <a:t>6</a:t>
+            </a:r>
+            <a:r>
+              <a:rPr kumimoji="1" lang="ja-JP" altLang="en-US" sz="900" b="1" dirty="0">
+                <a:solidFill>
+                  <a:schemeClr val="tx1">
+                    <a:lumMod val="85000"/>
+                    <a:lumOff val="15000"/>
+                  </a:schemeClr>
+                </a:solidFill>
+                <a:latin typeface="Noto Sans JP" panose="020B0200000000000000" pitchFamily="50" charset="-128"/>
+                <a:ea typeface="Noto Sans JP" panose="020B0200000000000000" pitchFamily="50" charset="-128"/>
+              </a:rPr>
+              <a:t>方向</a:t>
+            </a:r>
+            <a:endParaRPr kumimoji="1" lang="en-US" altLang="ja-JP" sz="900" b="1" dirty="0">
+              <a:solidFill>
+                <a:schemeClr val="tx1">
+                  <a:lumMod val="85000"/>
+                  <a:lumOff val="15000"/>
+                </a:schemeClr>
+              </a:solidFill>
+              <a:latin typeface="Noto Sans JP" panose="020B0200000000000000" pitchFamily="50" charset="-128"/>
+              <a:ea typeface="Noto Sans JP" panose="020B0200000000000000" pitchFamily="50" charset="-128"/>
+            </a:endParaRPr>
+          </a:p>
+          <a:p>
+            <a:pPr>
+              <a:lnSpc>
+                <a:spcPts val="1200"/>
+              </a:lnSpc>
+            </a:pPr>
+            <a:r>
+              <a:rPr kumimoji="1" lang="ja-JP" altLang="en-US" sz="900" b="1" dirty="0">
+                <a:solidFill>
+                  <a:schemeClr val="tx1">
+                    <a:lumMod val="85000"/>
+                    <a:lumOff val="15000"/>
+                  </a:schemeClr>
+                </a:solidFill>
+                <a:latin typeface="Noto Sans JP" panose="020B0200000000000000" pitchFamily="50" charset="-128"/>
+                <a:ea typeface="Noto Sans JP" panose="020B0200000000000000" pitchFamily="50" charset="-128"/>
+              </a:rPr>
+              <a:t>カメラの搭載</a:t>
+            </a:r>
+            <a:r>
+              <a:rPr kumimoji="1" lang="ja-JP" altLang="en-US" sz="900" dirty="0">
+                <a:solidFill>
+                  <a:schemeClr val="tx1">
+                    <a:lumMod val="85000"/>
+                    <a:lumOff val="15000"/>
+                  </a:schemeClr>
+                </a:solidFill>
+                <a:latin typeface="Noto Sans JP" panose="020B0200000000000000" pitchFamily="50" charset="-128"/>
+                <a:ea typeface="Noto Sans JP" panose="020B0200000000000000" pitchFamily="50" charset="-128"/>
+              </a:rPr>
+              <a:t>、</a:t>
+            </a:r>
+            <a:r>
+              <a:rPr kumimoji="1" lang="ja-JP" altLang="en-US" sz="900" b="1" dirty="0">
+                <a:solidFill>
+                  <a:schemeClr val="tx1">
+                    <a:lumMod val="85000"/>
+                    <a:lumOff val="15000"/>
+                  </a:schemeClr>
+                </a:solidFill>
+                <a:latin typeface="Noto Sans JP" panose="020B0200000000000000" pitchFamily="50" charset="-128"/>
+                <a:ea typeface="Noto Sans JP" panose="020B0200000000000000" pitchFamily="50" charset="-128"/>
+              </a:rPr>
+              <a:t>前後のドリブラー・キッカー搭載</a:t>
+            </a:r>
+            <a:r>
+              <a:rPr kumimoji="1" lang="ja-JP" altLang="en-US" sz="900" dirty="0">
+                <a:solidFill>
+                  <a:schemeClr val="tx1">
+                    <a:lumMod val="85000"/>
+                    <a:lumOff val="15000"/>
+                  </a:schemeClr>
+                </a:solidFill>
+                <a:latin typeface="Noto Sans JP" panose="020B0200000000000000" pitchFamily="50" charset="-128"/>
+                <a:ea typeface="Noto Sans JP" panose="020B0200000000000000" pitchFamily="50" charset="-128"/>
+              </a:rPr>
+              <a:t>などです。</a:t>
+            </a:r>
+            <a:endParaRPr kumimoji="1" lang="en-US" altLang="ja-JP" sz="900" dirty="0">
+              <a:solidFill>
+                <a:schemeClr val="tx1">
+                  <a:lumMod val="85000"/>
+                  <a:lumOff val="15000"/>
+                </a:schemeClr>
+              </a:solidFill>
+              <a:latin typeface="Noto Sans JP" panose="020B0200000000000000" pitchFamily="50" charset="-128"/>
+              <a:ea typeface="Noto Sans JP" panose="020B0200000000000000" pitchFamily="50" charset="-128"/>
+            </a:endParaRPr>
+          </a:p>
+          <a:p>
+            <a:pPr>
+              <a:lnSpc>
+                <a:spcPts val="1200"/>
+              </a:lnSpc>
+            </a:pPr>
+            <a:r>
+              <a:rPr kumimoji="1" lang="ja-JP" altLang="en-US" sz="900" dirty="0">
+                <a:solidFill>
+                  <a:schemeClr val="tx1">
+                    <a:lumMod val="85000"/>
+                    <a:lumOff val="15000"/>
+                  </a:schemeClr>
+                </a:solidFill>
+                <a:latin typeface="Noto Sans JP" panose="020B0200000000000000" pitchFamily="50" charset="-128"/>
+                <a:ea typeface="Noto Sans JP" panose="020B0200000000000000" pitchFamily="50" charset="-128"/>
+              </a:rPr>
+              <a:t>　また、現ルールではプッシングを利用したゴール前での</a:t>
+            </a:r>
+            <a:endParaRPr kumimoji="1" lang="en-US" altLang="ja-JP" sz="900" dirty="0">
+              <a:solidFill>
+                <a:schemeClr val="tx1">
+                  <a:lumMod val="85000"/>
+                  <a:lumOff val="15000"/>
+                </a:schemeClr>
+              </a:solidFill>
+              <a:latin typeface="Noto Sans JP" panose="020B0200000000000000" pitchFamily="50" charset="-128"/>
+              <a:ea typeface="Noto Sans JP" panose="020B0200000000000000" pitchFamily="50" charset="-128"/>
+            </a:endParaRPr>
+          </a:p>
+          <a:p>
+            <a:pPr>
+              <a:lnSpc>
+                <a:spcPts val="1200"/>
+              </a:lnSpc>
+            </a:pPr>
+            <a:r>
+              <a:rPr kumimoji="1" lang="ja-JP" altLang="en-US" sz="900" dirty="0">
+                <a:solidFill>
+                  <a:schemeClr val="tx1">
+                    <a:lumMod val="85000"/>
+                    <a:lumOff val="15000"/>
+                  </a:schemeClr>
+                </a:solidFill>
+                <a:latin typeface="Noto Sans JP" panose="020B0200000000000000" pitchFamily="50" charset="-128"/>
+                <a:ea typeface="Noto Sans JP" panose="020B0200000000000000" pitchFamily="50" charset="-128"/>
+              </a:rPr>
+              <a:t>キーパーがとても強いため、</a:t>
+            </a:r>
+            <a:r>
+              <a:rPr kumimoji="1" lang="ja-JP" altLang="en-US" sz="900" b="1" dirty="0">
+                <a:solidFill>
+                  <a:schemeClr val="tx1">
+                    <a:lumMod val="85000"/>
+                    <a:lumOff val="15000"/>
+                  </a:schemeClr>
+                </a:solidFill>
+                <a:latin typeface="Noto Sans JP" panose="020B0200000000000000" pitchFamily="50" charset="-128"/>
+                <a:ea typeface="Noto Sans JP" panose="020B0200000000000000" pitchFamily="50" charset="-128"/>
+              </a:rPr>
+              <a:t>どのような守備の方法が良いのか、</a:t>
+            </a:r>
+            <a:r>
+              <a:rPr kumimoji="1" lang="en-US" altLang="ja-JP" sz="900" b="1" dirty="0">
+                <a:solidFill>
+                  <a:schemeClr val="tx1">
+                    <a:lumMod val="85000"/>
+                    <a:lumOff val="15000"/>
+                  </a:schemeClr>
+                </a:solidFill>
+                <a:latin typeface="Noto Sans JP" panose="020B0200000000000000" pitchFamily="50" charset="-128"/>
+                <a:ea typeface="Noto Sans JP" panose="020B0200000000000000" pitchFamily="50" charset="-128"/>
+              </a:rPr>
+              <a:t>2</a:t>
+            </a:r>
+            <a:r>
+              <a:rPr kumimoji="1" lang="ja-JP" altLang="en-US" sz="900" b="1" dirty="0">
+                <a:solidFill>
+                  <a:schemeClr val="tx1">
+                    <a:lumMod val="85000"/>
+                    <a:lumOff val="15000"/>
+                  </a:schemeClr>
+                </a:solidFill>
+                <a:latin typeface="Noto Sans JP" panose="020B0200000000000000" pitchFamily="50" charset="-128"/>
+                <a:ea typeface="Noto Sans JP" panose="020B0200000000000000" pitchFamily="50" charset="-128"/>
+              </a:rPr>
+              <a:t>種類の方法で研究を行いました</a:t>
+            </a:r>
+            <a:r>
+              <a:rPr kumimoji="1" lang="ja-JP" altLang="en-US" sz="900" dirty="0">
+                <a:solidFill>
+                  <a:schemeClr val="tx1">
+                    <a:lumMod val="85000"/>
+                    <a:lumOff val="15000"/>
+                  </a:schemeClr>
+                </a:solidFill>
+                <a:latin typeface="Noto Sans JP" panose="020B0200000000000000" pitchFamily="50" charset="-128"/>
+                <a:ea typeface="Noto Sans JP" panose="020B0200000000000000" pitchFamily="50" charset="-128"/>
+              </a:rPr>
+              <a:t>。</a:t>
+            </a:r>
+            <a:endParaRPr kumimoji="1" lang="en-US" altLang="ja-JP" sz="900" dirty="0">
+              <a:solidFill>
+                <a:schemeClr val="tx1">
+                  <a:lumMod val="85000"/>
+                  <a:lumOff val="15000"/>
+                </a:schemeClr>
+              </a:solidFill>
+              <a:latin typeface="Noto Sans JP" panose="020B0200000000000000" pitchFamily="50" charset="-128"/>
+              <a:ea typeface="Noto Sans JP" panose="020B0200000000000000" pitchFamily="50" charset="-128"/>
+            </a:endParaRPr>
+          </a:p>
+        </p:txBody>
+      </p:sp>
+      <p:sp>
+        <p:nvSpPr>
+          <p:cNvPr id="6" name="テキスト ボックス 5">
+            <a:extLst>
+              <a:ext uri="{FF2B5EF4-FFF2-40B4-BE49-F238E27FC236}">
+                <a16:creationId xmlns:a16="http://schemas.microsoft.com/office/drawing/2014/main" id="{15F7C95B-B7CB-BF73-A0BD-0F8E520B61E4}"/>
+              </a:ext>
+            </a:extLst>
+          </p:cNvPr>
+          <p:cNvSpPr txBox="1"/>
+          <p:nvPr/>
+        </p:nvSpPr>
+        <p:spPr>
+          <a:xfrm>
+            <a:off x="3552795" y="1378762"/>
+            <a:ext cx="3548093" cy="696922"/>
+          </a:xfrm>
+          <a:prstGeom prst="rect">
+            <a:avLst/>
+          </a:prstGeom>
+          <a:noFill/>
+        </p:spPr>
+        <p:txBody>
+          <a:bodyPr wrap="square" numCol="1" rtlCol="0">
+            <a:spAutoFit/>
+          </a:bodyPr>
+          <a:lstStyle/>
+          <a:p>
+            <a:pPr>
+              <a:lnSpc>
+                <a:spcPts val="1200"/>
+              </a:lnSpc>
+            </a:pPr>
+            <a:r>
+              <a:rPr kumimoji="1" lang="ja-JP" altLang="en-US" sz="900" dirty="0">
+                <a:solidFill>
+                  <a:schemeClr val="tx1">
+                    <a:lumMod val="85000"/>
+                    <a:lumOff val="15000"/>
+                  </a:schemeClr>
+                </a:solidFill>
+                <a:latin typeface="Noto Sans JP" panose="020B0200000000000000" pitchFamily="50" charset="-128"/>
+                <a:ea typeface="Noto Sans JP" panose="020B0200000000000000" pitchFamily="50" charset="-128"/>
+              </a:rPr>
+              <a:t>　さらに、開発するツールにもこだわっています。</a:t>
+            </a:r>
+            <a:r>
+              <a:rPr kumimoji="1" lang="en-US" altLang="ja-JP" sz="900" dirty="0">
+                <a:solidFill>
+                  <a:schemeClr val="tx1">
+                    <a:lumMod val="85000"/>
+                    <a:lumOff val="15000"/>
+                  </a:schemeClr>
+                </a:solidFill>
+                <a:latin typeface="Noto Sans JP" panose="020B0200000000000000" pitchFamily="50" charset="-128"/>
+                <a:ea typeface="Noto Sans JP" panose="020B0200000000000000" pitchFamily="50" charset="-128"/>
+              </a:rPr>
+              <a:t> GitHub</a:t>
+            </a:r>
+            <a:r>
+              <a:rPr kumimoji="1" lang="ja-JP" altLang="en-US" sz="900" dirty="0">
+                <a:solidFill>
+                  <a:schemeClr val="tx1">
+                    <a:lumMod val="85000"/>
+                    <a:lumOff val="15000"/>
+                  </a:schemeClr>
+                </a:solidFill>
+                <a:latin typeface="Noto Sans JP" panose="020B0200000000000000" pitchFamily="50" charset="-128"/>
+                <a:ea typeface="Noto Sans JP" panose="020B0200000000000000" pitchFamily="50" charset="-128"/>
+              </a:rPr>
+              <a:t>を用いてチーム内で</a:t>
+            </a:r>
+            <a:r>
+              <a:rPr kumimoji="1" lang="ja-JP" altLang="en-US" sz="900" b="1" dirty="0">
+                <a:solidFill>
+                  <a:schemeClr val="tx1">
+                    <a:lumMod val="85000"/>
+                    <a:lumOff val="15000"/>
+                  </a:schemeClr>
+                </a:solidFill>
+                <a:latin typeface="Noto Sans JP" panose="020B0200000000000000" pitchFamily="50" charset="-128"/>
+                <a:ea typeface="Noto Sans JP" panose="020B0200000000000000" pitchFamily="50" charset="-128"/>
+              </a:rPr>
+              <a:t>最新の情報を共有</a:t>
+            </a:r>
+            <a:r>
+              <a:rPr kumimoji="1" lang="ja-JP" altLang="en-US" sz="900" dirty="0">
+                <a:solidFill>
+                  <a:schemeClr val="tx1">
+                    <a:lumMod val="85000"/>
+                    <a:lumOff val="15000"/>
+                  </a:schemeClr>
+                </a:solidFill>
+                <a:latin typeface="Noto Sans JP" panose="020B0200000000000000" pitchFamily="50" charset="-128"/>
+                <a:ea typeface="Noto Sans JP" panose="020B0200000000000000" pitchFamily="50" charset="-128"/>
+              </a:rPr>
+              <a:t>するほか、</a:t>
+            </a:r>
+            <a:r>
+              <a:rPr kumimoji="1" lang="en-US" altLang="ja-JP" sz="900" dirty="0">
+                <a:solidFill>
+                  <a:schemeClr val="tx1">
+                    <a:lumMod val="85000"/>
+                    <a:lumOff val="15000"/>
+                  </a:schemeClr>
+                </a:solidFill>
+                <a:latin typeface="Noto Sans JP" panose="020B0200000000000000" pitchFamily="50" charset="-128"/>
+                <a:ea typeface="Noto Sans JP" panose="020B0200000000000000" pitchFamily="50" charset="-128"/>
+              </a:rPr>
+              <a:t>Twitter</a:t>
+            </a:r>
+            <a:r>
+              <a:rPr kumimoji="1" lang="ja-JP" altLang="en-US" sz="900" dirty="0">
+                <a:solidFill>
+                  <a:schemeClr val="tx1">
+                    <a:lumMod val="85000"/>
+                    <a:lumOff val="15000"/>
+                  </a:schemeClr>
+                </a:solidFill>
+                <a:latin typeface="Noto Sans JP" panose="020B0200000000000000" pitchFamily="50" charset="-128"/>
+                <a:ea typeface="Noto Sans JP" panose="020B0200000000000000" pitchFamily="50" charset="-128"/>
+              </a:rPr>
+              <a:t>などを用いて</a:t>
+            </a:r>
+            <a:r>
+              <a:rPr kumimoji="1" lang="ja-JP" altLang="en-US" sz="900" b="1" dirty="0">
+                <a:solidFill>
+                  <a:schemeClr val="tx1">
+                    <a:lumMod val="85000"/>
+                    <a:lumOff val="15000"/>
+                  </a:schemeClr>
+                </a:solidFill>
+                <a:latin typeface="Noto Sans JP" panose="020B0200000000000000" pitchFamily="50" charset="-128"/>
+                <a:ea typeface="Noto Sans JP" panose="020B0200000000000000" pitchFamily="50" charset="-128"/>
+              </a:rPr>
+              <a:t>過去の私たちのデータを公開しています</a:t>
+            </a:r>
+            <a:r>
+              <a:rPr kumimoji="1" lang="ja-JP" altLang="en-US" sz="900" dirty="0">
+                <a:solidFill>
+                  <a:schemeClr val="tx1">
+                    <a:lumMod val="85000"/>
+                    <a:lumOff val="15000"/>
+                  </a:schemeClr>
+                </a:solidFill>
+                <a:latin typeface="Noto Sans JP" panose="020B0200000000000000" pitchFamily="50" charset="-128"/>
+                <a:ea typeface="Noto Sans JP" panose="020B0200000000000000" pitchFamily="50" charset="-128"/>
+              </a:rPr>
+              <a:t>。また、</a:t>
+            </a:r>
+            <a:r>
+              <a:rPr kumimoji="1" lang="en-US" altLang="ja-JP" sz="900" dirty="0">
+                <a:solidFill>
+                  <a:schemeClr val="tx1">
+                    <a:lumMod val="85000"/>
+                    <a:lumOff val="15000"/>
+                  </a:schemeClr>
+                </a:solidFill>
+                <a:latin typeface="Noto Sans JP" panose="020B0200000000000000" pitchFamily="50" charset="-128"/>
+                <a:ea typeface="Noto Sans JP" panose="020B0200000000000000" pitchFamily="50" charset="-128"/>
+              </a:rPr>
+              <a:t>Visual Studio Code</a:t>
+            </a:r>
+            <a:r>
+              <a:rPr kumimoji="1" lang="ja-JP" altLang="en-US" sz="900" dirty="0">
+                <a:solidFill>
+                  <a:schemeClr val="tx1">
+                    <a:lumMod val="85000"/>
+                    <a:lumOff val="15000"/>
+                  </a:schemeClr>
+                </a:solidFill>
+                <a:latin typeface="Noto Sans JP" panose="020B0200000000000000" pitchFamily="50" charset="-128"/>
+                <a:ea typeface="Noto Sans JP" panose="020B0200000000000000" pitchFamily="50" charset="-128"/>
+              </a:rPr>
+              <a:t>などの統合開発環境を用いて</a:t>
+            </a:r>
+            <a:r>
+              <a:rPr kumimoji="1" lang="ja-JP" altLang="en-US" sz="900" b="1" dirty="0">
+                <a:solidFill>
+                  <a:schemeClr val="tx1">
+                    <a:lumMod val="85000"/>
+                    <a:lumOff val="15000"/>
+                  </a:schemeClr>
+                </a:solidFill>
+                <a:latin typeface="Noto Sans JP" panose="020B0200000000000000" pitchFamily="50" charset="-128"/>
+                <a:ea typeface="Noto Sans JP" panose="020B0200000000000000" pitchFamily="50" charset="-128"/>
+              </a:rPr>
+              <a:t>効率的に</a:t>
+            </a:r>
+            <a:r>
+              <a:rPr kumimoji="1" lang="ja-JP" altLang="en-US" sz="900" dirty="0">
+                <a:solidFill>
+                  <a:schemeClr val="tx1">
+                    <a:lumMod val="85000"/>
+                    <a:lumOff val="15000"/>
+                  </a:schemeClr>
+                </a:solidFill>
+                <a:latin typeface="Noto Sans JP" panose="020B0200000000000000" pitchFamily="50" charset="-128"/>
+                <a:ea typeface="Noto Sans JP" panose="020B0200000000000000" pitchFamily="50" charset="-128"/>
+              </a:rPr>
+              <a:t>開発を行っています。</a:t>
+            </a:r>
+            <a:endParaRPr kumimoji="1" lang="en-US" altLang="ja-JP" sz="900" dirty="0">
+              <a:solidFill>
+                <a:schemeClr val="tx1">
+                  <a:lumMod val="85000"/>
+                  <a:lumOff val="15000"/>
+                </a:schemeClr>
+              </a:solidFill>
+              <a:latin typeface="Noto Sans JP" panose="020B0200000000000000" pitchFamily="50" charset="-128"/>
+              <a:ea typeface="Noto Sans JP" panose="020B0200000000000000" pitchFamily="50" charset="-128"/>
+            </a:endParaRPr>
+          </a:p>
+        </p:txBody>
+      </p:sp>
+      <p:pic>
+        <p:nvPicPr>
+          <p:cNvPr id="19" name="Picture 2" descr="GitHub - sipeed/MaixPy: Easily create AI projects with Python on edge device">
+            <a:extLst>
+              <a:ext uri="{FF2B5EF4-FFF2-40B4-BE49-F238E27FC236}">
+                <a16:creationId xmlns:a16="http://schemas.microsoft.com/office/drawing/2014/main" id="{3261F5F9-039B-3051-3DFF-D1ADA4C8454D}"/>
+              </a:ext>
+            </a:extLst>
+          </p:cNvPr>
+          <p:cNvPicPr>
+            <a:picLocks noChangeAspect="1" noChangeArrowheads="1"/>
+          </p:cNvPicPr>
+          <p:nvPr/>
+        </p:nvPicPr>
+        <p:blipFill>
+          <a:blip r:embed="rId5">
+            <a:extLst>
+              <a:ext uri="{28A0092B-C50C-407E-A947-70E740481C1C}">
+                <a14:useLocalDpi xmlns:a14="http://schemas.microsoft.com/office/drawing/2010/main" val="0"/>
+              </a:ext>
+            </a:extLst>
+          </a:blip>
+          <a:srcRect/>
+          <a:stretch>
+            <a:fillRect/>
+          </a:stretch>
+        </p:blipFill>
+        <p:spPr bwMode="auto">
+          <a:xfrm>
+            <a:off x="5832474" y="2165663"/>
+            <a:ext cx="425451" cy="425451"/>
+          </a:xfrm>
+          <a:prstGeom prst="rect">
+            <a:avLst/>
+          </a:prstGeom>
+          <a:noFill/>
+          <a:effectLst>
+            <a:outerShdw blurRad="50800" dist="38100" dir="2700000" algn="tl" rotWithShape="0">
+              <a:prstClr val="black">
+                <a:alpha val="40000"/>
+              </a:prstClr>
+            </a:outerShdw>
+          </a:effectLst>
+          <a:extLst>
+            <a:ext uri="{909E8E84-426E-40DD-AFC4-6F175D3DCCD1}">
+              <a14:hiddenFill xmlns:a14="http://schemas.microsoft.com/office/drawing/2010/main">
+                <a:solidFill>
+                  <a:srgbClr val="FFFFFF"/>
+                </a:solidFill>
+              </a14:hiddenFill>
+            </a:ext>
+          </a:extLst>
+        </p:spPr>
+      </p:pic>
+      <p:pic>
+        <p:nvPicPr>
+          <p:cNvPr id="1028" name="Picture 4" descr="Visual Studio Code Web版のプレビューが公開 | Qreat">
+            <a:extLst>
+              <a:ext uri="{FF2B5EF4-FFF2-40B4-BE49-F238E27FC236}">
+                <a16:creationId xmlns:a16="http://schemas.microsoft.com/office/drawing/2014/main" id="{763ECDCC-C2E7-D467-1B57-5E75DEFB1D60}"/>
+              </a:ext>
+            </a:extLst>
+          </p:cNvPr>
+          <p:cNvPicPr>
+            <a:picLocks noChangeAspect="1" noChangeArrowheads="1"/>
+          </p:cNvPicPr>
+          <p:nvPr/>
+        </p:nvPicPr>
+        <p:blipFill>
+          <a:blip r:embed="rId6">
+            <a:extLst>
+              <a:ext uri="{28A0092B-C50C-407E-A947-70E740481C1C}">
+                <a14:useLocalDpi xmlns:a14="http://schemas.microsoft.com/office/drawing/2010/main" val="0"/>
+              </a:ext>
+            </a:extLst>
+          </a:blip>
+          <a:srcRect/>
+          <a:stretch>
+            <a:fillRect/>
+          </a:stretch>
+        </p:blipFill>
+        <p:spPr bwMode="auto">
+          <a:xfrm>
+            <a:off x="5095664" y="2139023"/>
+            <a:ext cx="462353" cy="462353"/>
+          </a:xfrm>
+          <a:prstGeom prst="rect">
+            <a:avLst/>
+          </a:prstGeom>
+          <a:noFill/>
+          <a:effectLst>
+            <a:outerShdw blurRad="50800" dist="38100" dir="2700000" algn="tl" rotWithShape="0">
+              <a:prstClr val="black">
+                <a:alpha val="40000"/>
+              </a:prstClr>
+            </a:outerShdw>
+          </a:effectLst>
+          <a:extLst>
+            <a:ext uri="{909E8E84-426E-40DD-AFC4-6F175D3DCCD1}">
+              <a14:hiddenFill xmlns:a14="http://schemas.microsoft.com/office/drawing/2010/main">
+                <a:solidFill>
+                  <a:srgbClr val="FFFFFF"/>
+                </a:solidFill>
+              </a14:hiddenFill>
+            </a:ext>
+          </a:extLst>
+        </p:spPr>
+      </p:pic>
+      <p:pic>
+        <p:nvPicPr>
+          <p:cNvPr id="1034" name="Picture 10" descr="Fusion 360 CAM | Fusion 360の購入 Autodesk Japan公式法人販売パートナー">
+            <a:extLst>
+              <a:ext uri="{FF2B5EF4-FFF2-40B4-BE49-F238E27FC236}">
+                <a16:creationId xmlns:a16="http://schemas.microsoft.com/office/drawing/2014/main" id="{0C576870-E1AF-5C7B-AED9-E132D46FBF4E}"/>
+              </a:ext>
+            </a:extLst>
+          </p:cNvPr>
+          <p:cNvPicPr>
+            <a:picLocks noChangeAspect="1" noChangeArrowheads="1"/>
+          </p:cNvPicPr>
+          <p:nvPr/>
+        </p:nvPicPr>
+        <p:blipFill>
+          <a:blip r:embed="rId7">
+            <a:extLst>
+              <a:ext uri="{28A0092B-C50C-407E-A947-70E740481C1C}">
+                <a14:useLocalDpi xmlns:a14="http://schemas.microsoft.com/office/drawing/2010/main" val="0"/>
+              </a:ext>
+            </a:extLst>
+          </a:blip>
+          <a:srcRect/>
+          <a:stretch>
+            <a:fillRect/>
+          </a:stretch>
+        </p:blipFill>
+        <p:spPr bwMode="auto">
+          <a:xfrm>
+            <a:off x="3664288" y="2147555"/>
+            <a:ext cx="507688" cy="461665"/>
+          </a:xfrm>
+          <a:prstGeom prst="rect">
+            <a:avLst/>
+          </a:prstGeom>
+          <a:noFill/>
+          <a:effectLst>
+            <a:outerShdw blurRad="50800" dist="38100" dir="2700000" algn="tl" rotWithShape="0">
+              <a:prstClr val="black">
+                <a:alpha val="40000"/>
+              </a:prstClr>
+            </a:outerShdw>
+          </a:effectLst>
+          <a:extLst>
+            <a:ext uri="{909E8E84-426E-40DD-AFC4-6F175D3DCCD1}">
+              <a14:hiddenFill xmlns:a14="http://schemas.microsoft.com/office/drawing/2010/main">
+                <a:solidFill>
+                  <a:srgbClr val="FFFFFF"/>
+                </a:solidFill>
+              </a14:hiddenFill>
+            </a:ext>
+          </a:extLst>
+        </p:spPr>
+      </p:pic>
+      <p:pic>
+        <p:nvPicPr>
+          <p:cNvPr id="1038" name="Picture 14" descr="The only platform that shows the full impact of GitHub Copilot">
+            <a:extLst>
+              <a:ext uri="{FF2B5EF4-FFF2-40B4-BE49-F238E27FC236}">
+                <a16:creationId xmlns:a16="http://schemas.microsoft.com/office/drawing/2014/main" id="{CE06C3EC-6EBF-7D45-83FE-283396BCB359}"/>
+              </a:ext>
+            </a:extLst>
+          </p:cNvPr>
+          <p:cNvPicPr>
+            <a:picLocks noChangeAspect="1" noChangeArrowheads="1"/>
+          </p:cNvPicPr>
+          <p:nvPr/>
+        </p:nvPicPr>
+        <p:blipFill>
+          <a:blip r:embed="rId8">
+            <a:extLst>
+              <a:ext uri="{28A0092B-C50C-407E-A947-70E740481C1C}">
+                <a14:useLocalDpi xmlns:a14="http://schemas.microsoft.com/office/drawing/2010/main" val="0"/>
+              </a:ext>
+            </a:extLst>
+          </a:blip>
+          <a:srcRect/>
+          <a:stretch>
+            <a:fillRect/>
+          </a:stretch>
+        </p:blipFill>
+        <p:spPr bwMode="auto">
+          <a:xfrm>
+            <a:off x="6452911" y="2151266"/>
+            <a:ext cx="443582" cy="443582"/>
+          </a:xfrm>
+          <a:prstGeom prst="rect">
+            <a:avLst/>
+          </a:prstGeom>
+          <a:noFill/>
+          <a:effectLst>
+            <a:outerShdw blurRad="50800" dist="38100" dir="2700000" algn="tl" rotWithShape="0">
+              <a:prstClr val="black">
+                <a:alpha val="40000"/>
+              </a:prstClr>
+            </a:outerShdw>
+          </a:effectLst>
+          <a:extLst>
+            <a:ext uri="{909E8E84-426E-40DD-AFC4-6F175D3DCCD1}">
+              <a14:hiddenFill xmlns:a14="http://schemas.microsoft.com/office/drawing/2010/main">
+                <a:solidFill>
+                  <a:srgbClr val="FFFFFF"/>
+                </a:solidFill>
+              </a14:hiddenFill>
+            </a:ext>
+          </a:extLst>
+        </p:spPr>
+      </p:pic>
+      <p:sp>
+        <p:nvSpPr>
+          <p:cNvPr id="31" name="テキスト ボックス 30">
+            <a:extLst>
+              <a:ext uri="{FF2B5EF4-FFF2-40B4-BE49-F238E27FC236}">
+                <a16:creationId xmlns:a16="http://schemas.microsoft.com/office/drawing/2014/main" id="{0E34460C-D10C-A827-9404-08F1F2BF3A58}"/>
+              </a:ext>
+            </a:extLst>
+          </p:cNvPr>
+          <p:cNvSpPr txBox="1"/>
+          <p:nvPr/>
+        </p:nvSpPr>
+        <p:spPr>
+          <a:xfrm>
+            <a:off x="3445810" y="2622385"/>
+            <a:ext cx="944643" cy="292388"/>
+          </a:xfrm>
+          <a:prstGeom prst="rect">
+            <a:avLst/>
+          </a:prstGeom>
+          <a:noFill/>
+        </p:spPr>
+        <p:txBody>
+          <a:bodyPr wrap="square" numCol="1" rtlCol="0">
+            <a:spAutoFit/>
+          </a:bodyPr>
+          <a:lstStyle/>
+          <a:p>
+            <a:pPr algn="ctr"/>
+            <a:r>
+              <a:rPr kumimoji="1" lang="en-US" altLang="ja-JP" sz="700" b="1" dirty="0">
+                <a:solidFill>
+                  <a:schemeClr val="tx1">
+                    <a:lumMod val="85000"/>
+                    <a:lumOff val="15000"/>
+                  </a:schemeClr>
+                </a:solidFill>
+                <a:latin typeface="Noto Sans JP" panose="020B0200000000000000" pitchFamily="50" charset="-128"/>
+                <a:ea typeface="Noto Sans JP" panose="020B0200000000000000" pitchFamily="50" charset="-128"/>
+              </a:rPr>
+              <a:t>Autodesk Fusion</a:t>
+            </a:r>
+          </a:p>
+          <a:p>
+            <a:pPr algn="ctr"/>
+            <a:r>
+              <a:rPr kumimoji="1" lang="ja-JP" altLang="en-US" sz="600" dirty="0">
+                <a:solidFill>
+                  <a:schemeClr val="tx1">
+                    <a:lumMod val="85000"/>
+                    <a:lumOff val="15000"/>
+                  </a:schemeClr>
+                </a:solidFill>
+                <a:latin typeface="Noto Sans JP" panose="020B0200000000000000" pitchFamily="50" charset="-128"/>
+                <a:ea typeface="Noto Sans JP" panose="020B0200000000000000" pitchFamily="50" charset="-128"/>
+              </a:rPr>
+              <a:t>ロボット設計</a:t>
+            </a:r>
+            <a:endParaRPr kumimoji="1" lang="en-US" altLang="ja-JP" sz="600" dirty="0">
+              <a:solidFill>
+                <a:schemeClr val="tx1">
+                  <a:lumMod val="85000"/>
+                  <a:lumOff val="15000"/>
+                </a:schemeClr>
+              </a:solidFill>
+              <a:latin typeface="Noto Sans JP" panose="020B0200000000000000" pitchFamily="50" charset="-128"/>
+              <a:ea typeface="Noto Sans JP" panose="020B0200000000000000" pitchFamily="50" charset="-128"/>
+            </a:endParaRPr>
+          </a:p>
+        </p:txBody>
+      </p:sp>
+      <p:sp>
+        <p:nvSpPr>
+          <p:cNvPr id="32" name="テキスト ボックス 31">
+            <a:extLst>
+              <a:ext uri="{FF2B5EF4-FFF2-40B4-BE49-F238E27FC236}">
+                <a16:creationId xmlns:a16="http://schemas.microsoft.com/office/drawing/2014/main" id="{97A79846-22C7-83FA-7737-ABC2200CE3AE}"/>
+              </a:ext>
+            </a:extLst>
+          </p:cNvPr>
+          <p:cNvSpPr txBox="1"/>
+          <p:nvPr/>
+        </p:nvSpPr>
+        <p:spPr>
+          <a:xfrm>
+            <a:off x="4290367" y="2622385"/>
+            <a:ext cx="595731" cy="292388"/>
+          </a:xfrm>
+          <a:prstGeom prst="rect">
+            <a:avLst/>
+          </a:prstGeom>
+          <a:noFill/>
+        </p:spPr>
+        <p:txBody>
+          <a:bodyPr wrap="square" numCol="1" rtlCol="0">
+            <a:spAutoFit/>
+          </a:bodyPr>
+          <a:lstStyle/>
+          <a:p>
+            <a:pPr algn="ctr"/>
+            <a:r>
+              <a:rPr kumimoji="1" lang="en-US" altLang="ja-JP" sz="700" b="1" dirty="0">
+                <a:solidFill>
+                  <a:schemeClr val="tx1">
+                    <a:lumMod val="85000"/>
+                    <a:lumOff val="15000"/>
+                  </a:schemeClr>
+                </a:solidFill>
+                <a:latin typeface="Noto Sans JP" panose="020B0200000000000000" pitchFamily="50" charset="-128"/>
+                <a:ea typeface="Noto Sans JP" panose="020B0200000000000000" pitchFamily="50" charset="-128"/>
+              </a:rPr>
+              <a:t>KiCad</a:t>
+            </a:r>
+          </a:p>
+          <a:p>
+            <a:pPr algn="ctr"/>
+            <a:r>
+              <a:rPr kumimoji="1" lang="ja-JP" altLang="en-US" sz="600" dirty="0">
+                <a:solidFill>
+                  <a:schemeClr val="tx1">
+                    <a:lumMod val="85000"/>
+                    <a:lumOff val="15000"/>
+                  </a:schemeClr>
+                </a:solidFill>
+                <a:latin typeface="Noto Sans JP" panose="020B0200000000000000" pitchFamily="50" charset="-128"/>
+                <a:ea typeface="Noto Sans JP" panose="020B0200000000000000" pitchFamily="50" charset="-128"/>
+              </a:rPr>
+              <a:t>回路設計</a:t>
+            </a:r>
+            <a:endParaRPr kumimoji="1" lang="en-US" altLang="ja-JP" sz="600" dirty="0">
+              <a:solidFill>
+                <a:schemeClr val="tx1">
+                  <a:lumMod val="85000"/>
+                  <a:lumOff val="15000"/>
+                </a:schemeClr>
+              </a:solidFill>
+              <a:latin typeface="Noto Sans JP" panose="020B0200000000000000" pitchFamily="50" charset="-128"/>
+              <a:ea typeface="Noto Sans JP" panose="020B0200000000000000" pitchFamily="50" charset="-128"/>
+            </a:endParaRPr>
+          </a:p>
+        </p:txBody>
+      </p:sp>
+      <p:sp>
+        <p:nvSpPr>
+          <p:cNvPr id="33" name="テキスト ボックス 32">
+            <a:extLst>
+              <a:ext uri="{FF2B5EF4-FFF2-40B4-BE49-F238E27FC236}">
+                <a16:creationId xmlns:a16="http://schemas.microsoft.com/office/drawing/2014/main" id="{53C40AAD-7B5C-21BE-C7CE-621067DA5C0F}"/>
+              </a:ext>
+            </a:extLst>
+          </p:cNvPr>
+          <p:cNvSpPr txBox="1"/>
+          <p:nvPr/>
+        </p:nvSpPr>
+        <p:spPr>
+          <a:xfrm>
+            <a:off x="4636361" y="2640488"/>
+            <a:ext cx="1373922" cy="276999"/>
+          </a:xfrm>
+          <a:prstGeom prst="rect">
+            <a:avLst/>
+          </a:prstGeom>
+          <a:noFill/>
+        </p:spPr>
+        <p:txBody>
+          <a:bodyPr wrap="square" numCol="1" rtlCol="0">
+            <a:spAutoFit/>
+          </a:bodyPr>
+          <a:lstStyle/>
+          <a:p>
+            <a:pPr algn="ctr"/>
+            <a:r>
+              <a:rPr kumimoji="1" lang="en-US" altLang="ja-JP" sz="600" b="1" dirty="0">
+                <a:solidFill>
+                  <a:schemeClr val="tx1">
+                    <a:lumMod val="85000"/>
+                    <a:lumOff val="15000"/>
+                  </a:schemeClr>
+                </a:solidFill>
+                <a:latin typeface="Noto Sans JP" panose="020B0200000000000000" pitchFamily="50" charset="-128"/>
+                <a:ea typeface="Noto Sans JP" panose="020B0200000000000000" pitchFamily="50" charset="-128"/>
+              </a:rPr>
+              <a:t>Visual Studio Code</a:t>
+            </a:r>
+          </a:p>
+          <a:p>
+            <a:pPr algn="ctr"/>
+            <a:r>
+              <a:rPr kumimoji="1" lang="ja-JP" altLang="en-US" sz="600" dirty="0">
+                <a:solidFill>
+                  <a:schemeClr val="tx1">
+                    <a:lumMod val="85000"/>
+                    <a:lumOff val="15000"/>
+                  </a:schemeClr>
+                </a:solidFill>
+                <a:latin typeface="Noto Sans JP" panose="020B0200000000000000" pitchFamily="50" charset="-128"/>
+                <a:ea typeface="Noto Sans JP" panose="020B0200000000000000" pitchFamily="50" charset="-128"/>
+              </a:rPr>
+              <a:t>プログラムの作成</a:t>
+            </a:r>
+            <a:endParaRPr kumimoji="1" lang="en-US" altLang="ja-JP" sz="600" dirty="0">
+              <a:solidFill>
+                <a:schemeClr val="tx1">
+                  <a:lumMod val="85000"/>
+                  <a:lumOff val="15000"/>
+                </a:schemeClr>
+              </a:solidFill>
+              <a:latin typeface="Noto Sans JP" panose="020B0200000000000000" pitchFamily="50" charset="-128"/>
+              <a:ea typeface="Noto Sans JP" panose="020B0200000000000000" pitchFamily="50" charset="-128"/>
+            </a:endParaRPr>
+          </a:p>
+        </p:txBody>
+      </p:sp>
+      <p:sp>
+        <p:nvSpPr>
+          <p:cNvPr id="35" name="テキスト ボックス 34">
+            <a:extLst>
+              <a:ext uri="{FF2B5EF4-FFF2-40B4-BE49-F238E27FC236}">
+                <a16:creationId xmlns:a16="http://schemas.microsoft.com/office/drawing/2014/main" id="{013EC4B4-658C-C656-A5A6-2C9A4F522117}"/>
+              </a:ext>
+            </a:extLst>
+          </p:cNvPr>
+          <p:cNvSpPr txBox="1"/>
+          <p:nvPr/>
+        </p:nvSpPr>
+        <p:spPr>
+          <a:xfrm>
+            <a:off x="5511178" y="2622385"/>
+            <a:ext cx="1056273" cy="384721"/>
+          </a:xfrm>
+          <a:prstGeom prst="rect">
+            <a:avLst/>
+          </a:prstGeom>
+          <a:noFill/>
+        </p:spPr>
+        <p:txBody>
+          <a:bodyPr wrap="square" numCol="1" rtlCol="0">
+            <a:spAutoFit/>
+          </a:bodyPr>
+          <a:lstStyle/>
+          <a:p>
+            <a:pPr algn="ctr"/>
+            <a:r>
+              <a:rPr kumimoji="1" lang="en-US" altLang="ja-JP" sz="700" b="1" dirty="0">
+                <a:solidFill>
+                  <a:schemeClr val="tx1">
+                    <a:lumMod val="85000"/>
+                    <a:lumOff val="15000"/>
+                  </a:schemeClr>
+                </a:solidFill>
+                <a:latin typeface="Noto Sans JP" panose="020B0200000000000000" pitchFamily="50" charset="-128"/>
+                <a:ea typeface="Noto Sans JP" panose="020B0200000000000000" pitchFamily="50" charset="-128"/>
+              </a:rPr>
+              <a:t>MaixPy IDE</a:t>
+            </a:r>
+          </a:p>
+          <a:p>
+            <a:pPr algn="ctr"/>
+            <a:r>
+              <a:rPr kumimoji="1" lang="ja-JP" altLang="en-US" sz="600" dirty="0">
+                <a:solidFill>
+                  <a:schemeClr val="tx1">
+                    <a:lumMod val="85000"/>
+                    <a:lumOff val="15000"/>
+                  </a:schemeClr>
+                </a:solidFill>
+                <a:latin typeface="Noto Sans JP" panose="020B0200000000000000" pitchFamily="50" charset="-128"/>
+                <a:ea typeface="Noto Sans JP" panose="020B0200000000000000" pitchFamily="50" charset="-128"/>
+              </a:rPr>
+              <a:t>カメラプログラム</a:t>
+            </a:r>
+            <a:endParaRPr kumimoji="1" lang="en-US" altLang="ja-JP" sz="600" dirty="0">
+              <a:solidFill>
+                <a:schemeClr val="tx1">
+                  <a:lumMod val="85000"/>
+                  <a:lumOff val="15000"/>
+                </a:schemeClr>
+              </a:solidFill>
+              <a:latin typeface="Noto Sans JP" panose="020B0200000000000000" pitchFamily="50" charset="-128"/>
+              <a:ea typeface="Noto Sans JP" panose="020B0200000000000000" pitchFamily="50" charset="-128"/>
+            </a:endParaRPr>
+          </a:p>
+          <a:p>
+            <a:pPr algn="ctr"/>
+            <a:r>
+              <a:rPr kumimoji="1" lang="ja-JP" altLang="en-US" sz="600" dirty="0">
+                <a:solidFill>
+                  <a:schemeClr val="tx1">
+                    <a:lumMod val="85000"/>
+                    <a:lumOff val="15000"/>
+                  </a:schemeClr>
+                </a:solidFill>
+                <a:latin typeface="Noto Sans JP" panose="020B0200000000000000" pitchFamily="50" charset="-128"/>
+                <a:ea typeface="Noto Sans JP" panose="020B0200000000000000" pitchFamily="50" charset="-128"/>
+              </a:rPr>
+              <a:t>作成</a:t>
+            </a:r>
+            <a:endParaRPr kumimoji="1" lang="en-US" altLang="ja-JP" sz="600" dirty="0">
+              <a:solidFill>
+                <a:schemeClr val="tx1">
+                  <a:lumMod val="85000"/>
+                  <a:lumOff val="15000"/>
+                </a:schemeClr>
+              </a:solidFill>
+              <a:latin typeface="Noto Sans JP" panose="020B0200000000000000" pitchFamily="50" charset="-128"/>
+              <a:ea typeface="Noto Sans JP" panose="020B0200000000000000" pitchFamily="50" charset="-128"/>
+            </a:endParaRPr>
+          </a:p>
+        </p:txBody>
+      </p:sp>
+      <p:sp>
+        <p:nvSpPr>
+          <p:cNvPr id="36" name="テキスト ボックス 35">
+            <a:extLst>
+              <a:ext uri="{FF2B5EF4-FFF2-40B4-BE49-F238E27FC236}">
+                <a16:creationId xmlns:a16="http://schemas.microsoft.com/office/drawing/2014/main" id="{27D2C488-1DC0-3C74-5977-696678E9254C}"/>
+              </a:ext>
+            </a:extLst>
+          </p:cNvPr>
+          <p:cNvSpPr txBox="1"/>
+          <p:nvPr/>
+        </p:nvSpPr>
+        <p:spPr>
+          <a:xfrm>
+            <a:off x="6146565" y="2622385"/>
+            <a:ext cx="1056273" cy="292388"/>
+          </a:xfrm>
+          <a:prstGeom prst="rect">
+            <a:avLst/>
+          </a:prstGeom>
+          <a:noFill/>
+        </p:spPr>
+        <p:txBody>
+          <a:bodyPr wrap="square" numCol="1" rtlCol="0">
+            <a:spAutoFit/>
+          </a:bodyPr>
+          <a:lstStyle/>
+          <a:p>
+            <a:pPr algn="ctr"/>
+            <a:r>
+              <a:rPr kumimoji="1" lang="en-US" altLang="ja-JP" sz="700" b="1" dirty="0">
+                <a:solidFill>
+                  <a:schemeClr val="tx1">
+                    <a:lumMod val="85000"/>
+                    <a:lumOff val="15000"/>
+                  </a:schemeClr>
+                </a:solidFill>
+                <a:latin typeface="Noto Sans JP" panose="020B0200000000000000" pitchFamily="50" charset="-128"/>
+                <a:ea typeface="Noto Sans JP" panose="020B0200000000000000" pitchFamily="50" charset="-128"/>
+              </a:rPr>
+              <a:t>GitHub</a:t>
+            </a:r>
+          </a:p>
+          <a:p>
+            <a:pPr algn="ctr"/>
+            <a:r>
+              <a:rPr kumimoji="1" lang="ja-JP" altLang="en-US" sz="600" dirty="0">
+                <a:solidFill>
+                  <a:schemeClr val="tx1">
+                    <a:lumMod val="85000"/>
+                    <a:lumOff val="15000"/>
+                  </a:schemeClr>
+                </a:solidFill>
+                <a:latin typeface="Noto Sans JP" panose="020B0200000000000000" pitchFamily="50" charset="-128"/>
+                <a:ea typeface="Noto Sans JP" panose="020B0200000000000000" pitchFamily="50" charset="-128"/>
+              </a:rPr>
+              <a:t>データ共有</a:t>
+            </a:r>
+            <a:endParaRPr kumimoji="1" lang="en-US" altLang="ja-JP" sz="600" dirty="0">
+              <a:solidFill>
+                <a:schemeClr val="tx1">
+                  <a:lumMod val="85000"/>
+                  <a:lumOff val="15000"/>
+                </a:schemeClr>
+              </a:solidFill>
+              <a:latin typeface="Noto Sans JP" panose="020B0200000000000000" pitchFamily="50" charset="-128"/>
+              <a:ea typeface="Noto Sans JP" panose="020B0200000000000000" pitchFamily="50" charset="-128"/>
+            </a:endParaRPr>
+          </a:p>
+        </p:txBody>
+      </p:sp>
+      <p:pic>
+        <p:nvPicPr>
+          <p:cNvPr id="38" name="図 37" descr="アイコン&#10;&#10;AI によって生成されたコンテンツは間違っている可能性があります。">
+            <a:extLst>
+              <a:ext uri="{FF2B5EF4-FFF2-40B4-BE49-F238E27FC236}">
+                <a16:creationId xmlns:a16="http://schemas.microsoft.com/office/drawing/2014/main" id="{10BAF784-575F-9B60-6878-07411F5F822F}"/>
+              </a:ext>
+            </a:extLst>
+          </p:cNvPr>
+          <p:cNvPicPr>
+            <a:picLocks noChangeAspect="1"/>
+          </p:cNvPicPr>
+          <p:nvPr/>
+        </p:nvPicPr>
+        <p:blipFill>
+          <a:blip r:embed="rId9">
+            <a:extLst>
+              <a:ext uri="{28A0092B-C50C-407E-A947-70E740481C1C}">
+                <a14:useLocalDpi xmlns:a14="http://schemas.microsoft.com/office/drawing/2010/main" val="0"/>
+              </a:ext>
+            </a:extLst>
+          </a:blip>
+          <a:stretch>
+            <a:fillRect/>
+          </a:stretch>
+        </p:blipFill>
+        <p:spPr>
+          <a:xfrm>
+            <a:off x="4286200" y="2079325"/>
+            <a:ext cx="601254" cy="601254"/>
+          </a:xfrm>
+          <a:prstGeom prst="rect">
+            <a:avLst/>
+          </a:prstGeom>
+          <a:effectLst>
+            <a:outerShdw blurRad="50800" dist="38100" dir="2700000" algn="tl" rotWithShape="0">
+              <a:prstClr val="black">
+                <a:alpha val="40000"/>
+              </a:prstClr>
+            </a:outerShdw>
+          </a:effectLst>
+        </p:spPr>
+      </p:pic>
+      <p:sp>
+        <p:nvSpPr>
+          <p:cNvPr id="45" name="テキスト ボックス 44">
+            <a:extLst>
+              <a:ext uri="{FF2B5EF4-FFF2-40B4-BE49-F238E27FC236}">
+                <a16:creationId xmlns:a16="http://schemas.microsoft.com/office/drawing/2014/main" id="{78FBF2DD-EAA0-B46C-059D-5C9F05C6CCC5}"/>
+              </a:ext>
+            </a:extLst>
+          </p:cNvPr>
+          <p:cNvSpPr txBox="1"/>
+          <p:nvPr/>
+        </p:nvSpPr>
+        <p:spPr>
+          <a:xfrm>
+            <a:off x="0" y="5470704"/>
+            <a:ext cx="1454490" cy="307777"/>
+          </a:xfrm>
+          <a:prstGeom prst="rect">
+            <a:avLst/>
+          </a:prstGeom>
+          <a:noFill/>
+        </p:spPr>
+        <p:txBody>
+          <a:bodyPr wrap="square" rtlCol="0">
+            <a:spAutoFit/>
+          </a:bodyPr>
+          <a:lstStyle/>
+          <a:p>
+            <a:r>
+              <a:rPr kumimoji="1" lang="ja-JP" altLang="en-US" sz="1400" b="1" dirty="0">
+                <a:solidFill>
+                  <a:srgbClr val="073849"/>
+                </a:solidFill>
+                <a:latin typeface="Noto Sans JP" panose="020B0200000000000000" pitchFamily="50" charset="-128"/>
+                <a:ea typeface="Noto Sans JP" panose="020B0200000000000000" pitchFamily="50" charset="-128"/>
+              </a:rPr>
+              <a:t>カメラユニット</a:t>
+            </a:r>
+            <a:endParaRPr kumimoji="1" lang="ja-JP" altLang="en-US" sz="1400" dirty="0">
+              <a:solidFill>
+                <a:schemeClr val="tx1">
+                  <a:lumMod val="85000"/>
+                  <a:lumOff val="15000"/>
+                </a:schemeClr>
+              </a:solidFill>
+              <a:latin typeface="Noto Sans JP" panose="020B0200000000000000" pitchFamily="50" charset="-128"/>
+              <a:ea typeface="Noto Sans JP" panose="020B0200000000000000" pitchFamily="50" charset="-128"/>
+            </a:endParaRPr>
+          </a:p>
+        </p:txBody>
+      </p:sp>
+      <p:sp>
+        <p:nvSpPr>
+          <p:cNvPr id="51" name="テキスト ボックス 50">
+            <a:extLst>
+              <a:ext uri="{FF2B5EF4-FFF2-40B4-BE49-F238E27FC236}">
+                <a16:creationId xmlns:a16="http://schemas.microsoft.com/office/drawing/2014/main" id="{4FB4CE38-CAB4-0490-30FB-17D40644A651}"/>
+              </a:ext>
+            </a:extLst>
+          </p:cNvPr>
+          <p:cNvSpPr txBox="1"/>
+          <p:nvPr/>
+        </p:nvSpPr>
+        <p:spPr>
+          <a:xfrm>
+            <a:off x="100804" y="5717922"/>
+            <a:ext cx="2164346" cy="230832"/>
+          </a:xfrm>
+          <a:prstGeom prst="rect">
+            <a:avLst/>
+          </a:prstGeom>
+          <a:noFill/>
+        </p:spPr>
+        <p:txBody>
+          <a:bodyPr wrap="square" rtlCol="0">
+            <a:spAutoFit/>
+          </a:bodyPr>
+          <a:lstStyle/>
+          <a:p>
+            <a:r>
+              <a:rPr kumimoji="1" lang="ja-JP" altLang="en-US" sz="800" dirty="0">
+                <a:solidFill>
+                  <a:schemeClr val="tx1">
+                    <a:lumMod val="85000"/>
+                    <a:lumOff val="15000"/>
+                  </a:schemeClr>
+                </a:solidFill>
+                <a:latin typeface="Noto Sans JP" panose="020B0200000000000000" pitchFamily="50" charset="-128"/>
+                <a:ea typeface="Noto Sans JP" panose="020B0200000000000000" pitchFamily="50" charset="-128"/>
+              </a:rPr>
+              <a:t>カメラ</a:t>
+            </a:r>
+            <a:r>
+              <a:rPr kumimoji="1" lang="en-US" altLang="ja-JP" sz="800" dirty="0">
+                <a:solidFill>
+                  <a:schemeClr val="tx1">
+                    <a:lumMod val="85000"/>
+                    <a:lumOff val="15000"/>
+                  </a:schemeClr>
+                </a:solidFill>
+                <a:latin typeface="Noto Sans JP" panose="020B0200000000000000" pitchFamily="50" charset="-128"/>
+                <a:ea typeface="Noto Sans JP" panose="020B0200000000000000" pitchFamily="50" charset="-128"/>
+              </a:rPr>
+              <a:t> : </a:t>
+            </a:r>
+            <a:r>
+              <a:rPr kumimoji="1" lang="en-US" altLang="ja-JP" sz="900" b="1" dirty="0">
+                <a:solidFill>
+                  <a:srgbClr val="073849"/>
+                </a:solidFill>
+                <a:latin typeface="Noto Sans JP" panose="020B0200000000000000" pitchFamily="50" charset="-128"/>
+                <a:ea typeface="Noto Sans JP" panose="020B0200000000000000" pitchFamily="50" charset="-128"/>
+              </a:rPr>
+              <a:t>UnitV Ai Camera </a:t>
+            </a:r>
+            <a:r>
+              <a:rPr kumimoji="1" lang="en-US" altLang="ja-JP" sz="800" dirty="0">
+                <a:solidFill>
+                  <a:schemeClr val="tx1">
+                    <a:lumMod val="85000"/>
+                    <a:lumOff val="15000"/>
+                  </a:schemeClr>
+                </a:solidFill>
+                <a:latin typeface="Noto Sans JP" panose="020B0200000000000000" pitchFamily="50" charset="-128"/>
+                <a:ea typeface="Noto Sans JP" panose="020B0200000000000000" pitchFamily="50" charset="-128"/>
+              </a:rPr>
+              <a:t>x6</a:t>
+            </a:r>
+            <a:endParaRPr kumimoji="1" lang="ja-JP" altLang="en-US" sz="900" dirty="0">
+              <a:solidFill>
+                <a:schemeClr val="tx1">
+                  <a:lumMod val="85000"/>
+                  <a:lumOff val="15000"/>
+                </a:schemeClr>
+              </a:solidFill>
+              <a:latin typeface="Noto Sans JP" panose="020B0200000000000000" pitchFamily="50" charset="-128"/>
+              <a:ea typeface="Noto Sans JP" panose="020B0200000000000000" pitchFamily="50" charset="-128"/>
+            </a:endParaRPr>
+          </a:p>
+        </p:txBody>
+      </p:sp>
+      <p:sp>
+        <p:nvSpPr>
+          <p:cNvPr id="52" name="テキスト ボックス 51">
+            <a:extLst>
+              <a:ext uri="{FF2B5EF4-FFF2-40B4-BE49-F238E27FC236}">
+                <a16:creationId xmlns:a16="http://schemas.microsoft.com/office/drawing/2014/main" id="{B9877667-81E4-41E5-1BF4-27830A635398}"/>
+              </a:ext>
+            </a:extLst>
+          </p:cNvPr>
+          <p:cNvSpPr txBox="1"/>
+          <p:nvPr/>
+        </p:nvSpPr>
+        <p:spPr>
+          <a:xfrm>
+            <a:off x="53974" y="5930781"/>
+            <a:ext cx="2551114" cy="854145"/>
+          </a:xfrm>
+          <a:prstGeom prst="rect">
+            <a:avLst/>
+          </a:prstGeom>
+          <a:noFill/>
+        </p:spPr>
+        <p:txBody>
+          <a:bodyPr wrap="square" rtlCol="0">
+            <a:spAutoFit/>
+          </a:bodyPr>
+          <a:lstStyle/>
+          <a:p>
+            <a:pPr>
+              <a:lnSpc>
+                <a:spcPts val="960"/>
+              </a:lnSpc>
+            </a:pPr>
+            <a:r>
+              <a:rPr kumimoji="1" lang="ja-JP" altLang="en-US" sz="800" dirty="0">
+                <a:solidFill>
+                  <a:schemeClr val="tx1">
+                    <a:lumMod val="85000"/>
+                    <a:lumOff val="15000"/>
+                  </a:schemeClr>
+                </a:solidFill>
+                <a:latin typeface="Noto Sans JP" panose="020B0200000000000000" pitchFamily="50" charset="-128"/>
+                <a:ea typeface="Noto Sans JP" panose="020B0200000000000000" pitchFamily="50" charset="-128"/>
+              </a:rPr>
+              <a:t>　ゴルフボールを色認識するために、</a:t>
+            </a:r>
+            <a:r>
+              <a:rPr kumimoji="1" lang="ja-JP" altLang="en-US" sz="800" b="1" dirty="0">
+                <a:solidFill>
+                  <a:srgbClr val="073849"/>
+                </a:solidFill>
+                <a:latin typeface="Noto Sans JP" panose="020B0200000000000000" pitchFamily="50" charset="-128"/>
+                <a:ea typeface="Noto Sans JP" panose="020B0200000000000000" pitchFamily="50" charset="-128"/>
+              </a:rPr>
+              <a:t>比較的低価格で入手性が高く、安定した使用感を得られ</a:t>
+            </a:r>
+            <a:r>
+              <a:rPr kumimoji="1" lang="ja-JP" altLang="en-US" sz="800" b="1" dirty="0">
+                <a:solidFill>
+                  <a:schemeClr val="tx1">
+                    <a:lumMod val="85000"/>
+                    <a:lumOff val="15000"/>
+                  </a:schemeClr>
+                </a:solidFill>
+                <a:latin typeface="Noto Sans JP" panose="020B0200000000000000" pitchFamily="50" charset="-128"/>
+                <a:ea typeface="Noto Sans JP" panose="020B0200000000000000" pitchFamily="50" charset="-128"/>
+              </a:rPr>
+              <a:t>る</a:t>
+            </a:r>
+            <a:r>
+              <a:rPr kumimoji="1" lang="en-US" altLang="ja-JP" sz="800" dirty="0">
+                <a:solidFill>
+                  <a:schemeClr val="tx1">
+                    <a:lumMod val="85000"/>
+                    <a:lumOff val="15000"/>
+                  </a:schemeClr>
+                </a:solidFill>
+                <a:latin typeface="Noto Sans JP" panose="020B0200000000000000" pitchFamily="50" charset="-128"/>
+                <a:ea typeface="Noto Sans JP" panose="020B0200000000000000" pitchFamily="50" charset="-128"/>
+              </a:rPr>
+              <a:t>UnitV</a:t>
+            </a:r>
+            <a:r>
+              <a:rPr kumimoji="1" lang="ja-JP" altLang="en-US" sz="800" dirty="0">
+                <a:solidFill>
+                  <a:schemeClr val="tx1">
+                    <a:lumMod val="85000"/>
+                    <a:lumOff val="15000"/>
+                  </a:schemeClr>
+                </a:solidFill>
+                <a:latin typeface="Noto Sans JP" panose="020B0200000000000000" pitchFamily="50" charset="-128"/>
+                <a:ea typeface="Noto Sans JP" panose="020B0200000000000000" pitchFamily="50" charset="-128"/>
+              </a:rPr>
+              <a:t>を採用しました。</a:t>
+            </a:r>
+            <a:r>
+              <a:rPr kumimoji="1" lang="en-US" altLang="ja-JP" sz="800" dirty="0">
+                <a:solidFill>
+                  <a:schemeClr val="tx1">
+                    <a:lumMod val="85000"/>
+                    <a:lumOff val="15000"/>
+                  </a:schemeClr>
+                </a:solidFill>
+                <a:latin typeface="Noto Sans JP" panose="020B0200000000000000" pitchFamily="50" charset="-128"/>
+                <a:ea typeface="Noto Sans JP" panose="020B0200000000000000" pitchFamily="50" charset="-128"/>
+              </a:rPr>
+              <a:t>6</a:t>
+            </a:r>
+            <a:r>
+              <a:rPr kumimoji="1" lang="ja-JP" altLang="en-US" sz="800" dirty="0">
+                <a:solidFill>
+                  <a:schemeClr val="tx1">
+                    <a:lumMod val="85000"/>
+                    <a:lumOff val="15000"/>
+                  </a:schemeClr>
+                </a:solidFill>
+                <a:latin typeface="Noto Sans JP" panose="020B0200000000000000" pitchFamily="50" charset="-128"/>
+                <a:ea typeface="Noto Sans JP" panose="020B0200000000000000" pitchFamily="50" charset="-128"/>
+              </a:rPr>
+              <a:t>個のカメラのデータを</a:t>
+            </a:r>
+            <a:r>
+              <a:rPr kumimoji="1" lang="en-US" altLang="ja-JP" sz="800" dirty="0">
+                <a:solidFill>
+                  <a:schemeClr val="tx1">
+                    <a:lumMod val="85000"/>
+                    <a:lumOff val="15000"/>
+                  </a:schemeClr>
+                </a:solidFill>
+                <a:latin typeface="Noto Sans JP" panose="020B0200000000000000" pitchFamily="50" charset="-128"/>
+                <a:ea typeface="Noto Sans JP" panose="020B0200000000000000" pitchFamily="50" charset="-128"/>
+              </a:rPr>
+              <a:t>Teensy 4.0</a:t>
+            </a:r>
+            <a:r>
+              <a:rPr kumimoji="1" lang="ja-JP" altLang="en-US" sz="800" dirty="0">
+                <a:solidFill>
+                  <a:schemeClr val="tx1">
+                    <a:lumMod val="85000"/>
+                    <a:lumOff val="15000"/>
+                  </a:schemeClr>
+                </a:solidFill>
+                <a:latin typeface="Noto Sans JP" panose="020B0200000000000000" pitchFamily="50" charset="-128"/>
+                <a:ea typeface="Noto Sans JP" panose="020B0200000000000000" pitchFamily="50" charset="-128"/>
+              </a:rPr>
+              <a:t>で取得し、ボールおよびゴールの角度・距離を計算してメイン基板に出力しています。</a:t>
+            </a:r>
+            <a:endParaRPr kumimoji="1" lang="en-US" altLang="ja-JP" sz="800" dirty="0">
+              <a:solidFill>
+                <a:schemeClr val="tx1">
+                  <a:lumMod val="85000"/>
+                  <a:lumOff val="15000"/>
+                </a:schemeClr>
+              </a:solidFill>
+              <a:latin typeface="Noto Sans JP" panose="020B0200000000000000" pitchFamily="50" charset="-128"/>
+              <a:ea typeface="Noto Sans JP" panose="020B0200000000000000" pitchFamily="50" charset="-128"/>
+            </a:endParaRPr>
+          </a:p>
+          <a:p>
+            <a:pPr>
+              <a:lnSpc>
+                <a:spcPts val="960"/>
+              </a:lnSpc>
+            </a:pPr>
+            <a:r>
+              <a:rPr kumimoji="1" lang="ja-JP" altLang="en-US" sz="800" dirty="0">
+                <a:solidFill>
+                  <a:schemeClr val="tx1">
+                    <a:lumMod val="85000"/>
+                    <a:lumOff val="15000"/>
+                  </a:schemeClr>
+                </a:solidFill>
+                <a:latin typeface="Noto Sans JP" panose="020B0200000000000000" pitchFamily="50" charset="-128"/>
+                <a:ea typeface="Noto Sans JP" panose="020B0200000000000000" pitchFamily="50" charset="-128"/>
+              </a:rPr>
+              <a:t>　</a:t>
+            </a:r>
+            <a:r>
+              <a:rPr kumimoji="1" lang="en-US" altLang="ja-JP" sz="800" dirty="0">
+                <a:solidFill>
+                  <a:schemeClr val="tx1">
+                    <a:lumMod val="85000"/>
+                    <a:lumOff val="15000"/>
+                  </a:schemeClr>
+                </a:solidFill>
+                <a:latin typeface="Noto Sans JP" panose="020B0200000000000000" pitchFamily="50" charset="-128"/>
+                <a:ea typeface="Noto Sans JP" panose="020B0200000000000000" pitchFamily="50" charset="-128"/>
+              </a:rPr>
+              <a:t>(</a:t>
+            </a:r>
+            <a:r>
+              <a:rPr kumimoji="1" lang="ja-JP" altLang="en-US" sz="800" dirty="0">
+                <a:solidFill>
+                  <a:schemeClr val="tx1">
+                    <a:lumMod val="85000"/>
+                    <a:lumOff val="15000"/>
+                  </a:schemeClr>
+                </a:solidFill>
+                <a:latin typeface="Noto Sans JP" panose="020B0200000000000000" pitchFamily="50" charset="-128"/>
+                <a:ea typeface="Noto Sans JP" panose="020B0200000000000000" pitchFamily="50" charset="-128"/>
+              </a:rPr>
+              <a:t>詳しい情報は「ロボットの特徴」を参照。</a:t>
+            </a:r>
+            <a:r>
+              <a:rPr kumimoji="1" lang="en-US" altLang="ja-JP" sz="800" dirty="0">
+                <a:solidFill>
+                  <a:schemeClr val="tx1">
+                    <a:lumMod val="85000"/>
+                    <a:lumOff val="15000"/>
+                  </a:schemeClr>
+                </a:solidFill>
+                <a:latin typeface="Noto Sans JP" panose="020B0200000000000000" pitchFamily="50" charset="-128"/>
+                <a:ea typeface="Noto Sans JP" panose="020B0200000000000000" pitchFamily="50" charset="-128"/>
+              </a:rPr>
+              <a:t>)</a:t>
+            </a:r>
+            <a:endParaRPr kumimoji="1" lang="ja-JP" altLang="en-US" sz="800" dirty="0">
+              <a:solidFill>
+                <a:schemeClr val="tx1">
+                  <a:lumMod val="85000"/>
+                  <a:lumOff val="15000"/>
+                </a:schemeClr>
+              </a:solidFill>
+              <a:latin typeface="Noto Sans JP" panose="020B0200000000000000" pitchFamily="50" charset="-128"/>
+              <a:ea typeface="Noto Sans JP" panose="020B0200000000000000" pitchFamily="50" charset="-128"/>
+            </a:endParaRPr>
+          </a:p>
+        </p:txBody>
+      </p:sp>
+      <p:sp>
+        <p:nvSpPr>
+          <p:cNvPr id="55" name="テキスト ボックス 54">
+            <a:extLst>
+              <a:ext uri="{FF2B5EF4-FFF2-40B4-BE49-F238E27FC236}">
+                <a16:creationId xmlns:a16="http://schemas.microsoft.com/office/drawing/2014/main" id="{4379F381-F44D-B3D7-B3F4-61FF2CF91086}"/>
+              </a:ext>
+            </a:extLst>
+          </p:cNvPr>
+          <p:cNvSpPr txBox="1"/>
+          <p:nvPr/>
+        </p:nvSpPr>
+        <p:spPr>
+          <a:xfrm>
+            <a:off x="50349" y="6801181"/>
+            <a:ext cx="1252084" cy="307777"/>
+          </a:xfrm>
+          <a:prstGeom prst="rect">
+            <a:avLst/>
+          </a:prstGeom>
+          <a:noFill/>
+        </p:spPr>
+        <p:txBody>
+          <a:bodyPr wrap="square" rtlCol="0">
+            <a:spAutoFit/>
+          </a:bodyPr>
+          <a:lstStyle/>
+          <a:p>
+            <a:r>
+              <a:rPr kumimoji="1" lang="ja-JP" altLang="en-US" sz="1400" b="1" dirty="0">
+                <a:solidFill>
+                  <a:srgbClr val="073849"/>
+                </a:solidFill>
+                <a:latin typeface="Noto Sans JP" panose="020B0200000000000000" pitchFamily="50" charset="-128"/>
+                <a:ea typeface="Noto Sans JP" panose="020B0200000000000000" pitchFamily="50" charset="-128"/>
+              </a:rPr>
+              <a:t>統合電源基板</a:t>
+            </a:r>
+            <a:endParaRPr kumimoji="1" lang="ja-JP" altLang="en-US" sz="1400" dirty="0">
+              <a:solidFill>
+                <a:schemeClr val="tx1">
+                  <a:lumMod val="85000"/>
+                  <a:lumOff val="15000"/>
+                </a:schemeClr>
+              </a:solidFill>
+              <a:latin typeface="Noto Sans JP" panose="020B0200000000000000" pitchFamily="50" charset="-128"/>
+              <a:ea typeface="Noto Sans JP" panose="020B0200000000000000" pitchFamily="50" charset="-128"/>
+            </a:endParaRPr>
+          </a:p>
+        </p:txBody>
+      </p:sp>
+      <p:sp>
+        <p:nvSpPr>
+          <p:cNvPr id="57" name="テキスト ボックス 56">
+            <a:extLst>
+              <a:ext uri="{FF2B5EF4-FFF2-40B4-BE49-F238E27FC236}">
+                <a16:creationId xmlns:a16="http://schemas.microsoft.com/office/drawing/2014/main" id="{2555489A-95CE-6958-FAC5-190234655C0E}"/>
+              </a:ext>
+            </a:extLst>
+          </p:cNvPr>
+          <p:cNvSpPr txBox="1"/>
+          <p:nvPr/>
+        </p:nvSpPr>
+        <p:spPr>
+          <a:xfrm>
+            <a:off x="104322" y="7060558"/>
+            <a:ext cx="2419589" cy="1238865"/>
+          </a:xfrm>
+          <a:prstGeom prst="rect">
+            <a:avLst/>
+          </a:prstGeom>
+          <a:noFill/>
+        </p:spPr>
+        <p:txBody>
+          <a:bodyPr wrap="square" rtlCol="0">
+            <a:spAutoFit/>
+          </a:bodyPr>
+          <a:lstStyle/>
+          <a:p>
+            <a:pPr>
+              <a:lnSpc>
+                <a:spcPts val="960"/>
+              </a:lnSpc>
+            </a:pPr>
+            <a:r>
+              <a:rPr kumimoji="1" lang="ja-JP" altLang="en-US" sz="800" dirty="0">
+                <a:solidFill>
+                  <a:schemeClr val="tx1">
+                    <a:lumMod val="85000"/>
+                    <a:lumOff val="15000"/>
+                  </a:schemeClr>
+                </a:solidFill>
+                <a:latin typeface="Noto Sans JP" panose="020B0200000000000000" pitchFamily="50" charset="-128"/>
+                <a:ea typeface="Noto Sans JP" panose="020B0200000000000000" pitchFamily="50" charset="-128"/>
+              </a:rPr>
+              <a:t>　今シーズンの私たちのロボットのコンセプトである「圧倒的」に則り、</a:t>
+            </a:r>
+            <a:r>
+              <a:rPr kumimoji="1" lang="ja-JP" altLang="en-US" sz="800" b="1" dirty="0">
+                <a:solidFill>
+                  <a:srgbClr val="073849"/>
+                </a:solidFill>
+                <a:latin typeface="Noto Sans JP" panose="020B0200000000000000" pitchFamily="50" charset="-128"/>
+                <a:ea typeface="Noto Sans JP" panose="020B0200000000000000" pitchFamily="50" charset="-128"/>
+              </a:rPr>
+              <a:t>圧倒的な安全性を持った電源基板</a:t>
+            </a:r>
+            <a:r>
+              <a:rPr kumimoji="1" lang="ja-JP" altLang="en-US" sz="800" dirty="0">
+                <a:solidFill>
+                  <a:schemeClr val="tx1">
+                    <a:lumMod val="85000"/>
+                    <a:lumOff val="15000"/>
+                  </a:schemeClr>
+                </a:solidFill>
+                <a:latin typeface="Noto Sans JP" panose="020B0200000000000000" pitchFamily="50" charset="-128"/>
+                <a:ea typeface="Noto Sans JP" panose="020B0200000000000000" pitchFamily="50" charset="-128"/>
+              </a:rPr>
+              <a:t>を作成しました。</a:t>
+            </a:r>
+            <a:endParaRPr kumimoji="1" lang="en-US" altLang="ja-JP" sz="800" dirty="0">
+              <a:solidFill>
+                <a:schemeClr val="tx1">
+                  <a:lumMod val="85000"/>
+                  <a:lumOff val="15000"/>
+                </a:schemeClr>
+              </a:solidFill>
+              <a:latin typeface="Noto Sans JP" panose="020B0200000000000000" pitchFamily="50" charset="-128"/>
+              <a:ea typeface="Noto Sans JP" panose="020B0200000000000000" pitchFamily="50" charset="-128"/>
+            </a:endParaRPr>
+          </a:p>
+          <a:p>
+            <a:pPr>
+              <a:lnSpc>
+                <a:spcPts val="960"/>
+              </a:lnSpc>
+            </a:pPr>
+            <a:r>
+              <a:rPr kumimoji="1" lang="ja-JP" altLang="en-US" sz="800" dirty="0">
+                <a:solidFill>
+                  <a:schemeClr val="tx1">
+                    <a:lumMod val="85000"/>
+                    <a:lumOff val="15000"/>
+                  </a:schemeClr>
+                </a:solidFill>
+                <a:latin typeface="Noto Sans JP" panose="020B0200000000000000" pitchFamily="50" charset="-128"/>
+                <a:ea typeface="Noto Sans JP" panose="020B0200000000000000" pitchFamily="50" charset="-128"/>
+              </a:rPr>
+              <a:t>　バッテリーには</a:t>
+            </a:r>
+            <a:r>
+              <a:rPr kumimoji="1" lang="en-US" altLang="ja-JP" sz="800" dirty="0">
+                <a:solidFill>
+                  <a:schemeClr val="tx1">
+                    <a:lumMod val="85000"/>
+                    <a:lumOff val="15000"/>
+                  </a:schemeClr>
+                </a:solidFill>
+                <a:latin typeface="Noto Sans JP" panose="020B0200000000000000" pitchFamily="50" charset="-128"/>
+                <a:ea typeface="Noto Sans JP" panose="020B0200000000000000" pitchFamily="50" charset="-128"/>
+              </a:rPr>
+              <a:t>3</a:t>
+            </a:r>
+            <a:r>
+              <a:rPr kumimoji="1" lang="ja-JP" altLang="en-US" sz="800" dirty="0">
+                <a:solidFill>
+                  <a:schemeClr val="tx1">
+                    <a:lumMod val="85000"/>
+                    <a:lumOff val="15000"/>
+                  </a:schemeClr>
+                </a:solidFill>
+                <a:latin typeface="Noto Sans JP" panose="020B0200000000000000" pitchFamily="50" charset="-128"/>
+                <a:ea typeface="Noto Sans JP" panose="020B0200000000000000" pitchFamily="50" charset="-128"/>
+              </a:rPr>
+              <a:t>セル</a:t>
+            </a:r>
+            <a:r>
+              <a:rPr kumimoji="1" lang="en-US" altLang="ja-JP" sz="800" dirty="0">
+                <a:solidFill>
+                  <a:schemeClr val="tx1">
+                    <a:lumMod val="85000"/>
+                    <a:lumOff val="15000"/>
+                  </a:schemeClr>
+                </a:solidFill>
+                <a:latin typeface="Noto Sans JP" panose="020B0200000000000000" pitchFamily="50" charset="-128"/>
+                <a:ea typeface="Noto Sans JP" panose="020B0200000000000000" pitchFamily="50" charset="-128"/>
+              </a:rPr>
+              <a:t>(11.1V)</a:t>
+            </a:r>
+            <a:r>
+              <a:rPr kumimoji="1" lang="ja-JP" altLang="en-US" sz="800" dirty="0">
+                <a:solidFill>
+                  <a:schemeClr val="tx1">
+                    <a:lumMod val="85000"/>
+                    <a:lumOff val="15000"/>
+                  </a:schemeClr>
+                </a:solidFill>
+                <a:latin typeface="Noto Sans JP" panose="020B0200000000000000" pitchFamily="50" charset="-128"/>
+                <a:ea typeface="Noto Sans JP" panose="020B0200000000000000" pitchFamily="50" charset="-128"/>
+              </a:rPr>
+              <a:t>で容量の大きな</a:t>
+            </a:r>
+            <a:r>
+              <a:rPr kumimoji="1" lang="en-US" altLang="ja-JP" sz="800" dirty="0">
+                <a:solidFill>
+                  <a:schemeClr val="tx1">
+                    <a:lumMod val="85000"/>
+                    <a:lumOff val="15000"/>
+                  </a:schemeClr>
+                </a:solidFill>
+                <a:latin typeface="Noto Sans JP" panose="020B0200000000000000" pitchFamily="50" charset="-128"/>
+                <a:ea typeface="Noto Sans JP" panose="020B0200000000000000" pitchFamily="50" charset="-128"/>
+              </a:rPr>
+              <a:t>Kypom 2200mAh 3Cell</a:t>
+            </a:r>
+            <a:r>
+              <a:rPr kumimoji="1" lang="ja-JP" altLang="en-US" sz="800" dirty="0">
+                <a:solidFill>
+                  <a:schemeClr val="tx1">
+                    <a:lumMod val="85000"/>
+                    <a:lumOff val="15000"/>
+                  </a:schemeClr>
+                </a:solidFill>
+                <a:latin typeface="Noto Sans JP" panose="020B0200000000000000" pitchFamily="50" charset="-128"/>
+                <a:ea typeface="Noto Sans JP" panose="020B0200000000000000" pitchFamily="50" charset="-128"/>
+              </a:rPr>
+              <a:t>を採用し、電源基板自体に</a:t>
+            </a:r>
+            <a:r>
+              <a:rPr kumimoji="1" lang="ja-JP" altLang="en-US" sz="800" b="1" dirty="0">
+                <a:solidFill>
+                  <a:srgbClr val="073849"/>
+                </a:solidFill>
+                <a:latin typeface="Noto Sans JP" panose="020B0200000000000000" pitchFamily="50" charset="-128"/>
+                <a:ea typeface="Noto Sans JP" panose="020B0200000000000000" pitchFamily="50" charset="-128"/>
+              </a:rPr>
+              <a:t>マイコン</a:t>
+            </a:r>
+            <a:r>
+              <a:rPr kumimoji="1" lang="en-US" altLang="ja-JP" sz="800" b="1" dirty="0">
+                <a:solidFill>
+                  <a:srgbClr val="073849"/>
+                </a:solidFill>
+                <a:latin typeface="Noto Sans JP" panose="020B0200000000000000" pitchFamily="50" charset="-128"/>
+                <a:ea typeface="Noto Sans JP" panose="020B0200000000000000" pitchFamily="50" charset="-128"/>
+              </a:rPr>
+              <a:t>(RP2040)</a:t>
+            </a:r>
+            <a:r>
+              <a:rPr kumimoji="1" lang="ja-JP" altLang="en-US" sz="800" b="1" dirty="0">
+                <a:solidFill>
+                  <a:srgbClr val="073849"/>
+                </a:solidFill>
+                <a:latin typeface="Noto Sans JP" panose="020B0200000000000000" pitchFamily="50" charset="-128"/>
+                <a:ea typeface="Noto Sans JP" panose="020B0200000000000000" pitchFamily="50" charset="-128"/>
+              </a:rPr>
+              <a:t>およびブザーを搭載</a:t>
+            </a:r>
+            <a:r>
+              <a:rPr kumimoji="1" lang="ja-JP" altLang="en-US" sz="800" dirty="0">
+                <a:solidFill>
+                  <a:schemeClr val="tx1">
+                    <a:lumMod val="85000"/>
+                    <a:lumOff val="15000"/>
+                  </a:schemeClr>
+                </a:solidFill>
+                <a:latin typeface="Noto Sans JP" panose="020B0200000000000000" pitchFamily="50" charset="-128"/>
+                <a:ea typeface="Noto Sans JP" panose="020B0200000000000000" pitchFamily="50" charset="-128"/>
+              </a:rPr>
+              <a:t>することで、電圧低下の対策をしています。</a:t>
+            </a:r>
+            <a:endParaRPr kumimoji="1" lang="en-US" altLang="ja-JP" sz="800" dirty="0">
+              <a:solidFill>
+                <a:schemeClr val="tx1">
+                  <a:lumMod val="85000"/>
+                  <a:lumOff val="15000"/>
+                </a:schemeClr>
+              </a:solidFill>
+              <a:latin typeface="Noto Sans JP" panose="020B0200000000000000" pitchFamily="50" charset="-128"/>
+              <a:ea typeface="Noto Sans JP" panose="020B0200000000000000" pitchFamily="50" charset="-128"/>
+            </a:endParaRPr>
+          </a:p>
+          <a:p>
+            <a:pPr>
+              <a:lnSpc>
+                <a:spcPts val="960"/>
+              </a:lnSpc>
+            </a:pPr>
+            <a:r>
+              <a:rPr kumimoji="1" lang="ja-JP" altLang="en-US" sz="800" dirty="0">
+                <a:solidFill>
+                  <a:schemeClr val="tx1">
+                    <a:lumMod val="85000"/>
+                    <a:lumOff val="15000"/>
+                  </a:schemeClr>
+                </a:solidFill>
+                <a:latin typeface="Noto Sans JP" panose="020B0200000000000000" pitchFamily="50" charset="-128"/>
+                <a:ea typeface="Noto Sans JP" panose="020B0200000000000000" pitchFamily="50" charset="-128"/>
+              </a:rPr>
+              <a:t>　</a:t>
+            </a:r>
+            <a:r>
+              <a:rPr kumimoji="1" lang="en-US" altLang="ja-JP" sz="800" dirty="0">
+                <a:solidFill>
+                  <a:schemeClr val="tx1">
+                    <a:lumMod val="85000"/>
+                    <a:lumOff val="15000"/>
+                  </a:schemeClr>
+                </a:solidFill>
+                <a:latin typeface="Noto Sans JP" panose="020B0200000000000000" pitchFamily="50" charset="-128"/>
+                <a:ea typeface="Noto Sans JP" panose="020B0200000000000000" pitchFamily="50" charset="-128"/>
+              </a:rPr>
+              <a:t>(</a:t>
+            </a:r>
+            <a:r>
+              <a:rPr kumimoji="1" lang="ja-JP" altLang="en-US" sz="800" dirty="0">
+                <a:solidFill>
+                  <a:schemeClr val="tx1">
+                    <a:lumMod val="85000"/>
+                    <a:lumOff val="15000"/>
+                  </a:schemeClr>
+                </a:solidFill>
+                <a:latin typeface="Noto Sans JP" panose="020B0200000000000000" pitchFamily="50" charset="-128"/>
+                <a:ea typeface="Noto Sans JP" panose="020B0200000000000000" pitchFamily="50" charset="-128"/>
+              </a:rPr>
+              <a:t>詳しい情報は「ロボットの特徴」を参照</a:t>
+            </a:r>
+            <a:r>
+              <a:rPr kumimoji="1" lang="en-US" altLang="ja-JP" sz="800" dirty="0">
+                <a:solidFill>
+                  <a:schemeClr val="tx1">
+                    <a:lumMod val="85000"/>
+                    <a:lumOff val="15000"/>
+                  </a:schemeClr>
+                </a:solidFill>
+                <a:latin typeface="Noto Sans JP" panose="020B0200000000000000" pitchFamily="50" charset="-128"/>
+                <a:ea typeface="Noto Sans JP" panose="020B0200000000000000" pitchFamily="50" charset="-128"/>
+              </a:rPr>
+              <a:t>)</a:t>
+            </a:r>
+          </a:p>
+          <a:p>
+            <a:pPr>
+              <a:lnSpc>
+                <a:spcPts val="960"/>
+              </a:lnSpc>
+            </a:pPr>
+            <a:r>
+              <a:rPr kumimoji="1" lang="ja-JP" altLang="en-US" sz="800" dirty="0">
+                <a:solidFill>
+                  <a:schemeClr val="tx1">
+                    <a:lumMod val="85000"/>
+                    <a:lumOff val="15000"/>
+                  </a:schemeClr>
+                </a:solidFill>
+                <a:latin typeface="Noto Sans JP" panose="020B0200000000000000" pitchFamily="50" charset="-128"/>
+                <a:ea typeface="Noto Sans JP" panose="020B0200000000000000" pitchFamily="50" charset="-128"/>
+              </a:rPr>
+              <a:t>　</a:t>
+            </a:r>
+            <a:endParaRPr kumimoji="1" lang="en-US" altLang="ja-JP" sz="800" dirty="0">
+              <a:solidFill>
+                <a:schemeClr val="tx1">
+                  <a:lumMod val="85000"/>
+                  <a:lumOff val="15000"/>
+                </a:schemeClr>
+              </a:solidFill>
+              <a:latin typeface="Noto Sans JP" panose="020B0200000000000000" pitchFamily="50" charset="-128"/>
+              <a:ea typeface="Noto Sans JP" panose="020B0200000000000000" pitchFamily="50" charset="-128"/>
+            </a:endParaRPr>
+          </a:p>
+        </p:txBody>
+      </p:sp>
+      <p:sp>
+        <p:nvSpPr>
+          <p:cNvPr id="58" name="テキスト ボックス 57">
+            <a:extLst>
+              <a:ext uri="{FF2B5EF4-FFF2-40B4-BE49-F238E27FC236}">
+                <a16:creationId xmlns:a16="http://schemas.microsoft.com/office/drawing/2014/main" id="{D16D3D02-2979-DFD3-A528-B8102040691E}"/>
+              </a:ext>
+            </a:extLst>
+          </p:cNvPr>
+          <p:cNvSpPr txBox="1"/>
+          <p:nvPr/>
+        </p:nvSpPr>
+        <p:spPr>
+          <a:xfrm>
+            <a:off x="1369989" y="5500633"/>
+            <a:ext cx="642703" cy="243677"/>
+          </a:xfrm>
+          <a:prstGeom prst="rect">
+            <a:avLst/>
+          </a:prstGeom>
+          <a:solidFill>
+            <a:schemeClr val="accent1">
+              <a:lumMod val="20000"/>
+              <a:lumOff val="80000"/>
+            </a:schemeClr>
+          </a:solidFill>
+          <a:ln>
+            <a:noFill/>
+          </a:ln>
+        </p:spPr>
+        <p:txBody>
+          <a:bodyPr wrap="square" lIns="28800" tIns="28800" rIns="28800" bIns="14400" rtlCol="0">
+            <a:spAutoFit/>
+          </a:bodyPr>
+          <a:lstStyle/>
+          <a:p>
+            <a:pPr algn="ctr"/>
+            <a:r>
+              <a:rPr kumimoji="1" lang="ja-JP" altLang="en-US" sz="500" b="1" dirty="0">
+                <a:solidFill>
+                  <a:schemeClr val="tx1">
+                    <a:lumMod val="85000"/>
+                    <a:lumOff val="15000"/>
+                  </a:schemeClr>
+                </a:solidFill>
+                <a:latin typeface="Noto Sans JP" panose="020B0200000000000000" pitchFamily="50" charset="-128"/>
+                <a:ea typeface="Noto Sans JP" panose="020B0200000000000000" pitchFamily="50" charset="-128"/>
+              </a:rPr>
+              <a:t>メイン基板との接続</a:t>
+            </a:r>
+            <a:endParaRPr kumimoji="1" lang="en-US" altLang="ja-JP" sz="500" b="1" dirty="0">
+              <a:solidFill>
+                <a:schemeClr val="tx1">
+                  <a:lumMod val="85000"/>
+                  <a:lumOff val="15000"/>
+                </a:schemeClr>
+              </a:solidFill>
+              <a:latin typeface="Noto Sans JP" panose="020B0200000000000000" pitchFamily="50" charset="-128"/>
+              <a:ea typeface="Noto Sans JP" panose="020B0200000000000000" pitchFamily="50" charset="-128"/>
+            </a:endParaRPr>
+          </a:p>
+          <a:p>
+            <a:pPr algn="ctr"/>
+            <a:r>
+              <a:rPr kumimoji="1" lang="en-US" altLang="ja-JP" sz="800" b="1" dirty="0">
+                <a:solidFill>
+                  <a:schemeClr val="tx1">
+                    <a:lumMod val="85000"/>
+                    <a:lumOff val="15000"/>
+                  </a:schemeClr>
+                </a:solidFill>
+                <a:latin typeface="Noto Sans JP" panose="020B0200000000000000" pitchFamily="50" charset="-128"/>
+                <a:ea typeface="Noto Sans JP" panose="020B0200000000000000" pitchFamily="50" charset="-128"/>
+              </a:rPr>
+              <a:t>UART</a:t>
+            </a:r>
+            <a:endParaRPr kumimoji="1" lang="ja-JP" altLang="en-US" sz="500" b="1" dirty="0">
+              <a:solidFill>
+                <a:schemeClr val="tx1">
+                  <a:lumMod val="85000"/>
+                  <a:lumOff val="15000"/>
+                </a:schemeClr>
+              </a:solidFill>
+              <a:latin typeface="Noto Sans JP" panose="020B0200000000000000" pitchFamily="50" charset="-128"/>
+              <a:ea typeface="Noto Sans JP" panose="020B0200000000000000" pitchFamily="50" charset="-128"/>
+            </a:endParaRPr>
+          </a:p>
+        </p:txBody>
+      </p:sp>
+      <p:sp>
+        <p:nvSpPr>
+          <p:cNvPr id="63" name="テキスト ボックス 62">
+            <a:extLst>
+              <a:ext uri="{FF2B5EF4-FFF2-40B4-BE49-F238E27FC236}">
+                <a16:creationId xmlns:a16="http://schemas.microsoft.com/office/drawing/2014/main" id="{DE65DBEC-ECEF-884E-4B1E-6E326317354E}"/>
+              </a:ext>
+            </a:extLst>
+          </p:cNvPr>
+          <p:cNvSpPr txBox="1"/>
+          <p:nvPr/>
+        </p:nvSpPr>
+        <p:spPr>
+          <a:xfrm>
+            <a:off x="9259888" y="1398102"/>
+            <a:ext cx="891609" cy="241132"/>
+          </a:xfrm>
+          <a:prstGeom prst="rect">
+            <a:avLst/>
+          </a:prstGeom>
+          <a:solidFill>
+            <a:srgbClr val="FAFFCF"/>
+          </a:solidFill>
+          <a:ln>
+            <a:noFill/>
+          </a:ln>
+        </p:spPr>
+        <p:txBody>
+          <a:bodyPr wrap="square" lIns="28800" tIns="50400" rIns="28800" bIns="36000" rtlCol="0">
+            <a:spAutoFit/>
+          </a:bodyPr>
+          <a:lstStyle/>
+          <a:p>
+            <a:pPr algn="ctr"/>
+            <a:r>
+              <a:rPr kumimoji="1" lang="ja-JP" altLang="en-US" sz="1000" b="1" dirty="0">
+                <a:solidFill>
+                  <a:schemeClr val="tx1">
+                    <a:lumMod val="85000"/>
+                    <a:lumOff val="15000"/>
+                  </a:schemeClr>
+                </a:solidFill>
+                <a:latin typeface="Noto Sans JP" panose="020B0200000000000000" pitchFamily="50" charset="-128"/>
+                <a:ea typeface="Noto Sans JP" panose="020B0200000000000000" pitchFamily="50" charset="-128"/>
+              </a:rPr>
+              <a:t>ハードウェア</a:t>
+            </a:r>
+          </a:p>
+        </p:txBody>
+      </p:sp>
+      <p:pic>
+        <p:nvPicPr>
+          <p:cNvPr id="1025" name="図 1024" descr="鏡, 眺め, 座る, 車 が含まれている画像&#10;&#10;AI によって生成されたコンテンツは間違っている可能性があります。">
+            <a:extLst>
+              <a:ext uri="{FF2B5EF4-FFF2-40B4-BE49-F238E27FC236}">
+                <a16:creationId xmlns:a16="http://schemas.microsoft.com/office/drawing/2014/main" id="{5B9D82E4-3563-F631-427A-43932AF36F9A}"/>
+              </a:ext>
+            </a:extLst>
+          </p:cNvPr>
+          <p:cNvPicPr>
+            <a:picLocks noChangeAspect="1"/>
+          </p:cNvPicPr>
+          <p:nvPr/>
+        </p:nvPicPr>
+        <p:blipFill>
+          <a:blip r:embed="rId10">
+            <a:extLst>
+              <a:ext uri="{28A0092B-C50C-407E-A947-70E740481C1C}">
+                <a14:useLocalDpi xmlns:a14="http://schemas.microsoft.com/office/drawing/2010/main" val="0"/>
+              </a:ext>
+            </a:extLst>
+          </a:blip>
+          <a:srcRect t="19880" b="1"/>
+          <a:stretch/>
+        </p:blipFill>
+        <p:spPr>
+          <a:xfrm>
+            <a:off x="11182679" y="3004012"/>
+            <a:ext cx="1763282" cy="1059551"/>
+          </a:xfrm>
+          <a:prstGeom prst="rect">
+            <a:avLst/>
+          </a:prstGeom>
+          <a:effectLst>
+            <a:outerShdw blurRad="50800" dist="50800" dir="5400000" algn="ctr" rotWithShape="0">
+              <a:srgbClr val="000000">
+                <a:alpha val="10000"/>
+              </a:srgbClr>
+            </a:outerShdw>
+          </a:effectLst>
+        </p:spPr>
+      </p:pic>
+      <p:sp>
+        <p:nvSpPr>
+          <p:cNvPr id="1027" name="テキスト ボックス 1026">
+            <a:extLst>
+              <a:ext uri="{FF2B5EF4-FFF2-40B4-BE49-F238E27FC236}">
+                <a16:creationId xmlns:a16="http://schemas.microsoft.com/office/drawing/2014/main" id="{942989BE-DF7D-9281-B9B3-5501820D78DD}"/>
+              </a:ext>
+            </a:extLst>
+          </p:cNvPr>
+          <p:cNvSpPr txBox="1"/>
+          <p:nvPr/>
+        </p:nvSpPr>
+        <p:spPr>
+          <a:xfrm>
+            <a:off x="10990491" y="4055436"/>
+            <a:ext cx="2147659" cy="207749"/>
+          </a:xfrm>
+          <a:prstGeom prst="rect">
+            <a:avLst/>
+          </a:prstGeom>
+          <a:noFill/>
+        </p:spPr>
+        <p:txBody>
+          <a:bodyPr wrap="square" numCol="1" rtlCol="0">
+            <a:spAutoFit/>
+          </a:bodyPr>
+          <a:lstStyle/>
+          <a:p>
+            <a:pPr algn="ctr">
+              <a:lnSpc>
+                <a:spcPts val="900"/>
+              </a:lnSpc>
+            </a:pPr>
+            <a:r>
+              <a:rPr kumimoji="1" lang="ja-JP" altLang="en-US" sz="800" b="1" dirty="0">
+                <a:solidFill>
+                  <a:schemeClr val="tx1">
+                    <a:lumMod val="85000"/>
+                    <a:lumOff val="15000"/>
+                  </a:schemeClr>
+                </a:solidFill>
+                <a:latin typeface="Noto Sans JP" panose="020B0200000000000000" pitchFamily="50" charset="-128"/>
+                <a:ea typeface="Noto Sans JP" panose="020B0200000000000000" pitchFamily="50" charset="-128"/>
+              </a:rPr>
+              <a:t>図</a:t>
+            </a:r>
+            <a:r>
+              <a:rPr kumimoji="1" lang="en-US" altLang="ja-JP" sz="800" b="1" dirty="0">
+                <a:solidFill>
+                  <a:schemeClr val="tx1">
+                    <a:lumMod val="85000"/>
+                    <a:lumOff val="15000"/>
+                  </a:schemeClr>
+                </a:solidFill>
+                <a:latin typeface="Noto Sans JP" panose="020B0200000000000000" pitchFamily="50" charset="-128"/>
+                <a:ea typeface="Noto Sans JP" panose="020B0200000000000000" pitchFamily="50" charset="-128"/>
+              </a:rPr>
+              <a:t>1 </a:t>
+            </a:r>
+            <a:r>
+              <a:rPr kumimoji="1" lang="ja-JP" altLang="en-US" sz="800" b="1" dirty="0">
+                <a:solidFill>
+                  <a:schemeClr val="tx1">
+                    <a:lumMod val="85000"/>
+                    <a:lumOff val="15000"/>
+                  </a:schemeClr>
+                </a:solidFill>
+                <a:latin typeface="Noto Sans JP" panose="020B0200000000000000" pitchFamily="50" charset="-128"/>
+                <a:ea typeface="Noto Sans JP" panose="020B0200000000000000" pitchFamily="50" charset="-128"/>
+              </a:rPr>
+              <a:t>全方位ミラーによるカメラの視界</a:t>
+            </a:r>
+            <a:endParaRPr kumimoji="1" lang="en-US" altLang="ja-JP" sz="800" b="1" dirty="0">
+              <a:solidFill>
+                <a:schemeClr val="tx1">
+                  <a:lumMod val="85000"/>
+                  <a:lumOff val="15000"/>
+                </a:schemeClr>
+              </a:solidFill>
+              <a:latin typeface="Noto Sans JP" panose="020B0200000000000000" pitchFamily="50" charset="-128"/>
+              <a:ea typeface="Noto Sans JP" panose="020B0200000000000000" pitchFamily="50" charset="-128"/>
+            </a:endParaRPr>
+          </a:p>
+        </p:txBody>
+      </p:sp>
+      <p:sp>
+        <p:nvSpPr>
+          <p:cNvPr id="1029" name="楕円 1028">
+            <a:extLst>
+              <a:ext uri="{FF2B5EF4-FFF2-40B4-BE49-F238E27FC236}">
+                <a16:creationId xmlns:a16="http://schemas.microsoft.com/office/drawing/2014/main" id="{EA4BB340-050A-CAA5-A986-3CB3103DF147}"/>
               </a:ext>
             </a:extLst>
           </p:cNvPr>
@@ -4984,8 +8178,2742 @@
         </p:nvSpPr>
         <p:spPr>
           <a:xfrm>
-            <a:off x="142874" y="6984431"/>
-            <a:ext cx="2229216" cy="1359469"/>
+            <a:off x="12053257" y="3962721"/>
+            <a:ext cx="114300" cy="114300"/>
+          </a:xfrm>
+          <a:prstGeom prst="ellipse">
+            <a:avLst/>
+          </a:prstGeom>
+          <a:noFill/>
+          <a:ln w="12700">
+            <a:solidFill>
+              <a:srgbClr val="FFC000"/>
+            </a:solidFill>
+          </a:ln>
+        </p:spPr>
+        <p:style>
+          <a:lnRef idx="2">
+            <a:schemeClr val="accent1">
+              <a:shade val="15000"/>
+            </a:schemeClr>
+          </a:lnRef>
+          <a:fillRef idx="1">
+            <a:schemeClr val="accent1"/>
+          </a:fillRef>
+          <a:effectRef idx="0">
+            <a:schemeClr val="accent1"/>
+          </a:effectRef>
+          <a:fontRef idx="minor">
+            <a:schemeClr val="lt1"/>
+          </a:fontRef>
+        </p:style>
+        <p:txBody>
+          <a:bodyPr rtlCol="0" anchor="ctr"/>
+          <a:lstStyle/>
+          <a:p>
+            <a:pPr algn="ctr"/>
+            <a:endParaRPr kumimoji="1" lang="ja-JP" altLang="en-US"/>
+          </a:p>
+        </p:txBody>
+      </p:sp>
+      <p:sp>
+        <p:nvSpPr>
+          <p:cNvPr id="1030" name="テキスト ボックス 1029">
+            <a:extLst>
+              <a:ext uri="{FF2B5EF4-FFF2-40B4-BE49-F238E27FC236}">
+                <a16:creationId xmlns:a16="http://schemas.microsoft.com/office/drawing/2014/main" id="{6CA8EA9F-DEAD-9FE3-46AB-6DF290548F85}"/>
+              </a:ext>
+            </a:extLst>
+          </p:cNvPr>
+          <p:cNvSpPr txBox="1"/>
+          <p:nvPr/>
+        </p:nvSpPr>
+        <p:spPr>
+          <a:xfrm>
+            <a:off x="13854748" y="1398102"/>
+            <a:ext cx="891609" cy="241132"/>
+          </a:xfrm>
+          <a:prstGeom prst="rect">
+            <a:avLst/>
+          </a:prstGeom>
+          <a:solidFill>
+            <a:srgbClr val="FAFFCF"/>
+          </a:solidFill>
+          <a:ln>
+            <a:noFill/>
+          </a:ln>
+        </p:spPr>
+        <p:txBody>
+          <a:bodyPr wrap="square" lIns="28800" tIns="50400" rIns="28800" bIns="36000" rtlCol="0">
+            <a:spAutoFit/>
+          </a:bodyPr>
+          <a:lstStyle/>
+          <a:p>
+            <a:pPr algn="ctr"/>
+            <a:r>
+              <a:rPr kumimoji="1" lang="ja-JP" altLang="en-US" sz="1000" b="1" dirty="0">
+                <a:solidFill>
+                  <a:schemeClr val="tx1">
+                    <a:lumMod val="85000"/>
+                    <a:lumOff val="15000"/>
+                  </a:schemeClr>
+                </a:solidFill>
+                <a:latin typeface="Noto Sans JP" panose="020B0200000000000000" pitchFamily="50" charset="-128"/>
+                <a:ea typeface="Noto Sans JP" panose="020B0200000000000000" pitchFamily="50" charset="-128"/>
+              </a:rPr>
+              <a:t>ハードウェア</a:t>
+            </a:r>
+          </a:p>
+        </p:txBody>
+      </p:sp>
+      <p:pic>
+        <p:nvPicPr>
+          <p:cNvPr id="1042" name="Picture 18">
+            <a:extLst>
+              <a:ext uri="{FF2B5EF4-FFF2-40B4-BE49-F238E27FC236}">
+                <a16:creationId xmlns:a16="http://schemas.microsoft.com/office/drawing/2014/main" id="{6992B581-42EF-674A-155F-16283807F404}"/>
+              </a:ext>
+            </a:extLst>
+          </p:cNvPr>
+          <p:cNvPicPr>
+            <a:picLocks noChangeAspect="1" noChangeArrowheads="1"/>
+          </p:cNvPicPr>
+          <p:nvPr/>
+        </p:nvPicPr>
+        <p:blipFill rotWithShape="1">
+          <a:blip r:embed="rId11">
+            <a:extLst>
+              <a:ext uri="{28A0092B-C50C-407E-A947-70E740481C1C}">
+                <a14:useLocalDpi xmlns:a14="http://schemas.microsoft.com/office/drawing/2010/main" val="0"/>
+              </a:ext>
+            </a:extLst>
+          </a:blip>
+          <a:srcRect b="19626"/>
+          <a:stretch/>
+        </p:blipFill>
+        <p:spPr bwMode="auto">
+          <a:xfrm>
+            <a:off x="13138149" y="2992524"/>
+            <a:ext cx="1763282" cy="1062909"/>
+          </a:xfrm>
+          <a:prstGeom prst="rect">
+            <a:avLst/>
+          </a:prstGeom>
+          <a:noFill/>
+          <a:effectLst>
+            <a:outerShdw blurRad="50800" dist="50800" dir="5400000" algn="ctr" rotWithShape="0">
+              <a:srgbClr val="000000">
+                <a:alpha val="10000"/>
+              </a:srgbClr>
+            </a:outerShdw>
+          </a:effectLst>
+          <a:extLst>
+            <a:ext uri="{909E8E84-426E-40DD-AFC4-6F175D3DCCD1}">
+              <a14:hiddenFill xmlns:a14="http://schemas.microsoft.com/office/drawing/2010/main">
+                <a:solidFill>
+                  <a:srgbClr val="FFFFFF"/>
+                </a:solidFill>
+              </a14:hiddenFill>
+            </a:ext>
+          </a:extLst>
+        </p:spPr>
+      </p:pic>
+      <p:sp>
+        <p:nvSpPr>
+          <p:cNvPr id="1031" name="楕円 1030">
+            <a:extLst>
+              <a:ext uri="{FF2B5EF4-FFF2-40B4-BE49-F238E27FC236}">
+                <a16:creationId xmlns:a16="http://schemas.microsoft.com/office/drawing/2014/main" id="{3F2D6722-C6DF-1E83-A384-28010E7FB007}"/>
+              </a:ext>
+            </a:extLst>
+          </p:cNvPr>
+          <p:cNvSpPr/>
+          <p:nvPr/>
+        </p:nvSpPr>
+        <p:spPr>
+          <a:xfrm>
+            <a:off x="13931178" y="3013393"/>
+            <a:ext cx="177223" cy="177223"/>
+          </a:xfrm>
+          <a:prstGeom prst="ellipse">
+            <a:avLst/>
+          </a:prstGeom>
+          <a:noFill/>
+          <a:ln w="28575">
+            <a:solidFill>
+              <a:srgbClr val="FFC000"/>
+            </a:solidFill>
+          </a:ln>
+        </p:spPr>
+        <p:style>
+          <a:lnRef idx="2">
+            <a:schemeClr val="accent1">
+              <a:shade val="15000"/>
+            </a:schemeClr>
+          </a:lnRef>
+          <a:fillRef idx="1">
+            <a:schemeClr val="accent1"/>
+          </a:fillRef>
+          <a:effectRef idx="0">
+            <a:schemeClr val="accent1"/>
+          </a:effectRef>
+          <a:fontRef idx="minor">
+            <a:schemeClr val="lt1"/>
+          </a:fontRef>
+        </p:style>
+        <p:txBody>
+          <a:bodyPr rtlCol="0" anchor="ctr"/>
+          <a:lstStyle/>
+          <a:p>
+            <a:pPr algn="ctr"/>
+            <a:endParaRPr kumimoji="1" lang="ja-JP" altLang="en-US"/>
+          </a:p>
+        </p:txBody>
+      </p:sp>
+      <p:sp>
+        <p:nvSpPr>
+          <p:cNvPr id="1032" name="テキスト ボックス 1031">
+            <a:extLst>
+              <a:ext uri="{FF2B5EF4-FFF2-40B4-BE49-F238E27FC236}">
+                <a16:creationId xmlns:a16="http://schemas.microsoft.com/office/drawing/2014/main" id="{C964E619-41FF-7AF9-A5D6-F1866F1D7573}"/>
+              </a:ext>
+            </a:extLst>
+          </p:cNvPr>
+          <p:cNvSpPr txBox="1"/>
+          <p:nvPr/>
+        </p:nvSpPr>
+        <p:spPr>
+          <a:xfrm>
+            <a:off x="12945961" y="4055436"/>
+            <a:ext cx="2147659" cy="207749"/>
+          </a:xfrm>
+          <a:prstGeom prst="rect">
+            <a:avLst/>
+          </a:prstGeom>
+          <a:noFill/>
+        </p:spPr>
+        <p:txBody>
+          <a:bodyPr wrap="square" numCol="1" rtlCol="0">
+            <a:spAutoFit/>
+          </a:bodyPr>
+          <a:lstStyle/>
+          <a:p>
+            <a:pPr algn="ctr">
+              <a:lnSpc>
+                <a:spcPts val="900"/>
+              </a:lnSpc>
+            </a:pPr>
+            <a:r>
+              <a:rPr kumimoji="1" lang="ja-JP" altLang="en-US" sz="800" b="1" dirty="0">
+                <a:solidFill>
+                  <a:schemeClr val="tx1">
+                    <a:lumMod val="85000"/>
+                    <a:lumOff val="15000"/>
+                  </a:schemeClr>
+                </a:solidFill>
+                <a:latin typeface="Noto Sans JP" panose="020B0200000000000000" pitchFamily="50" charset="-128"/>
+                <a:ea typeface="Noto Sans JP" panose="020B0200000000000000" pitchFamily="50" charset="-128"/>
+              </a:rPr>
+              <a:t>図</a:t>
+            </a:r>
+            <a:r>
+              <a:rPr kumimoji="1" lang="en-US" altLang="ja-JP" sz="800" b="1" dirty="0">
+                <a:solidFill>
+                  <a:schemeClr val="tx1">
+                    <a:lumMod val="85000"/>
+                    <a:lumOff val="15000"/>
+                  </a:schemeClr>
+                </a:solidFill>
+                <a:latin typeface="Noto Sans JP" panose="020B0200000000000000" pitchFamily="50" charset="-128"/>
+                <a:ea typeface="Noto Sans JP" panose="020B0200000000000000" pitchFamily="50" charset="-128"/>
+              </a:rPr>
+              <a:t>2 6</a:t>
+            </a:r>
+            <a:r>
+              <a:rPr kumimoji="1" lang="ja-JP" altLang="en-US" sz="800" b="1" dirty="0">
+                <a:solidFill>
+                  <a:schemeClr val="tx1">
+                    <a:lumMod val="85000"/>
+                    <a:lumOff val="15000"/>
+                  </a:schemeClr>
+                </a:solidFill>
+                <a:latin typeface="Noto Sans JP" panose="020B0200000000000000" pitchFamily="50" charset="-128"/>
+                <a:ea typeface="Noto Sans JP" panose="020B0200000000000000" pitchFamily="50" charset="-128"/>
+              </a:rPr>
+              <a:t>方向カメラによるカメラの視界</a:t>
+            </a:r>
+          </a:p>
+        </p:txBody>
+      </p:sp>
+      <p:sp>
+        <p:nvSpPr>
+          <p:cNvPr id="1033" name="テキスト ボックス 1032">
+            <a:extLst>
+              <a:ext uri="{FF2B5EF4-FFF2-40B4-BE49-F238E27FC236}">
+                <a16:creationId xmlns:a16="http://schemas.microsoft.com/office/drawing/2014/main" id="{1AA9A07D-9D91-7EDB-B1D5-D458D897AEB4}"/>
+              </a:ext>
+            </a:extLst>
+          </p:cNvPr>
+          <p:cNvSpPr txBox="1"/>
+          <p:nvPr/>
+        </p:nvSpPr>
+        <p:spPr>
+          <a:xfrm>
+            <a:off x="11968226" y="4169736"/>
+            <a:ext cx="2147659" cy="197233"/>
+          </a:xfrm>
+          <a:prstGeom prst="rect">
+            <a:avLst/>
+          </a:prstGeom>
+          <a:noFill/>
+        </p:spPr>
+        <p:txBody>
+          <a:bodyPr wrap="square" numCol="1" rtlCol="0">
+            <a:spAutoFit/>
+          </a:bodyPr>
+          <a:lstStyle/>
+          <a:p>
+            <a:pPr algn="ctr">
+              <a:lnSpc>
+                <a:spcPts val="900"/>
+              </a:lnSpc>
+            </a:pPr>
+            <a:r>
+              <a:rPr kumimoji="1" lang="ja-JP" altLang="en-US" sz="600" dirty="0">
+                <a:solidFill>
+                  <a:schemeClr val="tx1">
+                    <a:lumMod val="85000"/>
+                    <a:lumOff val="15000"/>
+                  </a:schemeClr>
+                </a:solidFill>
+                <a:latin typeface="Noto Sans JP" panose="020B0200000000000000" pitchFamily="50" charset="-128"/>
+                <a:ea typeface="Noto Sans JP" panose="020B0200000000000000" pitchFamily="50" charset="-128"/>
+              </a:rPr>
+              <a:t>どちらもゴルフボールをオレンジの丸で示している。</a:t>
+            </a:r>
+            <a:endParaRPr kumimoji="1" lang="en-US" altLang="ja-JP" sz="700" dirty="0">
+              <a:solidFill>
+                <a:schemeClr val="tx1">
+                  <a:lumMod val="85000"/>
+                  <a:lumOff val="15000"/>
+                </a:schemeClr>
+              </a:solidFill>
+              <a:latin typeface="Noto Sans JP" panose="020B0200000000000000" pitchFamily="50" charset="-128"/>
+              <a:ea typeface="Noto Sans JP" panose="020B0200000000000000" pitchFamily="50" charset="-128"/>
+            </a:endParaRPr>
+          </a:p>
+        </p:txBody>
+      </p:sp>
+      <p:sp>
+        <p:nvSpPr>
+          <p:cNvPr id="1035" name="テキスト ボックス 1034">
+            <a:extLst>
+              <a:ext uri="{FF2B5EF4-FFF2-40B4-BE49-F238E27FC236}">
+                <a16:creationId xmlns:a16="http://schemas.microsoft.com/office/drawing/2014/main" id="{21EC6FC0-CDAE-9A73-F798-2B2DB25C310B}"/>
+              </a:ext>
+            </a:extLst>
+          </p:cNvPr>
+          <p:cNvSpPr txBox="1"/>
+          <p:nvPr/>
+        </p:nvSpPr>
+        <p:spPr>
+          <a:xfrm>
+            <a:off x="33529" y="8188060"/>
+            <a:ext cx="2907052" cy="307777"/>
+          </a:xfrm>
+          <a:prstGeom prst="rect">
+            <a:avLst/>
+          </a:prstGeom>
+          <a:noFill/>
+        </p:spPr>
+        <p:txBody>
+          <a:bodyPr wrap="square" rtlCol="0">
+            <a:spAutoFit/>
+          </a:bodyPr>
+          <a:lstStyle/>
+          <a:p>
+            <a:r>
+              <a:rPr kumimoji="1" lang="ja-JP" altLang="en-US" sz="1400" b="1" dirty="0">
+                <a:solidFill>
+                  <a:srgbClr val="073849"/>
+                </a:solidFill>
+                <a:latin typeface="Noto Sans JP" panose="020B0200000000000000" pitchFamily="50" charset="-128"/>
+                <a:ea typeface="Noto Sans JP" panose="020B0200000000000000" pitchFamily="50" charset="-128"/>
+              </a:rPr>
+              <a:t>キッカー・ドリブラー</a:t>
+            </a:r>
+            <a:r>
+              <a:rPr kumimoji="1" lang="ja-JP" altLang="en-US" sz="1050" b="1" dirty="0">
+                <a:solidFill>
+                  <a:srgbClr val="073849"/>
+                </a:solidFill>
+                <a:latin typeface="Noto Sans JP" panose="020B0200000000000000" pitchFamily="50" charset="-128"/>
+                <a:ea typeface="Noto Sans JP" panose="020B0200000000000000" pitchFamily="50" charset="-128"/>
+              </a:rPr>
+              <a:t>モジュール</a:t>
+            </a:r>
+            <a:endParaRPr kumimoji="1" lang="ja-JP" altLang="en-US" sz="1400" dirty="0">
+              <a:solidFill>
+                <a:schemeClr val="tx1">
+                  <a:lumMod val="85000"/>
+                  <a:lumOff val="15000"/>
+                </a:schemeClr>
+              </a:solidFill>
+              <a:latin typeface="Noto Sans JP" panose="020B0200000000000000" pitchFamily="50" charset="-128"/>
+              <a:ea typeface="Noto Sans JP" panose="020B0200000000000000" pitchFamily="50" charset="-128"/>
+            </a:endParaRPr>
+          </a:p>
+        </p:txBody>
+      </p:sp>
+      <p:sp>
+        <p:nvSpPr>
+          <p:cNvPr id="1037" name="テキスト ボックス 1036">
+            <a:extLst>
+              <a:ext uri="{FF2B5EF4-FFF2-40B4-BE49-F238E27FC236}">
+                <a16:creationId xmlns:a16="http://schemas.microsoft.com/office/drawing/2014/main" id="{E1FD7233-9099-6F4F-7603-A4EB1FE1EFD1}"/>
+              </a:ext>
+            </a:extLst>
+          </p:cNvPr>
+          <p:cNvSpPr txBox="1"/>
+          <p:nvPr/>
+        </p:nvSpPr>
+        <p:spPr>
+          <a:xfrm>
+            <a:off x="1420338" y="6825896"/>
+            <a:ext cx="642703" cy="243677"/>
+          </a:xfrm>
+          <a:prstGeom prst="rect">
+            <a:avLst/>
+          </a:prstGeom>
+          <a:solidFill>
+            <a:srgbClr val="FFCFCF"/>
+          </a:solidFill>
+          <a:ln>
+            <a:noFill/>
+          </a:ln>
+        </p:spPr>
+        <p:txBody>
+          <a:bodyPr wrap="square" lIns="28800" tIns="28800" rIns="28800" bIns="14400" rtlCol="0">
+            <a:spAutoFit/>
+          </a:bodyPr>
+          <a:lstStyle/>
+          <a:p>
+            <a:pPr algn="ctr"/>
+            <a:r>
+              <a:rPr kumimoji="1" lang="ja-JP" altLang="en-US" sz="500" b="1" dirty="0">
+                <a:solidFill>
+                  <a:schemeClr val="tx1">
+                    <a:lumMod val="85000"/>
+                    <a:lumOff val="15000"/>
+                  </a:schemeClr>
+                </a:solidFill>
+                <a:latin typeface="Noto Sans JP" panose="020B0200000000000000" pitchFamily="50" charset="-128"/>
+                <a:ea typeface="Noto Sans JP" panose="020B0200000000000000" pitchFamily="50" charset="-128"/>
+              </a:rPr>
+              <a:t>各基板に</a:t>
+            </a:r>
+            <a:endParaRPr kumimoji="1" lang="en-US" altLang="ja-JP" sz="500" b="1" dirty="0">
+              <a:solidFill>
+                <a:schemeClr val="tx1">
+                  <a:lumMod val="85000"/>
+                  <a:lumOff val="15000"/>
+                </a:schemeClr>
+              </a:solidFill>
+              <a:latin typeface="Noto Sans JP" panose="020B0200000000000000" pitchFamily="50" charset="-128"/>
+              <a:ea typeface="Noto Sans JP" panose="020B0200000000000000" pitchFamily="50" charset="-128"/>
+            </a:endParaRPr>
+          </a:p>
+          <a:p>
+            <a:pPr algn="ctr"/>
+            <a:r>
+              <a:rPr kumimoji="1" lang="en-US" altLang="ja-JP" sz="800" b="1" dirty="0">
+                <a:solidFill>
+                  <a:schemeClr val="tx1">
+                    <a:lumMod val="85000"/>
+                    <a:lumOff val="15000"/>
+                  </a:schemeClr>
+                </a:solidFill>
+                <a:latin typeface="Noto Sans JP" panose="020B0200000000000000" pitchFamily="50" charset="-128"/>
+                <a:ea typeface="Noto Sans JP" panose="020B0200000000000000" pitchFamily="50" charset="-128"/>
+              </a:rPr>
+              <a:t>12V</a:t>
+            </a:r>
+            <a:r>
+              <a:rPr kumimoji="1" lang="ja-JP" altLang="en-US" sz="800" b="1" dirty="0">
+                <a:solidFill>
+                  <a:schemeClr val="tx1">
+                    <a:lumMod val="85000"/>
+                    <a:lumOff val="15000"/>
+                  </a:schemeClr>
+                </a:solidFill>
+                <a:latin typeface="Noto Sans JP" panose="020B0200000000000000" pitchFamily="50" charset="-128"/>
+                <a:ea typeface="Noto Sans JP" panose="020B0200000000000000" pitchFamily="50" charset="-128"/>
+              </a:rPr>
+              <a:t>を供給</a:t>
+            </a:r>
+            <a:endParaRPr kumimoji="1" lang="ja-JP" altLang="en-US" sz="500" b="1" dirty="0">
+              <a:solidFill>
+                <a:schemeClr val="tx1">
+                  <a:lumMod val="85000"/>
+                  <a:lumOff val="15000"/>
+                </a:schemeClr>
+              </a:solidFill>
+              <a:latin typeface="Noto Sans JP" panose="020B0200000000000000" pitchFamily="50" charset="-128"/>
+              <a:ea typeface="Noto Sans JP" panose="020B0200000000000000" pitchFamily="50" charset="-128"/>
+            </a:endParaRPr>
+          </a:p>
+        </p:txBody>
+      </p:sp>
+      <p:sp>
+        <p:nvSpPr>
+          <p:cNvPr id="1039" name="テキスト ボックス 1038">
+            <a:extLst>
+              <a:ext uri="{FF2B5EF4-FFF2-40B4-BE49-F238E27FC236}">
+                <a16:creationId xmlns:a16="http://schemas.microsoft.com/office/drawing/2014/main" id="{E5428EAA-7ADF-4CC9-989A-C51A93806363}"/>
+              </a:ext>
+            </a:extLst>
+          </p:cNvPr>
+          <p:cNvSpPr txBox="1"/>
+          <p:nvPr/>
+        </p:nvSpPr>
+        <p:spPr>
+          <a:xfrm>
+            <a:off x="2671931" y="8220109"/>
+            <a:ext cx="685506" cy="243677"/>
+          </a:xfrm>
+          <a:prstGeom prst="rect">
+            <a:avLst/>
+          </a:prstGeom>
+          <a:solidFill>
+            <a:srgbClr val="FFD889"/>
+          </a:solidFill>
+          <a:ln>
+            <a:noFill/>
+          </a:ln>
+        </p:spPr>
+        <p:txBody>
+          <a:bodyPr wrap="square" lIns="28800" tIns="28800" rIns="28800" bIns="14400" rtlCol="0">
+            <a:spAutoFit/>
+          </a:bodyPr>
+          <a:lstStyle/>
+          <a:p>
+            <a:pPr algn="ctr"/>
+            <a:r>
+              <a:rPr kumimoji="1" lang="ja-JP" altLang="en-US" sz="500" b="1" dirty="0">
+                <a:solidFill>
+                  <a:schemeClr val="tx1">
+                    <a:lumMod val="85000"/>
+                    <a:lumOff val="15000"/>
+                  </a:schemeClr>
+                </a:solidFill>
+                <a:latin typeface="Noto Sans JP" panose="020B0200000000000000" pitchFamily="50" charset="-128"/>
+                <a:ea typeface="Noto Sans JP" panose="020B0200000000000000" pitchFamily="50" charset="-128"/>
+              </a:rPr>
+              <a:t>ボールを</a:t>
+            </a:r>
+            <a:endParaRPr kumimoji="1" lang="en-US" altLang="ja-JP" sz="500" b="1" dirty="0">
+              <a:solidFill>
+                <a:schemeClr val="tx1">
+                  <a:lumMod val="85000"/>
+                  <a:lumOff val="15000"/>
+                </a:schemeClr>
+              </a:solidFill>
+              <a:latin typeface="Noto Sans JP" panose="020B0200000000000000" pitchFamily="50" charset="-128"/>
+              <a:ea typeface="Noto Sans JP" panose="020B0200000000000000" pitchFamily="50" charset="-128"/>
+            </a:endParaRPr>
+          </a:p>
+          <a:p>
+            <a:pPr algn="ctr"/>
+            <a:r>
+              <a:rPr kumimoji="1" lang="ja-JP" altLang="en-US" sz="800" b="1" dirty="0">
+                <a:solidFill>
+                  <a:schemeClr val="tx1">
+                    <a:lumMod val="85000"/>
+                    <a:lumOff val="15000"/>
+                  </a:schemeClr>
+                </a:solidFill>
+                <a:latin typeface="Noto Sans JP" panose="020B0200000000000000" pitchFamily="50" charset="-128"/>
+                <a:ea typeface="Noto Sans JP" panose="020B0200000000000000" pitchFamily="50" charset="-128"/>
+              </a:rPr>
+              <a:t>運搬・キック</a:t>
+            </a:r>
+            <a:endParaRPr kumimoji="1" lang="ja-JP" altLang="en-US" sz="500" b="1" dirty="0">
+              <a:solidFill>
+                <a:schemeClr val="tx1">
+                  <a:lumMod val="85000"/>
+                  <a:lumOff val="15000"/>
+                </a:schemeClr>
+              </a:solidFill>
+              <a:latin typeface="Noto Sans JP" panose="020B0200000000000000" pitchFamily="50" charset="-128"/>
+              <a:ea typeface="Noto Sans JP" panose="020B0200000000000000" pitchFamily="50" charset="-128"/>
+            </a:endParaRPr>
+          </a:p>
+        </p:txBody>
+      </p:sp>
+      <p:sp>
+        <p:nvSpPr>
+          <p:cNvPr id="1041" name="テキスト ボックス 1040">
+            <a:extLst>
+              <a:ext uri="{FF2B5EF4-FFF2-40B4-BE49-F238E27FC236}">
+                <a16:creationId xmlns:a16="http://schemas.microsoft.com/office/drawing/2014/main" id="{87137DBF-48C2-5F63-80F2-9D5AEDC415F9}"/>
+              </a:ext>
+            </a:extLst>
+          </p:cNvPr>
+          <p:cNvSpPr txBox="1"/>
+          <p:nvPr/>
+        </p:nvSpPr>
+        <p:spPr>
+          <a:xfrm>
+            <a:off x="122622" y="8412425"/>
+            <a:ext cx="2164346" cy="369332"/>
+          </a:xfrm>
+          <a:prstGeom prst="rect">
+            <a:avLst/>
+          </a:prstGeom>
+          <a:noFill/>
+        </p:spPr>
+        <p:txBody>
+          <a:bodyPr wrap="square" rtlCol="0">
+            <a:spAutoFit/>
+          </a:bodyPr>
+          <a:lstStyle/>
+          <a:p>
+            <a:r>
+              <a:rPr kumimoji="1" lang="ja-JP" altLang="en-US" sz="800" dirty="0">
+                <a:solidFill>
+                  <a:schemeClr val="tx1">
+                    <a:lumMod val="85000"/>
+                    <a:lumOff val="15000"/>
+                  </a:schemeClr>
+                </a:solidFill>
+                <a:latin typeface="Noto Sans JP" panose="020B0200000000000000" pitchFamily="50" charset="-128"/>
+                <a:ea typeface="Noto Sans JP" panose="020B0200000000000000" pitchFamily="50" charset="-128"/>
+              </a:rPr>
+              <a:t>ソレノイド </a:t>
+            </a:r>
+            <a:r>
+              <a:rPr kumimoji="1" lang="en-US" altLang="ja-JP" sz="800" dirty="0">
+                <a:solidFill>
+                  <a:schemeClr val="tx1">
+                    <a:lumMod val="85000"/>
+                    <a:lumOff val="15000"/>
+                  </a:schemeClr>
+                </a:solidFill>
+                <a:latin typeface="Noto Sans JP" panose="020B0200000000000000" pitchFamily="50" charset="-128"/>
+                <a:ea typeface="Noto Sans JP" panose="020B0200000000000000" pitchFamily="50" charset="-128"/>
+              </a:rPr>
+              <a:t>: </a:t>
+            </a:r>
+            <a:r>
+              <a:rPr kumimoji="1" lang="en-US" altLang="ja-JP" sz="900" b="1" dirty="0">
+                <a:solidFill>
+                  <a:srgbClr val="073849"/>
+                </a:solidFill>
+                <a:latin typeface="Noto Sans JP" panose="020B0200000000000000" pitchFamily="50" charset="-128"/>
+                <a:ea typeface="Noto Sans JP" panose="020B0200000000000000" pitchFamily="50" charset="-128"/>
+              </a:rPr>
+              <a:t>CB1029 </a:t>
+            </a:r>
+            <a:r>
+              <a:rPr kumimoji="1" lang="en-US" altLang="ja-JP" sz="700" b="1" dirty="0">
+                <a:solidFill>
+                  <a:srgbClr val="073849"/>
+                </a:solidFill>
+                <a:latin typeface="Noto Sans JP" panose="020B0200000000000000" pitchFamily="50" charset="-128"/>
+                <a:ea typeface="Noto Sans JP" panose="020B0200000000000000" pitchFamily="50" charset="-128"/>
+              </a:rPr>
+              <a:t>(</a:t>
+            </a:r>
+            <a:r>
+              <a:rPr kumimoji="1" lang="ja-JP" altLang="en-US" sz="700" b="1" dirty="0">
+                <a:solidFill>
+                  <a:srgbClr val="073849"/>
+                </a:solidFill>
+                <a:latin typeface="Noto Sans JP" panose="020B0200000000000000" pitchFamily="50" charset="-128"/>
+                <a:ea typeface="Noto Sans JP" panose="020B0200000000000000" pitchFamily="50" charset="-128"/>
+              </a:rPr>
+              <a:t>タカハ機工</a:t>
+            </a:r>
+            <a:r>
+              <a:rPr kumimoji="1" lang="en-US" altLang="ja-JP" sz="700" b="1" dirty="0">
+                <a:solidFill>
+                  <a:srgbClr val="073849"/>
+                </a:solidFill>
+                <a:latin typeface="Noto Sans JP" panose="020B0200000000000000" pitchFamily="50" charset="-128"/>
+                <a:ea typeface="Noto Sans JP" panose="020B0200000000000000" pitchFamily="50" charset="-128"/>
+              </a:rPr>
+              <a:t>) </a:t>
+            </a:r>
+            <a:r>
+              <a:rPr kumimoji="1" lang="en-US" altLang="ja-JP" sz="800" dirty="0">
+                <a:solidFill>
+                  <a:schemeClr val="tx1">
+                    <a:lumMod val="85000"/>
+                    <a:lumOff val="15000"/>
+                  </a:schemeClr>
+                </a:solidFill>
+                <a:latin typeface="Noto Sans JP" panose="020B0200000000000000" pitchFamily="50" charset="-128"/>
+                <a:ea typeface="Noto Sans JP" panose="020B0200000000000000" pitchFamily="50" charset="-128"/>
+              </a:rPr>
+              <a:t>x2</a:t>
+            </a:r>
+          </a:p>
+          <a:p>
+            <a:r>
+              <a:rPr kumimoji="1" lang="en-US" altLang="ja-JP" sz="800" dirty="0">
+                <a:solidFill>
+                  <a:schemeClr val="tx1">
+                    <a:lumMod val="85000"/>
+                    <a:lumOff val="15000"/>
+                  </a:schemeClr>
+                </a:solidFill>
+                <a:latin typeface="Noto Sans JP" panose="020B0200000000000000" pitchFamily="50" charset="-128"/>
+                <a:ea typeface="Noto Sans JP" panose="020B0200000000000000" pitchFamily="50" charset="-128"/>
+              </a:rPr>
+              <a:t>BLDC : </a:t>
+            </a:r>
+            <a:r>
+              <a:rPr lang="en-US" altLang="ja-JP" sz="900" b="1" i="0" dirty="0">
+                <a:solidFill>
+                  <a:srgbClr val="073849"/>
+                </a:solidFill>
+                <a:effectLst/>
+                <a:latin typeface="Noto Sans JP" panose="020B0200000000000000" pitchFamily="50" charset="-128"/>
+                <a:ea typeface="Noto Sans JP" panose="020B0200000000000000" pitchFamily="50" charset="-128"/>
+              </a:rPr>
+              <a:t>Mini 1525 3500KV </a:t>
+            </a:r>
+            <a:r>
+              <a:rPr lang="en-US" altLang="ja-JP" sz="800" i="0" dirty="0">
+                <a:solidFill>
+                  <a:schemeClr val="tx1">
+                    <a:lumMod val="85000"/>
+                    <a:lumOff val="15000"/>
+                  </a:schemeClr>
+                </a:solidFill>
+                <a:effectLst/>
+                <a:latin typeface="Noto Sans JP" panose="020B0200000000000000" pitchFamily="50" charset="-128"/>
+                <a:ea typeface="Noto Sans JP" panose="020B0200000000000000" pitchFamily="50" charset="-128"/>
+              </a:rPr>
+              <a:t>x2</a:t>
+            </a:r>
+            <a:endParaRPr kumimoji="1" lang="ja-JP" altLang="en-US" sz="900" dirty="0">
+              <a:solidFill>
+                <a:schemeClr val="tx1">
+                  <a:lumMod val="85000"/>
+                  <a:lumOff val="15000"/>
+                </a:schemeClr>
+              </a:solidFill>
+              <a:latin typeface="Noto Sans JP" panose="020B0200000000000000" pitchFamily="50" charset="-128"/>
+              <a:ea typeface="Noto Sans JP" panose="020B0200000000000000" pitchFamily="50" charset="-128"/>
+            </a:endParaRPr>
+          </a:p>
+        </p:txBody>
+      </p:sp>
+      <p:sp>
+        <p:nvSpPr>
+          <p:cNvPr id="1043" name="テキスト ボックス 1042">
+            <a:extLst>
+              <a:ext uri="{FF2B5EF4-FFF2-40B4-BE49-F238E27FC236}">
+                <a16:creationId xmlns:a16="http://schemas.microsoft.com/office/drawing/2014/main" id="{B48753A6-30FE-52C7-1856-BF23D486101E}"/>
+              </a:ext>
+            </a:extLst>
+          </p:cNvPr>
+          <p:cNvSpPr txBox="1"/>
+          <p:nvPr/>
+        </p:nvSpPr>
+        <p:spPr>
+          <a:xfrm>
+            <a:off x="109832" y="8742471"/>
+            <a:ext cx="3649299" cy="1880130"/>
+          </a:xfrm>
+          <a:prstGeom prst="rect">
+            <a:avLst/>
+          </a:prstGeom>
+          <a:noFill/>
+        </p:spPr>
+        <p:txBody>
+          <a:bodyPr wrap="square" rtlCol="0">
+            <a:spAutoFit/>
+          </a:bodyPr>
+          <a:lstStyle/>
+          <a:p>
+            <a:pPr>
+              <a:lnSpc>
+                <a:spcPts val="960"/>
+              </a:lnSpc>
+            </a:pPr>
+            <a:r>
+              <a:rPr kumimoji="1" lang="ja-JP" altLang="en-US" sz="800" dirty="0">
+                <a:solidFill>
+                  <a:schemeClr val="tx1">
+                    <a:lumMod val="85000"/>
+                    <a:lumOff val="15000"/>
+                  </a:schemeClr>
+                </a:solidFill>
+                <a:latin typeface="Noto Sans JP" panose="020B0200000000000000" pitchFamily="50" charset="-128"/>
+                <a:ea typeface="Noto Sans JP" panose="020B0200000000000000" pitchFamily="50" charset="-128"/>
+              </a:rPr>
+              <a:t>　私たちのロボットには前後にドリブラーとキッカーを搭載しています。ボールをキックするキッカーについて、オープンリーグではロボットの直径が</a:t>
+            </a:r>
+            <a:r>
+              <a:rPr kumimoji="1" lang="en-US" altLang="ja-JP" sz="800" dirty="0">
+                <a:solidFill>
+                  <a:schemeClr val="tx1">
+                    <a:lumMod val="85000"/>
+                    <a:lumOff val="15000"/>
+                  </a:schemeClr>
+                </a:solidFill>
+                <a:latin typeface="Noto Sans JP" panose="020B0200000000000000" pitchFamily="50" charset="-128"/>
+                <a:ea typeface="Noto Sans JP" panose="020B0200000000000000" pitchFamily="50" charset="-128"/>
+              </a:rPr>
+              <a:t>18cm</a:t>
+            </a:r>
+            <a:r>
+              <a:rPr kumimoji="1" lang="ja-JP" altLang="en-US" sz="800" dirty="0">
+                <a:solidFill>
+                  <a:schemeClr val="tx1">
+                    <a:lumMod val="85000"/>
+                    <a:lumOff val="15000"/>
+                  </a:schemeClr>
+                </a:solidFill>
+                <a:latin typeface="Noto Sans JP" panose="020B0200000000000000" pitchFamily="50" charset="-128"/>
+                <a:ea typeface="Noto Sans JP" panose="020B0200000000000000" pitchFamily="50" charset="-128"/>
+              </a:rPr>
+              <a:t>という制限が存在しているので、ライトウェイトで使用していた</a:t>
+            </a:r>
+            <a:endParaRPr kumimoji="1" lang="en-US" altLang="ja-JP" sz="800" dirty="0">
+              <a:solidFill>
+                <a:schemeClr val="tx1">
+                  <a:lumMod val="85000"/>
+                  <a:lumOff val="15000"/>
+                </a:schemeClr>
+              </a:solidFill>
+              <a:latin typeface="Noto Sans JP" panose="020B0200000000000000" pitchFamily="50" charset="-128"/>
+              <a:ea typeface="Noto Sans JP" panose="020B0200000000000000" pitchFamily="50" charset="-128"/>
+            </a:endParaRPr>
+          </a:p>
+          <a:p>
+            <a:pPr>
+              <a:lnSpc>
+                <a:spcPts val="960"/>
+              </a:lnSpc>
+            </a:pPr>
+            <a:r>
+              <a:rPr kumimoji="1" lang="ja-JP" altLang="en-US" sz="800" b="1" dirty="0">
+                <a:solidFill>
+                  <a:srgbClr val="073849"/>
+                </a:solidFill>
+                <a:latin typeface="Noto Sans JP" panose="020B0200000000000000" pitchFamily="50" charset="-128"/>
+                <a:ea typeface="Noto Sans JP" panose="020B0200000000000000" pitchFamily="50" charset="-128"/>
+              </a:rPr>
+              <a:t>ソレノイド</a:t>
+            </a:r>
+            <a:r>
+              <a:rPr kumimoji="1" lang="en-US" altLang="ja-JP" sz="800" b="1" dirty="0">
+                <a:solidFill>
+                  <a:srgbClr val="073849"/>
+                </a:solidFill>
+                <a:latin typeface="Noto Sans JP" panose="020B0200000000000000" pitchFamily="50" charset="-128"/>
+                <a:ea typeface="Noto Sans JP" panose="020B0200000000000000" pitchFamily="50" charset="-128"/>
+              </a:rPr>
+              <a:t>(CB1037)</a:t>
+            </a:r>
+            <a:r>
+              <a:rPr kumimoji="1" lang="ja-JP" altLang="en-US" sz="800" b="1" dirty="0">
+                <a:solidFill>
+                  <a:srgbClr val="073849"/>
+                </a:solidFill>
+                <a:latin typeface="Noto Sans JP" panose="020B0200000000000000" pitchFamily="50" charset="-128"/>
+                <a:ea typeface="Noto Sans JP" panose="020B0200000000000000" pitchFamily="50" charset="-128"/>
+              </a:rPr>
+              <a:t>より</a:t>
+            </a:r>
+            <a:r>
+              <a:rPr kumimoji="1" lang="en-US" altLang="ja-JP" sz="800" b="1" dirty="0">
+                <a:solidFill>
+                  <a:srgbClr val="073849"/>
+                </a:solidFill>
+                <a:latin typeface="Noto Sans JP" panose="020B0200000000000000" pitchFamily="50" charset="-128"/>
+                <a:ea typeface="Noto Sans JP" panose="020B0200000000000000" pitchFamily="50" charset="-128"/>
+              </a:rPr>
+              <a:t>1</a:t>
+            </a:r>
+            <a:r>
+              <a:rPr kumimoji="1" lang="ja-JP" altLang="en-US" sz="800" b="1" dirty="0">
+                <a:solidFill>
+                  <a:srgbClr val="073849"/>
+                </a:solidFill>
+                <a:latin typeface="Noto Sans JP" panose="020B0200000000000000" pitchFamily="50" charset="-128"/>
+                <a:ea typeface="Noto Sans JP" panose="020B0200000000000000" pitchFamily="50" charset="-128"/>
+              </a:rPr>
+              <a:t>回り小さい</a:t>
+            </a:r>
+            <a:r>
+              <a:rPr kumimoji="1" lang="en-US" altLang="ja-JP" sz="800" b="1" dirty="0">
+                <a:solidFill>
+                  <a:srgbClr val="073849"/>
+                </a:solidFill>
+                <a:latin typeface="Noto Sans JP" panose="020B0200000000000000" pitchFamily="50" charset="-128"/>
+                <a:ea typeface="Noto Sans JP" panose="020B0200000000000000" pitchFamily="50" charset="-128"/>
+              </a:rPr>
+              <a:t>CB1029</a:t>
+            </a:r>
+            <a:r>
+              <a:rPr kumimoji="1" lang="ja-JP" altLang="en-US" sz="800" b="1" dirty="0">
+                <a:solidFill>
+                  <a:srgbClr val="073849"/>
+                </a:solidFill>
+                <a:latin typeface="Noto Sans JP" panose="020B0200000000000000" pitchFamily="50" charset="-128"/>
+                <a:ea typeface="Noto Sans JP" panose="020B0200000000000000" pitchFamily="50" charset="-128"/>
+              </a:rPr>
+              <a:t>を採用しています</a:t>
+            </a:r>
+            <a:r>
+              <a:rPr kumimoji="1" lang="ja-JP" altLang="en-US" sz="800" dirty="0">
+                <a:solidFill>
+                  <a:schemeClr val="tx1">
+                    <a:lumMod val="85000"/>
+                    <a:lumOff val="15000"/>
+                  </a:schemeClr>
+                </a:solidFill>
+                <a:latin typeface="Noto Sans JP" panose="020B0200000000000000" pitchFamily="50" charset="-128"/>
+                <a:ea typeface="Noto Sans JP" panose="020B0200000000000000" pitchFamily="50" charset="-128"/>
+              </a:rPr>
+              <a:t>。キッカーの回路では、</a:t>
+            </a:r>
+            <a:r>
+              <a:rPr kumimoji="1" lang="en-US" altLang="ja-JP" sz="800" dirty="0">
+                <a:solidFill>
+                  <a:schemeClr val="tx1">
+                    <a:lumMod val="85000"/>
+                    <a:lumOff val="15000"/>
+                  </a:schemeClr>
+                </a:solidFill>
+                <a:latin typeface="Noto Sans JP" panose="020B0200000000000000" pitchFamily="50" charset="-128"/>
+                <a:ea typeface="Noto Sans JP" panose="020B0200000000000000" pitchFamily="50" charset="-128"/>
+              </a:rPr>
+              <a:t>PchMOSFET</a:t>
+            </a:r>
+            <a:r>
+              <a:rPr kumimoji="1" lang="ja-JP" altLang="en-US" sz="800" dirty="0">
+                <a:solidFill>
+                  <a:schemeClr val="tx1">
+                    <a:lumMod val="85000"/>
+                    <a:lumOff val="15000"/>
+                  </a:schemeClr>
+                </a:solidFill>
+                <a:latin typeface="Noto Sans JP" panose="020B0200000000000000" pitchFamily="50" charset="-128"/>
+                <a:ea typeface="Noto Sans JP" panose="020B0200000000000000" pitchFamily="50" charset="-128"/>
+              </a:rPr>
+              <a:t>と</a:t>
+            </a:r>
+            <a:r>
+              <a:rPr kumimoji="1" lang="en-US" altLang="ja-JP" sz="800" dirty="0">
+                <a:solidFill>
+                  <a:schemeClr val="tx1">
+                    <a:lumMod val="85000"/>
+                    <a:lumOff val="15000"/>
+                  </a:schemeClr>
+                </a:solidFill>
+                <a:latin typeface="Noto Sans JP" panose="020B0200000000000000" pitchFamily="50" charset="-128"/>
+                <a:ea typeface="Noto Sans JP" panose="020B0200000000000000" pitchFamily="50" charset="-128"/>
+              </a:rPr>
+              <a:t>NchMOSFET</a:t>
+            </a:r>
+            <a:r>
+              <a:rPr kumimoji="1" lang="ja-JP" altLang="en-US" sz="800" dirty="0">
+                <a:solidFill>
+                  <a:schemeClr val="tx1">
+                    <a:lumMod val="85000"/>
+                    <a:lumOff val="15000"/>
+                  </a:schemeClr>
+                </a:solidFill>
+                <a:latin typeface="Noto Sans JP" panose="020B0200000000000000" pitchFamily="50" charset="-128"/>
+                <a:ea typeface="Noto Sans JP" panose="020B0200000000000000" pitchFamily="50" charset="-128"/>
+              </a:rPr>
+              <a:t>を利用してコンデンサの充電部分とソレノイドの駆動部分を分離し、ノイズを低減しています。</a:t>
+            </a:r>
+            <a:endParaRPr kumimoji="1" lang="en-US" altLang="ja-JP" sz="800" dirty="0">
+              <a:solidFill>
+                <a:schemeClr val="tx1">
+                  <a:lumMod val="85000"/>
+                  <a:lumOff val="15000"/>
+                </a:schemeClr>
+              </a:solidFill>
+              <a:latin typeface="Noto Sans JP" panose="020B0200000000000000" pitchFamily="50" charset="-128"/>
+              <a:ea typeface="Noto Sans JP" panose="020B0200000000000000" pitchFamily="50" charset="-128"/>
+            </a:endParaRPr>
+          </a:p>
+          <a:p>
+            <a:pPr>
+              <a:lnSpc>
+                <a:spcPts val="960"/>
+              </a:lnSpc>
+            </a:pPr>
+            <a:r>
+              <a:rPr kumimoji="1" lang="ja-JP" altLang="en-US" sz="800" dirty="0">
+                <a:solidFill>
+                  <a:schemeClr val="tx1">
+                    <a:lumMod val="85000"/>
+                    <a:lumOff val="15000"/>
+                  </a:schemeClr>
+                </a:solidFill>
+                <a:latin typeface="Noto Sans JP" panose="020B0200000000000000" pitchFamily="50" charset="-128"/>
+                <a:ea typeface="Noto Sans JP" panose="020B0200000000000000" pitchFamily="50" charset="-128"/>
+              </a:rPr>
+              <a:t>　また、ボールを運搬するためのドリブラー</a:t>
+            </a:r>
+            <a:endParaRPr kumimoji="1" lang="en-US" altLang="ja-JP" sz="800" dirty="0">
+              <a:solidFill>
+                <a:schemeClr val="tx1">
+                  <a:lumMod val="85000"/>
+                  <a:lumOff val="15000"/>
+                </a:schemeClr>
+              </a:solidFill>
+              <a:latin typeface="Noto Sans JP" panose="020B0200000000000000" pitchFamily="50" charset="-128"/>
+              <a:ea typeface="Noto Sans JP" panose="020B0200000000000000" pitchFamily="50" charset="-128"/>
+            </a:endParaRPr>
+          </a:p>
+          <a:p>
+            <a:pPr>
+              <a:lnSpc>
+                <a:spcPts val="960"/>
+              </a:lnSpc>
+            </a:pPr>
+            <a:r>
+              <a:rPr kumimoji="1" lang="ja-JP" altLang="en-US" sz="800" dirty="0">
+                <a:solidFill>
+                  <a:schemeClr val="tx1">
+                    <a:lumMod val="85000"/>
+                    <a:lumOff val="15000"/>
+                  </a:schemeClr>
+                </a:solidFill>
+                <a:latin typeface="Noto Sans JP" panose="020B0200000000000000" pitchFamily="50" charset="-128"/>
+                <a:ea typeface="Noto Sans JP" panose="020B0200000000000000" pitchFamily="50" charset="-128"/>
+              </a:rPr>
+              <a:t>には</a:t>
+            </a:r>
+            <a:r>
+              <a:rPr kumimoji="1" lang="en-US" altLang="ja-JP" sz="800" dirty="0">
+                <a:solidFill>
+                  <a:schemeClr val="tx1">
+                    <a:lumMod val="85000"/>
+                    <a:lumOff val="15000"/>
+                  </a:schemeClr>
+                </a:solidFill>
+                <a:latin typeface="Noto Sans JP" panose="020B0200000000000000" pitchFamily="50" charset="-128"/>
+                <a:ea typeface="Noto Sans JP" panose="020B0200000000000000" pitchFamily="50" charset="-128"/>
+              </a:rPr>
+              <a:t>BLDC</a:t>
+            </a:r>
+            <a:r>
+              <a:rPr kumimoji="1" lang="ja-JP" altLang="en-US" sz="800" dirty="0">
+                <a:solidFill>
+                  <a:schemeClr val="tx1">
+                    <a:lumMod val="85000"/>
+                    <a:lumOff val="15000"/>
+                  </a:schemeClr>
+                </a:solidFill>
+                <a:latin typeface="Noto Sans JP" panose="020B0200000000000000" pitchFamily="50" charset="-128"/>
+                <a:ea typeface="Noto Sans JP" panose="020B0200000000000000" pitchFamily="50" charset="-128"/>
+              </a:rPr>
+              <a:t>を採用することで、</a:t>
+            </a:r>
+            <a:r>
+              <a:rPr kumimoji="1" lang="en-US" altLang="ja-JP" sz="800" dirty="0">
+                <a:solidFill>
+                  <a:schemeClr val="tx1">
+                    <a:lumMod val="85000"/>
+                    <a:lumOff val="15000"/>
+                  </a:schemeClr>
+                </a:solidFill>
+                <a:latin typeface="Noto Sans JP" panose="020B0200000000000000" pitchFamily="50" charset="-128"/>
+                <a:ea typeface="Noto Sans JP" panose="020B0200000000000000" pitchFamily="50" charset="-128"/>
+              </a:rPr>
+              <a:t>DC</a:t>
+            </a:r>
+            <a:r>
+              <a:rPr kumimoji="1" lang="ja-JP" altLang="en-US" sz="800" dirty="0">
+                <a:solidFill>
+                  <a:schemeClr val="tx1">
+                    <a:lumMod val="85000"/>
+                    <a:lumOff val="15000"/>
+                  </a:schemeClr>
+                </a:solidFill>
+                <a:latin typeface="Noto Sans JP" panose="020B0200000000000000" pitchFamily="50" charset="-128"/>
+                <a:ea typeface="Noto Sans JP" panose="020B0200000000000000" pitchFamily="50" charset="-128"/>
+              </a:rPr>
+              <a:t>モーター</a:t>
+            </a:r>
+            <a:endParaRPr kumimoji="1" lang="en-US" altLang="ja-JP" sz="800" dirty="0">
+              <a:solidFill>
+                <a:schemeClr val="tx1">
+                  <a:lumMod val="85000"/>
+                  <a:lumOff val="15000"/>
+                </a:schemeClr>
+              </a:solidFill>
+              <a:latin typeface="Noto Sans JP" panose="020B0200000000000000" pitchFamily="50" charset="-128"/>
+              <a:ea typeface="Noto Sans JP" panose="020B0200000000000000" pitchFamily="50" charset="-128"/>
+            </a:endParaRPr>
+          </a:p>
+          <a:p>
+            <a:pPr>
+              <a:lnSpc>
+                <a:spcPts val="960"/>
+              </a:lnSpc>
+            </a:pPr>
+            <a:r>
+              <a:rPr kumimoji="1" lang="ja-JP" altLang="en-US" sz="800" dirty="0">
+                <a:solidFill>
+                  <a:schemeClr val="tx1">
+                    <a:lumMod val="85000"/>
+                    <a:lumOff val="15000"/>
+                  </a:schemeClr>
+                </a:solidFill>
+                <a:latin typeface="Noto Sans JP" panose="020B0200000000000000" pitchFamily="50" charset="-128"/>
+                <a:ea typeface="Noto Sans JP" panose="020B0200000000000000" pitchFamily="50" charset="-128"/>
+              </a:rPr>
+              <a:t>よりも</a:t>
+            </a:r>
+            <a:r>
+              <a:rPr kumimoji="1" lang="ja-JP" altLang="en-US" sz="800" b="1" dirty="0">
+                <a:solidFill>
+                  <a:srgbClr val="073849"/>
+                </a:solidFill>
+                <a:latin typeface="Noto Sans JP" panose="020B0200000000000000" pitchFamily="50" charset="-128"/>
+                <a:ea typeface="Noto Sans JP" panose="020B0200000000000000" pitchFamily="50" charset="-128"/>
+              </a:rPr>
+              <a:t>ドリブラー部分を小型化する</a:t>
+            </a:r>
+            <a:r>
+              <a:rPr kumimoji="1" lang="ja-JP" altLang="en-US" sz="800" dirty="0">
+                <a:solidFill>
+                  <a:schemeClr val="tx1">
+                    <a:lumMod val="85000"/>
+                    <a:lumOff val="15000"/>
+                  </a:schemeClr>
+                </a:solidFill>
+                <a:latin typeface="Noto Sans JP" panose="020B0200000000000000" pitchFamily="50" charset="-128"/>
+                <a:ea typeface="Noto Sans JP" panose="020B0200000000000000" pitchFamily="50" charset="-128"/>
+              </a:rPr>
+              <a:t>ことが</a:t>
+            </a:r>
+            <a:endParaRPr kumimoji="1" lang="en-US" altLang="ja-JP" sz="800" dirty="0">
+              <a:solidFill>
+                <a:schemeClr val="tx1">
+                  <a:lumMod val="85000"/>
+                  <a:lumOff val="15000"/>
+                </a:schemeClr>
+              </a:solidFill>
+              <a:latin typeface="Noto Sans JP" panose="020B0200000000000000" pitchFamily="50" charset="-128"/>
+              <a:ea typeface="Noto Sans JP" panose="020B0200000000000000" pitchFamily="50" charset="-128"/>
+            </a:endParaRPr>
+          </a:p>
+          <a:p>
+            <a:pPr>
+              <a:lnSpc>
+                <a:spcPts val="960"/>
+              </a:lnSpc>
+            </a:pPr>
+            <a:r>
+              <a:rPr kumimoji="1" lang="ja-JP" altLang="en-US" sz="800" dirty="0">
+                <a:solidFill>
+                  <a:schemeClr val="tx1">
+                    <a:lumMod val="85000"/>
+                    <a:lumOff val="15000"/>
+                  </a:schemeClr>
+                </a:solidFill>
+                <a:latin typeface="Noto Sans JP" panose="020B0200000000000000" pitchFamily="50" charset="-128"/>
+                <a:ea typeface="Noto Sans JP" panose="020B0200000000000000" pitchFamily="50" charset="-128"/>
+              </a:rPr>
+              <a:t>できました。</a:t>
+            </a:r>
+            <a:endParaRPr kumimoji="1" lang="en-US" altLang="ja-JP" sz="800" dirty="0">
+              <a:solidFill>
+                <a:schemeClr val="tx1">
+                  <a:lumMod val="85000"/>
+                  <a:lumOff val="15000"/>
+                </a:schemeClr>
+              </a:solidFill>
+              <a:latin typeface="Noto Sans JP" panose="020B0200000000000000" pitchFamily="50" charset="-128"/>
+              <a:ea typeface="Noto Sans JP" panose="020B0200000000000000" pitchFamily="50" charset="-128"/>
+            </a:endParaRPr>
+          </a:p>
+          <a:p>
+            <a:pPr>
+              <a:lnSpc>
+                <a:spcPts val="960"/>
+              </a:lnSpc>
+            </a:pPr>
+            <a:r>
+              <a:rPr kumimoji="1" lang="ja-JP" altLang="en-US" sz="800" dirty="0">
+                <a:solidFill>
+                  <a:schemeClr val="tx1">
+                    <a:lumMod val="85000"/>
+                    <a:lumOff val="15000"/>
+                  </a:schemeClr>
+                </a:solidFill>
+                <a:latin typeface="Noto Sans JP" panose="020B0200000000000000" pitchFamily="50" charset="-128"/>
+                <a:ea typeface="Noto Sans JP" panose="020B0200000000000000" pitchFamily="50" charset="-128"/>
+              </a:rPr>
+              <a:t>　ロボットのメンテナンス性を向上させる</a:t>
+            </a:r>
+            <a:endParaRPr kumimoji="1" lang="en-US" altLang="ja-JP" sz="800" dirty="0">
+              <a:solidFill>
+                <a:schemeClr val="tx1">
+                  <a:lumMod val="85000"/>
+                  <a:lumOff val="15000"/>
+                </a:schemeClr>
+              </a:solidFill>
+              <a:latin typeface="Noto Sans JP" panose="020B0200000000000000" pitchFamily="50" charset="-128"/>
+              <a:ea typeface="Noto Sans JP" panose="020B0200000000000000" pitchFamily="50" charset="-128"/>
+            </a:endParaRPr>
+          </a:p>
+          <a:p>
+            <a:pPr>
+              <a:lnSpc>
+                <a:spcPts val="960"/>
+              </a:lnSpc>
+            </a:pPr>
+            <a:r>
+              <a:rPr kumimoji="1" lang="ja-JP" altLang="en-US" sz="800" dirty="0">
+                <a:solidFill>
+                  <a:schemeClr val="tx1">
+                    <a:lumMod val="85000"/>
+                    <a:lumOff val="15000"/>
+                  </a:schemeClr>
+                </a:solidFill>
+                <a:latin typeface="Noto Sans JP" panose="020B0200000000000000" pitchFamily="50" charset="-128"/>
+                <a:ea typeface="Noto Sans JP" panose="020B0200000000000000" pitchFamily="50" charset="-128"/>
+              </a:rPr>
+              <a:t>ために、</a:t>
+            </a:r>
+            <a:r>
+              <a:rPr kumimoji="1" lang="ja-JP" altLang="en-US" sz="800" b="1" dirty="0">
+                <a:solidFill>
+                  <a:srgbClr val="073849"/>
+                </a:solidFill>
+                <a:latin typeface="Noto Sans JP" panose="020B0200000000000000" pitchFamily="50" charset="-128"/>
+                <a:ea typeface="Noto Sans JP" panose="020B0200000000000000" pitchFamily="50" charset="-128"/>
+              </a:rPr>
+              <a:t>ロボット下部のネジ</a:t>
+            </a:r>
+            <a:r>
+              <a:rPr kumimoji="1" lang="en-US" altLang="ja-JP" sz="800" b="1" dirty="0">
+                <a:solidFill>
+                  <a:srgbClr val="073849"/>
+                </a:solidFill>
+                <a:latin typeface="Noto Sans JP" panose="020B0200000000000000" pitchFamily="50" charset="-128"/>
+                <a:ea typeface="Noto Sans JP" panose="020B0200000000000000" pitchFamily="50" charset="-128"/>
+              </a:rPr>
+              <a:t>4</a:t>
+            </a:r>
+            <a:r>
+              <a:rPr kumimoji="1" lang="ja-JP" altLang="en-US" sz="800" b="1" dirty="0">
+                <a:solidFill>
+                  <a:srgbClr val="073849"/>
+                </a:solidFill>
+                <a:latin typeface="Noto Sans JP" panose="020B0200000000000000" pitchFamily="50" charset="-128"/>
+                <a:ea typeface="Noto Sans JP" panose="020B0200000000000000" pitchFamily="50" charset="-128"/>
+              </a:rPr>
+              <a:t>個を外すだけ</a:t>
+            </a:r>
+            <a:endParaRPr kumimoji="1" lang="en-US" altLang="ja-JP" sz="800" b="1" dirty="0">
+              <a:solidFill>
+                <a:srgbClr val="073849"/>
+              </a:solidFill>
+              <a:latin typeface="Noto Sans JP" panose="020B0200000000000000" pitchFamily="50" charset="-128"/>
+              <a:ea typeface="Noto Sans JP" panose="020B0200000000000000" pitchFamily="50" charset="-128"/>
+            </a:endParaRPr>
+          </a:p>
+          <a:p>
+            <a:pPr>
+              <a:lnSpc>
+                <a:spcPts val="960"/>
+              </a:lnSpc>
+            </a:pPr>
+            <a:r>
+              <a:rPr kumimoji="1" lang="ja-JP" altLang="en-US" sz="800" b="1" dirty="0">
+                <a:solidFill>
+                  <a:srgbClr val="073849"/>
+                </a:solidFill>
+                <a:latin typeface="Noto Sans JP" panose="020B0200000000000000" pitchFamily="50" charset="-128"/>
+                <a:ea typeface="Noto Sans JP" panose="020B0200000000000000" pitchFamily="50" charset="-128"/>
+              </a:rPr>
+              <a:t>でこのユニットにアクセスすることが</a:t>
+            </a:r>
+            <a:endParaRPr kumimoji="1" lang="en-US" altLang="ja-JP" sz="800" b="1" dirty="0">
+              <a:solidFill>
+                <a:srgbClr val="073849"/>
+              </a:solidFill>
+              <a:latin typeface="Noto Sans JP" panose="020B0200000000000000" pitchFamily="50" charset="-128"/>
+              <a:ea typeface="Noto Sans JP" panose="020B0200000000000000" pitchFamily="50" charset="-128"/>
+            </a:endParaRPr>
+          </a:p>
+          <a:p>
+            <a:pPr>
+              <a:lnSpc>
+                <a:spcPts val="960"/>
+              </a:lnSpc>
+            </a:pPr>
+            <a:r>
+              <a:rPr kumimoji="1" lang="ja-JP" altLang="en-US" sz="800" b="1" dirty="0">
+                <a:solidFill>
+                  <a:srgbClr val="073849"/>
+                </a:solidFill>
+                <a:latin typeface="Noto Sans JP" panose="020B0200000000000000" pitchFamily="50" charset="-128"/>
+                <a:ea typeface="Noto Sans JP" panose="020B0200000000000000" pitchFamily="50" charset="-128"/>
+              </a:rPr>
+              <a:t>できる</a:t>
+            </a:r>
+            <a:r>
+              <a:rPr kumimoji="1" lang="ja-JP" altLang="en-US" sz="800" dirty="0">
+                <a:solidFill>
+                  <a:schemeClr val="tx1">
+                    <a:lumMod val="85000"/>
+                    <a:lumOff val="15000"/>
+                  </a:schemeClr>
+                </a:solidFill>
+                <a:latin typeface="Noto Sans JP" panose="020B0200000000000000" pitchFamily="50" charset="-128"/>
+                <a:ea typeface="Noto Sans JP" panose="020B0200000000000000" pitchFamily="50" charset="-128"/>
+              </a:rPr>
+              <a:t>ように設計しました。</a:t>
+            </a:r>
+            <a:endParaRPr kumimoji="1" lang="en-US" altLang="ja-JP" sz="800" dirty="0">
+              <a:solidFill>
+                <a:schemeClr val="tx1">
+                  <a:lumMod val="85000"/>
+                  <a:lumOff val="15000"/>
+                </a:schemeClr>
+              </a:solidFill>
+              <a:latin typeface="Noto Sans JP" panose="020B0200000000000000" pitchFamily="50" charset="-128"/>
+              <a:ea typeface="Noto Sans JP" panose="020B0200000000000000" pitchFamily="50" charset="-128"/>
+            </a:endParaRPr>
+          </a:p>
+        </p:txBody>
+      </p:sp>
+      <p:sp>
+        <p:nvSpPr>
+          <p:cNvPr id="1045" name="テキスト ボックス 1044">
+            <a:extLst>
+              <a:ext uri="{FF2B5EF4-FFF2-40B4-BE49-F238E27FC236}">
+                <a16:creationId xmlns:a16="http://schemas.microsoft.com/office/drawing/2014/main" id="{3FEDF277-9BCB-510A-11DB-3CA74BA0E158}"/>
+              </a:ext>
+            </a:extLst>
+          </p:cNvPr>
+          <p:cNvSpPr txBox="1"/>
+          <p:nvPr/>
+        </p:nvSpPr>
+        <p:spPr>
+          <a:xfrm>
+            <a:off x="41759" y="3344664"/>
+            <a:ext cx="1454490" cy="307777"/>
+          </a:xfrm>
+          <a:prstGeom prst="rect">
+            <a:avLst/>
+          </a:prstGeom>
+          <a:noFill/>
+        </p:spPr>
+        <p:txBody>
+          <a:bodyPr wrap="square" rtlCol="0">
+            <a:spAutoFit/>
+          </a:bodyPr>
+          <a:lstStyle/>
+          <a:p>
+            <a:r>
+              <a:rPr kumimoji="1" lang="ja-JP" altLang="en-US" sz="1400" b="1" dirty="0">
+                <a:solidFill>
+                  <a:srgbClr val="073849"/>
+                </a:solidFill>
+                <a:latin typeface="Noto Sans JP" panose="020B0200000000000000" pitchFamily="50" charset="-128"/>
+                <a:ea typeface="Noto Sans JP" panose="020B0200000000000000" pitchFamily="50" charset="-128"/>
+              </a:rPr>
+              <a:t>メイン基板</a:t>
+            </a:r>
+            <a:endParaRPr kumimoji="1" lang="ja-JP" altLang="en-US" sz="1400" dirty="0">
+              <a:solidFill>
+                <a:schemeClr val="tx1">
+                  <a:lumMod val="85000"/>
+                  <a:lumOff val="15000"/>
+                </a:schemeClr>
+              </a:solidFill>
+              <a:latin typeface="Noto Sans JP" panose="020B0200000000000000" pitchFamily="50" charset="-128"/>
+              <a:ea typeface="Noto Sans JP" panose="020B0200000000000000" pitchFamily="50" charset="-128"/>
+            </a:endParaRPr>
+          </a:p>
+        </p:txBody>
+      </p:sp>
+      <p:sp>
+        <p:nvSpPr>
+          <p:cNvPr id="1047" name="テキスト ボックス 1046">
+            <a:extLst>
+              <a:ext uri="{FF2B5EF4-FFF2-40B4-BE49-F238E27FC236}">
+                <a16:creationId xmlns:a16="http://schemas.microsoft.com/office/drawing/2014/main" id="{07CB02A5-8F3D-8E67-ECB1-62E03068FB52}"/>
+              </a:ext>
+            </a:extLst>
+          </p:cNvPr>
+          <p:cNvSpPr txBox="1"/>
+          <p:nvPr/>
+        </p:nvSpPr>
+        <p:spPr>
+          <a:xfrm>
+            <a:off x="1083970" y="3375668"/>
+            <a:ext cx="1089419" cy="241132"/>
+          </a:xfrm>
+          <a:prstGeom prst="rect">
+            <a:avLst/>
+          </a:prstGeom>
+          <a:solidFill>
+            <a:srgbClr val="B7FFC5"/>
+          </a:solidFill>
+          <a:ln>
+            <a:noFill/>
+          </a:ln>
+        </p:spPr>
+        <p:txBody>
+          <a:bodyPr wrap="square" lIns="28800" tIns="50400" rIns="28800" bIns="36000" rtlCol="0">
+            <a:spAutoFit/>
+          </a:bodyPr>
+          <a:lstStyle/>
+          <a:p>
+            <a:pPr algn="ctr"/>
+            <a:r>
+              <a:rPr kumimoji="1" lang="ja-JP" altLang="en-US" sz="1000" b="1" dirty="0">
+                <a:solidFill>
+                  <a:schemeClr val="tx1">
+                    <a:lumMod val="85000"/>
+                    <a:lumOff val="15000"/>
+                  </a:schemeClr>
+                </a:solidFill>
+                <a:latin typeface="Noto Sans JP" panose="020B0200000000000000" pitchFamily="50" charset="-128"/>
+                <a:ea typeface="Noto Sans JP" panose="020B0200000000000000" pitchFamily="50" charset="-128"/>
+              </a:rPr>
+              <a:t>ロボットの制御</a:t>
+            </a:r>
+          </a:p>
+        </p:txBody>
+      </p:sp>
+      <p:sp>
+        <p:nvSpPr>
+          <p:cNvPr id="1048" name="テキスト ボックス 1047">
+            <a:extLst>
+              <a:ext uri="{FF2B5EF4-FFF2-40B4-BE49-F238E27FC236}">
+                <a16:creationId xmlns:a16="http://schemas.microsoft.com/office/drawing/2014/main" id="{C7E7B241-A58A-A8A3-017A-9D336A4A28EB}"/>
+              </a:ext>
+            </a:extLst>
+          </p:cNvPr>
+          <p:cNvSpPr txBox="1"/>
+          <p:nvPr/>
+        </p:nvSpPr>
+        <p:spPr>
+          <a:xfrm>
+            <a:off x="11207272" y="4364840"/>
+            <a:ext cx="1089419" cy="241132"/>
+          </a:xfrm>
+          <a:prstGeom prst="rect">
+            <a:avLst/>
+          </a:prstGeom>
+          <a:solidFill>
+            <a:srgbClr val="B7FFC5"/>
+          </a:solidFill>
+          <a:ln>
+            <a:noFill/>
+          </a:ln>
+        </p:spPr>
+        <p:txBody>
+          <a:bodyPr wrap="square" lIns="28800" tIns="50400" rIns="28800" bIns="36000" rtlCol="0">
+            <a:spAutoFit/>
+          </a:bodyPr>
+          <a:lstStyle/>
+          <a:p>
+            <a:pPr algn="ctr"/>
+            <a:r>
+              <a:rPr kumimoji="1" lang="ja-JP" altLang="en-US" sz="1000" b="1" dirty="0">
+                <a:solidFill>
+                  <a:schemeClr val="tx1">
+                    <a:lumMod val="85000"/>
+                    <a:lumOff val="15000"/>
+                  </a:schemeClr>
+                </a:solidFill>
+                <a:latin typeface="Noto Sans JP" panose="020B0200000000000000" pitchFamily="50" charset="-128"/>
+                <a:ea typeface="Noto Sans JP" panose="020B0200000000000000" pitchFamily="50" charset="-128"/>
+              </a:rPr>
+              <a:t>ソフトウェア</a:t>
+            </a:r>
+          </a:p>
+        </p:txBody>
+      </p:sp>
+      <p:sp>
+        <p:nvSpPr>
+          <p:cNvPr id="1049" name="テキスト ボックス 1048">
+            <a:extLst>
+              <a:ext uri="{FF2B5EF4-FFF2-40B4-BE49-F238E27FC236}">
+                <a16:creationId xmlns:a16="http://schemas.microsoft.com/office/drawing/2014/main" id="{6B1125AF-8B2C-7060-D79A-07B2FBFC2220}"/>
+              </a:ext>
+            </a:extLst>
+          </p:cNvPr>
+          <p:cNvSpPr txBox="1"/>
+          <p:nvPr/>
+        </p:nvSpPr>
+        <p:spPr>
+          <a:xfrm>
+            <a:off x="9687295" y="7078166"/>
+            <a:ext cx="1089419" cy="241132"/>
+          </a:xfrm>
+          <a:prstGeom prst="rect">
+            <a:avLst/>
+          </a:prstGeom>
+          <a:solidFill>
+            <a:srgbClr val="B7FFC5"/>
+          </a:solidFill>
+          <a:ln>
+            <a:noFill/>
+          </a:ln>
+        </p:spPr>
+        <p:txBody>
+          <a:bodyPr wrap="square" lIns="28800" tIns="50400" rIns="28800" bIns="36000" rtlCol="0">
+            <a:spAutoFit/>
+          </a:bodyPr>
+          <a:lstStyle/>
+          <a:p>
+            <a:pPr algn="ctr"/>
+            <a:r>
+              <a:rPr kumimoji="1" lang="ja-JP" altLang="en-US" sz="1000" b="1" dirty="0">
+                <a:solidFill>
+                  <a:schemeClr val="tx1">
+                    <a:lumMod val="85000"/>
+                    <a:lumOff val="15000"/>
+                  </a:schemeClr>
+                </a:solidFill>
+                <a:latin typeface="Noto Sans JP" panose="020B0200000000000000" pitchFamily="50" charset="-128"/>
+                <a:ea typeface="Noto Sans JP" panose="020B0200000000000000" pitchFamily="50" charset="-128"/>
+              </a:rPr>
+              <a:t>ソフトウェア</a:t>
+            </a:r>
+          </a:p>
+        </p:txBody>
+      </p:sp>
+      <p:sp>
+        <p:nvSpPr>
+          <p:cNvPr id="1050" name="テキスト ボックス 1049">
+            <a:extLst>
+              <a:ext uri="{FF2B5EF4-FFF2-40B4-BE49-F238E27FC236}">
+                <a16:creationId xmlns:a16="http://schemas.microsoft.com/office/drawing/2014/main" id="{31010FF9-2ACA-6F83-A63F-36CB9525732A}"/>
+              </a:ext>
+            </a:extLst>
+          </p:cNvPr>
+          <p:cNvSpPr txBox="1"/>
+          <p:nvPr/>
+        </p:nvSpPr>
+        <p:spPr>
+          <a:xfrm>
+            <a:off x="10832499" y="7078166"/>
+            <a:ext cx="589882" cy="241132"/>
+          </a:xfrm>
+          <a:prstGeom prst="rect">
+            <a:avLst/>
+          </a:prstGeom>
+          <a:solidFill>
+            <a:srgbClr val="FFB7F6"/>
+          </a:solidFill>
+          <a:ln>
+            <a:noFill/>
+          </a:ln>
+        </p:spPr>
+        <p:txBody>
+          <a:bodyPr wrap="square" lIns="28800" tIns="50400" rIns="28800" bIns="36000" rtlCol="0">
+            <a:spAutoFit/>
+          </a:bodyPr>
+          <a:lstStyle/>
+          <a:p>
+            <a:pPr algn="ctr"/>
+            <a:r>
+              <a:rPr kumimoji="1" lang="ja-JP" altLang="en-US" sz="1000" b="1" dirty="0">
+                <a:solidFill>
+                  <a:schemeClr val="tx1">
+                    <a:lumMod val="85000"/>
+                    <a:lumOff val="15000"/>
+                  </a:schemeClr>
+                </a:solidFill>
+                <a:latin typeface="Noto Sans JP" panose="020B0200000000000000" pitchFamily="50" charset="-128"/>
+                <a:ea typeface="Noto Sans JP" panose="020B0200000000000000" pitchFamily="50" charset="-128"/>
+              </a:rPr>
+              <a:t>研究</a:t>
+            </a:r>
+          </a:p>
+        </p:txBody>
+      </p:sp>
+      <p:sp>
+        <p:nvSpPr>
+          <p:cNvPr id="1051" name="テキスト ボックス 1050">
+            <a:extLst>
+              <a:ext uri="{FF2B5EF4-FFF2-40B4-BE49-F238E27FC236}">
+                <a16:creationId xmlns:a16="http://schemas.microsoft.com/office/drawing/2014/main" id="{6D691BCE-C1A3-3CEE-FE22-A2A680BB4D0A}"/>
+              </a:ext>
+            </a:extLst>
+          </p:cNvPr>
+          <p:cNvSpPr txBox="1"/>
+          <p:nvPr/>
+        </p:nvSpPr>
+        <p:spPr>
+          <a:xfrm>
+            <a:off x="10210140" y="9033123"/>
+            <a:ext cx="869340" cy="241132"/>
+          </a:xfrm>
+          <a:prstGeom prst="rect">
+            <a:avLst/>
+          </a:prstGeom>
+          <a:solidFill>
+            <a:schemeClr val="accent3">
+              <a:lumMod val="40000"/>
+              <a:lumOff val="60000"/>
+            </a:schemeClr>
+          </a:solidFill>
+          <a:ln>
+            <a:noFill/>
+          </a:ln>
+        </p:spPr>
+        <p:txBody>
+          <a:bodyPr wrap="square" lIns="28800" tIns="50400" rIns="28800" bIns="36000" rtlCol="0">
+            <a:spAutoFit/>
+          </a:bodyPr>
+          <a:lstStyle/>
+          <a:p>
+            <a:pPr algn="ctr"/>
+            <a:r>
+              <a:rPr kumimoji="1" lang="ja-JP" altLang="en-US" sz="1000" b="1" dirty="0">
+                <a:solidFill>
+                  <a:schemeClr val="tx1">
+                    <a:lumMod val="85000"/>
+                    <a:lumOff val="15000"/>
+                  </a:schemeClr>
+                </a:solidFill>
+                <a:latin typeface="Noto Sans JP" panose="020B0200000000000000" pitchFamily="50" charset="-128"/>
+                <a:ea typeface="Noto Sans JP" panose="020B0200000000000000" pitchFamily="50" charset="-128"/>
+              </a:rPr>
+              <a:t>チーム活動</a:t>
+            </a:r>
+          </a:p>
+        </p:txBody>
+      </p:sp>
+      <p:sp>
+        <p:nvSpPr>
+          <p:cNvPr id="1052" name="テキスト ボックス 1051">
+            <a:extLst>
+              <a:ext uri="{FF2B5EF4-FFF2-40B4-BE49-F238E27FC236}">
+                <a16:creationId xmlns:a16="http://schemas.microsoft.com/office/drawing/2014/main" id="{D5786293-FB29-95DB-3581-963FB69F30DF}"/>
+              </a:ext>
+            </a:extLst>
+          </p:cNvPr>
+          <p:cNvSpPr txBox="1"/>
+          <p:nvPr/>
+        </p:nvSpPr>
+        <p:spPr>
+          <a:xfrm>
+            <a:off x="177754" y="3604588"/>
+            <a:ext cx="2164346" cy="369332"/>
+          </a:xfrm>
+          <a:prstGeom prst="rect">
+            <a:avLst/>
+          </a:prstGeom>
+          <a:noFill/>
+        </p:spPr>
+        <p:txBody>
+          <a:bodyPr wrap="square" rtlCol="0">
+            <a:spAutoFit/>
+          </a:bodyPr>
+          <a:lstStyle/>
+          <a:p>
+            <a:r>
+              <a:rPr kumimoji="1" lang="ja-JP" altLang="en-US" sz="800" dirty="0">
+                <a:solidFill>
+                  <a:schemeClr val="tx1">
+                    <a:lumMod val="85000"/>
+                    <a:lumOff val="15000"/>
+                  </a:schemeClr>
+                </a:solidFill>
+                <a:latin typeface="Noto Sans JP" panose="020B0200000000000000" pitchFamily="50" charset="-128"/>
+                <a:ea typeface="Noto Sans JP" panose="020B0200000000000000" pitchFamily="50" charset="-128"/>
+              </a:rPr>
+              <a:t>メインマイコン</a:t>
+            </a:r>
+            <a:r>
+              <a:rPr kumimoji="1" lang="en-US" altLang="ja-JP" sz="800" dirty="0">
+                <a:solidFill>
+                  <a:schemeClr val="tx1">
+                    <a:lumMod val="85000"/>
+                    <a:lumOff val="15000"/>
+                  </a:schemeClr>
+                </a:solidFill>
+                <a:latin typeface="Noto Sans JP" panose="020B0200000000000000" pitchFamily="50" charset="-128"/>
+                <a:ea typeface="Noto Sans JP" panose="020B0200000000000000" pitchFamily="50" charset="-128"/>
+              </a:rPr>
+              <a:t> : </a:t>
+            </a:r>
+            <a:r>
+              <a:rPr kumimoji="1" lang="en-US" altLang="ja-JP" sz="900" b="1" dirty="0">
+                <a:solidFill>
+                  <a:srgbClr val="073849"/>
+                </a:solidFill>
+                <a:latin typeface="Noto Sans JP" panose="020B0200000000000000" pitchFamily="50" charset="-128"/>
+                <a:ea typeface="Noto Sans JP" panose="020B0200000000000000" pitchFamily="50" charset="-128"/>
+              </a:rPr>
+              <a:t>Teensy 4.0</a:t>
+            </a:r>
+          </a:p>
+          <a:p>
+            <a:r>
+              <a:rPr kumimoji="1" lang="en-US" altLang="ja-JP" sz="800" dirty="0">
+                <a:solidFill>
+                  <a:schemeClr val="tx1">
+                    <a:lumMod val="85000"/>
+                    <a:lumOff val="15000"/>
+                  </a:schemeClr>
+                </a:solidFill>
+                <a:latin typeface="Noto Sans JP" panose="020B0200000000000000" pitchFamily="50" charset="-128"/>
+                <a:ea typeface="Noto Sans JP" panose="020B0200000000000000" pitchFamily="50" charset="-128"/>
+              </a:rPr>
+              <a:t>ToF</a:t>
+            </a:r>
+            <a:r>
+              <a:rPr kumimoji="1" lang="ja-JP" altLang="en-US" sz="800" dirty="0">
+                <a:solidFill>
+                  <a:schemeClr val="tx1">
+                    <a:lumMod val="85000"/>
+                    <a:lumOff val="15000"/>
+                  </a:schemeClr>
+                </a:solidFill>
+                <a:latin typeface="Noto Sans JP" panose="020B0200000000000000" pitchFamily="50" charset="-128"/>
+                <a:ea typeface="Noto Sans JP" panose="020B0200000000000000" pitchFamily="50" charset="-128"/>
+              </a:rPr>
+              <a:t>処理用マイコン</a:t>
+            </a:r>
+            <a:r>
+              <a:rPr kumimoji="1" lang="en-US" altLang="ja-JP" sz="800" dirty="0">
+                <a:solidFill>
+                  <a:schemeClr val="tx1">
+                    <a:lumMod val="85000"/>
+                    <a:lumOff val="15000"/>
+                  </a:schemeClr>
+                </a:solidFill>
+                <a:latin typeface="Noto Sans JP" panose="020B0200000000000000" pitchFamily="50" charset="-128"/>
+                <a:ea typeface="Noto Sans JP" panose="020B0200000000000000" pitchFamily="50" charset="-128"/>
+              </a:rPr>
+              <a:t> : </a:t>
+            </a:r>
+            <a:r>
+              <a:rPr kumimoji="1" lang="en-US" altLang="ja-JP" sz="900" b="1" dirty="0">
+                <a:solidFill>
+                  <a:srgbClr val="073849"/>
+                </a:solidFill>
+                <a:latin typeface="Noto Sans JP" panose="020B0200000000000000" pitchFamily="50" charset="-128"/>
+                <a:ea typeface="Noto Sans JP" panose="020B0200000000000000" pitchFamily="50" charset="-128"/>
+              </a:rPr>
+              <a:t>RP2040</a:t>
+            </a:r>
+          </a:p>
+        </p:txBody>
+      </p:sp>
+      <p:sp>
+        <p:nvSpPr>
+          <p:cNvPr id="1053" name="テキスト ボックス 1052">
+            <a:extLst>
+              <a:ext uri="{FF2B5EF4-FFF2-40B4-BE49-F238E27FC236}">
+                <a16:creationId xmlns:a16="http://schemas.microsoft.com/office/drawing/2014/main" id="{15613864-3924-52B8-E377-A0B63ED514CC}"/>
+              </a:ext>
+            </a:extLst>
+          </p:cNvPr>
+          <p:cNvSpPr txBox="1"/>
+          <p:nvPr/>
+        </p:nvSpPr>
+        <p:spPr>
+          <a:xfrm>
+            <a:off x="53974" y="3913596"/>
+            <a:ext cx="3391836" cy="1495409"/>
+          </a:xfrm>
+          <a:prstGeom prst="rect">
+            <a:avLst/>
+          </a:prstGeom>
+          <a:noFill/>
+        </p:spPr>
+        <p:txBody>
+          <a:bodyPr wrap="square" rtlCol="0">
+            <a:spAutoFit/>
+          </a:bodyPr>
+          <a:lstStyle/>
+          <a:p>
+            <a:pPr>
+              <a:lnSpc>
+                <a:spcPts val="960"/>
+              </a:lnSpc>
+            </a:pPr>
+            <a:r>
+              <a:rPr kumimoji="1" lang="ja-JP" altLang="en-US" sz="800" dirty="0">
+                <a:solidFill>
+                  <a:schemeClr val="tx1">
+                    <a:lumMod val="85000"/>
+                    <a:lumOff val="15000"/>
+                  </a:schemeClr>
+                </a:solidFill>
+                <a:latin typeface="Noto Sans JP" panose="020B0200000000000000" pitchFamily="50" charset="-128"/>
+                <a:ea typeface="Noto Sans JP" panose="020B0200000000000000" pitchFamily="50" charset="-128"/>
+              </a:rPr>
+              <a:t>　メインマイコンには昨年度から引き続き</a:t>
+            </a:r>
+            <a:r>
+              <a:rPr kumimoji="1" lang="en-US" altLang="ja-JP" sz="800" dirty="0">
+                <a:solidFill>
+                  <a:schemeClr val="tx1">
+                    <a:lumMod val="85000"/>
+                    <a:lumOff val="15000"/>
+                  </a:schemeClr>
+                </a:solidFill>
+                <a:latin typeface="Noto Sans JP" panose="020B0200000000000000" pitchFamily="50" charset="-128"/>
+                <a:ea typeface="Noto Sans JP" panose="020B0200000000000000" pitchFamily="50" charset="-128"/>
+              </a:rPr>
+              <a:t>Teensy4.0</a:t>
+            </a:r>
+            <a:r>
+              <a:rPr kumimoji="1" lang="ja-JP" altLang="en-US" sz="800" dirty="0">
+                <a:solidFill>
+                  <a:schemeClr val="tx1">
+                    <a:lumMod val="85000"/>
+                    <a:lumOff val="15000"/>
+                  </a:schemeClr>
+                </a:solidFill>
+                <a:latin typeface="Noto Sans JP" panose="020B0200000000000000" pitchFamily="50" charset="-128"/>
+                <a:ea typeface="Noto Sans JP" panose="020B0200000000000000" pitchFamily="50" charset="-128"/>
+              </a:rPr>
+              <a:t>を採用しています。マイコンの値段に対して、</a:t>
+            </a:r>
+            <a:r>
+              <a:rPr kumimoji="1" lang="ja-JP" altLang="en-US" sz="800" b="1" dirty="0">
+                <a:solidFill>
+                  <a:srgbClr val="073849"/>
+                </a:solidFill>
+                <a:latin typeface="Noto Sans JP" panose="020B0200000000000000" pitchFamily="50" charset="-128"/>
+                <a:ea typeface="Noto Sans JP" panose="020B0200000000000000" pitchFamily="50" charset="-128"/>
+              </a:rPr>
+              <a:t>シリアルの数が多く、処理速度が高い</a:t>
+            </a:r>
+            <a:r>
+              <a:rPr kumimoji="1" lang="ja-JP" altLang="en-US" sz="800" dirty="0">
+                <a:solidFill>
+                  <a:schemeClr val="tx1">
+                    <a:lumMod val="85000"/>
+                    <a:lumOff val="15000"/>
+                  </a:schemeClr>
+                </a:solidFill>
+                <a:latin typeface="Noto Sans JP" panose="020B0200000000000000" pitchFamily="50" charset="-128"/>
+                <a:ea typeface="Noto Sans JP" panose="020B0200000000000000" pitchFamily="50" charset="-128"/>
+              </a:rPr>
+              <a:t>ことからコストパフォーマンスが高いことから採用しています。</a:t>
+            </a:r>
+            <a:endParaRPr kumimoji="1" lang="en-US" altLang="ja-JP" sz="800" dirty="0">
+              <a:solidFill>
+                <a:schemeClr val="tx1">
+                  <a:lumMod val="85000"/>
+                  <a:lumOff val="15000"/>
+                </a:schemeClr>
+              </a:solidFill>
+              <a:latin typeface="Noto Sans JP" panose="020B0200000000000000" pitchFamily="50" charset="-128"/>
+              <a:ea typeface="Noto Sans JP" panose="020B0200000000000000" pitchFamily="50" charset="-128"/>
+            </a:endParaRPr>
+          </a:p>
+          <a:p>
+            <a:pPr>
+              <a:lnSpc>
+                <a:spcPts val="960"/>
+              </a:lnSpc>
+            </a:pPr>
+            <a:r>
+              <a:rPr kumimoji="1" lang="ja-JP" altLang="en-US" sz="800" dirty="0">
+                <a:solidFill>
+                  <a:schemeClr val="tx1">
+                    <a:lumMod val="85000"/>
+                    <a:lumOff val="15000"/>
+                  </a:schemeClr>
+                </a:solidFill>
+                <a:latin typeface="Noto Sans JP" panose="020B0200000000000000" pitchFamily="50" charset="-128"/>
+                <a:ea typeface="Noto Sans JP" panose="020B0200000000000000" pitchFamily="50" charset="-128"/>
+              </a:rPr>
+              <a:t>　メインマイコンでは、カメラ・ラインセンサ・電源基板・無線モジュールからの情報を受け取り、モータードライバ・</a:t>
+            </a:r>
+            <a:r>
+              <a:rPr kumimoji="1" lang="en-US" altLang="ja-JP" sz="800" dirty="0">
+                <a:solidFill>
+                  <a:schemeClr val="tx1">
+                    <a:lumMod val="85000"/>
+                    <a:lumOff val="15000"/>
+                  </a:schemeClr>
+                </a:solidFill>
+                <a:latin typeface="Noto Sans JP" panose="020B0200000000000000" pitchFamily="50" charset="-128"/>
+                <a:ea typeface="Noto Sans JP" panose="020B0200000000000000" pitchFamily="50" charset="-128"/>
+              </a:rPr>
+              <a:t>UI</a:t>
+            </a:r>
+            <a:r>
+              <a:rPr kumimoji="1" lang="ja-JP" altLang="en-US" sz="800" dirty="0">
+                <a:solidFill>
+                  <a:schemeClr val="tx1">
+                    <a:lumMod val="85000"/>
+                    <a:lumOff val="15000"/>
+                  </a:schemeClr>
+                </a:solidFill>
+                <a:latin typeface="Noto Sans JP" panose="020B0200000000000000" pitchFamily="50" charset="-128"/>
+                <a:ea typeface="Noto Sans JP" panose="020B0200000000000000" pitchFamily="50" charset="-128"/>
+              </a:rPr>
+              <a:t>モジュールにデータを出力しています。</a:t>
+            </a:r>
+            <a:r>
+              <a:rPr kumimoji="1" lang="ja-JP" altLang="en-US" sz="800" b="1" dirty="0">
+                <a:solidFill>
+                  <a:srgbClr val="073849"/>
+                </a:solidFill>
+                <a:latin typeface="Noto Sans JP" panose="020B0200000000000000" pitchFamily="50" charset="-128"/>
+                <a:ea typeface="Noto Sans JP" panose="020B0200000000000000" pitchFamily="50" charset="-128"/>
+              </a:rPr>
+              <a:t>アタッカー・ディフェンダーのプログラムが</a:t>
+            </a:r>
+            <a:r>
+              <a:rPr kumimoji="1" lang="en-US" altLang="ja-JP" sz="800" b="1" dirty="0">
+                <a:solidFill>
+                  <a:srgbClr val="073849"/>
+                </a:solidFill>
+                <a:latin typeface="Noto Sans JP" panose="020B0200000000000000" pitchFamily="50" charset="-128"/>
+                <a:ea typeface="Noto Sans JP" panose="020B0200000000000000" pitchFamily="50" charset="-128"/>
+              </a:rPr>
+              <a:t>2</a:t>
+            </a:r>
+            <a:r>
+              <a:rPr kumimoji="1" lang="ja-JP" altLang="en-US" sz="800" b="1" dirty="0">
+                <a:solidFill>
+                  <a:srgbClr val="073849"/>
+                </a:solidFill>
+                <a:latin typeface="Noto Sans JP" panose="020B0200000000000000" pitchFamily="50" charset="-128"/>
+                <a:ea typeface="Noto Sans JP" panose="020B0200000000000000" pitchFamily="50" charset="-128"/>
+              </a:rPr>
+              <a:t>台共に搭載されている</a:t>
+            </a:r>
+            <a:r>
+              <a:rPr kumimoji="1" lang="ja-JP" altLang="en-US" sz="800" dirty="0">
+                <a:solidFill>
+                  <a:schemeClr val="tx1">
+                    <a:lumMod val="85000"/>
+                    <a:lumOff val="15000"/>
+                  </a:schemeClr>
+                </a:solidFill>
+                <a:latin typeface="Noto Sans JP" panose="020B0200000000000000" pitchFamily="50" charset="-128"/>
+                <a:ea typeface="Noto Sans JP" panose="020B0200000000000000" pitchFamily="50" charset="-128"/>
+              </a:rPr>
+              <a:t>ため、プログラムを書き込むことなく</a:t>
+            </a:r>
+            <a:r>
+              <a:rPr kumimoji="1" lang="en-US" altLang="ja-JP" sz="800" dirty="0">
+                <a:solidFill>
+                  <a:schemeClr val="tx1">
+                    <a:lumMod val="85000"/>
+                    <a:lumOff val="15000"/>
+                  </a:schemeClr>
+                </a:solidFill>
+                <a:latin typeface="Noto Sans JP" panose="020B0200000000000000" pitchFamily="50" charset="-128"/>
+                <a:ea typeface="Noto Sans JP" panose="020B0200000000000000" pitchFamily="50" charset="-128"/>
+              </a:rPr>
+              <a:t>2</a:t>
+            </a:r>
+            <a:r>
+              <a:rPr kumimoji="1" lang="ja-JP" altLang="en-US" sz="800" dirty="0">
+                <a:solidFill>
+                  <a:schemeClr val="tx1">
+                    <a:lumMod val="85000"/>
+                    <a:lumOff val="15000"/>
+                  </a:schemeClr>
+                </a:solidFill>
+                <a:latin typeface="Noto Sans JP" panose="020B0200000000000000" pitchFamily="50" charset="-128"/>
+                <a:ea typeface="Noto Sans JP" panose="020B0200000000000000" pitchFamily="50" charset="-128"/>
+              </a:rPr>
+              <a:t>つの役割を切り替えすることができます。</a:t>
+            </a:r>
+            <a:endParaRPr kumimoji="1" lang="en-US" altLang="ja-JP" sz="800" dirty="0">
+              <a:solidFill>
+                <a:schemeClr val="tx1">
+                  <a:lumMod val="85000"/>
+                  <a:lumOff val="15000"/>
+                </a:schemeClr>
+              </a:solidFill>
+              <a:latin typeface="Noto Sans JP" panose="020B0200000000000000" pitchFamily="50" charset="-128"/>
+              <a:ea typeface="Noto Sans JP" panose="020B0200000000000000" pitchFamily="50" charset="-128"/>
+            </a:endParaRPr>
+          </a:p>
+          <a:p>
+            <a:pPr>
+              <a:lnSpc>
+                <a:spcPts val="960"/>
+              </a:lnSpc>
+            </a:pPr>
+            <a:r>
+              <a:rPr kumimoji="1" lang="ja-JP" altLang="en-US" sz="800" dirty="0">
+                <a:solidFill>
+                  <a:schemeClr val="tx1">
+                    <a:lumMod val="85000"/>
+                    <a:lumOff val="15000"/>
+                  </a:schemeClr>
+                </a:solidFill>
+                <a:latin typeface="Noto Sans JP" panose="020B0200000000000000" pitchFamily="50" charset="-128"/>
+                <a:ea typeface="Noto Sans JP" panose="020B0200000000000000" pitchFamily="50" charset="-128"/>
+              </a:rPr>
+              <a:t>　また、赤外線で距離を計測することができる</a:t>
+            </a:r>
+            <a:r>
+              <a:rPr kumimoji="1" lang="en-US" altLang="ja-JP" sz="800" dirty="0">
+                <a:solidFill>
+                  <a:schemeClr val="tx1">
+                    <a:lumMod val="85000"/>
+                    <a:lumOff val="15000"/>
+                  </a:schemeClr>
+                </a:solidFill>
+                <a:latin typeface="Noto Sans JP" panose="020B0200000000000000" pitchFamily="50" charset="-128"/>
+                <a:ea typeface="Noto Sans JP" panose="020B0200000000000000" pitchFamily="50" charset="-128"/>
+              </a:rPr>
+              <a:t>ToF</a:t>
+            </a:r>
+            <a:r>
+              <a:rPr kumimoji="1" lang="ja-JP" altLang="en-US" sz="800" dirty="0">
+                <a:solidFill>
+                  <a:schemeClr val="tx1">
+                    <a:lumMod val="85000"/>
+                    <a:lumOff val="15000"/>
+                  </a:schemeClr>
+                </a:solidFill>
+                <a:latin typeface="Noto Sans JP" panose="020B0200000000000000" pitchFamily="50" charset="-128"/>
+                <a:ea typeface="Noto Sans JP" panose="020B0200000000000000" pitchFamily="50" charset="-128"/>
+              </a:rPr>
+              <a:t>を</a:t>
+            </a:r>
+            <a:r>
+              <a:rPr kumimoji="1" lang="en-US" altLang="ja-JP" sz="800" dirty="0">
+                <a:solidFill>
+                  <a:schemeClr val="tx1">
+                    <a:lumMod val="85000"/>
+                    <a:lumOff val="15000"/>
+                  </a:schemeClr>
+                </a:solidFill>
+                <a:latin typeface="Noto Sans JP" panose="020B0200000000000000" pitchFamily="50" charset="-128"/>
+                <a:ea typeface="Noto Sans JP" panose="020B0200000000000000" pitchFamily="50" charset="-128"/>
+              </a:rPr>
+              <a:t>16</a:t>
+            </a:r>
+            <a:r>
+              <a:rPr kumimoji="1" lang="ja-JP" altLang="en-US" sz="800" dirty="0">
+                <a:solidFill>
+                  <a:schemeClr val="tx1">
+                    <a:lumMod val="85000"/>
+                    <a:lumOff val="15000"/>
+                  </a:schemeClr>
+                </a:solidFill>
+                <a:latin typeface="Noto Sans JP" panose="020B0200000000000000" pitchFamily="50" charset="-128"/>
+                <a:ea typeface="Noto Sans JP" panose="020B0200000000000000" pitchFamily="50" charset="-128"/>
+              </a:rPr>
+              <a:t>個搭載しています。周囲の物体の距離を計測し、ロボットがいると判断することで、</a:t>
+            </a:r>
+            <a:r>
+              <a:rPr kumimoji="1" lang="ja-JP" altLang="en-US" sz="800" b="1" dirty="0">
+                <a:solidFill>
+                  <a:srgbClr val="073849"/>
+                </a:solidFill>
+                <a:latin typeface="Noto Sans JP" panose="020B0200000000000000" pitchFamily="50" charset="-128"/>
+                <a:ea typeface="Noto Sans JP" panose="020B0200000000000000" pitchFamily="50" charset="-128"/>
+              </a:rPr>
+              <a:t>その部分を避けてボールを運搬することができます</a:t>
+            </a:r>
+            <a:r>
+              <a:rPr kumimoji="1" lang="ja-JP" altLang="en-US" sz="800" dirty="0">
+                <a:solidFill>
+                  <a:schemeClr val="tx1">
+                    <a:lumMod val="85000"/>
+                    <a:lumOff val="15000"/>
+                  </a:schemeClr>
+                </a:solidFill>
+                <a:latin typeface="Noto Sans JP" panose="020B0200000000000000" pitchFamily="50" charset="-128"/>
+                <a:ea typeface="Noto Sans JP" panose="020B0200000000000000" pitchFamily="50" charset="-128"/>
+              </a:rPr>
+              <a:t>。</a:t>
+            </a:r>
+          </a:p>
+        </p:txBody>
+      </p:sp>
+      <p:sp>
+        <p:nvSpPr>
+          <p:cNvPr id="1054" name="テキスト ボックス 1053">
+            <a:extLst>
+              <a:ext uri="{FF2B5EF4-FFF2-40B4-BE49-F238E27FC236}">
+                <a16:creationId xmlns:a16="http://schemas.microsoft.com/office/drawing/2014/main" id="{79F4AE94-7BD3-A716-DF75-5CB0E66C32C7}"/>
+              </a:ext>
+            </a:extLst>
+          </p:cNvPr>
+          <p:cNvSpPr txBox="1"/>
+          <p:nvPr/>
+        </p:nvSpPr>
+        <p:spPr>
+          <a:xfrm>
+            <a:off x="3329781" y="3344664"/>
+            <a:ext cx="1661138" cy="307777"/>
+          </a:xfrm>
+          <a:prstGeom prst="rect">
+            <a:avLst/>
+          </a:prstGeom>
+          <a:noFill/>
+        </p:spPr>
+        <p:txBody>
+          <a:bodyPr wrap="square" rtlCol="0">
+            <a:spAutoFit/>
+          </a:bodyPr>
+          <a:lstStyle/>
+          <a:p>
+            <a:r>
+              <a:rPr kumimoji="1" lang="en-US" altLang="ja-JP" sz="1400" b="1" dirty="0">
+                <a:solidFill>
+                  <a:srgbClr val="073849"/>
+                </a:solidFill>
+                <a:latin typeface="Noto Sans JP" panose="020B0200000000000000" pitchFamily="50" charset="-128"/>
+                <a:ea typeface="Noto Sans JP" panose="020B0200000000000000" pitchFamily="50" charset="-128"/>
+              </a:rPr>
+              <a:t>UI</a:t>
+            </a:r>
+            <a:r>
+              <a:rPr kumimoji="1" lang="ja-JP" altLang="en-US" sz="1400" b="1" dirty="0">
+                <a:solidFill>
+                  <a:srgbClr val="073849"/>
+                </a:solidFill>
+                <a:latin typeface="Noto Sans JP" panose="020B0200000000000000" pitchFamily="50" charset="-128"/>
+                <a:ea typeface="Noto Sans JP" panose="020B0200000000000000" pitchFamily="50" charset="-128"/>
+              </a:rPr>
+              <a:t>モジュール基板</a:t>
+            </a:r>
+            <a:endParaRPr kumimoji="1" lang="ja-JP" altLang="en-US" sz="1400" dirty="0">
+              <a:solidFill>
+                <a:schemeClr val="tx1">
+                  <a:lumMod val="85000"/>
+                  <a:lumOff val="15000"/>
+                </a:schemeClr>
+              </a:solidFill>
+              <a:latin typeface="Noto Sans JP" panose="020B0200000000000000" pitchFamily="50" charset="-128"/>
+              <a:ea typeface="Noto Sans JP" panose="020B0200000000000000" pitchFamily="50" charset="-128"/>
+            </a:endParaRPr>
+          </a:p>
+        </p:txBody>
+      </p:sp>
+      <p:sp>
+        <p:nvSpPr>
+          <p:cNvPr id="1056" name="テキスト ボックス 1055">
+            <a:extLst>
+              <a:ext uri="{FF2B5EF4-FFF2-40B4-BE49-F238E27FC236}">
+                <a16:creationId xmlns:a16="http://schemas.microsoft.com/office/drawing/2014/main" id="{BDCD973A-322F-701C-F0D2-E0EB91593012}"/>
+              </a:ext>
+            </a:extLst>
+          </p:cNvPr>
+          <p:cNvSpPr txBox="1"/>
+          <p:nvPr/>
+        </p:nvSpPr>
+        <p:spPr>
+          <a:xfrm>
+            <a:off x="4932061" y="3383089"/>
+            <a:ext cx="642703" cy="243677"/>
+          </a:xfrm>
+          <a:prstGeom prst="rect">
+            <a:avLst/>
+          </a:prstGeom>
+          <a:solidFill>
+            <a:schemeClr val="accent1">
+              <a:lumMod val="20000"/>
+              <a:lumOff val="80000"/>
+            </a:schemeClr>
+          </a:solidFill>
+          <a:ln>
+            <a:noFill/>
+          </a:ln>
+        </p:spPr>
+        <p:txBody>
+          <a:bodyPr wrap="square" lIns="28800" tIns="28800" rIns="28800" bIns="14400" rtlCol="0">
+            <a:spAutoFit/>
+          </a:bodyPr>
+          <a:lstStyle/>
+          <a:p>
+            <a:pPr algn="ctr"/>
+            <a:r>
+              <a:rPr kumimoji="1" lang="ja-JP" altLang="en-US" sz="500" b="1" dirty="0">
+                <a:solidFill>
+                  <a:schemeClr val="tx1">
+                    <a:lumMod val="85000"/>
+                    <a:lumOff val="15000"/>
+                  </a:schemeClr>
+                </a:solidFill>
+                <a:latin typeface="Noto Sans JP" panose="020B0200000000000000" pitchFamily="50" charset="-128"/>
+                <a:ea typeface="Noto Sans JP" panose="020B0200000000000000" pitchFamily="50" charset="-128"/>
+              </a:rPr>
+              <a:t>メイン基板との接続</a:t>
+            </a:r>
+            <a:endParaRPr kumimoji="1" lang="en-US" altLang="ja-JP" sz="500" b="1" dirty="0">
+              <a:solidFill>
+                <a:schemeClr val="tx1">
+                  <a:lumMod val="85000"/>
+                  <a:lumOff val="15000"/>
+                </a:schemeClr>
+              </a:solidFill>
+              <a:latin typeface="Noto Sans JP" panose="020B0200000000000000" pitchFamily="50" charset="-128"/>
+              <a:ea typeface="Noto Sans JP" panose="020B0200000000000000" pitchFamily="50" charset="-128"/>
+            </a:endParaRPr>
+          </a:p>
+          <a:p>
+            <a:pPr algn="ctr"/>
+            <a:r>
+              <a:rPr kumimoji="1" lang="en-US" altLang="ja-JP" sz="800" b="1" dirty="0">
+                <a:solidFill>
+                  <a:schemeClr val="tx1">
+                    <a:lumMod val="85000"/>
+                    <a:lumOff val="15000"/>
+                  </a:schemeClr>
+                </a:solidFill>
+                <a:latin typeface="Noto Sans JP" panose="020B0200000000000000" pitchFamily="50" charset="-128"/>
+                <a:ea typeface="Noto Sans JP" panose="020B0200000000000000" pitchFamily="50" charset="-128"/>
+              </a:rPr>
+              <a:t>SPI</a:t>
+            </a:r>
+            <a:endParaRPr kumimoji="1" lang="ja-JP" altLang="en-US" sz="500" b="1" dirty="0">
+              <a:solidFill>
+                <a:schemeClr val="tx1">
+                  <a:lumMod val="85000"/>
+                  <a:lumOff val="15000"/>
+                </a:schemeClr>
+              </a:solidFill>
+              <a:latin typeface="Noto Sans JP" panose="020B0200000000000000" pitchFamily="50" charset="-128"/>
+              <a:ea typeface="Noto Sans JP" panose="020B0200000000000000" pitchFamily="50" charset="-128"/>
+            </a:endParaRPr>
+          </a:p>
+        </p:txBody>
+      </p:sp>
+      <p:sp>
+        <p:nvSpPr>
+          <p:cNvPr id="1057" name="テキスト ボックス 1056">
+            <a:extLst>
+              <a:ext uri="{FF2B5EF4-FFF2-40B4-BE49-F238E27FC236}">
+                <a16:creationId xmlns:a16="http://schemas.microsoft.com/office/drawing/2014/main" id="{272226E6-A3E1-D2D3-EB2F-9CD0131C8B63}"/>
+              </a:ext>
+            </a:extLst>
+          </p:cNvPr>
+          <p:cNvSpPr txBox="1"/>
+          <p:nvPr/>
+        </p:nvSpPr>
+        <p:spPr>
+          <a:xfrm>
+            <a:off x="3563383" y="3604588"/>
+            <a:ext cx="2164346" cy="369332"/>
+          </a:xfrm>
+          <a:prstGeom prst="rect">
+            <a:avLst/>
+          </a:prstGeom>
+          <a:noFill/>
+        </p:spPr>
+        <p:txBody>
+          <a:bodyPr wrap="square" rtlCol="0">
+            <a:spAutoFit/>
+          </a:bodyPr>
+          <a:lstStyle/>
+          <a:p>
+            <a:r>
+              <a:rPr kumimoji="1" lang="ja-JP" altLang="en-US" sz="800" dirty="0">
+                <a:solidFill>
+                  <a:schemeClr val="tx1">
+                    <a:lumMod val="85000"/>
+                    <a:lumOff val="15000"/>
+                  </a:schemeClr>
+                </a:solidFill>
+                <a:latin typeface="Noto Sans JP" panose="020B0200000000000000" pitchFamily="50" charset="-128"/>
+                <a:ea typeface="Noto Sans JP" panose="020B0200000000000000" pitchFamily="50" charset="-128"/>
+              </a:rPr>
+              <a:t>ディスプレイ</a:t>
+            </a:r>
+            <a:r>
+              <a:rPr kumimoji="1" lang="en-US" altLang="ja-JP" sz="800" dirty="0">
+                <a:solidFill>
+                  <a:schemeClr val="tx1">
+                    <a:lumMod val="85000"/>
+                    <a:lumOff val="15000"/>
+                  </a:schemeClr>
+                </a:solidFill>
+                <a:latin typeface="Noto Sans JP" panose="020B0200000000000000" pitchFamily="50" charset="-128"/>
+                <a:ea typeface="Noto Sans JP" panose="020B0200000000000000" pitchFamily="50" charset="-128"/>
+              </a:rPr>
+              <a:t> : </a:t>
+            </a:r>
+            <a:r>
+              <a:rPr kumimoji="1" lang="en-US" altLang="ja-JP" sz="900" b="1" dirty="0">
+                <a:solidFill>
+                  <a:srgbClr val="073849"/>
+                </a:solidFill>
+                <a:latin typeface="Noto Sans JP" panose="020B0200000000000000" pitchFamily="50" charset="-128"/>
+                <a:ea typeface="Noto Sans JP" panose="020B0200000000000000" pitchFamily="50" charset="-128"/>
+              </a:rPr>
+              <a:t>MSP2807</a:t>
+            </a:r>
+          </a:p>
+          <a:p>
+            <a:r>
+              <a:rPr kumimoji="1" lang="ja-JP" altLang="en-US" sz="800" dirty="0">
+                <a:solidFill>
+                  <a:schemeClr val="tx1">
+                    <a:lumMod val="85000"/>
+                    <a:lumOff val="15000"/>
+                  </a:schemeClr>
+                </a:solidFill>
+                <a:latin typeface="Noto Sans JP" panose="020B0200000000000000" pitchFamily="50" charset="-128"/>
+                <a:ea typeface="Noto Sans JP" panose="020B0200000000000000" pitchFamily="50" charset="-128"/>
+              </a:rPr>
+              <a:t>フルカラー</a:t>
+            </a:r>
+            <a:r>
+              <a:rPr kumimoji="1" lang="en-US" altLang="ja-JP" sz="800" dirty="0">
+                <a:solidFill>
+                  <a:schemeClr val="tx1">
+                    <a:lumMod val="85000"/>
+                    <a:lumOff val="15000"/>
+                  </a:schemeClr>
+                </a:solidFill>
+                <a:latin typeface="Noto Sans JP" panose="020B0200000000000000" pitchFamily="50" charset="-128"/>
+                <a:ea typeface="Noto Sans JP" panose="020B0200000000000000" pitchFamily="50" charset="-128"/>
+              </a:rPr>
+              <a:t>LED : </a:t>
+            </a:r>
+            <a:r>
+              <a:rPr kumimoji="1" lang="en-US" altLang="ja-JP" sz="900" b="1" dirty="0">
+                <a:solidFill>
+                  <a:srgbClr val="073849"/>
+                </a:solidFill>
+                <a:latin typeface="Noto Sans JP" panose="020B0200000000000000" pitchFamily="50" charset="-128"/>
+                <a:ea typeface="Noto Sans JP" panose="020B0200000000000000" pitchFamily="50" charset="-128"/>
+              </a:rPr>
+              <a:t>WS2812B-2020 x64</a:t>
+            </a:r>
+          </a:p>
+        </p:txBody>
+      </p:sp>
+      <p:sp>
+        <p:nvSpPr>
+          <p:cNvPr id="1058" name="テキスト ボックス 1057">
+            <a:extLst>
+              <a:ext uri="{FF2B5EF4-FFF2-40B4-BE49-F238E27FC236}">
+                <a16:creationId xmlns:a16="http://schemas.microsoft.com/office/drawing/2014/main" id="{2A661305-3AC3-5BBA-6F15-E12F2DAB49C6}"/>
+              </a:ext>
+            </a:extLst>
+          </p:cNvPr>
+          <p:cNvSpPr txBox="1"/>
+          <p:nvPr/>
+        </p:nvSpPr>
+        <p:spPr>
+          <a:xfrm>
+            <a:off x="3467280" y="3913596"/>
+            <a:ext cx="3676541" cy="1495346"/>
+          </a:xfrm>
+          <a:prstGeom prst="rect">
+            <a:avLst/>
+          </a:prstGeom>
+          <a:noFill/>
+        </p:spPr>
+        <p:txBody>
+          <a:bodyPr wrap="square" rtlCol="0">
+            <a:spAutoFit/>
+          </a:bodyPr>
+          <a:lstStyle/>
+          <a:p>
+            <a:pPr>
+              <a:lnSpc>
+                <a:spcPts val="960"/>
+              </a:lnSpc>
+            </a:pPr>
+            <a:r>
+              <a:rPr kumimoji="1" lang="ja-JP" altLang="en-US" sz="800" dirty="0">
+                <a:solidFill>
+                  <a:schemeClr val="tx1">
+                    <a:lumMod val="85000"/>
+                    <a:lumOff val="15000"/>
+                  </a:schemeClr>
+                </a:solidFill>
+                <a:latin typeface="Noto Sans JP" panose="020B0200000000000000" pitchFamily="50" charset="-128"/>
+                <a:ea typeface="Noto Sans JP" panose="020B0200000000000000" pitchFamily="50" charset="-128"/>
+              </a:rPr>
+              <a:t>ディスプレイには、メインマイコンが保持している</a:t>
+            </a:r>
+            <a:r>
+              <a:rPr kumimoji="1" lang="ja-JP" altLang="en-US" sz="800" b="1" dirty="0">
+                <a:solidFill>
+                  <a:srgbClr val="073849"/>
+                </a:solidFill>
+                <a:latin typeface="Noto Sans JP" panose="020B0200000000000000" pitchFamily="50" charset="-128"/>
+                <a:ea typeface="Noto Sans JP" panose="020B0200000000000000" pitchFamily="50" charset="-128"/>
+              </a:rPr>
+              <a:t>センサーの値の表示やモード切替を行う</a:t>
+            </a:r>
+            <a:r>
+              <a:rPr kumimoji="1" lang="ja-JP" altLang="en-US" sz="800" dirty="0">
+                <a:solidFill>
+                  <a:schemeClr val="tx1">
+                    <a:lumMod val="85000"/>
+                    <a:lumOff val="15000"/>
+                  </a:schemeClr>
+                </a:solidFill>
+                <a:latin typeface="Noto Sans JP" panose="020B0200000000000000" pitchFamily="50" charset="-128"/>
+                <a:ea typeface="Noto Sans JP" panose="020B0200000000000000" pitchFamily="50" charset="-128"/>
+              </a:rPr>
+              <a:t>ために、フルカラータッチディスプレイである</a:t>
+            </a:r>
+            <a:r>
+              <a:rPr kumimoji="1" lang="en-US" altLang="ja-JP" sz="800" dirty="0">
+                <a:solidFill>
+                  <a:schemeClr val="tx1">
+                    <a:lumMod val="85000"/>
+                    <a:lumOff val="15000"/>
+                  </a:schemeClr>
+                </a:solidFill>
+                <a:latin typeface="Noto Sans JP" panose="020B0200000000000000" pitchFamily="50" charset="-128"/>
+                <a:ea typeface="Noto Sans JP" panose="020B0200000000000000" pitchFamily="50" charset="-128"/>
+              </a:rPr>
+              <a:t>MSP2807</a:t>
+            </a:r>
+            <a:r>
+              <a:rPr kumimoji="1" lang="ja-JP" altLang="en-US" sz="800" dirty="0">
+                <a:solidFill>
+                  <a:schemeClr val="tx1">
+                    <a:lumMod val="85000"/>
+                    <a:lumOff val="15000"/>
+                  </a:schemeClr>
+                </a:solidFill>
+                <a:latin typeface="Noto Sans JP" panose="020B0200000000000000" pitchFamily="50" charset="-128"/>
+                <a:ea typeface="Noto Sans JP" panose="020B0200000000000000" pitchFamily="50" charset="-128"/>
+              </a:rPr>
+              <a:t>を搭載しており、</a:t>
+            </a:r>
+            <a:r>
+              <a:rPr kumimoji="1" lang="ja-JP" altLang="en-US" sz="800" b="1" dirty="0">
+                <a:solidFill>
+                  <a:srgbClr val="073849"/>
+                </a:solidFill>
+                <a:latin typeface="Noto Sans JP" panose="020B0200000000000000" pitchFamily="50" charset="-128"/>
+                <a:ea typeface="Noto Sans JP" panose="020B0200000000000000" pitchFamily="50" charset="-128"/>
+              </a:rPr>
+              <a:t>ロボットをパソコンに接続することなく</a:t>
+            </a:r>
+            <a:r>
+              <a:rPr kumimoji="1" lang="ja-JP" altLang="en-US" sz="800" dirty="0">
+                <a:solidFill>
+                  <a:schemeClr val="tx1">
+                    <a:lumMod val="85000"/>
+                    <a:lumOff val="15000"/>
+                  </a:schemeClr>
+                </a:solidFill>
+                <a:latin typeface="Noto Sans JP" panose="020B0200000000000000" pitchFamily="50" charset="-128"/>
+                <a:ea typeface="Noto Sans JP" panose="020B0200000000000000" pitchFamily="50" charset="-128"/>
+              </a:rPr>
+              <a:t>センサーの値を確認することができます。</a:t>
+            </a:r>
+            <a:endParaRPr kumimoji="1" lang="en-US" altLang="ja-JP" sz="800" dirty="0">
+              <a:solidFill>
+                <a:schemeClr val="tx1">
+                  <a:lumMod val="85000"/>
+                  <a:lumOff val="15000"/>
+                </a:schemeClr>
+              </a:solidFill>
+              <a:latin typeface="Noto Sans JP" panose="020B0200000000000000" pitchFamily="50" charset="-128"/>
+              <a:ea typeface="Noto Sans JP" panose="020B0200000000000000" pitchFamily="50" charset="-128"/>
+            </a:endParaRPr>
+          </a:p>
+          <a:p>
+            <a:pPr>
+              <a:lnSpc>
+                <a:spcPts val="960"/>
+              </a:lnSpc>
+            </a:pPr>
+            <a:r>
+              <a:rPr kumimoji="1" lang="ja-JP" altLang="en-US" sz="800" dirty="0">
+                <a:solidFill>
+                  <a:schemeClr val="tx1">
+                    <a:lumMod val="85000"/>
+                    <a:lumOff val="15000"/>
+                  </a:schemeClr>
+                </a:solidFill>
+                <a:latin typeface="Noto Sans JP" panose="020B0200000000000000" pitchFamily="50" charset="-128"/>
+                <a:ea typeface="Noto Sans JP" panose="020B0200000000000000" pitchFamily="50" charset="-128"/>
+              </a:rPr>
+              <a:t>　また、基板端に円形にフルカラー</a:t>
+            </a:r>
+            <a:r>
+              <a:rPr kumimoji="1" lang="en-US" altLang="ja-JP" sz="800" dirty="0">
+                <a:solidFill>
+                  <a:schemeClr val="tx1">
+                    <a:lumMod val="85000"/>
+                    <a:lumOff val="15000"/>
+                  </a:schemeClr>
+                </a:solidFill>
+                <a:latin typeface="Noto Sans JP" panose="020B0200000000000000" pitchFamily="50" charset="-128"/>
+                <a:ea typeface="Noto Sans JP" panose="020B0200000000000000" pitchFamily="50" charset="-128"/>
+              </a:rPr>
+              <a:t>LED</a:t>
+            </a:r>
+          </a:p>
+          <a:p>
+            <a:pPr>
+              <a:lnSpc>
+                <a:spcPts val="960"/>
+              </a:lnSpc>
+            </a:pPr>
+            <a:r>
+              <a:rPr kumimoji="1" lang="ja-JP" altLang="en-US" sz="800" dirty="0">
+                <a:solidFill>
+                  <a:schemeClr val="tx1">
+                    <a:lumMod val="85000"/>
+                    <a:lumOff val="15000"/>
+                  </a:schemeClr>
+                </a:solidFill>
+                <a:latin typeface="Noto Sans JP" panose="020B0200000000000000" pitchFamily="50" charset="-128"/>
+                <a:ea typeface="Noto Sans JP" panose="020B0200000000000000" pitchFamily="50" charset="-128"/>
+              </a:rPr>
+              <a:t>である</a:t>
+            </a:r>
+            <a:r>
+              <a:rPr kumimoji="1" lang="en-US" altLang="ja-JP" sz="800" dirty="0">
+                <a:solidFill>
+                  <a:schemeClr val="tx1">
+                    <a:lumMod val="85000"/>
+                    <a:lumOff val="15000"/>
+                  </a:schemeClr>
+                </a:solidFill>
+                <a:latin typeface="Noto Sans JP" panose="020B0200000000000000" pitchFamily="50" charset="-128"/>
+                <a:ea typeface="Noto Sans JP" panose="020B0200000000000000" pitchFamily="50" charset="-128"/>
+              </a:rPr>
+              <a:t>WS2812B-2020</a:t>
+            </a:r>
+            <a:r>
+              <a:rPr kumimoji="1" lang="ja-JP" altLang="en-US" sz="800" dirty="0">
+                <a:solidFill>
+                  <a:schemeClr val="tx1">
+                    <a:lumMod val="85000"/>
+                    <a:lumOff val="15000"/>
+                  </a:schemeClr>
+                </a:solidFill>
+                <a:latin typeface="Noto Sans JP" panose="020B0200000000000000" pitchFamily="50" charset="-128"/>
+                <a:ea typeface="Noto Sans JP" panose="020B0200000000000000" pitchFamily="50" charset="-128"/>
+              </a:rPr>
+              <a:t>を搭載しており、</a:t>
+            </a:r>
+            <a:endParaRPr kumimoji="1" lang="en-US" altLang="ja-JP" sz="800" dirty="0">
+              <a:solidFill>
+                <a:schemeClr val="tx1">
+                  <a:lumMod val="85000"/>
+                  <a:lumOff val="15000"/>
+                </a:schemeClr>
+              </a:solidFill>
+              <a:latin typeface="Noto Sans JP" panose="020B0200000000000000" pitchFamily="50" charset="-128"/>
+              <a:ea typeface="Noto Sans JP" panose="020B0200000000000000" pitchFamily="50" charset="-128"/>
+            </a:endParaRPr>
+          </a:p>
+          <a:p>
+            <a:pPr>
+              <a:lnSpc>
+                <a:spcPts val="960"/>
+              </a:lnSpc>
+            </a:pPr>
+            <a:r>
+              <a:rPr kumimoji="1" lang="ja-JP" altLang="en-US" sz="800" dirty="0">
+                <a:solidFill>
+                  <a:schemeClr val="tx1">
+                    <a:lumMod val="85000"/>
+                    <a:lumOff val="15000"/>
+                  </a:schemeClr>
+                </a:solidFill>
+                <a:latin typeface="Noto Sans JP" panose="020B0200000000000000" pitchFamily="50" charset="-128"/>
+                <a:ea typeface="Noto Sans JP" panose="020B0200000000000000" pitchFamily="50" charset="-128"/>
+              </a:rPr>
+              <a:t>ボールやゴールの角度、ラインセンサー</a:t>
+            </a:r>
+            <a:endParaRPr kumimoji="1" lang="en-US" altLang="ja-JP" sz="800" dirty="0">
+              <a:solidFill>
+                <a:schemeClr val="tx1">
+                  <a:lumMod val="85000"/>
+                  <a:lumOff val="15000"/>
+                </a:schemeClr>
+              </a:solidFill>
+              <a:latin typeface="Noto Sans JP" panose="020B0200000000000000" pitchFamily="50" charset="-128"/>
+              <a:ea typeface="Noto Sans JP" panose="020B0200000000000000" pitchFamily="50" charset="-128"/>
+            </a:endParaRPr>
+          </a:p>
+          <a:p>
+            <a:pPr>
+              <a:lnSpc>
+                <a:spcPts val="960"/>
+              </a:lnSpc>
+            </a:pPr>
+            <a:r>
+              <a:rPr kumimoji="1" lang="ja-JP" altLang="en-US" sz="800" dirty="0">
+                <a:solidFill>
+                  <a:schemeClr val="tx1">
+                    <a:lumMod val="85000"/>
+                    <a:lumOff val="15000"/>
+                  </a:schemeClr>
+                </a:solidFill>
+                <a:latin typeface="Noto Sans JP" panose="020B0200000000000000" pitchFamily="50" charset="-128"/>
+                <a:ea typeface="Noto Sans JP" panose="020B0200000000000000" pitchFamily="50" charset="-128"/>
+              </a:rPr>
+              <a:t>の反応位置などを</a:t>
+            </a:r>
+            <a:r>
+              <a:rPr kumimoji="1" lang="ja-JP" altLang="en-US" sz="800" b="1" dirty="0">
+                <a:solidFill>
+                  <a:srgbClr val="073849"/>
+                </a:solidFill>
+                <a:latin typeface="Noto Sans JP" panose="020B0200000000000000" pitchFamily="50" charset="-128"/>
+                <a:ea typeface="Noto Sans JP" panose="020B0200000000000000" pitchFamily="50" charset="-128"/>
+              </a:rPr>
+              <a:t>より視覚的に認識</a:t>
+            </a:r>
+            <a:r>
+              <a:rPr kumimoji="1" lang="ja-JP" altLang="en-US" sz="800" dirty="0">
+                <a:solidFill>
+                  <a:schemeClr val="tx1">
+                    <a:lumMod val="85000"/>
+                    <a:lumOff val="15000"/>
+                  </a:schemeClr>
+                </a:solidFill>
+                <a:latin typeface="Noto Sans JP" panose="020B0200000000000000" pitchFamily="50" charset="-128"/>
+                <a:ea typeface="Noto Sans JP" panose="020B0200000000000000" pitchFamily="50" charset="-128"/>
+              </a:rPr>
+              <a:t>する</a:t>
+            </a:r>
+            <a:endParaRPr kumimoji="1" lang="en-US" altLang="ja-JP" sz="800" dirty="0">
+              <a:solidFill>
+                <a:schemeClr val="tx1">
+                  <a:lumMod val="85000"/>
+                  <a:lumOff val="15000"/>
+                </a:schemeClr>
+              </a:solidFill>
+              <a:latin typeface="Noto Sans JP" panose="020B0200000000000000" pitchFamily="50" charset="-128"/>
+              <a:ea typeface="Noto Sans JP" panose="020B0200000000000000" pitchFamily="50" charset="-128"/>
+            </a:endParaRPr>
+          </a:p>
+          <a:p>
+            <a:pPr>
+              <a:lnSpc>
+                <a:spcPts val="960"/>
+              </a:lnSpc>
+            </a:pPr>
+            <a:r>
+              <a:rPr kumimoji="1" lang="ja-JP" altLang="en-US" sz="800" dirty="0">
+                <a:solidFill>
+                  <a:schemeClr val="tx1">
+                    <a:lumMod val="85000"/>
+                    <a:lumOff val="15000"/>
+                  </a:schemeClr>
+                </a:solidFill>
+                <a:latin typeface="Noto Sans JP" panose="020B0200000000000000" pitchFamily="50" charset="-128"/>
+                <a:ea typeface="Noto Sans JP" panose="020B0200000000000000" pitchFamily="50" charset="-128"/>
+              </a:rPr>
+              <a:t>ことができます。</a:t>
+            </a:r>
+            <a:endParaRPr kumimoji="1" lang="en-US" altLang="ja-JP" sz="800" dirty="0">
+              <a:solidFill>
+                <a:schemeClr val="tx1">
+                  <a:lumMod val="85000"/>
+                  <a:lumOff val="15000"/>
+                </a:schemeClr>
+              </a:solidFill>
+              <a:latin typeface="Noto Sans JP" panose="020B0200000000000000" pitchFamily="50" charset="-128"/>
+              <a:ea typeface="Noto Sans JP" panose="020B0200000000000000" pitchFamily="50" charset="-128"/>
+            </a:endParaRPr>
+          </a:p>
+          <a:p>
+            <a:pPr>
+              <a:lnSpc>
+                <a:spcPts val="960"/>
+              </a:lnSpc>
+            </a:pPr>
+            <a:r>
+              <a:rPr kumimoji="1" lang="ja-JP" altLang="en-US" sz="800" dirty="0">
+                <a:solidFill>
+                  <a:schemeClr val="tx1">
+                    <a:lumMod val="85000"/>
+                    <a:lumOff val="15000"/>
+                  </a:schemeClr>
+                </a:solidFill>
+                <a:latin typeface="Noto Sans JP" panose="020B0200000000000000" pitchFamily="50" charset="-128"/>
+                <a:ea typeface="Noto Sans JP" panose="020B0200000000000000" pitchFamily="50" charset="-128"/>
+              </a:rPr>
+              <a:t>　この基板を搭載することで、</a:t>
+            </a:r>
+            <a:r>
+              <a:rPr kumimoji="1" lang="ja-JP" altLang="en-US" sz="800" b="1" dirty="0">
+                <a:solidFill>
+                  <a:srgbClr val="073849"/>
+                </a:solidFill>
+                <a:latin typeface="Noto Sans JP" panose="020B0200000000000000" pitchFamily="50" charset="-128"/>
+                <a:ea typeface="Noto Sans JP" panose="020B0200000000000000" pitchFamily="50" charset="-128"/>
+              </a:rPr>
+              <a:t>ロボットの</a:t>
+            </a:r>
+            <a:endParaRPr kumimoji="1" lang="en-US" altLang="ja-JP" sz="800" b="1" dirty="0">
+              <a:solidFill>
+                <a:srgbClr val="073849"/>
+              </a:solidFill>
+              <a:latin typeface="Noto Sans JP" panose="020B0200000000000000" pitchFamily="50" charset="-128"/>
+              <a:ea typeface="Noto Sans JP" panose="020B0200000000000000" pitchFamily="50" charset="-128"/>
+            </a:endParaRPr>
+          </a:p>
+          <a:p>
+            <a:pPr>
+              <a:lnSpc>
+                <a:spcPts val="960"/>
+              </a:lnSpc>
+            </a:pPr>
+            <a:r>
+              <a:rPr kumimoji="1" lang="ja-JP" altLang="en-US" sz="800" b="1" dirty="0">
+                <a:solidFill>
+                  <a:srgbClr val="073849"/>
+                </a:solidFill>
+                <a:latin typeface="Noto Sans JP" panose="020B0200000000000000" pitchFamily="50" charset="-128"/>
+                <a:ea typeface="Noto Sans JP" panose="020B0200000000000000" pitchFamily="50" charset="-128"/>
+              </a:rPr>
+              <a:t>デバッグ性が飛躍的に向上</a:t>
+            </a:r>
+            <a:r>
+              <a:rPr kumimoji="1" lang="ja-JP" altLang="en-US" sz="800" dirty="0">
+                <a:solidFill>
+                  <a:schemeClr val="tx1">
+                    <a:lumMod val="85000"/>
+                    <a:lumOff val="15000"/>
+                  </a:schemeClr>
+                </a:solidFill>
+                <a:latin typeface="Noto Sans JP" panose="020B0200000000000000" pitchFamily="50" charset="-128"/>
+                <a:ea typeface="Noto Sans JP" panose="020B0200000000000000" pitchFamily="50" charset="-128"/>
+              </a:rPr>
+              <a:t>しました。</a:t>
+            </a:r>
+          </a:p>
+        </p:txBody>
+      </p:sp>
+      <p:sp>
+        <p:nvSpPr>
+          <p:cNvPr id="1059" name="正方形/長方形 1058">
+            <a:extLst>
+              <a:ext uri="{FF2B5EF4-FFF2-40B4-BE49-F238E27FC236}">
+                <a16:creationId xmlns:a16="http://schemas.microsoft.com/office/drawing/2014/main" id="{DC3B1C3A-1FEA-470F-1401-F08EE43C86E8}"/>
+              </a:ext>
+            </a:extLst>
+          </p:cNvPr>
+          <p:cNvSpPr/>
+          <p:nvPr/>
+        </p:nvSpPr>
+        <p:spPr>
+          <a:xfrm>
+            <a:off x="2265943" y="9577942"/>
+            <a:ext cx="1360402" cy="969247"/>
           </a:xfrm>
           <a:prstGeom prst="rect">
             <a:avLst/>
@@ -5013,27 +10941,26 @@
           <a:p>
             <a:pPr algn="ctr"/>
             <a:r>
-              <a:rPr kumimoji="1" lang="ja-JP" altLang="en-US" dirty="0"/>
-              <a:t>電源ユニット</a:t>
-            </a:r>
-            <a:endParaRPr kumimoji="1" lang="en-US" altLang="ja-JP" dirty="0"/>
+              <a:rPr kumimoji="1" lang="ja-JP" altLang="en-US" sz="1100" dirty="0"/>
+              <a:t>ユニット</a:t>
+            </a:r>
+            <a:endParaRPr kumimoji="1" lang="en-US" altLang="ja-JP" sz="1100" dirty="0"/>
           </a:p>
           <a:p>
             <a:pPr algn="ctr"/>
             <a:r>
-              <a:rPr kumimoji="1" lang="ja-JP" altLang="en-US" dirty="0"/>
-              <a:t>・右側にあるよ</a:t>
-            </a:r>
-            <a:endParaRPr kumimoji="1" lang="en-US" altLang="ja-JP" dirty="0"/>
-          </a:p>
-        </p:txBody>
-      </p:sp>
-      <p:sp>
-        <p:nvSpPr>
-          <p:cNvPr id="41" name="正方形/長方形 40">
+              <a:rPr kumimoji="1" lang="ja-JP" altLang="en-US" sz="1100" dirty="0"/>
+              <a:t>写真</a:t>
+            </a:r>
+          </a:p>
+        </p:txBody>
+      </p:sp>
+      <p:sp>
+        <p:nvSpPr>
+          <p:cNvPr id="1060" name="正方形/長方形 1059">
             <a:extLst>
               <a:ext uri="{FF2B5EF4-FFF2-40B4-BE49-F238E27FC236}">
-                <a16:creationId xmlns:a16="http://schemas.microsoft.com/office/drawing/2014/main" id="{B862CCAF-8B2D-2B06-F102-5D9DC04A3F2D}"/>
+                <a16:creationId xmlns:a16="http://schemas.microsoft.com/office/drawing/2014/main" id="{319924B8-436A-9A2D-7A3B-8549ED70CC0F}"/>
               </a:ext>
             </a:extLst>
           </p:cNvPr>
@@ -5042,8 +10969,8 @@
         </p:nvSpPr>
         <p:spPr>
           <a:xfrm>
-            <a:off x="135591" y="3402501"/>
-            <a:ext cx="3316567" cy="2107448"/>
+            <a:off x="5515944" y="4407363"/>
+            <a:ext cx="1481756" cy="962869"/>
           </a:xfrm>
           <a:prstGeom prst="rect">
             <a:avLst/>
@@ -5071,39 +10998,832 @@
           <a:p>
             <a:pPr algn="ctr"/>
             <a:r>
-              <a:rPr kumimoji="1" lang="ja-JP" altLang="en-US" dirty="0"/>
-              <a:t>メイン基板</a:t>
-            </a:r>
-            <a:endParaRPr kumimoji="1" lang="en-US" altLang="ja-JP" dirty="0"/>
-          </a:p>
-          <a:p>
-            <a:pPr algn="ctr"/>
-            <a:r>
-              <a:rPr kumimoji="1" lang="ja-JP" altLang="en-US" dirty="0"/>
-              <a:t>・使用マイコン</a:t>
-            </a:r>
-            <a:endParaRPr kumimoji="1" lang="en-US" altLang="ja-JP" dirty="0"/>
-          </a:p>
-          <a:p>
-            <a:pPr algn="ctr"/>
-            <a:r>
-              <a:rPr kumimoji="1" lang="ja-JP" altLang="en-US" dirty="0"/>
-              <a:t>・ジャイロ、</a:t>
-            </a:r>
-            <a:r>
-              <a:rPr kumimoji="1" lang="en-US" altLang="ja-JP" dirty="0"/>
-              <a:t>TOF</a:t>
-            </a:r>
-            <a:endParaRPr kumimoji="1" lang="ja-JP" altLang="en-US" dirty="0"/>
-          </a:p>
-        </p:txBody>
-      </p:sp>
-      <p:sp>
-        <p:nvSpPr>
-          <p:cNvPr id="42" name="正方形/長方形 41">
+              <a:rPr kumimoji="1" lang="ja-JP" altLang="en-US" sz="1100" dirty="0"/>
+              <a:t>モジュール写真</a:t>
+            </a:r>
+          </a:p>
+        </p:txBody>
+      </p:sp>
+      <p:sp>
+        <p:nvSpPr>
+          <p:cNvPr id="1061" name="テキスト ボックス 1060">
             <a:extLst>
               <a:ext uri="{FF2B5EF4-FFF2-40B4-BE49-F238E27FC236}">
-                <a16:creationId xmlns:a16="http://schemas.microsoft.com/office/drawing/2014/main" id="{C3CD7B23-53B8-125C-928E-6D4C0AA2AE79}"/>
+                <a16:creationId xmlns:a16="http://schemas.microsoft.com/office/drawing/2014/main" id="{AF815527-E78D-601D-060A-F250B1C678EB}"/>
+              </a:ext>
+            </a:extLst>
+          </p:cNvPr>
+          <p:cNvSpPr txBox="1"/>
+          <p:nvPr/>
+        </p:nvSpPr>
+        <p:spPr>
+          <a:xfrm>
+            <a:off x="3708787" y="8188060"/>
+            <a:ext cx="2907052" cy="307777"/>
+          </a:xfrm>
+          <a:prstGeom prst="rect">
+            <a:avLst/>
+          </a:prstGeom>
+          <a:noFill/>
+        </p:spPr>
+        <p:txBody>
+          <a:bodyPr wrap="square" rtlCol="0">
+            <a:spAutoFit/>
+          </a:bodyPr>
+          <a:lstStyle/>
+          <a:p>
+            <a:r>
+              <a:rPr kumimoji="1" lang="ja-JP" altLang="en-US" sz="1400" b="1" dirty="0">
+                <a:solidFill>
+                  <a:srgbClr val="073849"/>
+                </a:solidFill>
+                <a:latin typeface="Noto Sans JP" panose="020B0200000000000000" pitchFamily="50" charset="-128"/>
+                <a:ea typeface="Noto Sans JP" panose="020B0200000000000000" pitchFamily="50" charset="-128"/>
+              </a:rPr>
+              <a:t>モータードライバ</a:t>
+            </a:r>
+            <a:r>
+              <a:rPr kumimoji="1" lang="ja-JP" altLang="en-US" sz="1050" b="1" dirty="0">
+                <a:solidFill>
+                  <a:srgbClr val="073849"/>
+                </a:solidFill>
+                <a:latin typeface="Noto Sans JP" panose="020B0200000000000000" pitchFamily="50" charset="-128"/>
+                <a:ea typeface="Noto Sans JP" panose="020B0200000000000000" pitchFamily="50" charset="-128"/>
+              </a:rPr>
+              <a:t>モジュール</a:t>
+            </a:r>
+            <a:endParaRPr kumimoji="1" lang="ja-JP" altLang="en-US" sz="1400" dirty="0">
+              <a:solidFill>
+                <a:schemeClr val="tx1">
+                  <a:lumMod val="85000"/>
+                  <a:lumOff val="15000"/>
+                </a:schemeClr>
+              </a:solidFill>
+              <a:latin typeface="Noto Sans JP" panose="020B0200000000000000" pitchFamily="50" charset="-128"/>
+              <a:ea typeface="Noto Sans JP" panose="020B0200000000000000" pitchFamily="50" charset="-128"/>
+            </a:endParaRPr>
+          </a:p>
+        </p:txBody>
+      </p:sp>
+      <p:sp>
+        <p:nvSpPr>
+          <p:cNvPr id="1063" name="テキスト ボックス 1062">
+            <a:extLst>
+              <a:ext uri="{FF2B5EF4-FFF2-40B4-BE49-F238E27FC236}">
+                <a16:creationId xmlns:a16="http://schemas.microsoft.com/office/drawing/2014/main" id="{926E29C6-A384-E3CD-E5CB-2978AEE02F6E}"/>
+              </a:ext>
+            </a:extLst>
+          </p:cNvPr>
+          <p:cNvSpPr txBox="1"/>
+          <p:nvPr/>
+        </p:nvSpPr>
+        <p:spPr>
+          <a:xfrm>
+            <a:off x="5958373" y="8216743"/>
+            <a:ext cx="642703" cy="243677"/>
+          </a:xfrm>
+          <a:prstGeom prst="rect">
+            <a:avLst/>
+          </a:prstGeom>
+          <a:solidFill>
+            <a:schemeClr val="accent1">
+              <a:lumMod val="20000"/>
+              <a:lumOff val="80000"/>
+            </a:schemeClr>
+          </a:solidFill>
+          <a:ln>
+            <a:noFill/>
+          </a:ln>
+        </p:spPr>
+        <p:txBody>
+          <a:bodyPr wrap="square" lIns="28800" tIns="28800" rIns="28800" bIns="14400" rtlCol="0">
+            <a:spAutoFit/>
+          </a:bodyPr>
+          <a:lstStyle/>
+          <a:p>
+            <a:pPr algn="ctr"/>
+            <a:r>
+              <a:rPr kumimoji="1" lang="ja-JP" altLang="en-US" sz="500" b="1" dirty="0">
+                <a:solidFill>
+                  <a:schemeClr val="tx1">
+                    <a:lumMod val="85000"/>
+                    <a:lumOff val="15000"/>
+                  </a:schemeClr>
+                </a:solidFill>
+                <a:latin typeface="Noto Sans JP" panose="020B0200000000000000" pitchFamily="50" charset="-128"/>
+                <a:ea typeface="Noto Sans JP" panose="020B0200000000000000" pitchFamily="50" charset="-128"/>
+              </a:rPr>
+              <a:t>メイン基板との接続</a:t>
+            </a:r>
+            <a:endParaRPr kumimoji="1" lang="en-US" altLang="ja-JP" sz="500" b="1" dirty="0">
+              <a:solidFill>
+                <a:schemeClr val="tx1">
+                  <a:lumMod val="85000"/>
+                  <a:lumOff val="15000"/>
+                </a:schemeClr>
+              </a:solidFill>
+              <a:latin typeface="Noto Sans JP" panose="020B0200000000000000" pitchFamily="50" charset="-128"/>
+              <a:ea typeface="Noto Sans JP" panose="020B0200000000000000" pitchFamily="50" charset="-128"/>
+            </a:endParaRPr>
+          </a:p>
+          <a:p>
+            <a:pPr algn="ctr"/>
+            <a:r>
+              <a:rPr kumimoji="1" lang="en-US" altLang="ja-JP" sz="800" b="1" dirty="0">
+                <a:solidFill>
+                  <a:schemeClr val="tx1">
+                    <a:lumMod val="85000"/>
+                    <a:lumOff val="15000"/>
+                  </a:schemeClr>
+                </a:solidFill>
+                <a:latin typeface="Noto Sans JP" panose="020B0200000000000000" pitchFamily="50" charset="-128"/>
+                <a:ea typeface="Noto Sans JP" panose="020B0200000000000000" pitchFamily="50" charset="-128"/>
+              </a:rPr>
+              <a:t>UART</a:t>
+            </a:r>
+            <a:endParaRPr kumimoji="1" lang="ja-JP" altLang="en-US" sz="500" b="1" dirty="0">
+              <a:solidFill>
+                <a:schemeClr val="tx1">
+                  <a:lumMod val="85000"/>
+                  <a:lumOff val="15000"/>
+                </a:schemeClr>
+              </a:solidFill>
+              <a:latin typeface="Noto Sans JP" panose="020B0200000000000000" pitchFamily="50" charset="-128"/>
+              <a:ea typeface="Noto Sans JP" panose="020B0200000000000000" pitchFamily="50" charset="-128"/>
+            </a:endParaRPr>
+          </a:p>
+        </p:txBody>
+      </p:sp>
+      <p:sp>
+        <p:nvSpPr>
+          <p:cNvPr id="1064" name="テキスト ボックス 1063">
+            <a:extLst>
+              <a:ext uri="{FF2B5EF4-FFF2-40B4-BE49-F238E27FC236}">
+                <a16:creationId xmlns:a16="http://schemas.microsoft.com/office/drawing/2014/main" id="{FAD3FCDA-1749-E9F1-00CB-D5F8B4A83D1B}"/>
+              </a:ext>
+            </a:extLst>
+          </p:cNvPr>
+          <p:cNvSpPr txBox="1"/>
+          <p:nvPr/>
+        </p:nvSpPr>
+        <p:spPr>
+          <a:xfrm>
+            <a:off x="3937817" y="8412425"/>
+            <a:ext cx="2164346" cy="369332"/>
+          </a:xfrm>
+          <a:prstGeom prst="rect">
+            <a:avLst/>
+          </a:prstGeom>
+          <a:noFill/>
+        </p:spPr>
+        <p:txBody>
+          <a:bodyPr wrap="square" rtlCol="0">
+            <a:spAutoFit/>
+          </a:bodyPr>
+          <a:lstStyle/>
+          <a:p>
+            <a:r>
+              <a:rPr kumimoji="1" lang="ja-JP" altLang="en-US" sz="800" dirty="0">
+                <a:solidFill>
+                  <a:schemeClr val="tx1">
+                    <a:lumMod val="85000"/>
+                    <a:lumOff val="15000"/>
+                  </a:schemeClr>
+                </a:solidFill>
+                <a:latin typeface="Noto Sans JP" panose="020B0200000000000000" pitchFamily="50" charset="-128"/>
+                <a:ea typeface="Noto Sans JP" panose="020B0200000000000000" pitchFamily="50" charset="-128"/>
+              </a:rPr>
+              <a:t>モーター </a:t>
+            </a:r>
+            <a:r>
+              <a:rPr kumimoji="1" lang="en-US" altLang="ja-JP" sz="800" dirty="0">
+                <a:solidFill>
+                  <a:schemeClr val="tx1">
+                    <a:lumMod val="85000"/>
+                    <a:lumOff val="15000"/>
+                  </a:schemeClr>
+                </a:solidFill>
+                <a:latin typeface="Noto Sans JP" panose="020B0200000000000000" pitchFamily="50" charset="-128"/>
+                <a:ea typeface="Noto Sans JP" panose="020B0200000000000000" pitchFamily="50" charset="-128"/>
+              </a:rPr>
+              <a:t>: </a:t>
+            </a:r>
+            <a:r>
+              <a:rPr kumimoji="1" lang="en-US" altLang="ja-JP" sz="900" b="1" dirty="0">
+                <a:solidFill>
+                  <a:srgbClr val="073849"/>
+                </a:solidFill>
+                <a:latin typeface="Noto Sans JP" panose="020B0200000000000000" pitchFamily="50" charset="-128"/>
+                <a:ea typeface="Noto Sans JP" panose="020B0200000000000000" pitchFamily="50" charset="-128"/>
+              </a:rPr>
+              <a:t>IG22 19:1 </a:t>
+            </a:r>
+            <a:r>
+              <a:rPr kumimoji="1" lang="en-US" altLang="ja-JP" sz="800" dirty="0">
+                <a:solidFill>
+                  <a:schemeClr val="tx1">
+                    <a:lumMod val="85000"/>
+                    <a:lumOff val="15000"/>
+                  </a:schemeClr>
+                </a:solidFill>
+                <a:latin typeface="Noto Sans JP" panose="020B0200000000000000" pitchFamily="50" charset="-128"/>
+                <a:ea typeface="Noto Sans JP" panose="020B0200000000000000" pitchFamily="50" charset="-128"/>
+              </a:rPr>
+              <a:t>x4</a:t>
+            </a:r>
+          </a:p>
+          <a:p>
+            <a:r>
+              <a:rPr kumimoji="1" lang="ja-JP" altLang="en-US" sz="800" dirty="0">
+                <a:solidFill>
+                  <a:schemeClr val="tx1">
+                    <a:lumMod val="85000"/>
+                    <a:lumOff val="15000"/>
+                  </a:schemeClr>
+                </a:solidFill>
+                <a:latin typeface="Noto Sans JP" panose="020B0200000000000000" pitchFamily="50" charset="-128"/>
+                <a:ea typeface="Noto Sans JP" panose="020B0200000000000000" pitchFamily="50" charset="-128"/>
+              </a:rPr>
+              <a:t>モータードライバ </a:t>
+            </a:r>
+            <a:r>
+              <a:rPr kumimoji="1" lang="en-US" altLang="ja-JP" sz="800" dirty="0">
+                <a:solidFill>
+                  <a:schemeClr val="tx1">
+                    <a:lumMod val="85000"/>
+                    <a:lumOff val="15000"/>
+                  </a:schemeClr>
+                </a:solidFill>
+                <a:latin typeface="Noto Sans JP" panose="020B0200000000000000" pitchFamily="50" charset="-128"/>
+                <a:ea typeface="Noto Sans JP" panose="020B0200000000000000" pitchFamily="50" charset="-128"/>
+              </a:rPr>
+              <a:t>:</a:t>
+            </a:r>
+            <a:r>
+              <a:rPr kumimoji="1" lang="en-US" altLang="ja-JP" sz="900" dirty="0">
+                <a:solidFill>
+                  <a:schemeClr val="tx1">
+                    <a:lumMod val="85000"/>
+                    <a:lumOff val="15000"/>
+                  </a:schemeClr>
+                </a:solidFill>
+                <a:latin typeface="Noto Sans JP" panose="020B0200000000000000" pitchFamily="50" charset="-128"/>
+                <a:ea typeface="Noto Sans JP" panose="020B0200000000000000" pitchFamily="50" charset="-128"/>
+              </a:rPr>
+              <a:t> </a:t>
+            </a:r>
+            <a:r>
+              <a:rPr kumimoji="1" lang="en-US" altLang="ja-JP" sz="900" b="1" dirty="0">
+                <a:solidFill>
+                  <a:srgbClr val="073849"/>
+                </a:solidFill>
+                <a:latin typeface="Noto Sans JP" panose="020B0200000000000000" pitchFamily="50" charset="-128"/>
+                <a:ea typeface="Noto Sans JP" panose="020B0200000000000000" pitchFamily="50" charset="-128"/>
+              </a:rPr>
+              <a:t>TB67H450FNG</a:t>
+            </a:r>
+            <a:r>
+              <a:rPr kumimoji="1" lang="en-US" altLang="ja-JP" sz="700" dirty="0">
+                <a:solidFill>
+                  <a:schemeClr val="tx1">
+                    <a:lumMod val="85000"/>
+                    <a:lumOff val="15000"/>
+                  </a:schemeClr>
+                </a:solidFill>
+                <a:latin typeface="Noto Sans JP" panose="020B0200000000000000" pitchFamily="50" charset="-128"/>
+                <a:ea typeface="Noto Sans JP" panose="020B0200000000000000" pitchFamily="50" charset="-128"/>
+              </a:rPr>
+              <a:t> </a:t>
+            </a:r>
+            <a:r>
+              <a:rPr kumimoji="1" lang="en-US" altLang="ja-JP" sz="800" dirty="0">
+                <a:solidFill>
+                  <a:schemeClr val="tx1">
+                    <a:lumMod val="85000"/>
+                    <a:lumOff val="15000"/>
+                  </a:schemeClr>
+                </a:solidFill>
+                <a:latin typeface="Noto Sans JP" panose="020B0200000000000000" pitchFamily="50" charset="-128"/>
+                <a:ea typeface="Noto Sans JP" panose="020B0200000000000000" pitchFamily="50" charset="-128"/>
+              </a:rPr>
+              <a:t>x4</a:t>
+            </a:r>
+            <a:endParaRPr kumimoji="1" lang="ja-JP" altLang="en-US" sz="900" dirty="0">
+              <a:solidFill>
+                <a:schemeClr val="tx1">
+                  <a:lumMod val="85000"/>
+                  <a:lumOff val="15000"/>
+                </a:schemeClr>
+              </a:solidFill>
+              <a:latin typeface="Noto Sans JP" panose="020B0200000000000000" pitchFamily="50" charset="-128"/>
+              <a:ea typeface="Noto Sans JP" panose="020B0200000000000000" pitchFamily="50" charset="-128"/>
+            </a:endParaRPr>
+          </a:p>
+        </p:txBody>
+      </p:sp>
+      <p:sp>
+        <p:nvSpPr>
+          <p:cNvPr id="1065" name="テキスト ボックス 1064">
+            <a:extLst>
+              <a:ext uri="{FF2B5EF4-FFF2-40B4-BE49-F238E27FC236}">
+                <a16:creationId xmlns:a16="http://schemas.microsoft.com/office/drawing/2014/main" id="{99FFD962-CE3E-A55C-69F5-F0C764AE9802}"/>
+              </a:ext>
+            </a:extLst>
+          </p:cNvPr>
+          <p:cNvSpPr txBox="1"/>
+          <p:nvPr/>
+        </p:nvSpPr>
+        <p:spPr>
+          <a:xfrm>
+            <a:off x="3781729" y="8742471"/>
+            <a:ext cx="3215972" cy="1880066"/>
+          </a:xfrm>
+          <a:prstGeom prst="rect">
+            <a:avLst/>
+          </a:prstGeom>
+          <a:noFill/>
+        </p:spPr>
+        <p:txBody>
+          <a:bodyPr wrap="square" rtlCol="0">
+            <a:spAutoFit/>
+          </a:bodyPr>
+          <a:lstStyle/>
+          <a:p>
+            <a:pPr>
+              <a:lnSpc>
+                <a:spcPts val="960"/>
+              </a:lnSpc>
+            </a:pPr>
+            <a:r>
+              <a:rPr kumimoji="1" lang="ja-JP" altLang="en-US" sz="800" dirty="0">
+                <a:solidFill>
+                  <a:schemeClr val="tx1">
+                    <a:lumMod val="85000"/>
+                    <a:lumOff val="15000"/>
+                  </a:schemeClr>
+                </a:solidFill>
+                <a:latin typeface="Noto Sans JP" panose="020B0200000000000000" pitchFamily="50" charset="-128"/>
+                <a:ea typeface="Noto Sans JP" panose="020B0200000000000000" pitchFamily="50" charset="-128"/>
+              </a:rPr>
+              <a:t>　モーターには</a:t>
+            </a:r>
+            <a:r>
+              <a:rPr kumimoji="1" lang="en-US" altLang="ja-JP" sz="800" dirty="0">
+                <a:solidFill>
+                  <a:schemeClr val="tx1">
+                    <a:lumMod val="85000"/>
+                    <a:lumOff val="15000"/>
+                  </a:schemeClr>
+                </a:solidFill>
+                <a:latin typeface="Noto Sans JP" panose="020B0200000000000000" pitchFamily="50" charset="-128"/>
+                <a:ea typeface="Noto Sans JP" panose="020B0200000000000000" pitchFamily="50" charset="-128"/>
+              </a:rPr>
+              <a:t>IG22 19:1</a:t>
+            </a:r>
+            <a:r>
+              <a:rPr kumimoji="1" lang="ja-JP" altLang="en-US" sz="800" dirty="0">
+                <a:solidFill>
+                  <a:schemeClr val="tx1">
+                    <a:lumMod val="85000"/>
+                    <a:lumOff val="15000"/>
+                  </a:schemeClr>
+                </a:solidFill>
+                <a:latin typeface="Noto Sans JP" panose="020B0200000000000000" pitchFamily="50" charset="-128"/>
+                <a:ea typeface="Noto Sans JP" panose="020B0200000000000000" pitchFamily="50" charset="-128"/>
+              </a:rPr>
+              <a:t>を採用しています。現在は在庫がなく高価なものとなっていますが、以前は</a:t>
+            </a:r>
+            <a:r>
+              <a:rPr kumimoji="1" lang="ja-JP" altLang="en-US" sz="800" b="1" dirty="0">
+                <a:solidFill>
+                  <a:srgbClr val="073849"/>
+                </a:solidFill>
+                <a:latin typeface="Noto Sans JP" panose="020B0200000000000000" pitchFamily="50" charset="-128"/>
+                <a:ea typeface="Noto Sans JP" panose="020B0200000000000000" pitchFamily="50" charset="-128"/>
+              </a:rPr>
+              <a:t>入手性が高く低価格であったこと</a:t>
+            </a:r>
+            <a:r>
+              <a:rPr kumimoji="1" lang="ja-JP" altLang="en-US" sz="800" dirty="0">
+                <a:solidFill>
+                  <a:schemeClr val="tx1">
+                    <a:lumMod val="85000"/>
+                    <a:lumOff val="15000"/>
+                  </a:schemeClr>
+                </a:solidFill>
+                <a:latin typeface="Noto Sans JP" panose="020B0200000000000000" pitchFamily="50" charset="-128"/>
+                <a:ea typeface="Noto Sans JP" panose="020B0200000000000000" pitchFamily="50" charset="-128"/>
+              </a:rPr>
+              <a:t>から採用しています。また、モータードライバには</a:t>
+            </a:r>
+            <a:r>
+              <a:rPr kumimoji="1" lang="en-US" altLang="ja-JP" sz="800" dirty="0">
+                <a:solidFill>
+                  <a:schemeClr val="tx1">
+                    <a:lumMod val="85000"/>
+                    <a:lumOff val="15000"/>
+                  </a:schemeClr>
+                </a:solidFill>
+                <a:latin typeface="Noto Sans JP" panose="020B0200000000000000" pitchFamily="50" charset="-128"/>
+                <a:ea typeface="Noto Sans JP" panose="020B0200000000000000" pitchFamily="50" charset="-128"/>
+              </a:rPr>
+              <a:t>TB67H450FNG</a:t>
+            </a:r>
+            <a:r>
+              <a:rPr kumimoji="1" lang="ja-JP" altLang="en-US" sz="800" dirty="0">
+                <a:solidFill>
+                  <a:schemeClr val="tx1">
+                    <a:lumMod val="85000"/>
+                    <a:lumOff val="15000"/>
+                  </a:schemeClr>
+                </a:solidFill>
+                <a:latin typeface="Noto Sans JP" panose="020B0200000000000000" pitchFamily="50" charset="-128"/>
+                <a:ea typeface="Noto Sans JP" panose="020B0200000000000000" pitchFamily="50" charset="-128"/>
+              </a:rPr>
+              <a:t>を採用しています。オープンリーグのロボットは</a:t>
+            </a:r>
+            <a:endParaRPr kumimoji="1" lang="en-US" altLang="ja-JP" sz="800" dirty="0">
+              <a:solidFill>
+                <a:schemeClr val="tx1">
+                  <a:lumMod val="85000"/>
+                  <a:lumOff val="15000"/>
+                </a:schemeClr>
+              </a:solidFill>
+              <a:latin typeface="Noto Sans JP" panose="020B0200000000000000" pitchFamily="50" charset="-128"/>
+              <a:ea typeface="Noto Sans JP" panose="020B0200000000000000" pitchFamily="50" charset="-128"/>
+            </a:endParaRPr>
+          </a:p>
+          <a:p>
+            <a:pPr>
+              <a:lnSpc>
+                <a:spcPts val="960"/>
+              </a:lnSpc>
+            </a:pPr>
+            <a:r>
+              <a:rPr kumimoji="1" lang="ja-JP" altLang="en-US" sz="800" dirty="0">
+                <a:solidFill>
+                  <a:schemeClr val="tx1">
+                    <a:lumMod val="85000"/>
+                    <a:lumOff val="15000"/>
+                  </a:schemeClr>
+                </a:solidFill>
+                <a:latin typeface="Noto Sans JP" panose="020B0200000000000000" pitchFamily="50" charset="-128"/>
+                <a:ea typeface="Noto Sans JP" panose="020B0200000000000000" pitchFamily="50" charset="-128"/>
+              </a:rPr>
+              <a:t>直径を</a:t>
+            </a:r>
+            <a:r>
+              <a:rPr kumimoji="1" lang="en-US" altLang="ja-JP" sz="800" dirty="0">
+                <a:solidFill>
+                  <a:schemeClr val="tx1">
+                    <a:lumMod val="85000"/>
+                    <a:lumOff val="15000"/>
+                  </a:schemeClr>
+                </a:solidFill>
+                <a:latin typeface="Noto Sans JP" panose="020B0200000000000000" pitchFamily="50" charset="-128"/>
+                <a:ea typeface="Noto Sans JP" panose="020B0200000000000000" pitchFamily="50" charset="-128"/>
+              </a:rPr>
+              <a:t>18cm</a:t>
+            </a:r>
+            <a:r>
+              <a:rPr kumimoji="1" lang="ja-JP" altLang="en-US" sz="800" dirty="0">
+                <a:solidFill>
+                  <a:schemeClr val="tx1">
+                    <a:lumMod val="85000"/>
+                    <a:lumOff val="15000"/>
+                  </a:schemeClr>
+                </a:solidFill>
+                <a:latin typeface="Noto Sans JP" panose="020B0200000000000000" pitchFamily="50" charset="-128"/>
+                <a:ea typeface="Noto Sans JP" panose="020B0200000000000000" pitchFamily="50" charset="-128"/>
+              </a:rPr>
+              <a:t>に収めないといけない都合上、基板サイズも小さく</a:t>
+            </a:r>
+            <a:endParaRPr kumimoji="1" lang="en-US" altLang="ja-JP" sz="800" dirty="0">
+              <a:solidFill>
+                <a:schemeClr val="tx1">
+                  <a:lumMod val="85000"/>
+                  <a:lumOff val="15000"/>
+                </a:schemeClr>
+              </a:solidFill>
+              <a:latin typeface="Noto Sans JP" panose="020B0200000000000000" pitchFamily="50" charset="-128"/>
+              <a:ea typeface="Noto Sans JP" panose="020B0200000000000000" pitchFamily="50" charset="-128"/>
+            </a:endParaRPr>
+          </a:p>
+          <a:p>
+            <a:pPr>
+              <a:lnSpc>
+                <a:spcPts val="960"/>
+              </a:lnSpc>
+            </a:pPr>
+            <a:r>
+              <a:rPr kumimoji="1" lang="ja-JP" altLang="en-US" sz="800" dirty="0">
+                <a:solidFill>
+                  <a:schemeClr val="tx1">
+                    <a:lumMod val="85000"/>
+                    <a:lumOff val="15000"/>
+                  </a:schemeClr>
+                </a:solidFill>
+                <a:latin typeface="Noto Sans JP" panose="020B0200000000000000" pitchFamily="50" charset="-128"/>
+                <a:ea typeface="Noto Sans JP" panose="020B0200000000000000" pitchFamily="50" charset="-128"/>
+              </a:rPr>
+              <a:t>なければならないことから、部品サイズが小さく、流すことの</a:t>
+            </a:r>
+            <a:endParaRPr kumimoji="1" lang="en-US" altLang="ja-JP" sz="800" dirty="0">
+              <a:solidFill>
+                <a:schemeClr val="tx1">
+                  <a:lumMod val="85000"/>
+                  <a:lumOff val="15000"/>
+                </a:schemeClr>
+              </a:solidFill>
+              <a:latin typeface="Noto Sans JP" panose="020B0200000000000000" pitchFamily="50" charset="-128"/>
+              <a:ea typeface="Noto Sans JP" panose="020B0200000000000000" pitchFamily="50" charset="-128"/>
+            </a:endParaRPr>
+          </a:p>
+          <a:p>
+            <a:pPr>
+              <a:lnSpc>
+                <a:spcPts val="960"/>
+              </a:lnSpc>
+            </a:pPr>
+            <a:r>
+              <a:rPr kumimoji="1" lang="ja-JP" altLang="en-US" sz="800" dirty="0">
+                <a:solidFill>
+                  <a:schemeClr val="tx1">
+                    <a:lumMod val="85000"/>
+                    <a:lumOff val="15000"/>
+                  </a:schemeClr>
+                </a:solidFill>
+                <a:latin typeface="Noto Sans JP" panose="020B0200000000000000" pitchFamily="50" charset="-128"/>
+                <a:ea typeface="Noto Sans JP" panose="020B0200000000000000" pitchFamily="50" charset="-128"/>
+              </a:rPr>
+              <a:t>できる電流が大きいこのドライバを</a:t>
+            </a:r>
+            <a:endParaRPr kumimoji="1" lang="en-US" altLang="ja-JP" sz="800" dirty="0">
+              <a:solidFill>
+                <a:schemeClr val="tx1">
+                  <a:lumMod val="85000"/>
+                  <a:lumOff val="15000"/>
+                </a:schemeClr>
+              </a:solidFill>
+              <a:latin typeface="Noto Sans JP" panose="020B0200000000000000" pitchFamily="50" charset="-128"/>
+              <a:ea typeface="Noto Sans JP" panose="020B0200000000000000" pitchFamily="50" charset="-128"/>
+            </a:endParaRPr>
+          </a:p>
+          <a:p>
+            <a:pPr>
+              <a:lnSpc>
+                <a:spcPts val="960"/>
+              </a:lnSpc>
+            </a:pPr>
+            <a:r>
+              <a:rPr kumimoji="1" lang="ja-JP" altLang="en-US" sz="800" dirty="0">
+                <a:solidFill>
+                  <a:schemeClr val="tx1">
+                    <a:lumMod val="85000"/>
+                    <a:lumOff val="15000"/>
+                  </a:schemeClr>
+                </a:solidFill>
+                <a:latin typeface="Noto Sans JP" panose="020B0200000000000000" pitchFamily="50" charset="-128"/>
+                <a:ea typeface="Noto Sans JP" panose="020B0200000000000000" pitchFamily="50" charset="-128"/>
+              </a:rPr>
+              <a:t>採用しました。</a:t>
+            </a:r>
+            <a:endParaRPr kumimoji="1" lang="en-US" altLang="ja-JP" sz="800" dirty="0">
+              <a:solidFill>
+                <a:schemeClr val="tx1">
+                  <a:lumMod val="85000"/>
+                  <a:lumOff val="15000"/>
+                </a:schemeClr>
+              </a:solidFill>
+              <a:latin typeface="Noto Sans JP" panose="020B0200000000000000" pitchFamily="50" charset="-128"/>
+              <a:ea typeface="Noto Sans JP" panose="020B0200000000000000" pitchFamily="50" charset="-128"/>
+            </a:endParaRPr>
+          </a:p>
+          <a:p>
+            <a:pPr>
+              <a:lnSpc>
+                <a:spcPts val="960"/>
+              </a:lnSpc>
+            </a:pPr>
+            <a:r>
+              <a:rPr kumimoji="1" lang="ja-JP" altLang="en-US" sz="800" dirty="0">
+                <a:solidFill>
+                  <a:schemeClr val="tx1">
+                    <a:lumMod val="85000"/>
+                    <a:lumOff val="15000"/>
+                  </a:schemeClr>
+                </a:solidFill>
+                <a:latin typeface="Noto Sans JP" panose="020B0200000000000000" pitchFamily="50" charset="-128"/>
+                <a:ea typeface="Noto Sans JP" panose="020B0200000000000000" pitchFamily="50" charset="-128"/>
+              </a:rPr>
+              <a:t>　また、ドリブラーに用いている</a:t>
+            </a:r>
+            <a:endParaRPr kumimoji="1" lang="en-US" altLang="ja-JP" sz="800" dirty="0">
+              <a:solidFill>
+                <a:schemeClr val="tx1">
+                  <a:lumMod val="85000"/>
+                  <a:lumOff val="15000"/>
+                </a:schemeClr>
+              </a:solidFill>
+              <a:latin typeface="Noto Sans JP" panose="020B0200000000000000" pitchFamily="50" charset="-128"/>
+              <a:ea typeface="Noto Sans JP" panose="020B0200000000000000" pitchFamily="50" charset="-128"/>
+            </a:endParaRPr>
+          </a:p>
+          <a:p>
+            <a:pPr>
+              <a:lnSpc>
+                <a:spcPts val="960"/>
+              </a:lnSpc>
+            </a:pPr>
+            <a:r>
+              <a:rPr kumimoji="1" lang="en-US" altLang="ja-JP" sz="800" dirty="0">
+                <a:solidFill>
+                  <a:schemeClr val="tx1">
+                    <a:lumMod val="85000"/>
+                    <a:lumOff val="15000"/>
+                  </a:schemeClr>
+                </a:solidFill>
+                <a:latin typeface="Noto Sans JP" panose="020B0200000000000000" pitchFamily="50" charset="-128"/>
+                <a:ea typeface="Noto Sans JP" panose="020B0200000000000000" pitchFamily="50" charset="-128"/>
+              </a:rPr>
+              <a:t>BLDC</a:t>
+            </a:r>
+            <a:r>
+              <a:rPr kumimoji="1" lang="ja-JP" altLang="en-US" sz="800" dirty="0">
+                <a:solidFill>
+                  <a:schemeClr val="tx1">
+                    <a:lumMod val="85000"/>
+                    <a:lumOff val="15000"/>
+                  </a:schemeClr>
+                </a:solidFill>
+                <a:latin typeface="Noto Sans JP" panose="020B0200000000000000" pitchFamily="50" charset="-128"/>
+                <a:ea typeface="Noto Sans JP" panose="020B0200000000000000" pitchFamily="50" charset="-128"/>
+              </a:rPr>
+              <a:t>の制御も管理しており、</a:t>
+            </a:r>
+            <a:endParaRPr kumimoji="1" lang="en-US" altLang="ja-JP" sz="800" dirty="0">
+              <a:solidFill>
+                <a:schemeClr val="tx1">
+                  <a:lumMod val="85000"/>
+                  <a:lumOff val="15000"/>
+                </a:schemeClr>
+              </a:solidFill>
+              <a:latin typeface="Noto Sans JP" panose="020B0200000000000000" pitchFamily="50" charset="-128"/>
+              <a:ea typeface="Noto Sans JP" panose="020B0200000000000000" pitchFamily="50" charset="-128"/>
+            </a:endParaRPr>
+          </a:p>
+          <a:p>
+            <a:pPr>
+              <a:lnSpc>
+                <a:spcPts val="960"/>
+              </a:lnSpc>
+            </a:pPr>
+            <a:r>
+              <a:rPr kumimoji="1" lang="ja-JP" altLang="en-US" sz="800" b="1" dirty="0">
+                <a:solidFill>
+                  <a:srgbClr val="073849"/>
+                </a:solidFill>
+                <a:latin typeface="Noto Sans JP" panose="020B0200000000000000" pitchFamily="50" charset="-128"/>
+                <a:ea typeface="Noto Sans JP" panose="020B0200000000000000" pitchFamily="50" charset="-128"/>
+              </a:rPr>
+              <a:t>駆動系をこのモジュール</a:t>
+            </a:r>
+            <a:r>
+              <a:rPr kumimoji="1" lang="en-US" altLang="ja-JP" sz="800" b="1" dirty="0">
+                <a:solidFill>
+                  <a:srgbClr val="073849"/>
+                </a:solidFill>
+                <a:latin typeface="Noto Sans JP" panose="020B0200000000000000" pitchFamily="50" charset="-128"/>
+                <a:ea typeface="Noto Sans JP" panose="020B0200000000000000" pitchFamily="50" charset="-128"/>
+              </a:rPr>
+              <a:t>1</a:t>
+            </a:r>
+            <a:r>
+              <a:rPr kumimoji="1" lang="ja-JP" altLang="en-US" sz="800" b="1" dirty="0">
+                <a:solidFill>
+                  <a:srgbClr val="073849"/>
+                </a:solidFill>
+                <a:latin typeface="Noto Sans JP" panose="020B0200000000000000" pitchFamily="50" charset="-128"/>
+                <a:ea typeface="Noto Sans JP" panose="020B0200000000000000" pitchFamily="50" charset="-128"/>
+              </a:rPr>
+              <a:t>つで管理</a:t>
+            </a:r>
+            <a:endParaRPr kumimoji="1" lang="en-US" altLang="ja-JP" sz="800" b="1" dirty="0">
+              <a:solidFill>
+                <a:srgbClr val="073849"/>
+              </a:solidFill>
+              <a:latin typeface="Noto Sans JP" panose="020B0200000000000000" pitchFamily="50" charset="-128"/>
+              <a:ea typeface="Noto Sans JP" panose="020B0200000000000000" pitchFamily="50" charset="-128"/>
+            </a:endParaRPr>
+          </a:p>
+          <a:p>
+            <a:pPr>
+              <a:lnSpc>
+                <a:spcPts val="960"/>
+              </a:lnSpc>
+            </a:pPr>
+            <a:r>
+              <a:rPr kumimoji="1" lang="ja-JP" altLang="en-US" sz="800" b="1" dirty="0">
+                <a:solidFill>
+                  <a:srgbClr val="073849"/>
+                </a:solidFill>
+                <a:latin typeface="Noto Sans JP" panose="020B0200000000000000" pitchFamily="50" charset="-128"/>
+                <a:ea typeface="Noto Sans JP" panose="020B0200000000000000" pitchFamily="50" charset="-128"/>
+              </a:rPr>
+              <a:t>できるようになっている</a:t>
+            </a:r>
+            <a:r>
+              <a:rPr kumimoji="1" lang="ja-JP" altLang="en-US" sz="800" dirty="0">
+                <a:solidFill>
+                  <a:schemeClr val="tx1">
+                    <a:lumMod val="85000"/>
+                    <a:lumOff val="15000"/>
+                  </a:schemeClr>
+                </a:solidFill>
+                <a:latin typeface="Noto Sans JP" panose="020B0200000000000000" pitchFamily="50" charset="-128"/>
+                <a:ea typeface="Noto Sans JP" panose="020B0200000000000000" pitchFamily="50" charset="-128"/>
+              </a:rPr>
+              <a:t>ため、</a:t>
+            </a:r>
+            <a:endParaRPr kumimoji="1" lang="en-US" altLang="ja-JP" sz="800" dirty="0">
+              <a:solidFill>
+                <a:schemeClr val="tx1">
+                  <a:lumMod val="85000"/>
+                  <a:lumOff val="15000"/>
+                </a:schemeClr>
+              </a:solidFill>
+              <a:latin typeface="Noto Sans JP" panose="020B0200000000000000" pitchFamily="50" charset="-128"/>
+              <a:ea typeface="Noto Sans JP" panose="020B0200000000000000" pitchFamily="50" charset="-128"/>
+            </a:endParaRPr>
+          </a:p>
+          <a:p>
+            <a:pPr>
+              <a:lnSpc>
+                <a:spcPts val="960"/>
+              </a:lnSpc>
+            </a:pPr>
+            <a:r>
+              <a:rPr kumimoji="1" lang="ja-JP" altLang="en-US" sz="800" dirty="0">
+                <a:solidFill>
+                  <a:schemeClr val="tx1">
+                    <a:lumMod val="85000"/>
+                    <a:lumOff val="15000"/>
+                  </a:schemeClr>
+                </a:solidFill>
+                <a:latin typeface="Noto Sans JP" panose="020B0200000000000000" pitchFamily="50" charset="-128"/>
+                <a:ea typeface="Noto Sans JP" panose="020B0200000000000000" pitchFamily="50" charset="-128"/>
+              </a:rPr>
+              <a:t>ロボットのメンテナンス性も向上</a:t>
+            </a:r>
+            <a:endParaRPr kumimoji="1" lang="en-US" altLang="ja-JP" sz="800" dirty="0">
+              <a:solidFill>
+                <a:schemeClr val="tx1">
+                  <a:lumMod val="85000"/>
+                  <a:lumOff val="15000"/>
+                </a:schemeClr>
+              </a:solidFill>
+              <a:latin typeface="Noto Sans JP" panose="020B0200000000000000" pitchFamily="50" charset="-128"/>
+              <a:ea typeface="Noto Sans JP" panose="020B0200000000000000" pitchFamily="50" charset="-128"/>
+            </a:endParaRPr>
+          </a:p>
+          <a:p>
+            <a:pPr>
+              <a:lnSpc>
+                <a:spcPts val="960"/>
+              </a:lnSpc>
+            </a:pPr>
+            <a:r>
+              <a:rPr kumimoji="1" lang="ja-JP" altLang="en-US" sz="800" dirty="0">
+                <a:solidFill>
+                  <a:schemeClr val="tx1">
+                    <a:lumMod val="85000"/>
+                    <a:lumOff val="15000"/>
+                  </a:schemeClr>
+                </a:solidFill>
+                <a:latin typeface="Noto Sans JP" panose="020B0200000000000000" pitchFamily="50" charset="-128"/>
+                <a:ea typeface="Noto Sans JP" panose="020B0200000000000000" pitchFamily="50" charset="-128"/>
+              </a:rPr>
+              <a:t>しています。</a:t>
+            </a:r>
+            <a:endParaRPr kumimoji="1" lang="en-US" altLang="ja-JP" sz="800" dirty="0">
+              <a:solidFill>
+                <a:schemeClr val="tx1">
+                  <a:lumMod val="85000"/>
+                  <a:lumOff val="15000"/>
+                </a:schemeClr>
+              </a:solidFill>
+              <a:latin typeface="Noto Sans JP" panose="020B0200000000000000" pitchFamily="50" charset="-128"/>
+              <a:ea typeface="Noto Sans JP" panose="020B0200000000000000" pitchFamily="50" charset="-128"/>
+            </a:endParaRPr>
+          </a:p>
+        </p:txBody>
+      </p:sp>
+      <p:sp>
+        <p:nvSpPr>
+          <p:cNvPr id="1067" name="正方形/長方形 1066">
+            <a:extLst>
+              <a:ext uri="{FF2B5EF4-FFF2-40B4-BE49-F238E27FC236}">
+                <a16:creationId xmlns:a16="http://schemas.microsoft.com/office/drawing/2014/main" id="{86403980-B9D2-BD6F-8E0C-8F249E15F92B}"/>
               </a:ext>
             </a:extLst>
           </p:cNvPr>
@@ -5112,8 +11832,8 @@
         </p:nvSpPr>
         <p:spPr>
           <a:xfrm>
-            <a:off x="3527425" y="8405813"/>
-            <a:ext cx="3316567" cy="2107448"/>
+            <a:off x="5586286" y="9577942"/>
+            <a:ext cx="1360402" cy="969247"/>
           </a:xfrm>
           <a:prstGeom prst="rect">
             <a:avLst/>
@@ -5141,596 +11861,17 @@
           <a:p>
             <a:pPr algn="ctr"/>
             <a:r>
-              <a:rPr kumimoji="1" lang="ja-JP" altLang="en-US" dirty="0"/>
-              <a:t>キッカー・ドリブラー</a:t>
-            </a:r>
-            <a:endParaRPr kumimoji="1" lang="en-US" altLang="ja-JP" dirty="0"/>
+              <a:rPr kumimoji="1" lang="ja-JP" altLang="en-US" sz="1100" dirty="0"/>
+              <a:t>ユニット</a:t>
+            </a:r>
+            <a:endParaRPr kumimoji="1" lang="en-US" altLang="ja-JP" sz="1100" dirty="0"/>
           </a:p>
           <a:p>
             <a:pPr algn="ctr"/>
             <a:r>
-              <a:rPr kumimoji="1" lang="ja-JP" altLang="en-US" dirty="0"/>
-              <a:t>・使用モーター</a:t>
-            </a:r>
-            <a:endParaRPr kumimoji="1" lang="en-US" altLang="ja-JP" dirty="0"/>
-          </a:p>
-          <a:p>
-            <a:pPr algn="ctr"/>
-            <a:r>
-              <a:rPr kumimoji="1" lang="ja-JP" altLang="en-US" dirty="0"/>
-              <a:t>・使用ソレノイド</a:t>
-            </a:r>
-            <a:endParaRPr kumimoji="1" lang="en-US" altLang="ja-JP" dirty="0"/>
-          </a:p>
-          <a:p>
-            <a:pPr algn="ctr"/>
-            <a:r>
-              <a:rPr kumimoji="1" lang="ja-JP" altLang="en-US" dirty="0"/>
-              <a:t>・使用</a:t>
-            </a:r>
-            <a:r>
-              <a:rPr kumimoji="1" lang="en-US" altLang="ja-JP" dirty="0"/>
-              <a:t>ESC</a:t>
-            </a:r>
-          </a:p>
-          <a:p>
-            <a:pPr algn="ctr"/>
-            <a:r>
-              <a:rPr kumimoji="1" lang="ja-JP" altLang="en-US" dirty="0"/>
-              <a:t>・ワンタッチで外せる</a:t>
-            </a:r>
-          </a:p>
-        </p:txBody>
-      </p:sp>
-      <p:sp>
-        <p:nvSpPr>
-          <p:cNvPr id="43" name="正方形/長方形 42">
-            <a:extLst>
-              <a:ext uri="{FF2B5EF4-FFF2-40B4-BE49-F238E27FC236}">
-                <a16:creationId xmlns:a16="http://schemas.microsoft.com/office/drawing/2014/main" id="{26887198-BD14-CFAE-D04A-BFAC57BEC663}"/>
-              </a:ext>
-            </a:extLst>
-          </p:cNvPr>
-          <p:cNvSpPr/>
-          <p:nvPr/>
-        </p:nvSpPr>
-        <p:spPr>
-          <a:xfrm>
-            <a:off x="142875" y="5575658"/>
-            <a:ext cx="2229216" cy="1355673"/>
-          </a:xfrm>
-          <a:prstGeom prst="rect">
-            <a:avLst/>
-          </a:prstGeom>
-        </p:spPr>
-        <p:style>
-          <a:lnRef idx="2">
-            <a:schemeClr val="accent1">
-              <a:shade val="15000"/>
-            </a:schemeClr>
-          </a:lnRef>
-          <a:fillRef idx="1">
-            <a:schemeClr val="accent1"/>
-          </a:fillRef>
-          <a:effectRef idx="0">
-            <a:schemeClr val="accent1"/>
-          </a:effectRef>
-          <a:fontRef idx="minor">
-            <a:schemeClr val="lt1"/>
-          </a:fontRef>
-        </p:style>
-        <p:txBody>
-          <a:bodyPr rtlCol="0" anchor="ctr"/>
-          <a:lstStyle/>
-          <a:p>
-            <a:pPr algn="ctr"/>
-            <a:r>
-              <a:rPr kumimoji="1" lang="ja-JP" altLang="en-US" dirty="0"/>
-              <a:t>カメラユニット</a:t>
-            </a:r>
-            <a:endParaRPr kumimoji="1" lang="en-US" altLang="ja-JP" dirty="0"/>
-          </a:p>
-          <a:p>
-            <a:pPr algn="ctr"/>
-            <a:r>
-              <a:rPr kumimoji="1" lang="ja-JP" altLang="en-US" dirty="0"/>
-              <a:t>・</a:t>
-            </a:r>
-            <a:r>
-              <a:rPr kumimoji="1" lang="en-US" altLang="ja-JP" dirty="0"/>
-              <a:t>6</a:t>
-            </a:r>
-            <a:r>
-              <a:rPr kumimoji="1" lang="ja-JP" altLang="en-US" dirty="0"/>
-              <a:t>カメを推す</a:t>
-            </a:r>
-          </a:p>
-        </p:txBody>
-      </p:sp>
-      <p:sp>
-        <p:nvSpPr>
-          <p:cNvPr id="47" name="正方形/長方形 46">
-            <a:extLst>
-              <a:ext uri="{FF2B5EF4-FFF2-40B4-BE49-F238E27FC236}">
-                <a16:creationId xmlns:a16="http://schemas.microsoft.com/office/drawing/2014/main" id="{C2796A96-9373-C145-830E-0A6A75F61AA9}"/>
-              </a:ext>
-            </a:extLst>
-          </p:cNvPr>
-          <p:cNvSpPr/>
-          <p:nvPr/>
-        </p:nvSpPr>
-        <p:spPr>
-          <a:xfrm>
-            <a:off x="3527426" y="3398858"/>
-            <a:ext cx="3316566" cy="2107448"/>
-          </a:xfrm>
-          <a:prstGeom prst="rect">
-            <a:avLst/>
-          </a:prstGeom>
-        </p:spPr>
-        <p:style>
-          <a:lnRef idx="2">
-            <a:schemeClr val="accent1">
-              <a:shade val="15000"/>
-            </a:schemeClr>
-          </a:lnRef>
-          <a:fillRef idx="1">
-            <a:schemeClr val="accent1"/>
-          </a:fillRef>
-          <a:effectRef idx="0">
-            <a:schemeClr val="accent1"/>
-          </a:effectRef>
-          <a:fontRef idx="minor">
-            <a:schemeClr val="lt1"/>
-          </a:fontRef>
-        </p:style>
-        <p:txBody>
-          <a:bodyPr rtlCol="0" anchor="ctr"/>
-          <a:lstStyle/>
-          <a:p>
-            <a:pPr algn="ctr"/>
-            <a:r>
-              <a:rPr kumimoji="1" lang="en-US" altLang="ja-JP" dirty="0"/>
-              <a:t>UI</a:t>
-            </a:r>
-          </a:p>
-          <a:p>
-            <a:pPr algn="ctr"/>
-            <a:r>
-              <a:rPr kumimoji="1" lang="ja-JP" altLang="en-US" dirty="0"/>
-              <a:t>・ネオピクセル</a:t>
-            </a:r>
-            <a:endParaRPr kumimoji="1" lang="en-US" altLang="ja-JP" dirty="0"/>
-          </a:p>
-          <a:p>
-            <a:pPr algn="ctr"/>
-            <a:r>
-              <a:rPr kumimoji="1" lang="ja-JP" altLang="en-US" dirty="0"/>
-              <a:t>・ディスプレイ</a:t>
-            </a:r>
-            <a:endParaRPr kumimoji="1" lang="en-US" altLang="ja-JP" dirty="0"/>
-          </a:p>
-          <a:p>
-            <a:pPr algn="ctr"/>
-            <a:r>
-              <a:rPr kumimoji="1" lang="ja-JP" altLang="en-US" dirty="0"/>
-              <a:t>・圧電ブザー</a:t>
-            </a:r>
-          </a:p>
-          <a:p>
-            <a:pPr algn="ctr"/>
-            <a:endParaRPr kumimoji="1" lang="en-US" altLang="ja-JP" dirty="0"/>
-          </a:p>
-        </p:txBody>
-      </p:sp>
-      <p:sp>
-        <p:nvSpPr>
-          <p:cNvPr id="48" name="正方形/長方形 47">
-            <a:extLst>
-              <a:ext uri="{FF2B5EF4-FFF2-40B4-BE49-F238E27FC236}">
-                <a16:creationId xmlns:a16="http://schemas.microsoft.com/office/drawing/2014/main" id="{45996B6C-A328-84FA-B771-5AA66F2FBCC8}"/>
-              </a:ext>
-            </a:extLst>
-          </p:cNvPr>
-          <p:cNvSpPr/>
-          <p:nvPr/>
-        </p:nvSpPr>
-        <p:spPr>
-          <a:xfrm>
-            <a:off x="4614776" y="5575658"/>
-            <a:ext cx="2229216" cy="2777965"/>
-          </a:xfrm>
-          <a:prstGeom prst="rect">
-            <a:avLst/>
-          </a:prstGeom>
-        </p:spPr>
-        <p:style>
-          <a:lnRef idx="2">
-            <a:schemeClr val="accent1">
-              <a:shade val="15000"/>
-            </a:schemeClr>
-          </a:lnRef>
-          <a:fillRef idx="1">
-            <a:schemeClr val="accent1"/>
-          </a:fillRef>
-          <a:effectRef idx="0">
-            <a:schemeClr val="accent1"/>
-          </a:effectRef>
-          <a:fontRef idx="minor">
-            <a:schemeClr val="lt1"/>
-          </a:fontRef>
-        </p:style>
-        <p:txBody>
-          <a:bodyPr rtlCol="0" anchor="ctr"/>
-          <a:lstStyle/>
-          <a:p>
-            <a:pPr algn="ctr"/>
-            <a:r>
-              <a:rPr kumimoji="1" lang="ja-JP" altLang="en-US" dirty="0"/>
-              <a:t>ラインセンサ</a:t>
-            </a:r>
-            <a:endParaRPr kumimoji="1" lang="en-US" altLang="ja-JP" dirty="0"/>
-          </a:p>
-          <a:p>
-            <a:pPr algn="ctr"/>
-            <a:r>
-              <a:rPr kumimoji="1" lang="ja-JP" altLang="en-US" dirty="0"/>
-              <a:t>・使用センサ</a:t>
-            </a:r>
-            <a:endParaRPr kumimoji="1" lang="en-US" altLang="ja-JP" dirty="0"/>
-          </a:p>
-          <a:p>
-            <a:pPr algn="ctr"/>
-            <a:r>
-              <a:rPr kumimoji="1" lang="ja-JP" altLang="en-US" dirty="0"/>
-              <a:t>・使用マイコン</a:t>
-            </a:r>
-            <a:endParaRPr kumimoji="1" lang="en-US" altLang="ja-JP" dirty="0"/>
-          </a:p>
-          <a:p>
-            <a:pPr algn="ctr"/>
-            <a:r>
-              <a:rPr kumimoji="1" lang="ja-JP" altLang="en-US" dirty="0"/>
-              <a:t>・形状の理由</a:t>
-            </a:r>
-          </a:p>
-        </p:txBody>
-      </p:sp>
-      <p:sp>
-        <p:nvSpPr>
-          <p:cNvPr id="49" name="テキスト ボックス 48">
-            <a:extLst>
-              <a:ext uri="{FF2B5EF4-FFF2-40B4-BE49-F238E27FC236}">
-                <a16:creationId xmlns:a16="http://schemas.microsoft.com/office/drawing/2014/main" id="{A07E7696-E5BD-234C-1978-10527487C7B8}"/>
-              </a:ext>
-            </a:extLst>
-          </p:cNvPr>
-          <p:cNvSpPr txBox="1"/>
-          <p:nvPr/>
-        </p:nvSpPr>
-        <p:spPr>
-          <a:xfrm>
-            <a:off x="7231061" y="8405813"/>
-            <a:ext cx="4360863" cy="338554"/>
-          </a:xfrm>
-          <a:prstGeom prst="rect">
-            <a:avLst/>
-          </a:prstGeom>
-          <a:noFill/>
-        </p:spPr>
-        <p:txBody>
-          <a:bodyPr wrap="square" rtlCol="0">
-            <a:spAutoFit/>
-          </a:bodyPr>
-          <a:lstStyle/>
-          <a:p>
-            <a:r>
-              <a:rPr lang="ja-JP" altLang="en-US" sz="1600" b="1" dirty="0">
-                <a:latin typeface="Noto Sans JP" panose="020B0200000000000000" pitchFamily="50" charset="-128"/>
-                <a:ea typeface="Noto Sans JP" panose="020B0200000000000000" pitchFamily="50" charset="-128"/>
-              </a:rPr>
-              <a:t>情報共有</a:t>
-            </a:r>
-            <a:r>
-              <a:rPr lang="ja-JP" altLang="en-US" sz="1100" dirty="0">
-                <a:latin typeface="Noto Sans JP" panose="020B0200000000000000" pitchFamily="50" charset="-128"/>
-                <a:ea typeface="Noto Sans JP" panose="020B0200000000000000" pitchFamily="50" charset="-128"/>
-              </a:rPr>
-              <a:t>が</a:t>
-            </a:r>
-            <a:r>
-              <a:rPr lang="ja-JP" altLang="en-US" sz="1200" dirty="0">
-                <a:latin typeface="Noto Sans JP" panose="020B0200000000000000" pitchFamily="50" charset="-128"/>
-                <a:ea typeface="Noto Sans JP" panose="020B0200000000000000" pitchFamily="50" charset="-128"/>
-              </a:rPr>
-              <a:t>生</a:t>
-            </a:r>
-            <a:r>
-              <a:rPr lang="ja-JP" altLang="en-US" sz="1100" dirty="0">
-                <a:latin typeface="Noto Sans JP" panose="020B0200000000000000" pitchFamily="50" charset="-128"/>
-                <a:ea typeface="Noto Sans JP" panose="020B0200000000000000" pitchFamily="50" charset="-128"/>
-              </a:rPr>
-              <a:t>む、より</a:t>
-            </a:r>
-            <a:r>
-              <a:rPr lang="ja-JP" altLang="en-US" sz="1200" dirty="0">
-                <a:latin typeface="Noto Sans JP" panose="020B0200000000000000" pitchFamily="50" charset="-128"/>
-                <a:ea typeface="Noto Sans JP" panose="020B0200000000000000" pitchFamily="50" charset="-128"/>
-              </a:rPr>
-              <a:t>強</a:t>
-            </a:r>
-            <a:r>
-              <a:rPr lang="ja-JP" altLang="en-US" sz="1100" dirty="0">
-                <a:latin typeface="Noto Sans JP" panose="020B0200000000000000" pitchFamily="50" charset="-128"/>
-                <a:ea typeface="Noto Sans JP" panose="020B0200000000000000" pitchFamily="50" charset="-128"/>
-              </a:rPr>
-              <a:t>いチームワーク</a:t>
-            </a:r>
-            <a:endParaRPr kumimoji="1" lang="ja-JP" altLang="en-US" sz="1100" b="1" dirty="0">
-              <a:latin typeface="Noto Sans JP" panose="020B0200000000000000" pitchFamily="50" charset="-128"/>
-              <a:ea typeface="Noto Sans JP" panose="020B0200000000000000" pitchFamily="50" charset="-128"/>
-            </a:endParaRPr>
-          </a:p>
-        </p:txBody>
-      </p:sp>
-      <p:sp>
-        <p:nvSpPr>
-          <p:cNvPr id="50" name="テキスト ボックス 49">
-            <a:extLst>
-              <a:ext uri="{FF2B5EF4-FFF2-40B4-BE49-F238E27FC236}">
-                <a16:creationId xmlns:a16="http://schemas.microsoft.com/office/drawing/2014/main" id="{A56C1C3D-1DFB-415B-0CB2-D8D06A3C1D56}"/>
-              </a:ext>
-            </a:extLst>
-          </p:cNvPr>
-          <p:cNvSpPr txBox="1"/>
-          <p:nvPr/>
-        </p:nvSpPr>
-        <p:spPr>
-          <a:xfrm>
-            <a:off x="7231061" y="8762733"/>
-            <a:ext cx="7181850" cy="246221"/>
-          </a:xfrm>
-          <a:prstGeom prst="rect">
-            <a:avLst/>
-          </a:prstGeom>
-          <a:noFill/>
-        </p:spPr>
-        <p:txBody>
-          <a:bodyPr wrap="square" rtlCol="0">
-            <a:spAutoFit/>
-          </a:bodyPr>
-          <a:lstStyle/>
-          <a:p>
-            <a:r>
-              <a:rPr kumimoji="1" lang="ja-JP" altLang="en-US" sz="1000" dirty="0">
-                <a:latin typeface="Noto Sans JP" panose="020B0200000000000000" pitchFamily="50" charset="-128"/>
-                <a:ea typeface="Noto Sans JP" panose="020B0200000000000000" pitchFamily="50" charset="-128"/>
-              </a:rPr>
-              <a:t>　私たちのロボットは、</a:t>
-            </a:r>
-            <a:r>
-              <a:rPr kumimoji="1" lang="en-US" altLang="ja-JP" sz="1000" dirty="0">
-                <a:latin typeface="Noto Sans JP" panose="020B0200000000000000" pitchFamily="50" charset="-128"/>
-                <a:ea typeface="Noto Sans JP" panose="020B0200000000000000" pitchFamily="50" charset="-128"/>
-              </a:rPr>
-              <a:t>2</a:t>
-            </a:r>
-            <a:r>
-              <a:rPr kumimoji="1" lang="ja-JP" altLang="en-US" sz="1000" dirty="0">
-                <a:latin typeface="Noto Sans JP" panose="020B0200000000000000" pitchFamily="50" charset="-128"/>
-                <a:ea typeface="Noto Sans JP" panose="020B0200000000000000" pitchFamily="50" charset="-128"/>
-              </a:rPr>
-              <a:t>台それぞれにアタッカーとキーパーという役割を与えています。</a:t>
-            </a:r>
-          </a:p>
-        </p:txBody>
-      </p:sp>
-      <p:sp>
-        <p:nvSpPr>
-          <p:cNvPr id="53" name="テキスト ボックス 52">
-            <a:extLst>
-              <a:ext uri="{FF2B5EF4-FFF2-40B4-BE49-F238E27FC236}">
-                <a16:creationId xmlns:a16="http://schemas.microsoft.com/office/drawing/2014/main" id="{D40D17BF-617C-ADE3-AFAE-9FD83B242A47}"/>
-              </a:ext>
-            </a:extLst>
-          </p:cNvPr>
-          <p:cNvSpPr txBox="1"/>
-          <p:nvPr/>
-        </p:nvSpPr>
-        <p:spPr>
-          <a:xfrm>
-            <a:off x="10949099" y="1538124"/>
-            <a:ext cx="3055825" cy="338554"/>
-          </a:xfrm>
-          <a:prstGeom prst="rect">
-            <a:avLst/>
-          </a:prstGeom>
-          <a:noFill/>
-        </p:spPr>
-        <p:txBody>
-          <a:bodyPr wrap="square" rtlCol="0">
-            <a:spAutoFit/>
-          </a:bodyPr>
-          <a:lstStyle/>
-          <a:p>
-            <a:r>
-              <a:rPr kumimoji="1" lang="ja-JP" altLang="en-US" sz="1200" dirty="0">
-                <a:latin typeface="Noto Sans JP" panose="020B0200000000000000" pitchFamily="50" charset="-128"/>
-                <a:ea typeface="Noto Sans JP" panose="020B0200000000000000" pitchFamily="50" charset="-128"/>
-              </a:rPr>
-              <a:t>圧倒的</a:t>
-            </a:r>
-            <a:r>
-              <a:rPr kumimoji="1" lang="ja-JP" altLang="en-US" sz="1050" dirty="0">
-                <a:latin typeface="Noto Sans JP" panose="020B0200000000000000" pitchFamily="50" charset="-128"/>
-                <a:ea typeface="Noto Sans JP" panose="020B0200000000000000" pitchFamily="50" charset="-128"/>
-              </a:rPr>
-              <a:t>な</a:t>
-            </a:r>
-            <a:r>
-              <a:rPr kumimoji="1" lang="ja-JP" altLang="en-US" sz="1200" dirty="0">
-                <a:latin typeface="Noto Sans JP" panose="020B0200000000000000" pitchFamily="50" charset="-128"/>
-                <a:ea typeface="Noto Sans JP" panose="020B0200000000000000" pitchFamily="50" charset="-128"/>
-              </a:rPr>
-              <a:t>安定性</a:t>
-            </a:r>
-            <a:r>
-              <a:rPr kumimoji="1" lang="ja-JP" altLang="en-US" sz="1050" dirty="0">
-                <a:latin typeface="Noto Sans JP" panose="020B0200000000000000" pitchFamily="50" charset="-128"/>
-                <a:ea typeface="Noto Sans JP" panose="020B0200000000000000" pitchFamily="50" charset="-128"/>
-              </a:rPr>
-              <a:t>の</a:t>
-            </a:r>
-            <a:r>
-              <a:rPr kumimoji="1" lang="ja-JP" altLang="en-US" sz="1600" b="1" dirty="0">
-                <a:latin typeface="Noto Sans JP" panose="020B0200000000000000" pitchFamily="50" charset="-128"/>
-                <a:ea typeface="Noto Sans JP" panose="020B0200000000000000" pitchFamily="50" charset="-128"/>
-              </a:rPr>
-              <a:t>ビジョンシステム</a:t>
-            </a:r>
-            <a:endParaRPr kumimoji="1" lang="ja-JP" altLang="en-US" sz="1100" dirty="0">
-              <a:latin typeface="Noto Sans JP" panose="020B0200000000000000" pitchFamily="50" charset="-128"/>
-              <a:ea typeface="Noto Sans JP" panose="020B0200000000000000" pitchFamily="50" charset="-128"/>
-            </a:endParaRPr>
-          </a:p>
-        </p:txBody>
-      </p:sp>
-      <p:sp>
-        <p:nvSpPr>
-          <p:cNvPr id="54" name="テキスト ボックス 53">
-            <a:extLst>
-              <a:ext uri="{FF2B5EF4-FFF2-40B4-BE49-F238E27FC236}">
-                <a16:creationId xmlns:a16="http://schemas.microsoft.com/office/drawing/2014/main" id="{B8A05EC4-53F0-9AEE-BA9C-1990E051D059}"/>
-              </a:ext>
-            </a:extLst>
-          </p:cNvPr>
-          <p:cNvSpPr txBox="1"/>
-          <p:nvPr/>
-        </p:nvSpPr>
-        <p:spPr>
-          <a:xfrm>
-            <a:off x="11012599" y="1852459"/>
-            <a:ext cx="4106751" cy="1312475"/>
-          </a:xfrm>
-          <a:prstGeom prst="rect">
-            <a:avLst/>
-          </a:prstGeom>
-          <a:noFill/>
-        </p:spPr>
-        <p:txBody>
-          <a:bodyPr wrap="square" numCol="1" rtlCol="0">
-            <a:spAutoFit/>
-          </a:bodyPr>
-          <a:lstStyle/>
-          <a:p>
-            <a:pPr>
-              <a:lnSpc>
-                <a:spcPts val="1200"/>
-              </a:lnSpc>
-            </a:pPr>
-            <a:r>
-              <a:rPr kumimoji="1" lang="ja-JP" altLang="en-US" sz="900" dirty="0">
-                <a:latin typeface="Noto Sans JP" panose="020B0200000000000000" pitchFamily="50" charset="-128"/>
-                <a:ea typeface="Noto Sans JP" panose="020B0200000000000000" pitchFamily="50" charset="-128"/>
-              </a:rPr>
-              <a:t>　私たちのロボットには、</a:t>
-            </a:r>
-            <a:r>
-              <a:rPr kumimoji="1" lang="en-US" altLang="ja-JP" sz="900" dirty="0">
-                <a:latin typeface="Noto Sans JP" panose="020B0200000000000000" pitchFamily="50" charset="-128"/>
-                <a:ea typeface="Noto Sans JP" panose="020B0200000000000000" pitchFamily="50" charset="-128"/>
-              </a:rPr>
-              <a:t>UnitV Ai Camera</a:t>
-            </a:r>
-            <a:r>
-              <a:rPr kumimoji="1" lang="ja-JP" altLang="en-US" sz="900" dirty="0">
-                <a:latin typeface="Noto Sans JP" panose="020B0200000000000000" pitchFamily="50" charset="-128"/>
-                <a:ea typeface="Noto Sans JP" panose="020B0200000000000000" pitchFamily="50" charset="-128"/>
-              </a:rPr>
-              <a:t>を</a:t>
-            </a:r>
-            <a:r>
-              <a:rPr kumimoji="1" lang="en-US" altLang="ja-JP" sz="900" dirty="0">
-                <a:latin typeface="Noto Sans JP" panose="020B0200000000000000" pitchFamily="50" charset="-128"/>
-                <a:ea typeface="Noto Sans JP" panose="020B0200000000000000" pitchFamily="50" charset="-128"/>
-              </a:rPr>
-              <a:t>6</a:t>
-            </a:r>
-            <a:r>
-              <a:rPr kumimoji="1" lang="ja-JP" altLang="en-US" sz="900" dirty="0">
-                <a:latin typeface="Noto Sans JP" panose="020B0200000000000000" pitchFamily="50" charset="-128"/>
-                <a:ea typeface="Noto Sans JP" panose="020B0200000000000000" pitchFamily="50" charset="-128"/>
-              </a:rPr>
-              <a:t>個搭載しています。</a:t>
-            </a:r>
-            <a:endParaRPr kumimoji="1" lang="en-US" altLang="ja-JP" sz="900" dirty="0">
-              <a:latin typeface="Noto Sans JP" panose="020B0200000000000000" pitchFamily="50" charset="-128"/>
-              <a:ea typeface="Noto Sans JP" panose="020B0200000000000000" pitchFamily="50" charset="-128"/>
-            </a:endParaRPr>
-          </a:p>
-          <a:p>
-            <a:pPr>
-              <a:lnSpc>
-                <a:spcPts val="1200"/>
-              </a:lnSpc>
-            </a:pPr>
-            <a:r>
-              <a:rPr kumimoji="1" lang="ja-JP" altLang="en-US" sz="900" dirty="0">
-                <a:latin typeface="Noto Sans JP" panose="020B0200000000000000" pitchFamily="50" charset="-128"/>
-                <a:ea typeface="Noto Sans JP" panose="020B0200000000000000" pitchFamily="50" charset="-128"/>
-              </a:rPr>
-              <a:t>以前は全方位ミラーを用いて</a:t>
-            </a:r>
-            <a:r>
-              <a:rPr kumimoji="1" lang="en-US" altLang="ja-JP" sz="900" dirty="0">
-                <a:latin typeface="Noto Sans JP" panose="020B0200000000000000" pitchFamily="50" charset="-128"/>
-                <a:ea typeface="Noto Sans JP" panose="020B0200000000000000" pitchFamily="50" charset="-128"/>
-              </a:rPr>
-              <a:t>1</a:t>
-            </a:r>
-            <a:r>
-              <a:rPr kumimoji="1" lang="ja-JP" altLang="en-US" sz="900" dirty="0">
-                <a:latin typeface="Noto Sans JP" panose="020B0200000000000000" pitchFamily="50" charset="-128"/>
-                <a:ea typeface="Noto Sans JP" panose="020B0200000000000000" pitchFamily="50" charset="-128"/>
-              </a:rPr>
-              <a:t>つのカメラで全方向を監視していましたが、ゴルフボールという小さい物体をどの距離からでも認識できるようにするのは大変でした。また、ロボット自身がカメラに映りこむことで、至近距離にあるボールがロボットに隠れて認識できないという問題もありました。</a:t>
-            </a:r>
-            <a:endParaRPr kumimoji="1" lang="en-US" altLang="ja-JP" sz="900" dirty="0">
-              <a:latin typeface="Noto Sans JP" panose="020B0200000000000000" pitchFamily="50" charset="-128"/>
-              <a:ea typeface="Noto Sans JP" panose="020B0200000000000000" pitchFamily="50" charset="-128"/>
-            </a:endParaRPr>
-          </a:p>
-          <a:p>
-            <a:pPr>
-              <a:lnSpc>
-                <a:spcPts val="1200"/>
-              </a:lnSpc>
-            </a:pPr>
-            <a:r>
-              <a:rPr kumimoji="1" lang="ja-JP" altLang="en-US" sz="900" dirty="0">
-                <a:latin typeface="Noto Sans JP" panose="020B0200000000000000" pitchFamily="50" charset="-128"/>
-                <a:ea typeface="Noto Sans JP" panose="020B0200000000000000" pitchFamily="50" charset="-128"/>
-              </a:rPr>
-              <a:t>　これらの問題を解決するため、カメラを</a:t>
-            </a:r>
-            <a:r>
-              <a:rPr kumimoji="1" lang="en-US" altLang="ja-JP" sz="900" dirty="0">
-                <a:latin typeface="Noto Sans JP" panose="020B0200000000000000" pitchFamily="50" charset="-128"/>
-                <a:ea typeface="Noto Sans JP" panose="020B0200000000000000" pitchFamily="50" charset="-128"/>
-              </a:rPr>
-              <a:t>6</a:t>
-            </a:r>
-            <a:r>
-              <a:rPr kumimoji="1" lang="ja-JP" altLang="en-US" sz="900" dirty="0">
-                <a:latin typeface="Noto Sans JP" panose="020B0200000000000000" pitchFamily="50" charset="-128"/>
-                <a:ea typeface="Noto Sans JP" panose="020B0200000000000000" pitchFamily="50" charset="-128"/>
-              </a:rPr>
-              <a:t>個搭載することで、全方位ミラーの「全方向が見える」という要件を担保しつつ、遠距離の視野の確保や至近距離でのボールの認識を容易に行うことができるようになりました。</a:t>
-            </a:r>
-            <a:endParaRPr kumimoji="1" lang="en-US" altLang="ja-JP" sz="900" dirty="0">
-              <a:latin typeface="Noto Sans JP" panose="020B0200000000000000" pitchFamily="50" charset="-128"/>
-              <a:ea typeface="Noto Sans JP" panose="020B0200000000000000" pitchFamily="50" charset="-128"/>
-            </a:endParaRPr>
+              <a:rPr kumimoji="1" lang="ja-JP" altLang="en-US" sz="1100" dirty="0"/>
+              <a:t>写真</a:t>
+            </a:r>
           </a:p>
         </p:txBody>
       </p:sp>

--- a/Common_Data/Tournaments_Data/2025_02_JapanOpen/PresentationSheet/presentation.pptx
+++ b/Common_Data/Tournaments_Data/2025_02_JapanOpen/PresentationSheet/presentation.pptx
@@ -4423,7 +4423,7 @@
         </p:nvSpPr>
         <p:spPr>
           <a:xfrm>
-            <a:off x="7100888" y="1323471"/>
+            <a:off x="7162873" y="1323471"/>
             <a:ext cx="2209800" cy="338554"/>
           </a:xfrm>
           <a:prstGeom prst="rect">
@@ -4847,7 +4847,7 @@
         </p:nvSpPr>
         <p:spPr>
           <a:xfrm>
-            <a:off x="7148512" y="4089762"/>
+            <a:off x="7210497" y="4089762"/>
             <a:ext cx="4360863" cy="338554"/>
           </a:xfrm>
           <a:prstGeom prst="rect">
@@ -9412,7 +9412,7 @@
         </p:nvSpPr>
         <p:spPr>
           <a:xfrm>
-            <a:off x="9259888" y="1359482"/>
+            <a:off x="9321873" y="1359482"/>
             <a:ext cx="891609" cy="241132"/>
           </a:xfrm>
           <a:prstGeom prst="rect">

--- a/Common_Data/Tournaments_Data/2025_02_JapanOpen/PresentationSheet/presentation.pptx
+++ b/Common_Data/Tournaments_Data/2025_02_JapanOpen/PresentationSheet/presentation.pptx
@@ -210,7 +210,7 @@
           <a:p>
             <a:fld id="{AC879552-4542-402D-98E1-AFA8340169A0}" type="datetimeFigureOut">
               <a:rPr kumimoji="1" lang="ja-JP" altLang="en-US" smtClean="0"/>
-              <a:t>2025/2/18</a:t>
+              <a:t>2025/2/19</a:t>
             </a:fld>
             <a:endParaRPr kumimoji="1" lang="ja-JP" altLang="en-US"/>
           </a:p>
@@ -724,7 +724,7 @@
           <a:p>
             <a:fld id="{5857F6DD-A663-424A-91CD-4A5CB938D056}" type="datetimeFigureOut">
               <a:rPr kumimoji="1" lang="ja-JP" altLang="en-US" smtClean="0"/>
-              <a:t>2025/2/18</a:t>
+              <a:t>2025/2/19</a:t>
             </a:fld>
             <a:endParaRPr kumimoji="1" lang="ja-JP" altLang="en-US"/>
           </a:p>
@@ -926,7 +926,7 @@
           <a:p>
             <a:fld id="{5857F6DD-A663-424A-91CD-4A5CB938D056}" type="datetimeFigureOut">
               <a:rPr kumimoji="1" lang="ja-JP" altLang="en-US" smtClean="0"/>
-              <a:t>2025/2/18</a:t>
+              <a:t>2025/2/19</a:t>
             </a:fld>
             <a:endParaRPr kumimoji="1" lang="ja-JP" altLang="en-US"/>
           </a:p>
@@ -1138,7 +1138,7 @@
           <a:p>
             <a:fld id="{5857F6DD-A663-424A-91CD-4A5CB938D056}" type="datetimeFigureOut">
               <a:rPr kumimoji="1" lang="ja-JP" altLang="en-US" smtClean="0"/>
-              <a:t>2025/2/18</a:t>
+              <a:t>2025/2/19</a:t>
             </a:fld>
             <a:endParaRPr kumimoji="1" lang="ja-JP" altLang="en-US"/>
           </a:p>
@@ -1340,7 +1340,7 @@
           <a:p>
             <a:fld id="{5857F6DD-A663-424A-91CD-4A5CB938D056}" type="datetimeFigureOut">
               <a:rPr kumimoji="1" lang="ja-JP" altLang="en-US" smtClean="0"/>
-              <a:t>2025/2/18</a:t>
+              <a:t>2025/2/19</a:t>
             </a:fld>
             <a:endParaRPr kumimoji="1" lang="ja-JP" altLang="en-US"/>
           </a:p>
@@ -1584,7 +1584,7 @@
           <a:p>
             <a:fld id="{5857F6DD-A663-424A-91CD-4A5CB938D056}" type="datetimeFigureOut">
               <a:rPr kumimoji="1" lang="ja-JP" altLang="en-US" smtClean="0"/>
-              <a:t>2025/2/18</a:t>
+              <a:t>2025/2/19</a:t>
             </a:fld>
             <a:endParaRPr kumimoji="1" lang="ja-JP" altLang="en-US"/>
           </a:p>
@@ -1880,7 +1880,7 @@
           <a:p>
             <a:fld id="{5857F6DD-A663-424A-91CD-4A5CB938D056}" type="datetimeFigureOut">
               <a:rPr kumimoji="1" lang="ja-JP" altLang="en-US" smtClean="0"/>
-              <a:t>2025/2/18</a:t>
+              <a:t>2025/2/19</a:t>
             </a:fld>
             <a:endParaRPr kumimoji="1" lang="ja-JP" altLang="en-US"/>
           </a:p>
@@ -2311,7 +2311,7 @@
           <a:p>
             <a:fld id="{5857F6DD-A663-424A-91CD-4A5CB938D056}" type="datetimeFigureOut">
               <a:rPr kumimoji="1" lang="ja-JP" altLang="en-US" smtClean="0"/>
-              <a:t>2025/2/18</a:t>
+              <a:t>2025/2/19</a:t>
             </a:fld>
             <a:endParaRPr kumimoji="1" lang="ja-JP" altLang="en-US"/>
           </a:p>
@@ -2429,7 +2429,7 @@
           <a:p>
             <a:fld id="{5857F6DD-A663-424A-91CD-4A5CB938D056}" type="datetimeFigureOut">
               <a:rPr kumimoji="1" lang="ja-JP" altLang="en-US" smtClean="0"/>
-              <a:t>2025/2/18</a:t>
+              <a:t>2025/2/19</a:t>
             </a:fld>
             <a:endParaRPr kumimoji="1" lang="ja-JP" altLang="en-US"/>
           </a:p>
@@ -2524,7 +2524,7 @@
           <a:p>
             <a:fld id="{5857F6DD-A663-424A-91CD-4A5CB938D056}" type="datetimeFigureOut">
               <a:rPr kumimoji="1" lang="ja-JP" altLang="en-US" smtClean="0"/>
-              <a:t>2025/2/18</a:t>
+              <a:t>2025/2/19</a:t>
             </a:fld>
             <a:endParaRPr kumimoji="1" lang="ja-JP" altLang="en-US"/>
           </a:p>
@@ -2833,7 +2833,7 @@
           <a:p>
             <a:fld id="{5857F6DD-A663-424A-91CD-4A5CB938D056}" type="datetimeFigureOut">
               <a:rPr kumimoji="1" lang="ja-JP" altLang="en-US" smtClean="0"/>
-              <a:t>2025/2/18</a:t>
+              <a:t>2025/2/19</a:t>
             </a:fld>
             <a:endParaRPr kumimoji="1" lang="ja-JP" altLang="en-US"/>
           </a:p>
@@ -3090,7 +3090,7 @@
           <a:p>
             <a:fld id="{5857F6DD-A663-424A-91CD-4A5CB938D056}" type="datetimeFigureOut">
               <a:rPr kumimoji="1" lang="ja-JP" altLang="en-US" smtClean="0"/>
-              <a:t>2025/2/18</a:t>
+              <a:t>2025/2/19</a:t>
             </a:fld>
             <a:endParaRPr kumimoji="1" lang="ja-JP" altLang="en-US"/>
           </a:p>
@@ -3335,7 +3335,7 @@
           <a:p>
             <a:fld id="{5857F6DD-A663-424A-91CD-4A5CB938D056}" type="datetimeFigureOut">
               <a:rPr kumimoji="1" lang="ja-JP" altLang="en-US" smtClean="0"/>
-              <a:t>2025/2/18</a:t>
+              <a:t>2025/2/19</a:t>
             </a:fld>
             <a:endParaRPr kumimoji="1" lang="ja-JP" altLang="en-US"/>
           </a:p>
@@ -4922,7 +4922,7 @@
         <p:spPr>
           <a:xfrm>
             <a:off x="7225417" y="4630819"/>
-            <a:ext cx="4099879" cy="1754326"/>
+            <a:ext cx="4099879" cy="1777346"/>
           </a:xfrm>
           <a:prstGeom prst="rect">
             <a:avLst/>
@@ -4935,6 +4935,11 @@
           </a:bodyPr>
           <a:lstStyle/>
           <a:p>
+            <a:pPr>
+              <a:lnSpc>
+                <a:spcPts val="1080"/>
+              </a:lnSpc>
+            </a:pPr>
             <a:r>
               <a:rPr kumimoji="1" lang="ja-JP" altLang="en-US" sz="900" dirty="0">
                 <a:latin typeface="Noto Sans JP" panose="020B0200000000000000" pitchFamily="50" charset="-128"/>
@@ -4948,6 +4953,11 @@
             </a:endParaRPr>
           </a:p>
           <a:p>
+            <a:pPr>
+              <a:lnSpc>
+                <a:spcPts val="1080"/>
+              </a:lnSpc>
+            </a:pPr>
             <a:r>
               <a:rPr kumimoji="1" lang="ja-JP" altLang="en-US" sz="900" b="1" dirty="0">
                 <a:solidFill>
@@ -4967,6 +4977,11 @@
             </a:endParaRPr>
           </a:p>
           <a:p>
+            <a:pPr>
+              <a:lnSpc>
+                <a:spcPts val="1080"/>
+              </a:lnSpc>
+            </a:pPr>
             <a:r>
               <a:rPr kumimoji="1" lang="ja-JP" altLang="en-US" sz="900" dirty="0">
                 <a:latin typeface="Noto Sans JP" panose="020B0200000000000000" pitchFamily="50" charset="-128"/>
@@ -4980,6 +4995,11 @@
             </a:endParaRPr>
           </a:p>
           <a:p>
+            <a:pPr>
+              <a:lnSpc>
+                <a:spcPts val="1080"/>
+              </a:lnSpc>
+            </a:pPr>
             <a:r>
               <a:rPr kumimoji="1" lang="ja-JP" altLang="en-US" sz="900" dirty="0">
                 <a:latin typeface="Noto Sans JP" panose="020B0200000000000000" pitchFamily="50" charset="-128"/>
@@ -4993,6 +5013,11 @@
             </a:endParaRPr>
           </a:p>
           <a:p>
+            <a:pPr>
+              <a:lnSpc>
+                <a:spcPts val="1080"/>
+              </a:lnSpc>
+            </a:pPr>
             <a:r>
               <a:rPr kumimoji="1" lang="ja-JP" altLang="en-US" sz="900" dirty="0">
                 <a:latin typeface="Noto Sans JP" panose="020B0200000000000000" pitchFamily="50" charset="-128"/>
@@ -5019,6 +5044,11 @@
             </a:endParaRPr>
           </a:p>
           <a:p>
+            <a:pPr>
+              <a:lnSpc>
+                <a:spcPts val="1080"/>
+              </a:lnSpc>
+            </a:pPr>
             <a:r>
               <a:rPr kumimoji="1" lang="ja-JP" altLang="en-US" sz="900" dirty="0">
                 <a:latin typeface="Noto Sans JP" panose="020B0200000000000000" pitchFamily="50" charset="-128"/>
@@ -5074,6 +5104,11 @@
             </a:endParaRPr>
           </a:p>
           <a:p>
+            <a:pPr>
+              <a:lnSpc>
+                <a:spcPts val="1080"/>
+              </a:lnSpc>
+            </a:pPr>
             <a:r>
               <a:rPr kumimoji="1" lang="ja-JP" altLang="en-US" sz="900" dirty="0">
                 <a:latin typeface="Noto Sans JP" panose="020B0200000000000000" pitchFamily="50" charset="-128"/>
@@ -5087,6 +5122,11 @@
             </a:endParaRPr>
           </a:p>
           <a:p>
+            <a:pPr>
+              <a:lnSpc>
+                <a:spcPts val="1080"/>
+              </a:lnSpc>
+            </a:pPr>
             <a:r>
               <a:rPr kumimoji="1" lang="ja-JP" altLang="en-US" sz="900" dirty="0">
                 <a:latin typeface="Noto Sans JP" panose="020B0200000000000000" pitchFamily="50" charset="-128"/>
@@ -5100,6 +5140,11 @@
             </a:endParaRPr>
           </a:p>
           <a:p>
+            <a:pPr>
+              <a:lnSpc>
+                <a:spcPts val="1080"/>
+              </a:lnSpc>
+            </a:pPr>
             <a:r>
               <a:rPr kumimoji="1" lang="ja-JP" altLang="en-US" sz="900" dirty="0">
                 <a:latin typeface="Noto Sans JP" panose="020B0200000000000000" pitchFamily="50" charset="-128"/>
@@ -5141,6 +5186,11 @@
             </a:endParaRPr>
           </a:p>
           <a:p>
+            <a:pPr>
+              <a:lnSpc>
+                <a:spcPts val="1080"/>
+              </a:lnSpc>
+            </a:pPr>
             <a:r>
               <a:rPr kumimoji="1" lang="ja-JP" altLang="en-US" sz="900" dirty="0">
                 <a:latin typeface="Noto Sans JP" panose="020B0200000000000000" pitchFamily="50" charset="-128"/>
@@ -5185,6 +5235,11 @@
             </a:endParaRPr>
           </a:p>
           <a:p>
+            <a:pPr>
+              <a:lnSpc>
+                <a:spcPts val="1080"/>
+              </a:lnSpc>
+            </a:pPr>
             <a:r>
               <a:rPr kumimoji="1" lang="ja-JP" altLang="en-US" sz="900" dirty="0">
                 <a:latin typeface="Noto Sans JP" panose="020B0200000000000000" pitchFamily="50" charset="-128"/>
@@ -5198,6 +5253,11 @@
             </a:endParaRPr>
           </a:p>
           <a:p>
+            <a:pPr>
+              <a:lnSpc>
+                <a:spcPts val="1080"/>
+              </a:lnSpc>
+            </a:pPr>
             <a:r>
               <a:rPr kumimoji="1" lang="ja-JP" altLang="en-US" sz="900" dirty="0">
                 <a:latin typeface="Noto Sans JP" panose="020B0200000000000000" pitchFamily="50" charset="-128"/>
@@ -8673,7 +8733,7 @@
         </p:nvSpPr>
         <p:spPr>
           <a:xfrm>
-            <a:off x="100805" y="5766931"/>
+            <a:off x="153924" y="5766931"/>
             <a:ext cx="2317870" cy="982385"/>
           </a:xfrm>
           <a:prstGeom prst="rect">
@@ -10335,7 +10395,7 @@
         </p:nvSpPr>
         <p:spPr>
           <a:xfrm>
-            <a:off x="109832" y="8770838"/>
+            <a:off x="154802" y="8770838"/>
             <a:ext cx="3649299" cy="1880130"/>
           </a:xfrm>
           <a:prstGeom prst="rect">
@@ -11288,7 +11348,7 @@
         </p:nvSpPr>
         <p:spPr>
           <a:xfrm>
-            <a:off x="130548" y="3774325"/>
+            <a:off x="140942" y="3774325"/>
             <a:ext cx="3391836" cy="1495409"/>
           </a:xfrm>
           <a:prstGeom prst="rect">
@@ -12337,7 +12397,7 @@
         <p:spPr>
           <a:xfrm>
             <a:off x="5562382" y="4283535"/>
-            <a:ext cx="1535892" cy="962869"/>
+            <a:ext cx="1521957" cy="962869"/>
           </a:xfrm>
           <a:prstGeom prst="rect">
             <a:avLst/>
@@ -14585,7 +14645,7 @@
           <a:lstStyle/>
           <a:p>
             <a:r>
-              <a:rPr kumimoji="1" lang="ja-JP" altLang="en-US" sz="1050" b="1" dirty="0">
+              <a:rPr kumimoji="1" lang="ja-JP" altLang="en-US" sz="1100" b="1" dirty="0">
                 <a:solidFill>
                   <a:srgbClr val="073849"/>
                 </a:solidFill>
@@ -14594,7 +14654,7 @@
               </a:rPr>
               <a:t>研究結果</a:t>
             </a:r>
-            <a:endParaRPr kumimoji="1" lang="en-US" altLang="ja-JP" sz="900" dirty="0">
+            <a:endParaRPr kumimoji="1" lang="en-US" altLang="ja-JP" sz="1000" dirty="0">
               <a:solidFill>
                 <a:srgbClr val="073849"/>
               </a:solidFill>
@@ -15037,9 +15097,9 @@
         </p:nvGrpSpPr>
         <p:grpSpPr>
           <a:xfrm>
-            <a:off x="9378218" y="9300775"/>
+            <a:off x="9378218" y="9300773"/>
             <a:ext cx="1629419" cy="910787"/>
-            <a:chOff x="9411290" y="9489687"/>
+            <a:chOff x="9411290" y="9489685"/>
             <a:chExt cx="1629419" cy="910787"/>
           </a:xfrm>
         </p:grpSpPr>
@@ -15057,9 +15117,9 @@
           </p:nvGrpSpPr>
           <p:grpSpPr>
             <a:xfrm>
-              <a:off x="9411290" y="9489687"/>
+              <a:off x="9411290" y="9489685"/>
               <a:ext cx="1629419" cy="910787"/>
-              <a:chOff x="9411290" y="9406485"/>
+              <a:chOff x="9411290" y="9406483"/>
               <a:chExt cx="1629419" cy="931672"/>
             </a:xfrm>
           </p:grpSpPr>
@@ -15077,7 +15137,7 @@
             </p:nvSpPr>
             <p:spPr>
               <a:xfrm>
-                <a:off x="9411290" y="9406485"/>
+                <a:off x="9411290" y="9406483"/>
                 <a:ext cx="1629419" cy="931672"/>
               </a:xfrm>
               <a:prstGeom prst="rect">
@@ -15123,7 +15183,7 @@
             </p:nvSpPr>
             <p:spPr>
               <a:xfrm>
-                <a:off x="9762336" y="9827165"/>
+                <a:off x="9881398" y="9803125"/>
                 <a:ext cx="45719" cy="45719"/>
               </a:xfrm>
               <a:prstGeom prst="rect">
@@ -15169,7 +15229,7 @@
             </p:nvSpPr>
             <p:spPr>
               <a:xfrm>
-                <a:off x="10674256" y="9827165"/>
+                <a:off x="10495946" y="9810113"/>
                 <a:ext cx="45719" cy="45719"/>
               </a:xfrm>
               <a:prstGeom prst="rect">
@@ -15668,7 +15728,7 @@
             </p:nvSpPr>
             <p:spPr>
               <a:xfrm>
-                <a:off x="9750032" y="9813512"/>
+                <a:off x="9869594" y="9791138"/>
                 <a:ext cx="73025" cy="73025"/>
               </a:xfrm>
               <a:prstGeom prst="ellipse">
@@ -15717,7 +15777,7 @@
             </p:nvSpPr>
             <p:spPr>
               <a:xfrm>
-                <a:off x="10663617" y="9813512"/>
+                <a:off x="10484674" y="9798444"/>
                 <a:ext cx="73025" cy="73025"/>
               </a:xfrm>
               <a:prstGeom prst="ellipse">
@@ -15902,8 +15962,8 @@
           </p:nvCxnSpPr>
           <p:spPr>
             <a:xfrm>
-              <a:off x="9803606" y="9956412"/>
-              <a:ext cx="152400" cy="304800"/>
+              <a:off x="9908116" y="9937105"/>
+              <a:ext cx="47890" cy="324107"/>
             </a:xfrm>
             <a:prstGeom prst="straightConnector1">
               <a:avLst/>
@@ -15941,14 +16001,15 @@
             </p:cNvPr>
             <p:cNvCxnSpPr>
               <a:cxnSpLocks/>
+              <a:stCxn id="1106" idx="4"/>
               <a:endCxn id="1092" idx="0"/>
             </p:cNvCxnSpPr>
             <p:nvPr/>
           </p:nvCxnSpPr>
           <p:spPr>
             <a:xfrm>
-              <a:off x="9803606" y="9958793"/>
-              <a:ext cx="414738" cy="314850"/>
+              <a:off x="9906107" y="9937105"/>
+              <a:ext cx="312237" cy="336538"/>
             </a:xfrm>
             <a:prstGeom prst="straightConnector1">
               <a:avLst/>
@@ -15992,8 +16053,8 @@
           </p:nvCxnSpPr>
           <p:spPr>
             <a:xfrm flipH="1">
-              <a:off x="10472738" y="9948523"/>
-              <a:ext cx="201573" cy="310308"/>
+              <a:off x="10472472" y="9933793"/>
+              <a:ext cx="22896" cy="327807"/>
             </a:xfrm>
             <a:prstGeom prst="straightConnector1">
               <a:avLst/>
@@ -16038,8 +16099,8 @@
           </p:nvCxnSpPr>
           <p:spPr>
             <a:xfrm flipH="1">
-              <a:off x="10218344" y="9948523"/>
-              <a:ext cx="455967" cy="325120"/>
+              <a:off x="10218344" y="9933793"/>
+              <a:ext cx="277024" cy="339850"/>
             </a:xfrm>
             <a:prstGeom prst="straightConnector1">
               <a:avLst/>
@@ -16080,7 +16141,7 @@
           </p:nvSpPr>
           <p:spPr>
             <a:xfrm>
-              <a:off x="9977666" y="9583099"/>
+              <a:off x="9989571" y="9583099"/>
               <a:ext cx="173831" cy="200055"/>
             </a:xfrm>
             <a:prstGeom prst="rect">
@@ -16118,7 +16179,7 @@
           </p:nvSpPr>
           <p:spPr>
             <a:xfrm>
-              <a:off x="10151497" y="9877995"/>
+              <a:off x="10134829" y="9877995"/>
               <a:ext cx="173831" cy="200055"/>
             </a:xfrm>
             <a:prstGeom prst="rect">
@@ -16156,7 +16217,7 @@
           </p:nvSpPr>
           <p:spPr>
             <a:xfrm>
-              <a:off x="10206112" y="9583099"/>
+              <a:off x="10177540" y="9583099"/>
               <a:ext cx="173831" cy="200055"/>
             </a:xfrm>
             <a:prstGeom prst="rect">
@@ -16194,7 +16255,7 @@
           </p:nvSpPr>
           <p:spPr>
             <a:xfrm>
-              <a:off x="9661730" y="9970657"/>
+              <a:off x="9713833" y="9937105"/>
               <a:ext cx="173831" cy="200055"/>
             </a:xfrm>
             <a:prstGeom prst="rect">
@@ -16232,7 +16293,7 @@
           </p:nvSpPr>
           <p:spPr>
             <a:xfrm>
-              <a:off x="9783173" y="9875407"/>
+              <a:off x="9864460" y="9843066"/>
               <a:ext cx="173831" cy="200055"/>
             </a:xfrm>
             <a:prstGeom prst="rect">
@@ -16270,7 +16331,7 @@
           </p:nvSpPr>
           <p:spPr>
             <a:xfrm>
-              <a:off x="10409443" y="9870644"/>
+              <a:off x="10290381" y="9837077"/>
               <a:ext cx="173831" cy="200055"/>
             </a:xfrm>
             <a:prstGeom prst="rect">
@@ -16308,7 +16369,7 @@
           </p:nvSpPr>
           <p:spPr>
             <a:xfrm>
-              <a:off x="10544639" y="9988950"/>
+              <a:off x="10412840" y="9930095"/>
               <a:ext cx="173831" cy="200055"/>
             </a:xfrm>
             <a:prstGeom prst="rect">
@@ -20446,7 +20507,7 @@
         <p:spPr>
           <a:xfrm>
             <a:off x="11240052" y="4623109"/>
-            <a:ext cx="4099879" cy="1754326"/>
+            <a:ext cx="4099879" cy="1777346"/>
           </a:xfrm>
           <a:prstGeom prst="rect">
             <a:avLst/>
@@ -20459,6 +20520,11 @@
           </a:bodyPr>
           <a:lstStyle/>
           <a:p>
+            <a:pPr>
+              <a:lnSpc>
+                <a:spcPts val="1080"/>
+              </a:lnSpc>
+            </a:pPr>
             <a:r>
               <a:rPr kumimoji="1" lang="ja-JP" altLang="en-US" sz="900" dirty="0">
                 <a:solidFill>
@@ -20484,6 +20550,11 @@
             </a:endParaRPr>
           </a:p>
           <a:p>
+            <a:pPr>
+              <a:lnSpc>
+                <a:spcPts val="1080"/>
+              </a:lnSpc>
+            </a:pPr>
             <a:r>
               <a:rPr kumimoji="1" lang="ja-JP" altLang="en-US" sz="900" b="1" dirty="0">
                 <a:solidFill>
@@ -20503,6 +20574,11 @@
             </a:endParaRPr>
           </a:p>
           <a:p>
+            <a:pPr>
+              <a:lnSpc>
+                <a:spcPts val="1080"/>
+              </a:lnSpc>
+            </a:pPr>
             <a:r>
               <a:rPr kumimoji="1" lang="ja-JP" altLang="en-US" sz="900" b="1" dirty="0">
                 <a:solidFill>
@@ -20538,6 +20614,11 @@
             </a:endParaRPr>
           </a:p>
           <a:p>
+            <a:pPr>
+              <a:lnSpc>
+                <a:spcPts val="1080"/>
+              </a:lnSpc>
+            </a:pPr>
             <a:r>
               <a:rPr kumimoji="1" lang="ja-JP" altLang="en-US" sz="900" dirty="0">
                 <a:solidFill>
@@ -20563,6 +20644,11 @@
             </a:endParaRPr>
           </a:p>
           <a:p>
+            <a:pPr>
+              <a:lnSpc>
+                <a:spcPts val="1080"/>
+              </a:lnSpc>
+            </a:pPr>
             <a:r>
               <a:rPr kumimoji="1" lang="ja-JP" altLang="en-US" sz="900" dirty="0">
                 <a:solidFill>
@@ -20588,6 +20674,11 @@
             </a:endParaRPr>
           </a:p>
           <a:p>
+            <a:pPr>
+              <a:lnSpc>
+                <a:spcPts val="1080"/>
+              </a:lnSpc>
+            </a:pPr>
             <a:r>
               <a:rPr kumimoji="1" lang="ja-JP" altLang="en-US" sz="900" dirty="0">
                 <a:solidFill>
@@ -20636,6 +20727,11 @@
             </a:endParaRPr>
           </a:p>
           <a:p>
+            <a:pPr>
+              <a:lnSpc>
+                <a:spcPts val="1080"/>
+              </a:lnSpc>
+            </a:pPr>
             <a:r>
               <a:rPr kumimoji="1" lang="ja-JP" altLang="en-US" sz="900" dirty="0">
                 <a:solidFill>
@@ -20661,6 +20757,11 @@
             </a:endParaRPr>
           </a:p>
           <a:p>
+            <a:pPr>
+              <a:lnSpc>
+                <a:spcPts val="1080"/>
+              </a:lnSpc>
+            </a:pPr>
             <a:r>
               <a:rPr kumimoji="1" lang="ja-JP" altLang="en-US" sz="900" dirty="0">
                 <a:solidFill>
@@ -20693,6 +20794,11 @@
             </a:endParaRPr>
           </a:p>
           <a:p>
+            <a:pPr>
+              <a:lnSpc>
+                <a:spcPts val="1080"/>
+              </a:lnSpc>
+            </a:pPr>
             <a:r>
               <a:rPr kumimoji="1" lang="ja-JP" altLang="en-US" sz="900" b="1" dirty="0">
                 <a:solidFill>
@@ -20793,6 +20899,11 @@
             </a:endParaRPr>
           </a:p>
           <a:p>
+            <a:pPr>
+              <a:lnSpc>
+                <a:spcPts val="1080"/>
+              </a:lnSpc>
+            </a:pPr>
             <a:r>
               <a:rPr kumimoji="1" lang="ja-JP" altLang="en-US" sz="900" dirty="0">
                 <a:solidFill>
@@ -20825,6 +20936,11 @@
             </a:endParaRPr>
           </a:p>
           <a:p>
+            <a:pPr>
+              <a:lnSpc>
+                <a:spcPts val="1080"/>
+              </a:lnSpc>
+            </a:pPr>
             <a:r>
               <a:rPr kumimoji="1" lang="ja-JP" altLang="en-US" sz="900" b="1" dirty="0">
                 <a:solidFill>
@@ -20902,6 +21018,11 @@
             </a:r>
           </a:p>
           <a:p>
+            <a:pPr>
+              <a:lnSpc>
+                <a:spcPts val="1080"/>
+              </a:lnSpc>
+            </a:pPr>
             <a:r>
               <a:rPr kumimoji="1" lang="ja-JP" altLang="en-US" sz="900" dirty="0">
                 <a:solidFill>
